--- a/Assets/Modi Flappy Bird.pptx
+++ b/Assets/Modi Flappy Bird.pptx
@@ -11,6 +11,9 @@
     <p:sldId id="259" r:id="rId5"/>
     <p:sldId id="261" r:id="rId6"/>
     <p:sldId id="260" r:id="rId7"/>
+    <p:sldId id="262" r:id="rId8"/>
+    <p:sldId id="264" r:id="rId9"/>
+    <p:sldId id="263" r:id="rId10"/>
   </p:sldIdLst>
   <p:sldSz cx="12192000" cy="6858000"/>
   <p:notesSz cx="6858000" cy="9144000"/>
@@ -259,7 +262,7 @@
           <a:p>
             <a:fld id="{5EDA0A71-86D3-4786-A507-7E9C05790A64}" type="datetimeFigureOut">
               <a:rPr lang="en-IN" smtClean="0"/>
-              <a:t>15-10-2014</a:t>
+              <a:t>29-10-2014</a:t>
             </a:fld>
             <a:endParaRPr lang="en-IN"/>
           </a:p>
@@ -429,7 +432,7 @@
           <a:p>
             <a:fld id="{5EDA0A71-86D3-4786-A507-7E9C05790A64}" type="datetimeFigureOut">
               <a:rPr lang="en-IN" smtClean="0"/>
-              <a:t>15-10-2014</a:t>
+              <a:t>29-10-2014</a:t>
             </a:fld>
             <a:endParaRPr lang="en-IN"/>
           </a:p>
@@ -609,7 +612,7 @@
           <a:p>
             <a:fld id="{5EDA0A71-86D3-4786-A507-7E9C05790A64}" type="datetimeFigureOut">
               <a:rPr lang="en-IN" smtClean="0"/>
-              <a:t>15-10-2014</a:t>
+              <a:t>29-10-2014</a:t>
             </a:fld>
             <a:endParaRPr lang="en-IN"/>
           </a:p>
@@ -779,7 +782,7 @@
           <a:p>
             <a:fld id="{5EDA0A71-86D3-4786-A507-7E9C05790A64}" type="datetimeFigureOut">
               <a:rPr lang="en-IN" smtClean="0"/>
-              <a:t>15-10-2014</a:t>
+              <a:t>29-10-2014</a:t>
             </a:fld>
             <a:endParaRPr lang="en-IN"/>
           </a:p>
@@ -1025,7 +1028,7 @@
           <a:p>
             <a:fld id="{5EDA0A71-86D3-4786-A507-7E9C05790A64}" type="datetimeFigureOut">
               <a:rPr lang="en-IN" smtClean="0"/>
-              <a:t>15-10-2014</a:t>
+              <a:t>29-10-2014</a:t>
             </a:fld>
             <a:endParaRPr lang="en-IN"/>
           </a:p>
@@ -1257,7 +1260,7 @@
           <a:p>
             <a:fld id="{5EDA0A71-86D3-4786-A507-7E9C05790A64}" type="datetimeFigureOut">
               <a:rPr lang="en-IN" smtClean="0"/>
-              <a:t>15-10-2014</a:t>
+              <a:t>29-10-2014</a:t>
             </a:fld>
             <a:endParaRPr lang="en-IN"/>
           </a:p>
@@ -1624,7 +1627,7 @@
           <a:p>
             <a:fld id="{5EDA0A71-86D3-4786-A507-7E9C05790A64}" type="datetimeFigureOut">
               <a:rPr lang="en-IN" smtClean="0"/>
-              <a:t>15-10-2014</a:t>
+              <a:t>29-10-2014</a:t>
             </a:fld>
             <a:endParaRPr lang="en-IN"/>
           </a:p>
@@ -1742,7 +1745,7 @@
           <a:p>
             <a:fld id="{5EDA0A71-86D3-4786-A507-7E9C05790A64}" type="datetimeFigureOut">
               <a:rPr lang="en-IN" smtClean="0"/>
-              <a:t>15-10-2014</a:t>
+              <a:t>29-10-2014</a:t>
             </a:fld>
             <a:endParaRPr lang="en-IN"/>
           </a:p>
@@ -1837,7 +1840,7 @@
           <a:p>
             <a:fld id="{5EDA0A71-86D3-4786-A507-7E9C05790A64}" type="datetimeFigureOut">
               <a:rPr lang="en-IN" smtClean="0"/>
-              <a:t>15-10-2014</a:t>
+              <a:t>29-10-2014</a:t>
             </a:fld>
             <a:endParaRPr lang="en-IN"/>
           </a:p>
@@ -2114,7 +2117,7 @@
           <a:p>
             <a:fld id="{5EDA0A71-86D3-4786-A507-7E9C05790A64}" type="datetimeFigureOut">
               <a:rPr lang="en-IN" smtClean="0"/>
-              <a:t>15-10-2014</a:t>
+              <a:t>29-10-2014</a:t>
             </a:fld>
             <a:endParaRPr lang="en-IN"/>
           </a:p>
@@ -2367,7 +2370,7 @@
           <a:p>
             <a:fld id="{5EDA0A71-86D3-4786-A507-7E9C05790A64}" type="datetimeFigureOut">
               <a:rPr lang="en-IN" smtClean="0"/>
-              <a:t>15-10-2014</a:t>
+              <a:t>29-10-2014</a:t>
             </a:fld>
             <a:endParaRPr lang="en-IN"/>
           </a:p>
@@ -2580,7 +2583,7 @@
           <a:p>
             <a:fld id="{5EDA0A71-86D3-4786-A507-7E9C05790A64}" type="datetimeFigureOut">
               <a:rPr lang="en-IN" smtClean="0"/>
-              <a:t>15-10-2014</a:t>
+              <a:t>29-10-2014</a:t>
             </a:fld>
             <a:endParaRPr lang="en-IN"/>
           </a:p>
@@ -3537,8 +3540,8 @@
         </p:nvSpPr>
         <p:spPr>
           <a:xfrm>
-            <a:off x="279400" y="211050"/>
-            <a:ext cx="3314700" cy="1657350"/>
+            <a:off x="3438235" y="304800"/>
+            <a:ext cx="7603837" cy="4653163"/>
           </a:xfrm>
           <a:prstGeom prst="roundRect">
             <a:avLst/>
@@ -3575,7 +3578,7 @@
           <a:p>
             <a:pPr algn="ctr"/>
             <a:r>
-              <a:rPr lang="en-IN" sz="6600" dirty="0" smtClean="0">
+              <a:rPr lang="en-IN" sz="19900" dirty="0" smtClean="0">
                 <a:effectLst>
                   <a:outerShdw blurRad="50800" dist="38100" dir="2700000" algn="tl" rotWithShape="0">
                     <a:prstClr val="black">
@@ -3587,7 +3590,7 @@
               </a:rPr>
               <a:t>PLAY</a:t>
             </a:r>
-            <a:endParaRPr lang="en-IN" sz="6600" dirty="0">
+            <a:endParaRPr lang="en-IN" sz="19900" dirty="0">
               <a:effectLst>
                 <a:outerShdw blurRad="50800" dist="38100" dir="2700000" algn="tl" rotWithShape="0">
                   <a:prstClr val="black">
@@ -3679,7 +3682,7 @@
         </p:nvSpPr>
         <p:spPr>
           <a:xfrm>
-            <a:off x="4267200" y="249150"/>
+            <a:off x="332509" y="4128422"/>
             <a:ext cx="1638300" cy="1657350"/>
           </a:xfrm>
           <a:prstGeom prst="ellipse">
@@ -3756,7 +3759,7 @@
         </p:nvGrpSpPr>
         <p:grpSpPr>
           <a:xfrm>
-            <a:off x="6096000" y="198350"/>
+            <a:off x="360218" y="142932"/>
             <a:ext cx="1663700" cy="1683046"/>
             <a:chOff x="4445000" y="1036549"/>
             <a:chExt cx="4254500" cy="4303971"/>
@@ -4149,6 +4152,2509 @@
           <a:chExt cx="0" cy="0"/>
         </a:xfrm>
       </p:grpSpPr>
+      <p:grpSp>
+        <p:nvGrpSpPr>
+          <p:cNvPr id="64" name="Group 63"/>
+          <p:cNvGrpSpPr/>
+          <p:nvPr/>
+        </p:nvGrpSpPr>
+        <p:grpSpPr>
+          <a:xfrm>
+            <a:off x="2984499" y="2165350"/>
+            <a:ext cx="5537201" cy="2422124"/>
+            <a:chOff x="2565399" y="3022600"/>
+            <a:chExt cx="5537201" cy="2422124"/>
+          </a:xfrm>
+        </p:grpSpPr>
+        <p:sp>
+          <p:nvSpPr>
+            <p:cNvPr id="12" name="Rectangle 11"/>
+            <p:cNvSpPr/>
+            <p:nvPr/>
+          </p:nvSpPr>
+          <p:spPr>
+            <a:xfrm>
+              <a:off x="4031732" y="4368800"/>
+              <a:ext cx="1587644" cy="1041400"/>
+            </a:xfrm>
+            <a:prstGeom prst="rect">
+              <a:avLst/>
+            </a:prstGeom>
+            <a:solidFill>
+              <a:schemeClr val="accent1">
+                <a:lumMod val="75000"/>
+              </a:schemeClr>
+            </a:solidFill>
+            <a:ln w="76200">
+              <a:noFill/>
+            </a:ln>
+          </p:spPr>
+          <p:style>
+            <a:lnRef idx="3">
+              <a:schemeClr val="lt1"/>
+            </a:lnRef>
+            <a:fillRef idx="1">
+              <a:schemeClr val="accent2"/>
+            </a:fillRef>
+            <a:effectRef idx="1">
+              <a:schemeClr val="accent2"/>
+            </a:effectRef>
+            <a:fontRef idx="minor">
+              <a:schemeClr val="lt1"/>
+            </a:fontRef>
+          </p:style>
+          <p:txBody>
+            <a:bodyPr rtlCol="0" anchor="ctr"/>
+            <a:lstStyle/>
+            <a:p>
+              <a:pPr algn="ctr"/>
+              <a:endParaRPr lang="en-IN"/>
+            </a:p>
+          </p:txBody>
+        </p:sp>
+        <p:sp>
+          <p:nvSpPr>
+            <p:cNvPr id="40" name="Rectangle 39"/>
+            <p:cNvSpPr/>
+            <p:nvPr/>
+          </p:nvSpPr>
+          <p:spPr>
+            <a:xfrm>
+              <a:off x="6352427" y="4521200"/>
+              <a:ext cx="873873" cy="342900"/>
+            </a:xfrm>
+            <a:prstGeom prst="rect">
+              <a:avLst/>
+            </a:prstGeom>
+            <a:solidFill>
+              <a:schemeClr val="accent1">
+                <a:lumMod val="75000"/>
+              </a:schemeClr>
+            </a:solidFill>
+            <a:ln>
+              <a:noFill/>
+            </a:ln>
+          </p:spPr>
+          <p:style>
+            <a:lnRef idx="3">
+              <a:schemeClr val="lt1"/>
+            </a:lnRef>
+            <a:fillRef idx="1">
+              <a:schemeClr val="accent2"/>
+            </a:fillRef>
+            <a:effectRef idx="1">
+              <a:schemeClr val="accent2"/>
+            </a:effectRef>
+            <a:fontRef idx="minor">
+              <a:schemeClr val="lt1"/>
+            </a:fontRef>
+          </p:style>
+          <p:txBody>
+            <a:bodyPr rtlCol="0" anchor="ctr"/>
+            <a:lstStyle/>
+            <a:p>
+              <a:pPr algn="ctr"/>
+              <a:endParaRPr lang="en-IN"/>
+            </a:p>
+          </p:txBody>
+        </p:sp>
+        <p:sp>
+          <p:nvSpPr>
+            <p:cNvPr id="52" name="Rectangle 51"/>
+            <p:cNvSpPr/>
+            <p:nvPr/>
+          </p:nvSpPr>
+          <p:spPr>
+            <a:xfrm flipH="1">
+              <a:off x="4267200" y="4724400"/>
+              <a:ext cx="698500" cy="342900"/>
+            </a:xfrm>
+            <a:prstGeom prst="rect">
+              <a:avLst/>
+            </a:prstGeom>
+            <a:solidFill>
+              <a:schemeClr val="accent1">
+                <a:lumMod val="75000"/>
+              </a:schemeClr>
+            </a:solidFill>
+            <a:ln>
+              <a:noFill/>
+            </a:ln>
+            <a:effectLst>
+              <a:outerShdw blurRad="50800" dist="38100" dir="5400000" algn="t" rotWithShape="0">
+                <a:prstClr val="black">
+                  <a:alpha val="40000"/>
+                </a:prstClr>
+              </a:outerShdw>
+            </a:effectLst>
+          </p:spPr>
+          <p:style>
+            <a:lnRef idx="3">
+              <a:schemeClr val="lt1"/>
+            </a:lnRef>
+            <a:fillRef idx="1">
+              <a:schemeClr val="accent2"/>
+            </a:fillRef>
+            <a:effectRef idx="1">
+              <a:schemeClr val="accent2"/>
+            </a:effectRef>
+            <a:fontRef idx="minor">
+              <a:schemeClr val="lt1"/>
+            </a:fontRef>
+          </p:style>
+          <p:txBody>
+            <a:bodyPr rtlCol="0" anchor="ctr"/>
+            <a:lstStyle/>
+            <a:p>
+              <a:pPr algn="ctr"/>
+              <a:endParaRPr lang="en-IN"/>
+            </a:p>
+          </p:txBody>
+        </p:sp>
+        <p:grpSp>
+          <p:nvGrpSpPr>
+            <p:cNvPr id="39" name="Group 38"/>
+            <p:cNvGrpSpPr/>
+            <p:nvPr/>
+          </p:nvGrpSpPr>
+          <p:grpSpPr>
+            <a:xfrm>
+              <a:off x="4482539" y="3022600"/>
+              <a:ext cx="2362726" cy="2422124"/>
+              <a:chOff x="4609539" y="1293712"/>
+              <a:chExt cx="3747246" cy="3643012"/>
+            </a:xfrm>
+          </p:grpSpPr>
+          <p:sp>
+            <p:nvSpPr>
+              <p:cNvPr id="27" name="Rectangle 26"/>
+              <p:cNvSpPr/>
+              <p:nvPr/>
+            </p:nvSpPr>
+            <p:spPr>
+              <a:xfrm>
+                <a:off x="7787527" y="2240616"/>
+                <a:ext cx="569258" cy="909917"/>
+              </a:xfrm>
+              <a:prstGeom prst="rect">
+                <a:avLst/>
+              </a:prstGeom>
+              <a:solidFill>
+                <a:schemeClr val="accent2">
+                  <a:lumMod val="75000"/>
+                </a:schemeClr>
+              </a:solidFill>
+              <a:ln>
+                <a:noFill/>
+              </a:ln>
+            </p:spPr>
+            <p:style>
+              <a:lnRef idx="3">
+                <a:schemeClr val="lt1"/>
+              </a:lnRef>
+              <a:fillRef idx="1">
+                <a:schemeClr val="accent2"/>
+              </a:fillRef>
+              <a:effectRef idx="1">
+                <a:schemeClr val="accent2"/>
+              </a:effectRef>
+              <a:fontRef idx="minor">
+                <a:schemeClr val="lt1"/>
+              </a:fontRef>
+            </p:style>
+            <p:txBody>
+              <a:bodyPr rtlCol="0" anchor="ctr"/>
+              <a:lstStyle/>
+              <a:p>
+                <a:pPr algn="ctr"/>
+                <a:endParaRPr lang="en-IN"/>
+              </a:p>
+            </p:txBody>
+          </p:sp>
+          <p:sp>
+            <p:nvSpPr>
+              <p:cNvPr id="26" name="Rectangle 25"/>
+              <p:cNvSpPr/>
+              <p:nvPr/>
+            </p:nvSpPr>
+            <p:spPr>
+              <a:xfrm>
+                <a:off x="4609539" y="2289922"/>
+                <a:ext cx="569258" cy="909917"/>
+              </a:xfrm>
+              <a:prstGeom prst="rect">
+                <a:avLst/>
+              </a:prstGeom>
+              <a:solidFill>
+                <a:schemeClr val="accent2">
+                  <a:lumMod val="75000"/>
+                </a:schemeClr>
+              </a:solidFill>
+              <a:ln>
+                <a:noFill/>
+              </a:ln>
+            </p:spPr>
+            <p:style>
+              <a:lnRef idx="3">
+                <a:schemeClr val="lt1"/>
+              </a:lnRef>
+              <a:fillRef idx="1">
+                <a:schemeClr val="accent2"/>
+              </a:fillRef>
+              <a:effectRef idx="1">
+                <a:schemeClr val="accent2"/>
+              </a:effectRef>
+              <a:fontRef idx="minor">
+                <a:schemeClr val="lt1"/>
+              </a:fontRef>
+            </p:style>
+            <p:txBody>
+              <a:bodyPr rtlCol="0" anchor="ctr"/>
+              <a:lstStyle/>
+              <a:p>
+                <a:pPr algn="ctr"/>
+                <a:endParaRPr lang="en-IN"/>
+              </a:p>
+            </p:txBody>
+          </p:sp>
+          <p:sp>
+            <p:nvSpPr>
+              <p:cNvPr id="9" name="Rectangle 8"/>
+              <p:cNvSpPr/>
+              <p:nvPr/>
+            </p:nvSpPr>
+            <p:spPr>
+              <a:xfrm>
+                <a:off x="4703147" y="1293712"/>
+                <a:ext cx="3417164" cy="3643012"/>
+              </a:xfrm>
+              <a:custGeom>
+                <a:avLst/>
+                <a:gdLst>
+                  <a:gd name="connsiteX0" fmla="*/ 0 w 3267635"/>
+                  <a:gd name="connsiteY0" fmla="*/ 0 h 3509682"/>
+                  <a:gd name="connsiteX1" fmla="*/ 3267635 w 3267635"/>
+                  <a:gd name="connsiteY1" fmla="*/ 0 h 3509682"/>
+                  <a:gd name="connsiteX2" fmla="*/ 3267635 w 3267635"/>
+                  <a:gd name="connsiteY2" fmla="*/ 3509682 h 3509682"/>
+                  <a:gd name="connsiteX3" fmla="*/ 0 w 3267635"/>
+                  <a:gd name="connsiteY3" fmla="*/ 3509682 h 3509682"/>
+                  <a:gd name="connsiteX4" fmla="*/ 0 w 3267635"/>
+                  <a:gd name="connsiteY4" fmla="*/ 0 h 3509682"/>
+                  <a:gd name="connsiteX0" fmla="*/ 0 w 3267635"/>
+                  <a:gd name="connsiteY0" fmla="*/ 0 h 3509682"/>
+                  <a:gd name="connsiteX1" fmla="*/ 3267635 w 3267635"/>
+                  <a:gd name="connsiteY1" fmla="*/ 0 h 3509682"/>
+                  <a:gd name="connsiteX2" fmla="*/ 3267635 w 3267635"/>
+                  <a:gd name="connsiteY2" fmla="*/ 3509682 h 3509682"/>
+                  <a:gd name="connsiteX3" fmla="*/ 430306 w 3267635"/>
+                  <a:gd name="connsiteY3" fmla="*/ 3186952 h 3509682"/>
+                  <a:gd name="connsiteX4" fmla="*/ 0 w 3267635"/>
+                  <a:gd name="connsiteY4" fmla="*/ 0 h 3509682"/>
+                  <a:gd name="connsiteX0" fmla="*/ 17103 w 3284738"/>
+                  <a:gd name="connsiteY0" fmla="*/ 0 h 3509682"/>
+                  <a:gd name="connsiteX1" fmla="*/ 3284738 w 3284738"/>
+                  <a:gd name="connsiteY1" fmla="*/ 0 h 3509682"/>
+                  <a:gd name="connsiteX2" fmla="*/ 3284738 w 3284738"/>
+                  <a:gd name="connsiteY2" fmla="*/ 3509682 h 3509682"/>
+                  <a:gd name="connsiteX3" fmla="*/ 447409 w 3284738"/>
+                  <a:gd name="connsiteY3" fmla="*/ 3186952 h 3509682"/>
+                  <a:gd name="connsiteX4" fmla="*/ 17103 w 3284738"/>
+                  <a:gd name="connsiteY4" fmla="*/ 0 h 3509682"/>
+                  <a:gd name="connsiteX0" fmla="*/ 17103 w 3284738"/>
+                  <a:gd name="connsiteY0" fmla="*/ 0 h 3509682"/>
+                  <a:gd name="connsiteX1" fmla="*/ 3284738 w 3284738"/>
+                  <a:gd name="connsiteY1" fmla="*/ 0 h 3509682"/>
+                  <a:gd name="connsiteX2" fmla="*/ 3284738 w 3284738"/>
+                  <a:gd name="connsiteY2" fmla="*/ 3509682 h 3509682"/>
+                  <a:gd name="connsiteX3" fmla="*/ 447409 w 3284738"/>
+                  <a:gd name="connsiteY3" fmla="*/ 3186952 h 3509682"/>
+                  <a:gd name="connsiteX4" fmla="*/ 17103 w 3284738"/>
+                  <a:gd name="connsiteY4" fmla="*/ 0 h 3509682"/>
+                  <a:gd name="connsiteX0" fmla="*/ 17103 w 3284738"/>
+                  <a:gd name="connsiteY0" fmla="*/ 0 h 3509682"/>
+                  <a:gd name="connsiteX1" fmla="*/ 3284738 w 3284738"/>
+                  <a:gd name="connsiteY1" fmla="*/ 0 h 3509682"/>
+                  <a:gd name="connsiteX2" fmla="*/ 3284738 w 3284738"/>
+                  <a:gd name="connsiteY2" fmla="*/ 3509682 h 3509682"/>
+                  <a:gd name="connsiteX3" fmla="*/ 447409 w 3284738"/>
+                  <a:gd name="connsiteY3" fmla="*/ 3173505 h 3509682"/>
+                  <a:gd name="connsiteX4" fmla="*/ 17103 w 3284738"/>
+                  <a:gd name="connsiteY4" fmla="*/ 0 h 3509682"/>
+                  <a:gd name="connsiteX0" fmla="*/ 17103 w 3284738"/>
+                  <a:gd name="connsiteY0" fmla="*/ 0 h 3509682"/>
+                  <a:gd name="connsiteX1" fmla="*/ 3284738 w 3284738"/>
+                  <a:gd name="connsiteY1" fmla="*/ 0 h 3509682"/>
+                  <a:gd name="connsiteX2" fmla="*/ 3284738 w 3284738"/>
+                  <a:gd name="connsiteY2" fmla="*/ 3509682 h 3509682"/>
+                  <a:gd name="connsiteX3" fmla="*/ 447409 w 3284738"/>
+                  <a:gd name="connsiteY3" fmla="*/ 3173505 h 3509682"/>
+                  <a:gd name="connsiteX4" fmla="*/ 17103 w 3284738"/>
+                  <a:gd name="connsiteY4" fmla="*/ 0 h 3509682"/>
+                  <a:gd name="connsiteX0" fmla="*/ 0 w 3267635"/>
+                  <a:gd name="connsiteY0" fmla="*/ 0 h 3509682"/>
+                  <a:gd name="connsiteX1" fmla="*/ 3267635 w 3267635"/>
+                  <a:gd name="connsiteY1" fmla="*/ 0 h 3509682"/>
+                  <a:gd name="connsiteX2" fmla="*/ 3267635 w 3267635"/>
+                  <a:gd name="connsiteY2" fmla="*/ 3509682 h 3509682"/>
+                  <a:gd name="connsiteX3" fmla="*/ 430306 w 3267635"/>
+                  <a:gd name="connsiteY3" fmla="*/ 3173505 h 3509682"/>
+                  <a:gd name="connsiteX4" fmla="*/ 0 w 3267635"/>
+                  <a:gd name="connsiteY4" fmla="*/ 0 h 3509682"/>
+                  <a:gd name="connsiteX0" fmla="*/ 84667 w 3352302"/>
+                  <a:gd name="connsiteY0" fmla="*/ 0 h 3509682"/>
+                  <a:gd name="connsiteX1" fmla="*/ 3352302 w 3352302"/>
+                  <a:gd name="connsiteY1" fmla="*/ 0 h 3509682"/>
+                  <a:gd name="connsiteX2" fmla="*/ 3352302 w 3352302"/>
+                  <a:gd name="connsiteY2" fmla="*/ 3509682 h 3509682"/>
+                  <a:gd name="connsiteX3" fmla="*/ 326714 w 3352302"/>
+                  <a:gd name="connsiteY3" fmla="*/ 3213846 h 3509682"/>
+                  <a:gd name="connsiteX4" fmla="*/ 84667 w 3352302"/>
+                  <a:gd name="connsiteY4" fmla="*/ 0 h 3509682"/>
+                  <a:gd name="connsiteX0" fmla="*/ 26113 w 3293748"/>
+                  <a:gd name="connsiteY0" fmla="*/ 0 h 3509682"/>
+                  <a:gd name="connsiteX1" fmla="*/ 3293748 w 3293748"/>
+                  <a:gd name="connsiteY1" fmla="*/ 0 h 3509682"/>
+                  <a:gd name="connsiteX2" fmla="*/ 3293748 w 3293748"/>
+                  <a:gd name="connsiteY2" fmla="*/ 3509682 h 3509682"/>
+                  <a:gd name="connsiteX3" fmla="*/ 362289 w 3293748"/>
+                  <a:gd name="connsiteY3" fmla="*/ 3227293 h 3509682"/>
+                  <a:gd name="connsiteX4" fmla="*/ 26113 w 3293748"/>
+                  <a:gd name="connsiteY4" fmla="*/ 0 h 3509682"/>
+                  <a:gd name="connsiteX0" fmla="*/ 26113 w 3293748"/>
+                  <a:gd name="connsiteY0" fmla="*/ 0 h 3418791"/>
+                  <a:gd name="connsiteX1" fmla="*/ 3293748 w 3293748"/>
+                  <a:gd name="connsiteY1" fmla="*/ 0 h 3418791"/>
+                  <a:gd name="connsiteX2" fmla="*/ 2971019 w 3293748"/>
+                  <a:gd name="connsiteY2" fmla="*/ 3361765 h 3418791"/>
+                  <a:gd name="connsiteX3" fmla="*/ 362289 w 3293748"/>
+                  <a:gd name="connsiteY3" fmla="*/ 3227293 h 3418791"/>
+                  <a:gd name="connsiteX4" fmla="*/ 26113 w 3293748"/>
+                  <a:gd name="connsiteY4" fmla="*/ 0 h 3418791"/>
+                  <a:gd name="connsiteX0" fmla="*/ 26113 w 3293748"/>
+                  <a:gd name="connsiteY0" fmla="*/ 0 h 3418791"/>
+                  <a:gd name="connsiteX1" fmla="*/ 3293748 w 3293748"/>
+                  <a:gd name="connsiteY1" fmla="*/ 0 h 3418791"/>
+                  <a:gd name="connsiteX2" fmla="*/ 2971019 w 3293748"/>
+                  <a:gd name="connsiteY2" fmla="*/ 3361765 h 3418791"/>
+                  <a:gd name="connsiteX3" fmla="*/ 362289 w 3293748"/>
+                  <a:gd name="connsiteY3" fmla="*/ 3227293 h 3418791"/>
+                  <a:gd name="connsiteX4" fmla="*/ 26113 w 3293748"/>
+                  <a:gd name="connsiteY4" fmla="*/ 0 h 3418791"/>
+                  <a:gd name="connsiteX0" fmla="*/ 26113 w 3293748"/>
+                  <a:gd name="connsiteY0" fmla="*/ 0 h 3527488"/>
+                  <a:gd name="connsiteX1" fmla="*/ 3293748 w 3293748"/>
+                  <a:gd name="connsiteY1" fmla="*/ 0 h 3527488"/>
+                  <a:gd name="connsiteX2" fmla="*/ 2971019 w 3293748"/>
+                  <a:gd name="connsiteY2" fmla="*/ 3361765 h 3527488"/>
+                  <a:gd name="connsiteX3" fmla="*/ 362289 w 3293748"/>
+                  <a:gd name="connsiteY3" fmla="*/ 3227293 h 3527488"/>
+                  <a:gd name="connsiteX4" fmla="*/ 26113 w 3293748"/>
+                  <a:gd name="connsiteY4" fmla="*/ 0 h 3527488"/>
+                  <a:gd name="connsiteX0" fmla="*/ 26113 w 3293748"/>
+                  <a:gd name="connsiteY0" fmla="*/ 0 h 3440139"/>
+                  <a:gd name="connsiteX1" fmla="*/ 3293748 w 3293748"/>
+                  <a:gd name="connsiteY1" fmla="*/ 0 h 3440139"/>
+                  <a:gd name="connsiteX2" fmla="*/ 2944125 w 3293748"/>
+                  <a:gd name="connsiteY2" fmla="*/ 3160059 h 3440139"/>
+                  <a:gd name="connsiteX3" fmla="*/ 362289 w 3293748"/>
+                  <a:gd name="connsiteY3" fmla="*/ 3227293 h 3440139"/>
+                  <a:gd name="connsiteX4" fmla="*/ 26113 w 3293748"/>
+                  <a:gd name="connsiteY4" fmla="*/ 0 h 3440139"/>
+                  <a:gd name="connsiteX0" fmla="*/ 26113 w 3293748"/>
+                  <a:gd name="connsiteY0" fmla="*/ 0 h 3493760"/>
+                  <a:gd name="connsiteX1" fmla="*/ 3293748 w 3293748"/>
+                  <a:gd name="connsiteY1" fmla="*/ 0 h 3493760"/>
+                  <a:gd name="connsiteX2" fmla="*/ 2944125 w 3293748"/>
+                  <a:gd name="connsiteY2" fmla="*/ 3160059 h 3493760"/>
+                  <a:gd name="connsiteX3" fmla="*/ 362289 w 3293748"/>
+                  <a:gd name="connsiteY3" fmla="*/ 3227293 h 3493760"/>
+                  <a:gd name="connsiteX4" fmla="*/ 26113 w 3293748"/>
+                  <a:gd name="connsiteY4" fmla="*/ 0 h 3493760"/>
+                  <a:gd name="connsiteX0" fmla="*/ 26113 w 3314144"/>
+                  <a:gd name="connsiteY0" fmla="*/ 0 h 3499638"/>
+                  <a:gd name="connsiteX1" fmla="*/ 3293748 w 3314144"/>
+                  <a:gd name="connsiteY1" fmla="*/ 0 h 3499638"/>
+                  <a:gd name="connsiteX2" fmla="*/ 3038255 w 3314144"/>
+                  <a:gd name="connsiteY2" fmla="*/ 3173506 h 3499638"/>
+                  <a:gd name="connsiteX3" fmla="*/ 362289 w 3314144"/>
+                  <a:gd name="connsiteY3" fmla="*/ 3227293 h 3499638"/>
+                  <a:gd name="connsiteX4" fmla="*/ 26113 w 3314144"/>
+                  <a:gd name="connsiteY4" fmla="*/ 0 h 3499638"/>
+                  <a:gd name="connsiteX0" fmla="*/ 67164 w 3355195"/>
+                  <a:gd name="connsiteY0" fmla="*/ 0 h 3485002"/>
+                  <a:gd name="connsiteX1" fmla="*/ 3334799 w 3355195"/>
+                  <a:gd name="connsiteY1" fmla="*/ 0 h 3485002"/>
+                  <a:gd name="connsiteX2" fmla="*/ 3079306 w 3355195"/>
+                  <a:gd name="connsiteY2" fmla="*/ 3173506 h 3485002"/>
+                  <a:gd name="connsiteX3" fmla="*/ 336105 w 3355195"/>
+                  <a:gd name="connsiteY3" fmla="*/ 3200399 h 3485002"/>
+                  <a:gd name="connsiteX4" fmla="*/ 67164 w 3355195"/>
+                  <a:gd name="connsiteY4" fmla="*/ 0 h 3485002"/>
+                  <a:gd name="connsiteX0" fmla="*/ 49869 w 3337900"/>
+                  <a:gd name="connsiteY0" fmla="*/ 0 h 3485002"/>
+                  <a:gd name="connsiteX1" fmla="*/ 3317504 w 3337900"/>
+                  <a:gd name="connsiteY1" fmla="*/ 0 h 3485002"/>
+                  <a:gd name="connsiteX2" fmla="*/ 3062011 w 3337900"/>
+                  <a:gd name="connsiteY2" fmla="*/ 3173506 h 3485002"/>
+                  <a:gd name="connsiteX3" fmla="*/ 318810 w 3337900"/>
+                  <a:gd name="connsiteY3" fmla="*/ 3200399 h 3485002"/>
+                  <a:gd name="connsiteX4" fmla="*/ 49869 w 3337900"/>
+                  <a:gd name="connsiteY4" fmla="*/ 0 h 3485002"/>
+                  <a:gd name="connsiteX0" fmla="*/ 41470 w 3342948"/>
+                  <a:gd name="connsiteY0" fmla="*/ 13447 h 3485002"/>
+                  <a:gd name="connsiteX1" fmla="*/ 3322552 w 3342948"/>
+                  <a:gd name="connsiteY1" fmla="*/ 0 h 3485002"/>
+                  <a:gd name="connsiteX2" fmla="*/ 3067059 w 3342948"/>
+                  <a:gd name="connsiteY2" fmla="*/ 3173506 h 3485002"/>
+                  <a:gd name="connsiteX3" fmla="*/ 323858 w 3342948"/>
+                  <a:gd name="connsiteY3" fmla="*/ 3200399 h 3485002"/>
+                  <a:gd name="connsiteX4" fmla="*/ 41470 w 3342948"/>
+                  <a:gd name="connsiteY4" fmla="*/ 13447 h 3485002"/>
+                  <a:gd name="connsiteX0" fmla="*/ 158372 w 3459850"/>
+                  <a:gd name="connsiteY0" fmla="*/ 13447 h 3485002"/>
+                  <a:gd name="connsiteX1" fmla="*/ 3439454 w 3459850"/>
+                  <a:gd name="connsiteY1" fmla="*/ 0 h 3485002"/>
+                  <a:gd name="connsiteX2" fmla="*/ 3183961 w 3459850"/>
+                  <a:gd name="connsiteY2" fmla="*/ 3173506 h 3485002"/>
+                  <a:gd name="connsiteX3" fmla="*/ 440760 w 3459850"/>
+                  <a:gd name="connsiteY3" fmla="*/ 3200399 h 3485002"/>
+                  <a:gd name="connsiteX4" fmla="*/ 158372 w 3459850"/>
+                  <a:gd name="connsiteY4" fmla="*/ 13447 h 3485002"/>
+                  <a:gd name="connsiteX0" fmla="*/ 225761 w 3392769"/>
+                  <a:gd name="connsiteY0" fmla="*/ 0 h 3552237"/>
+                  <a:gd name="connsiteX1" fmla="*/ 3372373 w 3392769"/>
+                  <a:gd name="connsiteY1" fmla="*/ 67235 h 3552237"/>
+                  <a:gd name="connsiteX2" fmla="*/ 3116880 w 3392769"/>
+                  <a:gd name="connsiteY2" fmla="*/ 3240741 h 3552237"/>
+                  <a:gd name="connsiteX3" fmla="*/ 373679 w 3392769"/>
+                  <a:gd name="connsiteY3" fmla="*/ 3267634 h 3552237"/>
+                  <a:gd name="connsiteX4" fmla="*/ 225761 w 3392769"/>
+                  <a:gd name="connsiteY4" fmla="*/ 0 h 3552237"/>
+                  <a:gd name="connsiteX0" fmla="*/ 225761 w 3392769"/>
+                  <a:gd name="connsiteY0" fmla="*/ 110299 h 3662536"/>
+                  <a:gd name="connsiteX1" fmla="*/ 3372373 w 3392769"/>
+                  <a:gd name="connsiteY1" fmla="*/ 177534 h 3662536"/>
+                  <a:gd name="connsiteX2" fmla="*/ 3116880 w 3392769"/>
+                  <a:gd name="connsiteY2" fmla="*/ 3351040 h 3662536"/>
+                  <a:gd name="connsiteX3" fmla="*/ 373679 w 3392769"/>
+                  <a:gd name="connsiteY3" fmla="*/ 3377933 h 3662536"/>
+                  <a:gd name="connsiteX4" fmla="*/ 225761 w 3392769"/>
+                  <a:gd name="connsiteY4" fmla="*/ 110299 h 3662536"/>
+                  <a:gd name="connsiteX0" fmla="*/ 241181 w 3381295"/>
+                  <a:gd name="connsiteY0" fmla="*/ 148400 h 3566167"/>
+                  <a:gd name="connsiteX1" fmla="*/ 3360899 w 3381295"/>
+                  <a:gd name="connsiteY1" fmla="*/ 81165 h 3566167"/>
+                  <a:gd name="connsiteX2" fmla="*/ 3105406 w 3381295"/>
+                  <a:gd name="connsiteY2" fmla="*/ 3254671 h 3566167"/>
+                  <a:gd name="connsiteX3" fmla="*/ 362205 w 3381295"/>
+                  <a:gd name="connsiteY3" fmla="*/ 3281564 h 3566167"/>
+                  <a:gd name="connsiteX4" fmla="*/ 241181 w 3381295"/>
+                  <a:gd name="connsiteY4" fmla="*/ 148400 h 3566167"/>
+                  <a:gd name="connsiteX0" fmla="*/ 282910 w 3423024"/>
+                  <a:gd name="connsiteY0" fmla="*/ 148400 h 3566167"/>
+                  <a:gd name="connsiteX1" fmla="*/ 3402628 w 3423024"/>
+                  <a:gd name="connsiteY1" fmla="*/ 81165 h 3566167"/>
+                  <a:gd name="connsiteX2" fmla="*/ 3147135 w 3423024"/>
+                  <a:gd name="connsiteY2" fmla="*/ 3254671 h 3566167"/>
+                  <a:gd name="connsiteX3" fmla="*/ 403934 w 3423024"/>
+                  <a:gd name="connsiteY3" fmla="*/ 3281564 h 3566167"/>
+                  <a:gd name="connsiteX4" fmla="*/ 282910 w 3423024"/>
+                  <a:gd name="connsiteY4" fmla="*/ 148400 h 3566167"/>
+                  <a:gd name="connsiteX0" fmla="*/ 282910 w 3352183"/>
+                  <a:gd name="connsiteY0" fmla="*/ 113234 h 3531001"/>
+                  <a:gd name="connsiteX1" fmla="*/ 3174028 w 3352183"/>
+                  <a:gd name="connsiteY1" fmla="*/ 167023 h 3531001"/>
+                  <a:gd name="connsiteX2" fmla="*/ 3147135 w 3352183"/>
+                  <a:gd name="connsiteY2" fmla="*/ 3219505 h 3531001"/>
+                  <a:gd name="connsiteX3" fmla="*/ 403934 w 3352183"/>
+                  <a:gd name="connsiteY3" fmla="*/ 3246398 h 3531001"/>
+                  <a:gd name="connsiteX4" fmla="*/ 282910 w 3352183"/>
+                  <a:gd name="connsiteY4" fmla="*/ 113234 h 3531001"/>
+                  <a:gd name="connsiteX0" fmla="*/ 282910 w 3422032"/>
+                  <a:gd name="connsiteY0" fmla="*/ 113234 h 3531001"/>
+                  <a:gd name="connsiteX1" fmla="*/ 3174028 w 3422032"/>
+                  <a:gd name="connsiteY1" fmla="*/ 167023 h 3531001"/>
+                  <a:gd name="connsiteX2" fmla="*/ 3147135 w 3422032"/>
+                  <a:gd name="connsiteY2" fmla="*/ 3219505 h 3531001"/>
+                  <a:gd name="connsiteX3" fmla="*/ 403934 w 3422032"/>
+                  <a:gd name="connsiteY3" fmla="*/ 3246398 h 3531001"/>
+                  <a:gd name="connsiteX4" fmla="*/ 282910 w 3422032"/>
+                  <a:gd name="connsiteY4" fmla="*/ 113234 h 3531001"/>
+                  <a:gd name="connsiteX0" fmla="*/ 282910 w 3422032"/>
+                  <a:gd name="connsiteY0" fmla="*/ 339509 h 3757276"/>
+                  <a:gd name="connsiteX1" fmla="*/ 3174028 w 3422032"/>
+                  <a:gd name="connsiteY1" fmla="*/ 393298 h 3757276"/>
+                  <a:gd name="connsiteX2" fmla="*/ 3147135 w 3422032"/>
+                  <a:gd name="connsiteY2" fmla="*/ 3445780 h 3757276"/>
+                  <a:gd name="connsiteX3" fmla="*/ 403934 w 3422032"/>
+                  <a:gd name="connsiteY3" fmla="*/ 3472673 h 3757276"/>
+                  <a:gd name="connsiteX4" fmla="*/ 282910 w 3422032"/>
+                  <a:gd name="connsiteY4" fmla="*/ 339509 h 3757276"/>
+                  <a:gd name="connsiteX0" fmla="*/ 282910 w 3417164"/>
+                  <a:gd name="connsiteY0" fmla="*/ 225245 h 3643012"/>
+                  <a:gd name="connsiteX1" fmla="*/ 3160581 w 3417164"/>
+                  <a:gd name="connsiteY1" fmla="*/ 494186 h 3643012"/>
+                  <a:gd name="connsiteX2" fmla="*/ 3147135 w 3417164"/>
+                  <a:gd name="connsiteY2" fmla="*/ 3331516 h 3643012"/>
+                  <a:gd name="connsiteX3" fmla="*/ 403934 w 3417164"/>
+                  <a:gd name="connsiteY3" fmla="*/ 3358409 h 3643012"/>
+                  <a:gd name="connsiteX4" fmla="*/ 282910 w 3417164"/>
+                  <a:gd name="connsiteY4" fmla="*/ 225245 h 3643012"/>
+                </a:gdLst>
+                <a:ahLst/>
+                <a:cxnLst>
+                  <a:cxn ang="0">
+                    <a:pos x="connsiteX0" y="connsiteY0"/>
+                  </a:cxn>
+                  <a:cxn ang="0">
+                    <a:pos x="connsiteX1" y="connsiteY1"/>
+                  </a:cxn>
+                  <a:cxn ang="0">
+                    <a:pos x="connsiteX2" y="connsiteY2"/>
+                  </a:cxn>
+                  <a:cxn ang="0">
+                    <a:pos x="connsiteX3" y="connsiteY3"/>
+                  </a:cxn>
+                  <a:cxn ang="0">
+                    <a:pos x="connsiteX4" y="connsiteY4"/>
+                  </a:cxn>
+                </a:cxnLst>
+                <a:rect l="l" t="t" r="r" b="b"/>
+                <a:pathLst>
+                  <a:path w="3417164" h="3643012">
+                    <a:moveTo>
+                      <a:pt x="282910" y="225245"/>
+                    </a:moveTo>
+                    <a:cubicBezTo>
+                      <a:pt x="1439357" y="-48178"/>
+                      <a:pt x="3106793" y="-187131"/>
+                      <a:pt x="3160581" y="494186"/>
+                    </a:cubicBezTo>
+                    <a:cubicBezTo>
+                      <a:pt x="3335394" y="-39214"/>
+                      <a:pt x="3644676" y="3084987"/>
+                      <a:pt x="3147135" y="3331516"/>
+                    </a:cubicBezTo>
+                    <a:cubicBezTo>
+                      <a:pt x="2174465" y="3721481"/>
+                      <a:pt x="1416945" y="3761822"/>
+                      <a:pt x="403934" y="3358409"/>
+                    </a:cubicBezTo>
+                    <a:cubicBezTo>
+                      <a:pt x="-210148" y="2807081"/>
+                      <a:pt x="-17408" y="319374"/>
+                      <a:pt x="282910" y="225245"/>
+                    </a:cubicBezTo>
+                    <a:close/>
+                  </a:path>
+                </a:pathLst>
+              </a:custGeom>
+              <a:solidFill>
+                <a:schemeClr val="bg2">
+                  <a:lumMod val="90000"/>
+                </a:schemeClr>
+              </a:solidFill>
+              <a:ln w="76200">
+                <a:noFill/>
+              </a:ln>
+            </p:spPr>
+            <p:style>
+              <a:lnRef idx="3">
+                <a:schemeClr val="lt1"/>
+              </a:lnRef>
+              <a:fillRef idx="1">
+                <a:schemeClr val="accent2"/>
+              </a:fillRef>
+              <a:effectRef idx="1">
+                <a:schemeClr val="accent2"/>
+              </a:effectRef>
+              <a:fontRef idx="minor">
+                <a:schemeClr val="lt1"/>
+              </a:fontRef>
+            </p:style>
+            <p:txBody>
+              <a:bodyPr rtlCol="0" anchor="ctr"/>
+              <a:lstStyle/>
+              <a:p>
+                <a:pPr algn="ctr"/>
+                <a:endParaRPr lang="en-IN"/>
+              </a:p>
+            </p:txBody>
+          </p:sp>
+          <p:sp>
+            <p:nvSpPr>
+              <p:cNvPr id="2" name="Rectangle 1"/>
+              <p:cNvSpPr/>
+              <p:nvPr/>
+            </p:nvSpPr>
+            <p:spPr>
+              <a:xfrm>
+                <a:off x="4891928" y="1994562"/>
+                <a:ext cx="3119717" cy="2012101"/>
+              </a:xfrm>
+              <a:custGeom>
+                <a:avLst/>
+                <a:gdLst>
+                  <a:gd name="connsiteX0" fmla="*/ 0 w 3119717"/>
+                  <a:gd name="connsiteY0" fmla="*/ 0 h 1909482"/>
+                  <a:gd name="connsiteX1" fmla="*/ 3119717 w 3119717"/>
+                  <a:gd name="connsiteY1" fmla="*/ 0 h 1909482"/>
+                  <a:gd name="connsiteX2" fmla="*/ 3119717 w 3119717"/>
+                  <a:gd name="connsiteY2" fmla="*/ 1909482 h 1909482"/>
+                  <a:gd name="connsiteX3" fmla="*/ 0 w 3119717"/>
+                  <a:gd name="connsiteY3" fmla="*/ 1909482 h 1909482"/>
+                  <a:gd name="connsiteX4" fmla="*/ 0 w 3119717"/>
+                  <a:gd name="connsiteY4" fmla="*/ 0 h 1909482"/>
+                  <a:gd name="connsiteX0" fmla="*/ 161365 w 3119717"/>
+                  <a:gd name="connsiteY0" fmla="*/ 107576 h 1909482"/>
+                  <a:gd name="connsiteX1" fmla="*/ 3119717 w 3119717"/>
+                  <a:gd name="connsiteY1" fmla="*/ 0 h 1909482"/>
+                  <a:gd name="connsiteX2" fmla="*/ 3119717 w 3119717"/>
+                  <a:gd name="connsiteY2" fmla="*/ 1909482 h 1909482"/>
+                  <a:gd name="connsiteX3" fmla="*/ 0 w 3119717"/>
+                  <a:gd name="connsiteY3" fmla="*/ 1909482 h 1909482"/>
+                  <a:gd name="connsiteX4" fmla="*/ 161365 w 3119717"/>
+                  <a:gd name="connsiteY4" fmla="*/ 107576 h 1909482"/>
+                  <a:gd name="connsiteX0" fmla="*/ 161365 w 3119717"/>
+                  <a:gd name="connsiteY0" fmla="*/ 107576 h 1909482"/>
+                  <a:gd name="connsiteX1" fmla="*/ 3119717 w 3119717"/>
+                  <a:gd name="connsiteY1" fmla="*/ 0 h 1909482"/>
+                  <a:gd name="connsiteX2" fmla="*/ 3119717 w 3119717"/>
+                  <a:gd name="connsiteY2" fmla="*/ 1909482 h 1909482"/>
+                  <a:gd name="connsiteX3" fmla="*/ 0 w 3119717"/>
+                  <a:gd name="connsiteY3" fmla="*/ 1909482 h 1909482"/>
+                  <a:gd name="connsiteX4" fmla="*/ 161365 w 3119717"/>
+                  <a:gd name="connsiteY4" fmla="*/ 107576 h 1909482"/>
+                  <a:gd name="connsiteX0" fmla="*/ 161365 w 3119717"/>
+                  <a:gd name="connsiteY0" fmla="*/ 142085 h 1943991"/>
+                  <a:gd name="connsiteX1" fmla="*/ 3119717 w 3119717"/>
+                  <a:gd name="connsiteY1" fmla="*/ 34509 h 1943991"/>
+                  <a:gd name="connsiteX2" fmla="*/ 3119717 w 3119717"/>
+                  <a:gd name="connsiteY2" fmla="*/ 1943991 h 1943991"/>
+                  <a:gd name="connsiteX3" fmla="*/ 0 w 3119717"/>
+                  <a:gd name="connsiteY3" fmla="*/ 1943991 h 1943991"/>
+                  <a:gd name="connsiteX4" fmla="*/ 161365 w 3119717"/>
+                  <a:gd name="connsiteY4" fmla="*/ 142085 h 1943991"/>
+                  <a:gd name="connsiteX0" fmla="*/ 161365 w 3119717"/>
+                  <a:gd name="connsiteY0" fmla="*/ 137069 h 1938975"/>
+                  <a:gd name="connsiteX1" fmla="*/ 2971799 w 3119717"/>
+                  <a:gd name="connsiteY1" fmla="*/ 42940 h 1938975"/>
+                  <a:gd name="connsiteX2" fmla="*/ 3119717 w 3119717"/>
+                  <a:gd name="connsiteY2" fmla="*/ 1938975 h 1938975"/>
+                  <a:gd name="connsiteX3" fmla="*/ 0 w 3119717"/>
+                  <a:gd name="connsiteY3" fmla="*/ 1938975 h 1938975"/>
+                  <a:gd name="connsiteX4" fmla="*/ 161365 w 3119717"/>
+                  <a:gd name="connsiteY4" fmla="*/ 137069 h 1938975"/>
+                  <a:gd name="connsiteX0" fmla="*/ 161365 w 3119717"/>
+                  <a:gd name="connsiteY0" fmla="*/ 210195 h 2012101"/>
+                  <a:gd name="connsiteX1" fmla="*/ 2971799 w 3119717"/>
+                  <a:gd name="connsiteY1" fmla="*/ 116066 h 2012101"/>
+                  <a:gd name="connsiteX2" fmla="*/ 3119717 w 3119717"/>
+                  <a:gd name="connsiteY2" fmla="*/ 2012101 h 2012101"/>
+                  <a:gd name="connsiteX3" fmla="*/ 0 w 3119717"/>
+                  <a:gd name="connsiteY3" fmla="*/ 2012101 h 2012101"/>
+                  <a:gd name="connsiteX4" fmla="*/ 161365 w 3119717"/>
+                  <a:gd name="connsiteY4" fmla="*/ 210195 h 2012101"/>
+                  <a:gd name="connsiteX0" fmla="*/ 161365 w 3119717"/>
+                  <a:gd name="connsiteY0" fmla="*/ 210195 h 2012101"/>
+                  <a:gd name="connsiteX1" fmla="*/ 2971799 w 3119717"/>
+                  <a:gd name="connsiteY1" fmla="*/ 116066 h 2012101"/>
+                  <a:gd name="connsiteX2" fmla="*/ 3119717 w 3119717"/>
+                  <a:gd name="connsiteY2" fmla="*/ 2012101 h 2012101"/>
+                  <a:gd name="connsiteX3" fmla="*/ 0 w 3119717"/>
+                  <a:gd name="connsiteY3" fmla="*/ 2012101 h 2012101"/>
+                  <a:gd name="connsiteX4" fmla="*/ 161365 w 3119717"/>
+                  <a:gd name="connsiteY4" fmla="*/ 210195 h 2012101"/>
+                </a:gdLst>
+                <a:ahLst/>
+                <a:cxnLst>
+                  <a:cxn ang="0">
+                    <a:pos x="connsiteX0" y="connsiteY0"/>
+                  </a:cxn>
+                  <a:cxn ang="0">
+                    <a:pos x="connsiteX1" y="connsiteY1"/>
+                  </a:cxn>
+                  <a:cxn ang="0">
+                    <a:pos x="connsiteX2" y="connsiteY2"/>
+                  </a:cxn>
+                  <a:cxn ang="0">
+                    <a:pos x="connsiteX3" y="connsiteY3"/>
+                  </a:cxn>
+                  <a:cxn ang="0">
+                    <a:pos x="connsiteX4" y="connsiteY4"/>
+                  </a:cxn>
+                </a:cxnLst>
+                <a:rect l="l" t="t" r="r" b="b"/>
+                <a:pathLst>
+                  <a:path w="3119717" h="2012101">
+                    <a:moveTo>
+                      <a:pt x="161365" y="210195"/>
+                    </a:moveTo>
+                    <a:cubicBezTo>
+                      <a:pt x="434788" y="-54264"/>
+                      <a:pt x="2604246" y="-49781"/>
+                      <a:pt x="2971799" y="116066"/>
+                    </a:cubicBezTo>
+                    <a:cubicBezTo>
+                      <a:pt x="3169023" y="169854"/>
+                      <a:pt x="3070411" y="1380089"/>
+                      <a:pt x="3119717" y="2012101"/>
+                    </a:cubicBezTo>
+                    <a:lnTo>
+                      <a:pt x="0" y="2012101"/>
+                    </a:lnTo>
+                    <a:cubicBezTo>
+                      <a:pt x="53788" y="1411466"/>
+                      <a:pt x="-94129" y="367077"/>
+                      <a:pt x="161365" y="210195"/>
+                    </a:cubicBezTo>
+                    <a:close/>
+                  </a:path>
+                </a:pathLst>
+              </a:custGeom>
+              <a:solidFill>
+                <a:schemeClr val="accent2">
+                  <a:lumMod val="75000"/>
+                </a:schemeClr>
+              </a:solidFill>
+              <a:ln>
+                <a:noFill/>
+              </a:ln>
+            </p:spPr>
+            <p:style>
+              <a:lnRef idx="3">
+                <a:schemeClr val="lt1"/>
+              </a:lnRef>
+              <a:fillRef idx="1">
+                <a:schemeClr val="accent2"/>
+              </a:fillRef>
+              <a:effectRef idx="1">
+                <a:schemeClr val="accent2"/>
+              </a:effectRef>
+              <a:fontRef idx="minor">
+                <a:schemeClr val="lt1"/>
+              </a:fontRef>
+            </p:style>
+            <p:txBody>
+              <a:bodyPr rtlCol="0" anchor="ctr"/>
+              <a:lstStyle/>
+              <a:p>
+                <a:pPr algn="ctr"/>
+                <a:endParaRPr lang="en-IN"/>
+              </a:p>
+            </p:txBody>
+          </p:sp>
+          <p:sp>
+            <p:nvSpPr>
+              <p:cNvPr id="3" name="Rounded Rectangle 2"/>
+              <p:cNvSpPr/>
+              <p:nvPr/>
+            </p:nvSpPr>
+            <p:spPr>
+              <a:xfrm>
+                <a:off x="5353612" y="2635062"/>
+                <a:ext cx="627528" cy="632013"/>
+              </a:xfrm>
+              <a:prstGeom prst="roundRect">
+                <a:avLst/>
+              </a:prstGeom>
+              <a:solidFill>
+                <a:schemeClr val="bg1"/>
+              </a:solidFill>
+              <a:ln w="76200">
+                <a:solidFill>
+                  <a:schemeClr val="bg2">
+                    <a:lumMod val="90000"/>
+                  </a:schemeClr>
+                </a:solidFill>
+              </a:ln>
+            </p:spPr>
+            <p:style>
+              <a:lnRef idx="3">
+                <a:schemeClr val="lt1"/>
+              </a:lnRef>
+              <a:fillRef idx="1">
+                <a:schemeClr val="accent2"/>
+              </a:fillRef>
+              <a:effectRef idx="1">
+                <a:schemeClr val="accent2"/>
+              </a:effectRef>
+              <a:fontRef idx="minor">
+                <a:schemeClr val="lt1"/>
+              </a:fontRef>
+            </p:style>
+            <p:txBody>
+              <a:bodyPr rtlCol="0" anchor="ctr"/>
+              <a:lstStyle/>
+              <a:p>
+                <a:pPr algn="ctr"/>
+                <a:endParaRPr lang="en-IN"/>
+              </a:p>
+            </p:txBody>
+          </p:sp>
+          <p:sp>
+            <p:nvSpPr>
+              <p:cNvPr id="5" name="Rectangle 4"/>
+              <p:cNvSpPr/>
+              <p:nvPr/>
+            </p:nvSpPr>
+            <p:spPr>
+              <a:xfrm>
+                <a:off x="4891928" y="3500900"/>
+                <a:ext cx="3146612" cy="788152"/>
+              </a:xfrm>
+              <a:custGeom>
+                <a:avLst/>
+                <a:gdLst>
+                  <a:gd name="connsiteX0" fmla="*/ 0 w 3146612"/>
+                  <a:gd name="connsiteY0" fmla="*/ 0 h 1277472"/>
+                  <a:gd name="connsiteX1" fmla="*/ 3146612 w 3146612"/>
+                  <a:gd name="connsiteY1" fmla="*/ 0 h 1277472"/>
+                  <a:gd name="connsiteX2" fmla="*/ 3146612 w 3146612"/>
+                  <a:gd name="connsiteY2" fmla="*/ 1277472 h 1277472"/>
+                  <a:gd name="connsiteX3" fmla="*/ 0 w 3146612"/>
+                  <a:gd name="connsiteY3" fmla="*/ 1277472 h 1277472"/>
+                  <a:gd name="connsiteX4" fmla="*/ 0 w 3146612"/>
+                  <a:gd name="connsiteY4" fmla="*/ 0 h 1277472"/>
+                  <a:gd name="connsiteX0" fmla="*/ 0 w 3146612"/>
+                  <a:gd name="connsiteY0" fmla="*/ 62 h 1277534"/>
+                  <a:gd name="connsiteX1" fmla="*/ 389965 w 3146612"/>
+                  <a:gd name="connsiteY1" fmla="*/ 228662 h 1277534"/>
+                  <a:gd name="connsiteX2" fmla="*/ 3146612 w 3146612"/>
+                  <a:gd name="connsiteY2" fmla="*/ 62 h 1277534"/>
+                  <a:gd name="connsiteX3" fmla="*/ 3146612 w 3146612"/>
+                  <a:gd name="connsiteY3" fmla="*/ 1277534 h 1277534"/>
+                  <a:gd name="connsiteX4" fmla="*/ 0 w 3146612"/>
+                  <a:gd name="connsiteY4" fmla="*/ 1277534 h 1277534"/>
+                  <a:gd name="connsiteX5" fmla="*/ 0 w 3146612"/>
+                  <a:gd name="connsiteY5" fmla="*/ 62 h 1277534"/>
+                  <a:gd name="connsiteX0" fmla="*/ 0 w 3146612"/>
+                  <a:gd name="connsiteY0" fmla="*/ 62 h 1277534"/>
+                  <a:gd name="connsiteX1" fmla="*/ 389965 w 3146612"/>
+                  <a:gd name="connsiteY1" fmla="*/ 228662 h 1277534"/>
+                  <a:gd name="connsiteX2" fmla="*/ 3146612 w 3146612"/>
+                  <a:gd name="connsiteY2" fmla="*/ 62 h 1277534"/>
+                  <a:gd name="connsiteX3" fmla="*/ 3146612 w 3146612"/>
+                  <a:gd name="connsiteY3" fmla="*/ 1277534 h 1277534"/>
+                  <a:gd name="connsiteX4" fmla="*/ 0 w 3146612"/>
+                  <a:gd name="connsiteY4" fmla="*/ 1277534 h 1277534"/>
+                  <a:gd name="connsiteX5" fmla="*/ 0 w 3146612"/>
+                  <a:gd name="connsiteY5" fmla="*/ 62 h 1277534"/>
+                  <a:gd name="connsiteX0" fmla="*/ 0 w 3146612"/>
+                  <a:gd name="connsiteY0" fmla="*/ 86841 h 1364313"/>
+                  <a:gd name="connsiteX1" fmla="*/ 389965 w 3146612"/>
+                  <a:gd name="connsiteY1" fmla="*/ 315441 h 1364313"/>
+                  <a:gd name="connsiteX2" fmla="*/ 1492623 w 3146612"/>
+                  <a:gd name="connsiteY2" fmla="*/ 100288 h 1364313"/>
+                  <a:gd name="connsiteX3" fmla="*/ 3146612 w 3146612"/>
+                  <a:gd name="connsiteY3" fmla="*/ 86841 h 1364313"/>
+                  <a:gd name="connsiteX4" fmla="*/ 3146612 w 3146612"/>
+                  <a:gd name="connsiteY4" fmla="*/ 1364313 h 1364313"/>
+                  <a:gd name="connsiteX5" fmla="*/ 0 w 3146612"/>
+                  <a:gd name="connsiteY5" fmla="*/ 1364313 h 1364313"/>
+                  <a:gd name="connsiteX6" fmla="*/ 0 w 3146612"/>
+                  <a:gd name="connsiteY6" fmla="*/ 86841 h 1364313"/>
+                  <a:gd name="connsiteX0" fmla="*/ 0 w 3146612"/>
+                  <a:gd name="connsiteY0" fmla="*/ 77872 h 1355344"/>
+                  <a:gd name="connsiteX1" fmla="*/ 389965 w 3146612"/>
+                  <a:gd name="connsiteY1" fmla="*/ 306472 h 1355344"/>
+                  <a:gd name="connsiteX2" fmla="*/ 1492623 w 3146612"/>
+                  <a:gd name="connsiteY2" fmla="*/ 91319 h 1355344"/>
+                  <a:gd name="connsiteX3" fmla="*/ 3146612 w 3146612"/>
+                  <a:gd name="connsiteY3" fmla="*/ 77872 h 1355344"/>
+                  <a:gd name="connsiteX4" fmla="*/ 3146612 w 3146612"/>
+                  <a:gd name="connsiteY4" fmla="*/ 1355344 h 1355344"/>
+                  <a:gd name="connsiteX5" fmla="*/ 0 w 3146612"/>
+                  <a:gd name="connsiteY5" fmla="*/ 1355344 h 1355344"/>
+                  <a:gd name="connsiteX6" fmla="*/ 0 w 3146612"/>
+                  <a:gd name="connsiteY6" fmla="*/ 77872 h 1355344"/>
+                  <a:gd name="connsiteX0" fmla="*/ 0 w 3146612"/>
+                  <a:gd name="connsiteY0" fmla="*/ 62187 h 1339659"/>
+                  <a:gd name="connsiteX1" fmla="*/ 389965 w 3146612"/>
+                  <a:gd name="connsiteY1" fmla="*/ 290787 h 1339659"/>
+                  <a:gd name="connsiteX2" fmla="*/ 1492623 w 3146612"/>
+                  <a:gd name="connsiteY2" fmla="*/ 75634 h 1339659"/>
+                  <a:gd name="connsiteX3" fmla="*/ 2353235 w 3146612"/>
+                  <a:gd name="connsiteY3" fmla="*/ 277340 h 1339659"/>
+                  <a:gd name="connsiteX4" fmla="*/ 3146612 w 3146612"/>
+                  <a:gd name="connsiteY4" fmla="*/ 62187 h 1339659"/>
+                  <a:gd name="connsiteX5" fmla="*/ 3146612 w 3146612"/>
+                  <a:gd name="connsiteY5" fmla="*/ 1339659 h 1339659"/>
+                  <a:gd name="connsiteX6" fmla="*/ 0 w 3146612"/>
+                  <a:gd name="connsiteY6" fmla="*/ 1339659 h 1339659"/>
+                  <a:gd name="connsiteX7" fmla="*/ 0 w 3146612"/>
+                  <a:gd name="connsiteY7" fmla="*/ 62187 h 1339659"/>
+                  <a:gd name="connsiteX0" fmla="*/ 0 w 3146612"/>
+                  <a:gd name="connsiteY0" fmla="*/ 62187 h 1339659"/>
+                  <a:gd name="connsiteX1" fmla="*/ 470647 w 3146612"/>
+                  <a:gd name="connsiteY1" fmla="*/ 717684 h 1339659"/>
+                  <a:gd name="connsiteX2" fmla="*/ 1492623 w 3146612"/>
+                  <a:gd name="connsiteY2" fmla="*/ 75634 h 1339659"/>
+                  <a:gd name="connsiteX3" fmla="*/ 2353235 w 3146612"/>
+                  <a:gd name="connsiteY3" fmla="*/ 277340 h 1339659"/>
+                  <a:gd name="connsiteX4" fmla="*/ 3146612 w 3146612"/>
+                  <a:gd name="connsiteY4" fmla="*/ 62187 h 1339659"/>
+                  <a:gd name="connsiteX5" fmla="*/ 3146612 w 3146612"/>
+                  <a:gd name="connsiteY5" fmla="*/ 1339659 h 1339659"/>
+                  <a:gd name="connsiteX6" fmla="*/ 0 w 3146612"/>
+                  <a:gd name="connsiteY6" fmla="*/ 1339659 h 1339659"/>
+                  <a:gd name="connsiteX7" fmla="*/ 0 w 3146612"/>
+                  <a:gd name="connsiteY7" fmla="*/ 62187 h 1339659"/>
+                  <a:gd name="connsiteX0" fmla="*/ 0 w 3146612"/>
+                  <a:gd name="connsiteY0" fmla="*/ 39425 h 1316897"/>
+                  <a:gd name="connsiteX1" fmla="*/ 470647 w 3146612"/>
+                  <a:gd name="connsiteY1" fmla="*/ 694922 h 1316897"/>
+                  <a:gd name="connsiteX2" fmla="*/ 1492623 w 3146612"/>
+                  <a:gd name="connsiteY2" fmla="*/ 52872 h 1316897"/>
+                  <a:gd name="connsiteX3" fmla="*/ 2380129 w 3146612"/>
+                  <a:gd name="connsiteY3" fmla="*/ 591602 h 1316897"/>
+                  <a:gd name="connsiteX4" fmla="*/ 3146612 w 3146612"/>
+                  <a:gd name="connsiteY4" fmla="*/ 39425 h 1316897"/>
+                  <a:gd name="connsiteX5" fmla="*/ 3146612 w 3146612"/>
+                  <a:gd name="connsiteY5" fmla="*/ 1316897 h 1316897"/>
+                  <a:gd name="connsiteX6" fmla="*/ 0 w 3146612"/>
+                  <a:gd name="connsiteY6" fmla="*/ 1316897 h 1316897"/>
+                  <a:gd name="connsiteX7" fmla="*/ 0 w 3146612"/>
+                  <a:gd name="connsiteY7" fmla="*/ 39425 h 1316897"/>
+                </a:gdLst>
+                <a:ahLst/>
+                <a:cxnLst>
+                  <a:cxn ang="0">
+                    <a:pos x="connsiteX0" y="connsiteY0"/>
+                  </a:cxn>
+                  <a:cxn ang="0">
+                    <a:pos x="connsiteX1" y="connsiteY1"/>
+                  </a:cxn>
+                  <a:cxn ang="0">
+                    <a:pos x="connsiteX2" y="connsiteY2"/>
+                  </a:cxn>
+                  <a:cxn ang="0">
+                    <a:pos x="connsiteX3" y="connsiteY3"/>
+                  </a:cxn>
+                  <a:cxn ang="0">
+                    <a:pos x="connsiteX4" y="connsiteY4"/>
+                  </a:cxn>
+                  <a:cxn ang="0">
+                    <a:pos x="connsiteX5" y="connsiteY5"/>
+                  </a:cxn>
+                  <a:cxn ang="0">
+                    <a:pos x="connsiteX6" y="connsiteY6"/>
+                  </a:cxn>
+                  <a:cxn ang="0">
+                    <a:pos x="connsiteX7" y="connsiteY7"/>
+                  </a:cxn>
+                </a:cxnLst>
+                <a:rect l="l" t="t" r="r" b="b"/>
+                <a:pathLst>
+                  <a:path w="3146612" h="1316897">
+                    <a:moveTo>
+                      <a:pt x="0" y="39425"/>
+                    </a:moveTo>
+                    <a:cubicBezTo>
+                      <a:pt x="138953" y="34943"/>
+                      <a:pt x="331694" y="699404"/>
+                      <a:pt x="470647" y="694922"/>
+                    </a:cubicBezTo>
+                    <a:cubicBezTo>
+                      <a:pt x="703729" y="724057"/>
+                      <a:pt x="1033182" y="90972"/>
+                      <a:pt x="1492623" y="52872"/>
+                    </a:cubicBezTo>
+                    <a:cubicBezTo>
+                      <a:pt x="1828799" y="8049"/>
+                      <a:pt x="2104464" y="593843"/>
+                      <a:pt x="2380129" y="591602"/>
+                    </a:cubicBezTo>
+                    <a:cubicBezTo>
+                      <a:pt x="2655794" y="589361"/>
+                      <a:pt x="3023347" y="-180210"/>
+                      <a:pt x="3146612" y="39425"/>
+                    </a:cubicBezTo>
+                    <a:lnTo>
+                      <a:pt x="3146612" y="1316897"/>
+                    </a:lnTo>
+                    <a:lnTo>
+                      <a:pt x="0" y="1316897"/>
+                    </a:lnTo>
+                    <a:lnTo>
+                      <a:pt x="0" y="39425"/>
+                    </a:lnTo>
+                    <a:close/>
+                  </a:path>
+                </a:pathLst>
+              </a:custGeom>
+              <a:solidFill>
+                <a:schemeClr val="bg2">
+                  <a:lumMod val="90000"/>
+                </a:schemeClr>
+              </a:solidFill>
+              <a:ln w="76200">
+                <a:noFill/>
+              </a:ln>
+            </p:spPr>
+            <p:style>
+              <a:lnRef idx="3">
+                <a:schemeClr val="lt1"/>
+              </a:lnRef>
+              <a:fillRef idx="1">
+                <a:schemeClr val="accent2"/>
+              </a:fillRef>
+              <a:effectRef idx="1">
+                <a:schemeClr val="accent2"/>
+              </a:effectRef>
+              <a:fontRef idx="minor">
+                <a:schemeClr val="lt1"/>
+              </a:fontRef>
+            </p:style>
+            <p:txBody>
+              <a:bodyPr rtlCol="0" anchor="ctr"/>
+              <a:lstStyle/>
+              <a:p>
+                <a:pPr algn="ctr"/>
+                <a:endParaRPr lang="en-IN"/>
+              </a:p>
+            </p:txBody>
+          </p:sp>
+          <p:sp>
+            <p:nvSpPr>
+              <p:cNvPr id="13" name="Rectangle 12"/>
+              <p:cNvSpPr/>
+              <p:nvPr/>
+            </p:nvSpPr>
+            <p:spPr>
+              <a:xfrm rot="269885">
+                <a:off x="5295339" y="2343709"/>
+                <a:ext cx="739589" cy="143436"/>
+              </a:xfrm>
+              <a:prstGeom prst="rect">
+                <a:avLst/>
+              </a:prstGeom>
+              <a:solidFill>
+                <a:schemeClr val="bg1">
+                  <a:lumMod val="85000"/>
+                </a:schemeClr>
+              </a:solidFill>
+              <a:ln w="76200">
+                <a:noFill/>
+              </a:ln>
+            </p:spPr>
+            <p:style>
+              <a:lnRef idx="3">
+                <a:schemeClr val="lt1"/>
+              </a:lnRef>
+              <a:fillRef idx="1">
+                <a:schemeClr val="accent2"/>
+              </a:fillRef>
+              <a:effectRef idx="1">
+                <a:schemeClr val="accent2"/>
+              </a:effectRef>
+              <a:fontRef idx="minor">
+                <a:schemeClr val="lt1"/>
+              </a:fontRef>
+            </p:style>
+            <p:txBody>
+              <a:bodyPr rtlCol="0" anchor="ctr"/>
+              <a:lstStyle/>
+              <a:p>
+                <a:pPr algn="ctr"/>
+                <a:endParaRPr lang="en-IN"/>
+              </a:p>
+            </p:txBody>
+          </p:sp>
+          <p:sp>
+            <p:nvSpPr>
+              <p:cNvPr id="15" name="Oval 14"/>
+              <p:cNvSpPr/>
+              <p:nvPr/>
+            </p:nvSpPr>
+            <p:spPr>
+              <a:xfrm>
+                <a:off x="5514975" y="2765049"/>
+                <a:ext cx="331695" cy="327214"/>
+              </a:xfrm>
+              <a:prstGeom prst="ellipse">
+                <a:avLst/>
+              </a:prstGeom>
+              <a:solidFill>
+                <a:schemeClr val="tx1"/>
+              </a:solidFill>
+              <a:ln w="76200">
+                <a:noFill/>
+              </a:ln>
+            </p:spPr>
+            <p:style>
+              <a:lnRef idx="3">
+                <a:schemeClr val="lt1"/>
+              </a:lnRef>
+              <a:fillRef idx="1">
+                <a:schemeClr val="accent2"/>
+              </a:fillRef>
+              <a:effectRef idx="1">
+                <a:schemeClr val="accent2"/>
+              </a:effectRef>
+              <a:fontRef idx="minor">
+                <a:schemeClr val="lt1"/>
+              </a:fontRef>
+            </p:style>
+            <p:txBody>
+              <a:bodyPr rtlCol="0" anchor="ctr"/>
+              <a:lstStyle/>
+              <a:p>
+                <a:pPr algn="ctr"/>
+                <a:endParaRPr lang="en-IN"/>
+              </a:p>
+            </p:txBody>
+          </p:sp>
+          <p:sp>
+            <p:nvSpPr>
+              <p:cNvPr id="20" name="Rounded Rectangle 19"/>
+              <p:cNvSpPr/>
+              <p:nvPr/>
+            </p:nvSpPr>
+            <p:spPr>
+              <a:xfrm>
+                <a:off x="5671857" y="3848661"/>
+                <a:ext cx="1371599" cy="361389"/>
+              </a:xfrm>
+              <a:prstGeom prst="roundRect">
+                <a:avLst>
+                  <a:gd name="adj" fmla="val 50000"/>
+                </a:avLst>
+              </a:prstGeom>
+              <a:solidFill>
+                <a:schemeClr val="accent2">
+                  <a:lumMod val="75000"/>
+                </a:schemeClr>
+              </a:solidFill>
+              <a:ln>
+                <a:noFill/>
+              </a:ln>
+            </p:spPr>
+            <p:style>
+              <a:lnRef idx="3">
+                <a:schemeClr val="lt1"/>
+              </a:lnRef>
+              <a:fillRef idx="1">
+                <a:schemeClr val="accent2"/>
+              </a:fillRef>
+              <a:effectRef idx="1">
+                <a:schemeClr val="accent2"/>
+              </a:effectRef>
+              <a:fontRef idx="minor">
+                <a:schemeClr val="lt1"/>
+              </a:fontRef>
+            </p:style>
+            <p:txBody>
+              <a:bodyPr rtlCol="0" anchor="ctr"/>
+              <a:lstStyle/>
+              <a:p>
+                <a:pPr algn="ctr"/>
+                <a:endParaRPr lang="en-IN"/>
+              </a:p>
+            </p:txBody>
+          </p:sp>
+          <p:sp>
+            <p:nvSpPr>
+              <p:cNvPr id="22" name="Rounded Rectangle 21"/>
+              <p:cNvSpPr/>
+              <p:nvPr/>
+            </p:nvSpPr>
+            <p:spPr>
+              <a:xfrm>
+                <a:off x="6783483" y="2612650"/>
+                <a:ext cx="627528" cy="632013"/>
+              </a:xfrm>
+              <a:prstGeom prst="roundRect">
+                <a:avLst/>
+              </a:prstGeom>
+              <a:solidFill>
+                <a:schemeClr val="bg1"/>
+              </a:solidFill>
+              <a:ln w="76200">
+                <a:solidFill>
+                  <a:schemeClr val="bg2">
+                    <a:lumMod val="90000"/>
+                  </a:schemeClr>
+                </a:solidFill>
+              </a:ln>
+            </p:spPr>
+            <p:style>
+              <a:lnRef idx="3">
+                <a:schemeClr val="lt1"/>
+              </a:lnRef>
+              <a:fillRef idx="1">
+                <a:schemeClr val="accent2"/>
+              </a:fillRef>
+              <a:effectRef idx="1">
+                <a:schemeClr val="accent2"/>
+              </a:effectRef>
+              <a:fontRef idx="minor">
+                <a:schemeClr val="lt1"/>
+              </a:fontRef>
+            </p:style>
+            <p:txBody>
+              <a:bodyPr rtlCol="0" anchor="ctr"/>
+              <a:lstStyle/>
+              <a:p>
+                <a:pPr algn="ctr"/>
+                <a:endParaRPr lang="en-IN"/>
+              </a:p>
+            </p:txBody>
+          </p:sp>
+          <p:sp>
+            <p:nvSpPr>
+              <p:cNvPr id="23" name="Rectangle 22"/>
+              <p:cNvSpPr/>
+              <p:nvPr/>
+            </p:nvSpPr>
+            <p:spPr>
+              <a:xfrm rot="21342027">
+                <a:off x="6725210" y="2321297"/>
+                <a:ext cx="739589" cy="143436"/>
+              </a:xfrm>
+              <a:prstGeom prst="rect">
+                <a:avLst/>
+              </a:prstGeom>
+              <a:solidFill>
+                <a:schemeClr val="bg1">
+                  <a:lumMod val="85000"/>
+                </a:schemeClr>
+              </a:solidFill>
+              <a:ln w="76200">
+                <a:noFill/>
+              </a:ln>
+            </p:spPr>
+            <p:style>
+              <a:lnRef idx="3">
+                <a:schemeClr val="lt1"/>
+              </a:lnRef>
+              <a:fillRef idx="1">
+                <a:schemeClr val="accent2"/>
+              </a:fillRef>
+              <a:effectRef idx="1">
+                <a:schemeClr val="accent2"/>
+              </a:effectRef>
+              <a:fontRef idx="minor">
+                <a:schemeClr val="lt1"/>
+              </a:fontRef>
+            </p:style>
+            <p:txBody>
+              <a:bodyPr rtlCol="0" anchor="ctr"/>
+              <a:lstStyle/>
+              <a:p>
+                <a:pPr algn="ctr"/>
+                <a:endParaRPr lang="en-IN"/>
+              </a:p>
+            </p:txBody>
+          </p:sp>
+          <p:sp>
+            <p:nvSpPr>
+              <p:cNvPr id="24" name="Oval 23"/>
+              <p:cNvSpPr/>
+              <p:nvPr/>
+            </p:nvSpPr>
+            <p:spPr>
+              <a:xfrm>
+                <a:off x="6944846" y="2742637"/>
+                <a:ext cx="331695" cy="327214"/>
+              </a:xfrm>
+              <a:prstGeom prst="ellipse">
+                <a:avLst/>
+              </a:prstGeom>
+              <a:solidFill>
+                <a:schemeClr val="tx1"/>
+              </a:solidFill>
+              <a:ln w="76200">
+                <a:noFill/>
+              </a:ln>
+            </p:spPr>
+            <p:style>
+              <a:lnRef idx="3">
+                <a:schemeClr val="lt1"/>
+              </a:lnRef>
+              <a:fillRef idx="1">
+                <a:schemeClr val="accent2"/>
+              </a:fillRef>
+              <a:effectRef idx="1">
+                <a:schemeClr val="accent2"/>
+              </a:effectRef>
+              <a:fontRef idx="minor">
+                <a:schemeClr val="lt1"/>
+              </a:fontRef>
+            </p:style>
+            <p:txBody>
+              <a:bodyPr rtlCol="0" anchor="ctr"/>
+              <a:lstStyle/>
+              <a:p>
+                <a:pPr algn="ctr"/>
+                <a:endParaRPr lang="en-IN"/>
+              </a:p>
+            </p:txBody>
+          </p:sp>
+        </p:grpSp>
+        <p:sp>
+          <p:nvSpPr>
+            <p:cNvPr id="43" name="Rectangle 42"/>
+            <p:cNvSpPr/>
+            <p:nvPr/>
+          </p:nvSpPr>
+          <p:spPr>
+            <a:xfrm>
+              <a:off x="3921954" y="4368800"/>
+              <a:ext cx="113469" cy="1041400"/>
+            </a:xfrm>
+            <a:prstGeom prst="rect">
+              <a:avLst/>
+            </a:prstGeom>
+            <a:solidFill>
+              <a:schemeClr val="accent4"/>
+            </a:solidFill>
+            <a:ln w="76200">
+              <a:noFill/>
+            </a:ln>
+          </p:spPr>
+          <p:style>
+            <a:lnRef idx="3">
+              <a:schemeClr val="lt1"/>
+            </a:lnRef>
+            <a:fillRef idx="1">
+              <a:schemeClr val="accent2"/>
+            </a:fillRef>
+            <a:effectRef idx="1">
+              <a:schemeClr val="accent2"/>
+            </a:effectRef>
+            <a:fontRef idx="minor">
+              <a:schemeClr val="lt1"/>
+            </a:fontRef>
+          </p:style>
+          <p:txBody>
+            <a:bodyPr rtlCol="0" anchor="ctr"/>
+            <a:lstStyle/>
+            <a:p>
+              <a:pPr algn="ctr"/>
+              <a:endParaRPr lang="en-IN"/>
+            </a:p>
+          </p:txBody>
+        </p:sp>
+        <p:sp>
+          <p:nvSpPr>
+            <p:cNvPr id="44" name="Rectangle 43"/>
+            <p:cNvSpPr/>
+            <p:nvPr/>
+          </p:nvSpPr>
+          <p:spPr>
+            <a:xfrm>
+              <a:off x="3655348" y="4368800"/>
+              <a:ext cx="270296" cy="1041400"/>
+            </a:xfrm>
+            <a:prstGeom prst="rect">
+              <a:avLst/>
+            </a:prstGeom>
+            <a:solidFill>
+              <a:srgbClr val="FF0000"/>
+            </a:solidFill>
+            <a:ln w="76200">
+              <a:noFill/>
+            </a:ln>
+          </p:spPr>
+          <p:style>
+            <a:lnRef idx="3">
+              <a:schemeClr val="lt1"/>
+            </a:lnRef>
+            <a:fillRef idx="1">
+              <a:schemeClr val="accent2"/>
+            </a:fillRef>
+            <a:effectRef idx="1">
+              <a:schemeClr val="accent2"/>
+            </a:effectRef>
+            <a:fontRef idx="minor">
+              <a:schemeClr val="lt1"/>
+            </a:fontRef>
+          </p:style>
+          <p:txBody>
+            <a:bodyPr rtlCol="0" anchor="ctr"/>
+            <a:lstStyle/>
+            <a:p>
+              <a:pPr algn="ctr"/>
+              <a:endParaRPr lang="en-IN"/>
+            </a:p>
+          </p:txBody>
+        </p:sp>
+        <p:grpSp>
+          <p:nvGrpSpPr>
+            <p:cNvPr id="50" name="Group 49"/>
+            <p:cNvGrpSpPr/>
+            <p:nvPr/>
+          </p:nvGrpSpPr>
+          <p:grpSpPr>
+            <a:xfrm>
+              <a:off x="2565399" y="4372621"/>
+              <a:ext cx="1101480" cy="1050279"/>
+              <a:chOff x="1078623" y="4034865"/>
+              <a:chExt cx="2470654" cy="1502335"/>
+            </a:xfrm>
+          </p:grpSpPr>
+          <p:sp>
+            <p:nvSpPr>
+              <p:cNvPr id="46" name="Rectangle 45"/>
+              <p:cNvSpPr/>
+              <p:nvPr/>
+            </p:nvSpPr>
+            <p:spPr>
+              <a:xfrm rot="2336776">
+                <a:off x="1078623" y="4291348"/>
+                <a:ext cx="325402" cy="549835"/>
+              </a:xfrm>
+              <a:prstGeom prst="rect">
+                <a:avLst/>
+              </a:prstGeom>
+              <a:solidFill>
+                <a:schemeClr val="tx1">
+                  <a:lumMod val="85000"/>
+                  <a:lumOff val="15000"/>
+                </a:schemeClr>
+              </a:solidFill>
+              <a:ln w="76200">
+                <a:noFill/>
+              </a:ln>
+            </p:spPr>
+            <p:style>
+              <a:lnRef idx="3">
+                <a:schemeClr val="lt1"/>
+              </a:lnRef>
+              <a:fillRef idx="1">
+                <a:schemeClr val="accent2"/>
+              </a:fillRef>
+              <a:effectRef idx="1">
+                <a:schemeClr val="accent2"/>
+              </a:effectRef>
+              <a:fontRef idx="minor">
+                <a:schemeClr val="lt1"/>
+              </a:fontRef>
+            </p:style>
+            <p:txBody>
+              <a:bodyPr rtlCol="0" anchor="ctr"/>
+              <a:lstStyle/>
+              <a:p>
+                <a:pPr algn="ctr"/>
+                <a:endParaRPr lang="en-IN"/>
+              </a:p>
+            </p:txBody>
+          </p:sp>
+          <p:sp>
+            <p:nvSpPr>
+              <p:cNvPr id="45" name="Rectangle 44"/>
+              <p:cNvSpPr/>
+              <p:nvPr/>
+            </p:nvSpPr>
+            <p:spPr>
+              <a:xfrm>
+                <a:off x="1270000" y="4047565"/>
+                <a:ext cx="2279277" cy="1489635"/>
+              </a:xfrm>
+              <a:custGeom>
+                <a:avLst/>
+                <a:gdLst>
+                  <a:gd name="connsiteX0" fmla="*/ 0 w 2571377"/>
+                  <a:gd name="connsiteY0" fmla="*/ 0 h 1489635"/>
+                  <a:gd name="connsiteX1" fmla="*/ 2571377 w 2571377"/>
+                  <a:gd name="connsiteY1" fmla="*/ 0 h 1489635"/>
+                  <a:gd name="connsiteX2" fmla="*/ 2571377 w 2571377"/>
+                  <a:gd name="connsiteY2" fmla="*/ 1489635 h 1489635"/>
+                  <a:gd name="connsiteX3" fmla="*/ 0 w 2571377"/>
+                  <a:gd name="connsiteY3" fmla="*/ 1489635 h 1489635"/>
+                  <a:gd name="connsiteX4" fmla="*/ 0 w 2571377"/>
+                  <a:gd name="connsiteY4" fmla="*/ 0 h 1489635"/>
+                  <a:gd name="connsiteX0" fmla="*/ 0 w 2571377"/>
+                  <a:gd name="connsiteY0" fmla="*/ 0 h 1489635"/>
+                  <a:gd name="connsiteX1" fmla="*/ 2571377 w 2571377"/>
+                  <a:gd name="connsiteY1" fmla="*/ 0 h 1489635"/>
+                  <a:gd name="connsiteX2" fmla="*/ 2571377 w 2571377"/>
+                  <a:gd name="connsiteY2" fmla="*/ 1489635 h 1489635"/>
+                  <a:gd name="connsiteX3" fmla="*/ 241300 w 2571377"/>
+                  <a:gd name="connsiteY3" fmla="*/ 511735 h 1489635"/>
+                  <a:gd name="connsiteX4" fmla="*/ 0 w 2571377"/>
+                  <a:gd name="connsiteY4" fmla="*/ 0 h 1489635"/>
+                  <a:gd name="connsiteX0" fmla="*/ 76200 w 2330077"/>
+                  <a:gd name="connsiteY0" fmla="*/ 190500 h 1489635"/>
+                  <a:gd name="connsiteX1" fmla="*/ 2330077 w 2330077"/>
+                  <a:gd name="connsiteY1" fmla="*/ 0 h 1489635"/>
+                  <a:gd name="connsiteX2" fmla="*/ 2330077 w 2330077"/>
+                  <a:gd name="connsiteY2" fmla="*/ 1489635 h 1489635"/>
+                  <a:gd name="connsiteX3" fmla="*/ 0 w 2330077"/>
+                  <a:gd name="connsiteY3" fmla="*/ 511735 h 1489635"/>
+                  <a:gd name="connsiteX4" fmla="*/ 76200 w 2330077"/>
+                  <a:gd name="connsiteY4" fmla="*/ 190500 h 1489635"/>
+                  <a:gd name="connsiteX0" fmla="*/ 25400 w 2279277"/>
+                  <a:gd name="connsiteY0" fmla="*/ 190500 h 1489635"/>
+                  <a:gd name="connsiteX1" fmla="*/ 2279277 w 2279277"/>
+                  <a:gd name="connsiteY1" fmla="*/ 0 h 1489635"/>
+                  <a:gd name="connsiteX2" fmla="*/ 2279277 w 2279277"/>
+                  <a:gd name="connsiteY2" fmla="*/ 1489635 h 1489635"/>
+                  <a:gd name="connsiteX3" fmla="*/ 0 w 2279277"/>
+                  <a:gd name="connsiteY3" fmla="*/ 549835 h 1489635"/>
+                  <a:gd name="connsiteX4" fmla="*/ 25400 w 2279277"/>
+                  <a:gd name="connsiteY4" fmla="*/ 190500 h 1489635"/>
+                </a:gdLst>
+                <a:ahLst/>
+                <a:cxnLst>
+                  <a:cxn ang="0">
+                    <a:pos x="connsiteX0" y="connsiteY0"/>
+                  </a:cxn>
+                  <a:cxn ang="0">
+                    <a:pos x="connsiteX1" y="connsiteY1"/>
+                  </a:cxn>
+                  <a:cxn ang="0">
+                    <a:pos x="connsiteX2" y="connsiteY2"/>
+                  </a:cxn>
+                  <a:cxn ang="0">
+                    <a:pos x="connsiteX3" y="connsiteY3"/>
+                  </a:cxn>
+                  <a:cxn ang="0">
+                    <a:pos x="connsiteX4" y="connsiteY4"/>
+                  </a:cxn>
+                </a:cxnLst>
+                <a:rect l="l" t="t" r="r" b="b"/>
+                <a:pathLst>
+                  <a:path w="2279277" h="1489635">
+                    <a:moveTo>
+                      <a:pt x="25400" y="190500"/>
+                    </a:moveTo>
+                    <a:lnTo>
+                      <a:pt x="2279277" y="0"/>
+                    </a:lnTo>
+                    <a:lnTo>
+                      <a:pt x="2279277" y="1489635"/>
+                    </a:lnTo>
+                    <a:lnTo>
+                      <a:pt x="0" y="549835"/>
+                    </a:lnTo>
+                    <a:lnTo>
+                      <a:pt x="25400" y="190500"/>
+                    </a:lnTo>
+                    <a:close/>
+                  </a:path>
+                </a:pathLst>
+              </a:custGeom>
+              <a:solidFill>
+                <a:schemeClr val="accent1">
+                  <a:lumMod val="75000"/>
+                </a:schemeClr>
+              </a:solidFill>
+              <a:ln w="76200">
+                <a:noFill/>
+              </a:ln>
+            </p:spPr>
+            <p:style>
+              <a:lnRef idx="3">
+                <a:schemeClr val="lt1"/>
+              </a:lnRef>
+              <a:fillRef idx="1">
+                <a:schemeClr val="accent2"/>
+              </a:fillRef>
+              <a:effectRef idx="1">
+                <a:schemeClr val="accent2"/>
+              </a:effectRef>
+              <a:fontRef idx="minor">
+                <a:schemeClr val="lt1"/>
+              </a:fontRef>
+            </p:style>
+            <p:txBody>
+              <a:bodyPr rtlCol="0" anchor="ctr"/>
+              <a:lstStyle/>
+              <a:p>
+                <a:pPr algn="ctr"/>
+                <a:endParaRPr lang="en-IN"/>
+              </a:p>
+            </p:txBody>
+          </p:sp>
+          <p:sp>
+            <p:nvSpPr>
+              <p:cNvPr id="47" name="Rectangle 46"/>
+              <p:cNvSpPr/>
+              <p:nvPr/>
+            </p:nvSpPr>
+            <p:spPr>
+              <a:xfrm rot="2336776">
+                <a:off x="1078623" y="4164348"/>
+                <a:ext cx="325402" cy="549835"/>
+              </a:xfrm>
+              <a:prstGeom prst="rect">
+                <a:avLst/>
+              </a:prstGeom>
+              <a:solidFill>
+                <a:schemeClr val="tx1">
+                  <a:lumMod val="85000"/>
+                  <a:lumOff val="15000"/>
+                </a:schemeClr>
+              </a:solidFill>
+              <a:ln w="76200">
+                <a:noFill/>
+              </a:ln>
+            </p:spPr>
+            <p:style>
+              <a:lnRef idx="3">
+                <a:schemeClr val="lt1"/>
+              </a:lnRef>
+              <a:fillRef idx="1">
+                <a:schemeClr val="accent2"/>
+              </a:fillRef>
+              <a:effectRef idx="1">
+                <a:schemeClr val="accent2"/>
+              </a:effectRef>
+              <a:fontRef idx="minor">
+                <a:schemeClr val="lt1"/>
+              </a:fontRef>
+            </p:style>
+            <p:txBody>
+              <a:bodyPr rtlCol="0" anchor="ctr"/>
+              <a:lstStyle/>
+              <a:p>
+                <a:pPr algn="ctr"/>
+                <a:endParaRPr lang="en-IN"/>
+              </a:p>
+            </p:txBody>
+          </p:sp>
+          <p:sp>
+            <p:nvSpPr>
+              <p:cNvPr id="49" name="Rectangle 44"/>
+              <p:cNvSpPr/>
+              <p:nvPr/>
+            </p:nvSpPr>
+            <p:spPr>
+              <a:xfrm>
+                <a:off x="1270000" y="4034865"/>
+                <a:ext cx="2279277" cy="1388035"/>
+              </a:xfrm>
+              <a:custGeom>
+                <a:avLst/>
+                <a:gdLst>
+                  <a:gd name="connsiteX0" fmla="*/ 0 w 2571377"/>
+                  <a:gd name="connsiteY0" fmla="*/ 0 h 1489635"/>
+                  <a:gd name="connsiteX1" fmla="*/ 2571377 w 2571377"/>
+                  <a:gd name="connsiteY1" fmla="*/ 0 h 1489635"/>
+                  <a:gd name="connsiteX2" fmla="*/ 2571377 w 2571377"/>
+                  <a:gd name="connsiteY2" fmla="*/ 1489635 h 1489635"/>
+                  <a:gd name="connsiteX3" fmla="*/ 0 w 2571377"/>
+                  <a:gd name="connsiteY3" fmla="*/ 1489635 h 1489635"/>
+                  <a:gd name="connsiteX4" fmla="*/ 0 w 2571377"/>
+                  <a:gd name="connsiteY4" fmla="*/ 0 h 1489635"/>
+                  <a:gd name="connsiteX0" fmla="*/ 0 w 2571377"/>
+                  <a:gd name="connsiteY0" fmla="*/ 0 h 1489635"/>
+                  <a:gd name="connsiteX1" fmla="*/ 2571377 w 2571377"/>
+                  <a:gd name="connsiteY1" fmla="*/ 0 h 1489635"/>
+                  <a:gd name="connsiteX2" fmla="*/ 2571377 w 2571377"/>
+                  <a:gd name="connsiteY2" fmla="*/ 1489635 h 1489635"/>
+                  <a:gd name="connsiteX3" fmla="*/ 241300 w 2571377"/>
+                  <a:gd name="connsiteY3" fmla="*/ 511735 h 1489635"/>
+                  <a:gd name="connsiteX4" fmla="*/ 0 w 2571377"/>
+                  <a:gd name="connsiteY4" fmla="*/ 0 h 1489635"/>
+                  <a:gd name="connsiteX0" fmla="*/ 76200 w 2330077"/>
+                  <a:gd name="connsiteY0" fmla="*/ 190500 h 1489635"/>
+                  <a:gd name="connsiteX1" fmla="*/ 2330077 w 2330077"/>
+                  <a:gd name="connsiteY1" fmla="*/ 0 h 1489635"/>
+                  <a:gd name="connsiteX2" fmla="*/ 2330077 w 2330077"/>
+                  <a:gd name="connsiteY2" fmla="*/ 1489635 h 1489635"/>
+                  <a:gd name="connsiteX3" fmla="*/ 0 w 2330077"/>
+                  <a:gd name="connsiteY3" fmla="*/ 511735 h 1489635"/>
+                  <a:gd name="connsiteX4" fmla="*/ 76200 w 2330077"/>
+                  <a:gd name="connsiteY4" fmla="*/ 190500 h 1489635"/>
+                  <a:gd name="connsiteX0" fmla="*/ 25400 w 2279277"/>
+                  <a:gd name="connsiteY0" fmla="*/ 190500 h 1489635"/>
+                  <a:gd name="connsiteX1" fmla="*/ 2279277 w 2279277"/>
+                  <a:gd name="connsiteY1" fmla="*/ 0 h 1489635"/>
+                  <a:gd name="connsiteX2" fmla="*/ 2279277 w 2279277"/>
+                  <a:gd name="connsiteY2" fmla="*/ 1489635 h 1489635"/>
+                  <a:gd name="connsiteX3" fmla="*/ 0 w 2279277"/>
+                  <a:gd name="connsiteY3" fmla="*/ 549835 h 1489635"/>
+                  <a:gd name="connsiteX4" fmla="*/ 25400 w 2279277"/>
+                  <a:gd name="connsiteY4" fmla="*/ 190500 h 1489635"/>
+                  <a:gd name="connsiteX0" fmla="*/ 25400 w 2279277"/>
+                  <a:gd name="connsiteY0" fmla="*/ 88900 h 1388035"/>
+                  <a:gd name="connsiteX1" fmla="*/ 2279277 w 2279277"/>
+                  <a:gd name="connsiteY1" fmla="*/ 0 h 1388035"/>
+                  <a:gd name="connsiteX2" fmla="*/ 2279277 w 2279277"/>
+                  <a:gd name="connsiteY2" fmla="*/ 1388035 h 1388035"/>
+                  <a:gd name="connsiteX3" fmla="*/ 0 w 2279277"/>
+                  <a:gd name="connsiteY3" fmla="*/ 448235 h 1388035"/>
+                  <a:gd name="connsiteX4" fmla="*/ 25400 w 2279277"/>
+                  <a:gd name="connsiteY4" fmla="*/ 88900 h 1388035"/>
+                </a:gdLst>
+                <a:ahLst/>
+                <a:cxnLst>
+                  <a:cxn ang="0">
+                    <a:pos x="connsiteX0" y="connsiteY0"/>
+                  </a:cxn>
+                  <a:cxn ang="0">
+                    <a:pos x="connsiteX1" y="connsiteY1"/>
+                  </a:cxn>
+                  <a:cxn ang="0">
+                    <a:pos x="connsiteX2" y="connsiteY2"/>
+                  </a:cxn>
+                  <a:cxn ang="0">
+                    <a:pos x="connsiteX3" y="connsiteY3"/>
+                  </a:cxn>
+                  <a:cxn ang="0">
+                    <a:pos x="connsiteX4" y="connsiteY4"/>
+                  </a:cxn>
+                </a:cxnLst>
+                <a:rect l="l" t="t" r="r" b="b"/>
+                <a:pathLst>
+                  <a:path w="2279277" h="1388035">
+                    <a:moveTo>
+                      <a:pt x="25400" y="88900"/>
+                    </a:moveTo>
+                    <a:lnTo>
+                      <a:pt x="2279277" y="0"/>
+                    </a:lnTo>
+                    <a:lnTo>
+                      <a:pt x="2279277" y="1388035"/>
+                    </a:lnTo>
+                    <a:lnTo>
+                      <a:pt x="0" y="448235"/>
+                    </a:lnTo>
+                    <a:lnTo>
+                      <a:pt x="25400" y="88900"/>
+                    </a:lnTo>
+                    <a:close/>
+                  </a:path>
+                </a:pathLst>
+              </a:custGeom>
+              <a:solidFill>
+                <a:schemeClr val="accent1">
+                  <a:lumMod val="75000"/>
+                </a:schemeClr>
+              </a:solidFill>
+              <a:ln w="3175">
+                <a:noFill/>
+              </a:ln>
+              <a:effectLst>
+                <a:outerShdw blurRad="50800" dist="38100" dir="5400000" algn="t" rotWithShape="0">
+                  <a:prstClr val="black">
+                    <a:alpha val="40000"/>
+                  </a:prstClr>
+                </a:outerShdw>
+              </a:effectLst>
+            </p:spPr>
+            <p:style>
+              <a:lnRef idx="3">
+                <a:schemeClr val="lt1"/>
+              </a:lnRef>
+              <a:fillRef idx="1">
+                <a:schemeClr val="accent2"/>
+              </a:fillRef>
+              <a:effectRef idx="1">
+                <a:schemeClr val="accent2"/>
+              </a:effectRef>
+              <a:fontRef idx="minor">
+                <a:schemeClr val="lt1"/>
+              </a:fontRef>
+            </p:style>
+            <p:txBody>
+              <a:bodyPr rtlCol="0" anchor="ctr"/>
+              <a:lstStyle/>
+              <a:p>
+                <a:pPr algn="ctr"/>
+                <a:endParaRPr lang="en-IN"/>
+              </a:p>
+            </p:txBody>
+          </p:sp>
+        </p:grpSp>
+        <p:grpSp>
+          <p:nvGrpSpPr>
+            <p:cNvPr id="57" name="Group 56"/>
+            <p:cNvGrpSpPr/>
+            <p:nvPr/>
+          </p:nvGrpSpPr>
+          <p:grpSpPr>
+            <a:xfrm>
+              <a:off x="3930232" y="4635500"/>
+              <a:ext cx="375067" cy="508000"/>
+              <a:chOff x="2654296" y="1409700"/>
+              <a:chExt cx="1003304" cy="1358900"/>
+            </a:xfrm>
+          </p:grpSpPr>
+          <p:sp>
+            <p:nvSpPr>
+              <p:cNvPr id="53" name="Rectangle 52"/>
+              <p:cNvSpPr/>
+              <p:nvPr/>
+            </p:nvSpPr>
+            <p:spPr>
+              <a:xfrm flipH="1">
+                <a:off x="2654296" y="1409700"/>
+                <a:ext cx="1003304" cy="1358900"/>
+              </a:xfrm>
+              <a:prstGeom prst="rect">
+                <a:avLst/>
+              </a:prstGeom>
+              <a:solidFill>
+                <a:schemeClr val="accent2">
+                  <a:lumMod val="75000"/>
+                </a:schemeClr>
+              </a:solidFill>
+              <a:ln>
+                <a:noFill/>
+              </a:ln>
+              <a:effectLst>
+                <a:outerShdw blurRad="50800" dist="38100" dir="5400000" algn="t" rotWithShape="0">
+                  <a:prstClr val="black">
+                    <a:alpha val="40000"/>
+                  </a:prstClr>
+                </a:outerShdw>
+              </a:effectLst>
+            </p:spPr>
+            <p:style>
+              <a:lnRef idx="3">
+                <a:schemeClr val="lt1"/>
+              </a:lnRef>
+              <a:fillRef idx="1">
+                <a:schemeClr val="accent2"/>
+              </a:fillRef>
+              <a:effectRef idx="1">
+                <a:schemeClr val="accent2"/>
+              </a:effectRef>
+              <a:fontRef idx="minor">
+                <a:schemeClr val="lt1"/>
+              </a:fontRef>
+            </p:style>
+            <p:txBody>
+              <a:bodyPr rtlCol="0" anchor="ctr"/>
+              <a:lstStyle/>
+              <a:p>
+                <a:pPr algn="ctr"/>
+                <a:endParaRPr lang="en-IN"/>
+              </a:p>
+            </p:txBody>
+          </p:sp>
+          <p:sp>
+            <p:nvSpPr>
+              <p:cNvPr id="54" name="Rectangle 53"/>
+              <p:cNvSpPr/>
+              <p:nvPr/>
+            </p:nvSpPr>
+            <p:spPr>
+              <a:xfrm flipH="1">
+                <a:off x="2679696" y="1536700"/>
+                <a:ext cx="635003" cy="203200"/>
+              </a:xfrm>
+              <a:prstGeom prst="rect">
+                <a:avLst/>
+              </a:prstGeom>
+              <a:solidFill>
+                <a:schemeClr val="accent2">
+                  <a:lumMod val="75000"/>
+                </a:schemeClr>
+              </a:solidFill>
+              <a:ln>
+                <a:noFill/>
+              </a:ln>
+              <a:effectLst>
+                <a:outerShdw blurRad="50800" dist="38100" dir="8100000" algn="tr" rotWithShape="0">
+                  <a:prstClr val="black">
+                    <a:alpha val="40000"/>
+                  </a:prstClr>
+                </a:outerShdw>
+              </a:effectLst>
+            </p:spPr>
+            <p:style>
+              <a:lnRef idx="3">
+                <a:schemeClr val="lt1"/>
+              </a:lnRef>
+              <a:fillRef idx="1">
+                <a:schemeClr val="accent2"/>
+              </a:fillRef>
+              <a:effectRef idx="1">
+                <a:schemeClr val="accent2"/>
+              </a:effectRef>
+              <a:fontRef idx="minor">
+                <a:schemeClr val="lt1"/>
+              </a:fontRef>
+            </p:style>
+            <p:txBody>
+              <a:bodyPr rtlCol="0" anchor="ctr"/>
+              <a:lstStyle/>
+              <a:p>
+                <a:pPr algn="ctr"/>
+                <a:endParaRPr lang="en-IN"/>
+              </a:p>
+            </p:txBody>
+          </p:sp>
+          <p:sp>
+            <p:nvSpPr>
+              <p:cNvPr id="55" name="Rectangle 54"/>
+              <p:cNvSpPr/>
+              <p:nvPr/>
+            </p:nvSpPr>
+            <p:spPr>
+              <a:xfrm flipH="1">
+                <a:off x="2679696" y="1917700"/>
+                <a:ext cx="635003" cy="203200"/>
+              </a:xfrm>
+              <a:prstGeom prst="rect">
+                <a:avLst/>
+              </a:prstGeom>
+              <a:solidFill>
+                <a:schemeClr val="accent2">
+                  <a:lumMod val="75000"/>
+                </a:schemeClr>
+              </a:solidFill>
+              <a:ln>
+                <a:noFill/>
+              </a:ln>
+              <a:effectLst>
+                <a:outerShdw blurRad="50800" dist="38100" dir="8100000" algn="tr" rotWithShape="0">
+                  <a:prstClr val="black">
+                    <a:alpha val="40000"/>
+                  </a:prstClr>
+                </a:outerShdw>
+              </a:effectLst>
+            </p:spPr>
+            <p:style>
+              <a:lnRef idx="3">
+                <a:schemeClr val="lt1"/>
+              </a:lnRef>
+              <a:fillRef idx="1">
+                <a:schemeClr val="accent2"/>
+              </a:fillRef>
+              <a:effectRef idx="1">
+                <a:schemeClr val="accent2"/>
+              </a:effectRef>
+              <a:fontRef idx="minor">
+                <a:schemeClr val="lt1"/>
+              </a:fontRef>
+            </p:style>
+            <p:txBody>
+              <a:bodyPr rtlCol="0" anchor="ctr"/>
+              <a:lstStyle/>
+              <a:p>
+                <a:pPr algn="ctr"/>
+                <a:endParaRPr lang="en-IN"/>
+              </a:p>
+            </p:txBody>
+          </p:sp>
+          <p:sp>
+            <p:nvSpPr>
+              <p:cNvPr id="56" name="Rectangle 55"/>
+              <p:cNvSpPr/>
+              <p:nvPr/>
+            </p:nvSpPr>
+            <p:spPr>
+              <a:xfrm flipH="1">
+                <a:off x="2679696" y="2298700"/>
+                <a:ext cx="635003" cy="203200"/>
+              </a:xfrm>
+              <a:prstGeom prst="rect">
+                <a:avLst/>
+              </a:prstGeom>
+              <a:solidFill>
+                <a:schemeClr val="accent2">
+                  <a:lumMod val="75000"/>
+                </a:schemeClr>
+              </a:solidFill>
+              <a:ln>
+                <a:noFill/>
+              </a:ln>
+              <a:effectLst>
+                <a:outerShdw blurRad="50800" dist="38100" dir="8100000" algn="tr" rotWithShape="0">
+                  <a:prstClr val="black">
+                    <a:alpha val="40000"/>
+                  </a:prstClr>
+                </a:outerShdw>
+              </a:effectLst>
+            </p:spPr>
+            <p:style>
+              <a:lnRef idx="3">
+                <a:schemeClr val="lt1"/>
+              </a:lnRef>
+              <a:fillRef idx="1">
+                <a:schemeClr val="accent2"/>
+              </a:fillRef>
+              <a:effectRef idx="1">
+                <a:schemeClr val="accent2"/>
+              </a:effectRef>
+              <a:fontRef idx="minor">
+                <a:schemeClr val="lt1"/>
+              </a:fontRef>
+            </p:style>
+            <p:txBody>
+              <a:bodyPr rtlCol="0" anchor="ctr"/>
+              <a:lstStyle/>
+              <a:p>
+                <a:pPr algn="ctr"/>
+                <a:endParaRPr lang="en-IN"/>
+              </a:p>
+            </p:txBody>
+          </p:sp>
+        </p:grpSp>
+        <p:grpSp>
+          <p:nvGrpSpPr>
+            <p:cNvPr id="63" name="Group 62"/>
+            <p:cNvGrpSpPr/>
+            <p:nvPr/>
+          </p:nvGrpSpPr>
+          <p:grpSpPr>
+            <a:xfrm>
+              <a:off x="7213646" y="4517072"/>
+              <a:ext cx="888954" cy="360208"/>
+              <a:chOff x="8509046" y="3402012"/>
+              <a:chExt cx="1406480" cy="569912"/>
+            </a:xfrm>
+          </p:grpSpPr>
+          <p:sp>
+            <p:nvSpPr>
+              <p:cNvPr id="42" name="Rectangle 41"/>
+              <p:cNvSpPr/>
+              <p:nvPr/>
+            </p:nvSpPr>
+            <p:spPr>
+              <a:xfrm>
+                <a:off x="8509046" y="3403599"/>
+                <a:ext cx="1267291" cy="546895"/>
+              </a:xfrm>
+              <a:custGeom>
+                <a:avLst/>
+                <a:gdLst>
+                  <a:gd name="connsiteX0" fmla="*/ 0 w 988173"/>
+                  <a:gd name="connsiteY0" fmla="*/ 0 h 558801"/>
+                  <a:gd name="connsiteX1" fmla="*/ 988173 w 988173"/>
+                  <a:gd name="connsiteY1" fmla="*/ 0 h 558801"/>
+                  <a:gd name="connsiteX2" fmla="*/ 988173 w 988173"/>
+                  <a:gd name="connsiteY2" fmla="*/ 558801 h 558801"/>
+                  <a:gd name="connsiteX3" fmla="*/ 0 w 988173"/>
+                  <a:gd name="connsiteY3" fmla="*/ 558801 h 558801"/>
+                  <a:gd name="connsiteX4" fmla="*/ 0 w 988173"/>
+                  <a:gd name="connsiteY4" fmla="*/ 0 h 558801"/>
+                  <a:gd name="connsiteX0" fmla="*/ 0 w 988173"/>
+                  <a:gd name="connsiteY0" fmla="*/ 0 h 558801"/>
+                  <a:gd name="connsiteX1" fmla="*/ 988173 w 988173"/>
+                  <a:gd name="connsiteY1" fmla="*/ 0 h 558801"/>
+                  <a:gd name="connsiteX2" fmla="*/ 897685 w 988173"/>
+                  <a:gd name="connsiteY2" fmla="*/ 456407 h 558801"/>
+                  <a:gd name="connsiteX3" fmla="*/ 0 w 988173"/>
+                  <a:gd name="connsiteY3" fmla="*/ 558801 h 558801"/>
+                  <a:gd name="connsiteX4" fmla="*/ 0 w 988173"/>
+                  <a:gd name="connsiteY4" fmla="*/ 0 h 558801"/>
+                  <a:gd name="connsiteX0" fmla="*/ 0 w 1162023"/>
+                  <a:gd name="connsiteY0" fmla="*/ 0 h 558801"/>
+                  <a:gd name="connsiteX1" fmla="*/ 988173 w 1162023"/>
+                  <a:gd name="connsiteY1" fmla="*/ 0 h 558801"/>
+                  <a:gd name="connsiteX2" fmla="*/ 897685 w 1162023"/>
+                  <a:gd name="connsiteY2" fmla="*/ 456407 h 558801"/>
+                  <a:gd name="connsiteX3" fmla="*/ 0 w 1162023"/>
+                  <a:gd name="connsiteY3" fmla="*/ 558801 h 558801"/>
+                  <a:gd name="connsiteX4" fmla="*/ 0 w 1162023"/>
+                  <a:gd name="connsiteY4" fmla="*/ 0 h 558801"/>
+                  <a:gd name="connsiteX0" fmla="*/ 0 w 1167039"/>
+                  <a:gd name="connsiteY0" fmla="*/ 0 h 558801"/>
+                  <a:gd name="connsiteX1" fmla="*/ 988173 w 1167039"/>
+                  <a:gd name="connsiteY1" fmla="*/ 0 h 558801"/>
+                  <a:gd name="connsiteX2" fmla="*/ 904829 w 1167039"/>
+                  <a:gd name="connsiteY2" fmla="*/ 356394 h 558801"/>
+                  <a:gd name="connsiteX3" fmla="*/ 0 w 1167039"/>
+                  <a:gd name="connsiteY3" fmla="*/ 558801 h 558801"/>
+                  <a:gd name="connsiteX4" fmla="*/ 0 w 1167039"/>
+                  <a:gd name="connsiteY4" fmla="*/ 0 h 558801"/>
+                  <a:gd name="connsiteX0" fmla="*/ 0 w 1240860"/>
+                  <a:gd name="connsiteY0" fmla="*/ 0 h 558801"/>
+                  <a:gd name="connsiteX1" fmla="*/ 988173 w 1240860"/>
+                  <a:gd name="connsiteY1" fmla="*/ 0 h 558801"/>
+                  <a:gd name="connsiteX2" fmla="*/ 904829 w 1240860"/>
+                  <a:gd name="connsiteY2" fmla="*/ 356394 h 558801"/>
+                  <a:gd name="connsiteX3" fmla="*/ 0 w 1240860"/>
+                  <a:gd name="connsiteY3" fmla="*/ 558801 h 558801"/>
+                  <a:gd name="connsiteX4" fmla="*/ 0 w 1240860"/>
+                  <a:gd name="connsiteY4" fmla="*/ 0 h 558801"/>
+                  <a:gd name="connsiteX0" fmla="*/ 0 w 1230715"/>
+                  <a:gd name="connsiteY0" fmla="*/ 0 h 558801"/>
+                  <a:gd name="connsiteX1" fmla="*/ 988173 w 1230715"/>
+                  <a:gd name="connsiteY1" fmla="*/ 0 h 558801"/>
+                  <a:gd name="connsiteX2" fmla="*/ 890542 w 1230715"/>
+                  <a:gd name="connsiteY2" fmla="*/ 280194 h 558801"/>
+                  <a:gd name="connsiteX3" fmla="*/ 0 w 1230715"/>
+                  <a:gd name="connsiteY3" fmla="*/ 558801 h 558801"/>
+                  <a:gd name="connsiteX4" fmla="*/ 0 w 1230715"/>
+                  <a:gd name="connsiteY4" fmla="*/ 0 h 558801"/>
+                  <a:gd name="connsiteX0" fmla="*/ 0 w 1230715"/>
+                  <a:gd name="connsiteY0" fmla="*/ 0 h 558801"/>
+                  <a:gd name="connsiteX1" fmla="*/ 988173 w 1230715"/>
+                  <a:gd name="connsiteY1" fmla="*/ 0 h 558801"/>
+                  <a:gd name="connsiteX2" fmla="*/ 890542 w 1230715"/>
+                  <a:gd name="connsiteY2" fmla="*/ 280194 h 558801"/>
+                  <a:gd name="connsiteX3" fmla="*/ 0 w 1230715"/>
+                  <a:gd name="connsiteY3" fmla="*/ 558801 h 558801"/>
+                  <a:gd name="connsiteX4" fmla="*/ 0 w 1230715"/>
+                  <a:gd name="connsiteY4" fmla="*/ 0 h 558801"/>
+                  <a:gd name="connsiteX0" fmla="*/ 0 w 1264910"/>
+                  <a:gd name="connsiteY0" fmla="*/ 0 h 558801"/>
+                  <a:gd name="connsiteX1" fmla="*/ 988173 w 1264910"/>
+                  <a:gd name="connsiteY1" fmla="*/ 0 h 558801"/>
+                  <a:gd name="connsiteX2" fmla="*/ 938167 w 1264910"/>
+                  <a:gd name="connsiteY2" fmla="*/ 292100 h 558801"/>
+                  <a:gd name="connsiteX3" fmla="*/ 0 w 1264910"/>
+                  <a:gd name="connsiteY3" fmla="*/ 558801 h 558801"/>
+                  <a:gd name="connsiteX4" fmla="*/ 0 w 1264910"/>
+                  <a:gd name="connsiteY4" fmla="*/ 0 h 558801"/>
+                  <a:gd name="connsiteX0" fmla="*/ 2381 w 1267291"/>
+                  <a:gd name="connsiteY0" fmla="*/ 0 h 546895"/>
+                  <a:gd name="connsiteX1" fmla="*/ 990554 w 1267291"/>
+                  <a:gd name="connsiteY1" fmla="*/ 0 h 546895"/>
+                  <a:gd name="connsiteX2" fmla="*/ 940548 w 1267291"/>
+                  <a:gd name="connsiteY2" fmla="*/ 292100 h 546895"/>
+                  <a:gd name="connsiteX3" fmla="*/ 0 w 1267291"/>
+                  <a:gd name="connsiteY3" fmla="*/ 546895 h 546895"/>
+                  <a:gd name="connsiteX4" fmla="*/ 2381 w 1267291"/>
+                  <a:gd name="connsiteY4" fmla="*/ 0 h 546895"/>
+                  <a:gd name="connsiteX0" fmla="*/ 2381 w 1267291"/>
+                  <a:gd name="connsiteY0" fmla="*/ 0 h 546895"/>
+                  <a:gd name="connsiteX1" fmla="*/ 990554 w 1267291"/>
+                  <a:gd name="connsiteY1" fmla="*/ 0 h 546895"/>
+                  <a:gd name="connsiteX2" fmla="*/ 940548 w 1267291"/>
+                  <a:gd name="connsiteY2" fmla="*/ 292100 h 546895"/>
+                  <a:gd name="connsiteX3" fmla="*/ 0 w 1267291"/>
+                  <a:gd name="connsiteY3" fmla="*/ 546895 h 546895"/>
+                  <a:gd name="connsiteX4" fmla="*/ 2381 w 1267291"/>
+                  <a:gd name="connsiteY4" fmla="*/ 0 h 546895"/>
+                </a:gdLst>
+                <a:ahLst/>
+                <a:cxnLst>
+                  <a:cxn ang="0">
+                    <a:pos x="connsiteX0" y="connsiteY0"/>
+                  </a:cxn>
+                  <a:cxn ang="0">
+                    <a:pos x="connsiteX1" y="connsiteY1"/>
+                  </a:cxn>
+                  <a:cxn ang="0">
+                    <a:pos x="connsiteX2" y="connsiteY2"/>
+                  </a:cxn>
+                  <a:cxn ang="0">
+                    <a:pos x="connsiteX3" y="connsiteY3"/>
+                  </a:cxn>
+                  <a:cxn ang="0">
+                    <a:pos x="connsiteX4" y="connsiteY4"/>
+                  </a:cxn>
+                </a:cxnLst>
+                <a:rect l="l" t="t" r="r" b="b"/>
+                <a:pathLst>
+                  <a:path w="1267291" h="546895">
+                    <a:moveTo>
+                      <a:pt x="2381" y="0"/>
+                    </a:moveTo>
+                    <a:lnTo>
+                      <a:pt x="990554" y="0"/>
+                    </a:lnTo>
+                    <a:cubicBezTo>
+                      <a:pt x="960391" y="152136"/>
+                      <a:pt x="1661273" y="59001"/>
+                      <a:pt x="940548" y="292100"/>
+                    </a:cubicBezTo>
+                    <a:cubicBezTo>
+                      <a:pt x="772289" y="599282"/>
+                      <a:pt x="313516" y="537370"/>
+                      <a:pt x="0" y="546895"/>
+                    </a:cubicBezTo>
+                    <a:cubicBezTo>
+                      <a:pt x="794" y="364597"/>
+                      <a:pt x="1587" y="182298"/>
+                      <a:pt x="2381" y="0"/>
+                    </a:cubicBezTo>
+                    <a:close/>
+                  </a:path>
+                </a:pathLst>
+              </a:custGeom>
+              <a:solidFill>
+                <a:schemeClr val="accent2">
+                  <a:lumMod val="75000"/>
+                </a:schemeClr>
+              </a:solidFill>
+              <a:ln>
+                <a:noFill/>
+              </a:ln>
+            </p:spPr>
+            <p:style>
+              <a:lnRef idx="3">
+                <a:schemeClr val="lt1"/>
+              </a:lnRef>
+              <a:fillRef idx="1">
+                <a:schemeClr val="accent2"/>
+              </a:fillRef>
+              <a:effectRef idx="1">
+                <a:schemeClr val="accent2"/>
+              </a:effectRef>
+              <a:fontRef idx="minor">
+                <a:schemeClr val="lt1"/>
+              </a:fontRef>
+            </p:style>
+            <p:txBody>
+              <a:bodyPr rtlCol="0" anchor="ctr"/>
+              <a:lstStyle/>
+              <a:p>
+                <a:pPr algn="ctr"/>
+                <a:endParaRPr lang="en-IN"/>
+              </a:p>
+            </p:txBody>
+          </p:sp>
+          <p:sp>
+            <p:nvSpPr>
+              <p:cNvPr id="58" name="Rectangle 57"/>
+              <p:cNvSpPr/>
+              <p:nvPr/>
+            </p:nvSpPr>
+            <p:spPr>
+              <a:xfrm>
+                <a:off x="8633668" y="3667123"/>
+                <a:ext cx="607173" cy="304801"/>
+              </a:xfrm>
+              <a:prstGeom prst="rect">
+                <a:avLst/>
+              </a:prstGeom>
+              <a:solidFill>
+                <a:schemeClr val="accent2">
+                  <a:lumMod val="75000"/>
+                </a:schemeClr>
+              </a:solidFill>
+              <a:ln>
+                <a:noFill/>
+              </a:ln>
+              <a:effectLst>
+                <a:outerShdw blurRad="50800" dist="38100" dir="5400000" algn="t" rotWithShape="0">
+                  <a:prstClr val="black">
+                    <a:alpha val="40000"/>
+                  </a:prstClr>
+                </a:outerShdw>
+              </a:effectLst>
+            </p:spPr>
+            <p:style>
+              <a:lnRef idx="3">
+                <a:schemeClr val="lt1"/>
+              </a:lnRef>
+              <a:fillRef idx="1">
+                <a:schemeClr val="accent2"/>
+              </a:fillRef>
+              <a:effectRef idx="1">
+                <a:schemeClr val="accent2"/>
+              </a:effectRef>
+              <a:fontRef idx="minor">
+                <a:schemeClr val="lt1"/>
+              </a:fontRef>
+            </p:style>
+            <p:txBody>
+              <a:bodyPr rtlCol="0" anchor="ctr"/>
+              <a:lstStyle/>
+              <a:p>
+                <a:pPr algn="ctr"/>
+                <a:endParaRPr lang="en-IN"/>
+              </a:p>
+            </p:txBody>
+          </p:sp>
+          <p:sp>
+            <p:nvSpPr>
+              <p:cNvPr id="59" name="Rectangle 58"/>
+              <p:cNvSpPr/>
+              <p:nvPr/>
+            </p:nvSpPr>
+            <p:spPr>
+              <a:xfrm>
+                <a:off x="9232153" y="3402012"/>
+                <a:ext cx="683373" cy="254001"/>
+              </a:xfrm>
+              <a:prstGeom prst="rect">
+                <a:avLst/>
+              </a:prstGeom>
+              <a:solidFill>
+                <a:schemeClr val="accent2">
+                  <a:lumMod val="75000"/>
+                </a:schemeClr>
+              </a:solidFill>
+              <a:ln>
+                <a:noFill/>
+              </a:ln>
+            </p:spPr>
+            <p:style>
+              <a:lnRef idx="3">
+                <a:schemeClr val="lt1"/>
+              </a:lnRef>
+              <a:fillRef idx="1">
+                <a:schemeClr val="accent2"/>
+              </a:fillRef>
+              <a:effectRef idx="1">
+                <a:schemeClr val="accent2"/>
+              </a:effectRef>
+              <a:fontRef idx="minor">
+                <a:schemeClr val="lt1"/>
+              </a:fontRef>
+            </p:style>
+            <p:txBody>
+              <a:bodyPr rtlCol="0" anchor="ctr"/>
+              <a:lstStyle/>
+              <a:p>
+                <a:pPr algn="ctr"/>
+                <a:endParaRPr lang="en-IN"/>
+              </a:p>
+            </p:txBody>
+          </p:sp>
+          <p:sp>
+            <p:nvSpPr>
+              <p:cNvPr id="60" name="Rectangle 59"/>
+              <p:cNvSpPr/>
+              <p:nvPr/>
+            </p:nvSpPr>
+            <p:spPr>
+              <a:xfrm>
+                <a:off x="9283747" y="3455192"/>
+                <a:ext cx="607173" cy="304801"/>
+              </a:xfrm>
+              <a:prstGeom prst="rect">
+                <a:avLst/>
+              </a:prstGeom>
+              <a:solidFill>
+                <a:schemeClr val="accent2">
+                  <a:lumMod val="75000"/>
+                </a:schemeClr>
+              </a:solidFill>
+              <a:ln>
+                <a:noFill/>
+              </a:ln>
+              <a:effectLst>
+                <a:outerShdw blurRad="50800" dist="38100" dir="18900000" algn="bl" rotWithShape="0">
+                  <a:prstClr val="black">
+                    <a:alpha val="40000"/>
+                  </a:prstClr>
+                </a:outerShdw>
+              </a:effectLst>
+            </p:spPr>
+            <p:style>
+              <a:lnRef idx="3">
+                <a:schemeClr val="lt1"/>
+              </a:lnRef>
+              <a:fillRef idx="1">
+                <a:schemeClr val="accent2"/>
+              </a:fillRef>
+              <a:effectRef idx="1">
+                <a:schemeClr val="accent2"/>
+              </a:effectRef>
+              <a:fontRef idx="minor">
+                <a:schemeClr val="lt1"/>
+              </a:fontRef>
+            </p:style>
+            <p:txBody>
+              <a:bodyPr rtlCol="0" anchor="ctr"/>
+              <a:lstStyle/>
+              <a:p>
+                <a:pPr algn="ctr"/>
+                <a:endParaRPr lang="en-IN"/>
+              </a:p>
+            </p:txBody>
+          </p:sp>
+          <p:sp>
+            <p:nvSpPr>
+              <p:cNvPr id="61" name="Rectangle 60"/>
+              <p:cNvSpPr/>
+              <p:nvPr/>
+            </p:nvSpPr>
+            <p:spPr>
+              <a:xfrm>
+                <a:off x="9252790" y="3498055"/>
+                <a:ext cx="607173" cy="304801"/>
+              </a:xfrm>
+              <a:prstGeom prst="rect">
+                <a:avLst/>
+              </a:prstGeom>
+              <a:solidFill>
+                <a:schemeClr val="accent2">
+                  <a:lumMod val="75000"/>
+                </a:schemeClr>
+              </a:solidFill>
+              <a:ln>
+                <a:noFill/>
+              </a:ln>
+              <a:effectLst>
+                <a:outerShdw blurRad="50800" dist="38100" dir="18900000" algn="bl" rotWithShape="0">
+                  <a:prstClr val="black">
+                    <a:alpha val="40000"/>
+                  </a:prstClr>
+                </a:outerShdw>
+              </a:effectLst>
+            </p:spPr>
+            <p:style>
+              <a:lnRef idx="3">
+                <a:schemeClr val="lt1"/>
+              </a:lnRef>
+              <a:fillRef idx="1">
+                <a:schemeClr val="accent2"/>
+              </a:fillRef>
+              <a:effectRef idx="1">
+                <a:schemeClr val="accent2"/>
+              </a:effectRef>
+              <a:fontRef idx="minor">
+                <a:schemeClr val="lt1"/>
+              </a:fontRef>
+            </p:style>
+            <p:txBody>
+              <a:bodyPr rtlCol="0" anchor="ctr"/>
+              <a:lstStyle/>
+              <a:p>
+                <a:pPr algn="ctr"/>
+                <a:endParaRPr lang="en-IN"/>
+              </a:p>
+            </p:txBody>
+          </p:sp>
+          <p:sp>
+            <p:nvSpPr>
+              <p:cNvPr id="62" name="Rectangle 61"/>
+              <p:cNvSpPr/>
+              <p:nvPr/>
+            </p:nvSpPr>
+            <p:spPr>
+              <a:xfrm>
+                <a:off x="9226597" y="3531392"/>
+                <a:ext cx="607173" cy="304801"/>
+              </a:xfrm>
+              <a:prstGeom prst="rect">
+                <a:avLst/>
+              </a:prstGeom>
+              <a:solidFill>
+                <a:schemeClr val="accent2">
+                  <a:lumMod val="75000"/>
+                </a:schemeClr>
+              </a:solidFill>
+              <a:ln>
+                <a:noFill/>
+              </a:ln>
+              <a:effectLst>
+                <a:outerShdw blurRad="50800" dist="38100" dir="18900000" algn="bl" rotWithShape="0">
+                  <a:prstClr val="black">
+                    <a:alpha val="40000"/>
+                  </a:prstClr>
+                </a:outerShdw>
+              </a:effectLst>
+            </p:spPr>
+            <p:style>
+              <a:lnRef idx="3">
+                <a:schemeClr val="lt1"/>
+              </a:lnRef>
+              <a:fillRef idx="1">
+                <a:schemeClr val="accent2"/>
+              </a:fillRef>
+              <a:effectRef idx="1">
+                <a:schemeClr val="accent2"/>
+              </a:effectRef>
+              <a:fontRef idx="minor">
+                <a:schemeClr val="lt1"/>
+              </a:fontRef>
+            </p:style>
+            <p:txBody>
+              <a:bodyPr rtlCol="0" anchor="ctr"/>
+              <a:lstStyle/>
+              <a:p>
+                <a:pPr algn="ctr"/>
+                <a:endParaRPr lang="en-IN"/>
+              </a:p>
+            </p:txBody>
+          </p:sp>
+        </p:grpSp>
+      </p:grpSp>
     </p:spTree>
     <p:extLst>
       <p:ext uri="{BB962C8B-B14F-4D97-AF65-F5344CB8AC3E}">
@@ -4186,10 +6692,3081 @@
           <a:chExt cx="0" cy="0"/>
         </a:xfrm>
       </p:grpSpPr>
+      <p:grpSp>
+        <p:nvGrpSpPr>
+          <p:cNvPr id="40" name="Group 39"/>
+          <p:cNvGrpSpPr/>
+          <p:nvPr/>
+        </p:nvGrpSpPr>
+        <p:grpSpPr>
+          <a:xfrm>
+            <a:off x="3647655" y="2060575"/>
+            <a:ext cx="3943770" cy="2422124"/>
+            <a:chOff x="3647655" y="2060575"/>
+            <a:chExt cx="3943770" cy="2422124"/>
+          </a:xfrm>
+        </p:grpSpPr>
+        <p:grpSp>
+          <p:nvGrpSpPr>
+            <p:cNvPr id="38" name="Group 37"/>
+            <p:cNvGrpSpPr/>
+            <p:nvPr/>
+          </p:nvGrpSpPr>
+          <p:grpSpPr>
+            <a:xfrm>
+              <a:off x="3647655" y="3216376"/>
+              <a:ext cx="1634283" cy="1164180"/>
+              <a:chOff x="2984499" y="3511550"/>
+              <a:chExt cx="3053977" cy="1054100"/>
+            </a:xfrm>
+          </p:grpSpPr>
+          <p:sp>
+            <p:nvSpPr>
+              <p:cNvPr id="3" name="Rectangle 2"/>
+              <p:cNvSpPr/>
+              <p:nvPr/>
+            </p:nvSpPr>
+            <p:spPr>
+              <a:xfrm>
+                <a:off x="4450832" y="3511550"/>
+                <a:ext cx="1587644" cy="1041400"/>
+              </a:xfrm>
+              <a:prstGeom prst="rect">
+                <a:avLst/>
+              </a:prstGeom>
+              <a:solidFill>
+                <a:schemeClr val="accent1">
+                  <a:lumMod val="75000"/>
+                </a:schemeClr>
+              </a:solidFill>
+              <a:ln w="76200">
+                <a:noFill/>
+              </a:ln>
+            </p:spPr>
+            <p:style>
+              <a:lnRef idx="3">
+                <a:schemeClr val="lt1"/>
+              </a:lnRef>
+              <a:fillRef idx="1">
+                <a:schemeClr val="accent2"/>
+              </a:fillRef>
+              <a:effectRef idx="1">
+                <a:schemeClr val="accent2"/>
+              </a:effectRef>
+              <a:fontRef idx="minor">
+                <a:schemeClr val="lt1"/>
+              </a:fontRef>
+            </p:style>
+            <p:txBody>
+              <a:bodyPr rtlCol="0" anchor="ctr"/>
+              <a:lstStyle/>
+              <a:p>
+                <a:pPr algn="ctr"/>
+                <a:endParaRPr lang="en-IN"/>
+              </a:p>
+            </p:txBody>
+          </p:sp>
+          <p:sp>
+            <p:nvSpPr>
+              <p:cNvPr id="5" name="Rectangle 4"/>
+              <p:cNvSpPr/>
+              <p:nvPr/>
+            </p:nvSpPr>
+            <p:spPr>
+              <a:xfrm flipH="1">
+                <a:off x="4686300" y="3867150"/>
+                <a:ext cx="698500" cy="342900"/>
+              </a:xfrm>
+              <a:prstGeom prst="rect">
+                <a:avLst/>
+              </a:prstGeom>
+              <a:solidFill>
+                <a:schemeClr val="accent1">
+                  <a:lumMod val="75000"/>
+                </a:schemeClr>
+              </a:solidFill>
+              <a:ln>
+                <a:noFill/>
+              </a:ln>
+              <a:effectLst>
+                <a:outerShdw blurRad="50800" dist="38100" dir="5400000" algn="t" rotWithShape="0">
+                  <a:prstClr val="black">
+                    <a:alpha val="40000"/>
+                  </a:prstClr>
+                </a:outerShdw>
+              </a:effectLst>
+            </p:spPr>
+            <p:style>
+              <a:lnRef idx="3">
+                <a:schemeClr val="lt1"/>
+              </a:lnRef>
+              <a:fillRef idx="1">
+                <a:schemeClr val="accent2"/>
+              </a:fillRef>
+              <a:effectRef idx="1">
+                <a:schemeClr val="accent2"/>
+              </a:effectRef>
+              <a:fontRef idx="minor">
+                <a:schemeClr val="lt1"/>
+              </a:fontRef>
+            </p:style>
+            <p:txBody>
+              <a:bodyPr rtlCol="0" anchor="ctr"/>
+              <a:lstStyle/>
+              <a:p>
+                <a:pPr algn="ctr"/>
+                <a:endParaRPr lang="en-IN"/>
+              </a:p>
+            </p:txBody>
+          </p:sp>
+          <p:sp>
+            <p:nvSpPr>
+              <p:cNvPr id="7" name="Rectangle 6"/>
+              <p:cNvSpPr/>
+              <p:nvPr/>
+            </p:nvSpPr>
+            <p:spPr>
+              <a:xfrm>
+                <a:off x="4341054" y="3511550"/>
+                <a:ext cx="113469" cy="1041400"/>
+              </a:xfrm>
+              <a:prstGeom prst="rect">
+                <a:avLst/>
+              </a:prstGeom>
+              <a:solidFill>
+                <a:schemeClr val="accent4"/>
+              </a:solidFill>
+              <a:ln w="76200">
+                <a:noFill/>
+              </a:ln>
+            </p:spPr>
+            <p:style>
+              <a:lnRef idx="3">
+                <a:schemeClr val="lt1"/>
+              </a:lnRef>
+              <a:fillRef idx="1">
+                <a:schemeClr val="accent2"/>
+              </a:fillRef>
+              <a:effectRef idx="1">
+                <a:schemeClr val="accent2"/>
+              </a:effectRef>
+              <a:fontRef idx="minor">
+                <a:schemeClr val="lt1"/>
+              </a:fontRef>
+            </p:style>
+            <p:txBody>
+              <a:bodyPr rtlCol="0" anchor="ctr"/>
+              <a:lstStyle/>
+              <a:p>
+                <a:pPr algn="ctr"/>
+                <a:endParaRPr lang="en-IN"/>
+              </a:p>
+            </p:txBody>
+          </p:sp>
+          <p:sp>
+            <p:nvSpPr>
+              <p:cNvPr id="8" name="Rectangle 7"/>
+              <p:cNvSpPr/>
+              <p:nvPr/>
+            </p:nvSpPr>
+            <p:spPr>
+              <a:xfrm>
+                <a:off x="4074448" y="3511550"/>
+                <a:ext cx="270296" cy="1041400"/>
+              </a:xfrm>
+              <a:prstGeom prst="rect">
+                <a:avLst/>
+              </a:prstGeom>
+              <a:solidFill>
+                <a:srgbClr val="FF0000"/>
+              </a:solidFill>
+              <a:ln w="76200">
+                <a:noFill/>
+              </a:ln>
+            </p:spPr>
+            <p:style>
+              <a:lnRef idx="3">
+                <a:schemeClr val="lt1"/>
+              </a:lnRef>
+              <a:fillRef idx="1">
+                <a:schemeClr val="accent2"/>
+              </a:fillRef>
+              <a:effectRef idx="1">
+                <a:schemeClr val="accent2"/>
+              </a:effectRef>
+              <a:fontRef idx="minor">
+                <a:schemeClr val="lt1"/>
+              </a:fontRef>
+            </p:style>
+            <p:txBody>
+              <a:bodyPr rtlCol="0" anchor="ctr"/>
+              <a:lstStyle/>
+              <a:p>
+                <a:pPr algn="ctr"/>
+                <a:endParaRPr lang="en-IN"/>
+              </a:p>
+            </p:txBody>
+          </p:sp>
+          <p:grpSp>
+            <p:nvGrpSpPr>
+              <p:cNvPr id="9" name="Group 8"/>
+              <p:cNvGrpSpPr/>
+              <p:nvPr/>
+            </p:nvGrpSpPr>
+            <p:grpSpPr>
+              <a:xfrm>
+                <a:off x="2984499" y="3515371"/>
+                <a:ext cx="1101480" cy="1050279"/>
+                <a:chOff x="1078623" y="4034865"/>
+                <a:chExt cx="2470654" cy="1502335"/>
+              </a:xfrm>
+            </p:grpSpPr>
+            <p:sp>
+              <p:nvSpPr>
+                <p:cNvPr id="22" name="Rectangle 21"/>
+                <p:cNvSpPr/>
+                <p:nvPr/>
+              </p:nvSpPr>
+              <p:spPr>
+                <a:xfrm rot="2336776">
+                  <a:off x="1078623" y="4291348"/>
+                  <a:ext cx="325402" cy="549835"/>
+                </a:xfrm>
+                <a:prstGeom prst="rect">
+                  <a:avLst/>
+                </a:prstGeom>
+                <a:solidFill>
+                  <a:schemeClr val="tx1">
+                    <a:lumMod val="85000"/>
+                    <a:lumOff val="15000"/>
+                  </a:schemeClr>
+                </a:solidFill>
+                <a:ln w="76200">
+                  <a:noFill/>
+                </a:ln>
+              </p:spPr>
+              <p:style>
+                <a:lnRef idx="3">
+                  <a:schemeClr val="lt1"/>
+                </a:lnRef>
+                <a:fillRef idx="1">
+                  <a:schemeClr val="accent2"/>
+                </a:fillRef>
+                <a:effectRef idx="1">
+                  <a:schemeClr val="accent2"/>
+                </a:effectRef>
+                <a:fontRef idx="minor">
+                  <a:schemeClr val="lt1"/>
+                </a:fontRef>
+              </p:style>
+              <p:txBody>
+                <a:bodyPr rtlCol="0" anchor="ctr"/>
+                <a:lstStyle/>
+                <a:p>
+                  <a:pPr algn="ctr"/>
+                  <a:endParaRPr lang="en-IN"/>
+                </a:p>
+              </p:txBody>
+            </p:sp>
+            <p:sp>
+              <p:nvSpPr>
+                <p:cNvPr id="23" name="Rectangle 44"/>
+                <p:cNvSpPr/>
+                <p:nvPr/>
+              </p:nvSpPr>
+              <p:spPr>
+                <a:xfrm>
+                  <a:off x="1270000" y="4047565"/>
+                  <a:ext cx="2279277" cy="1489635"/>
+                </a:xfrm>
+                <a:custGeom>
+                  <a:avLst/>
+                  <a:gdLst>
+                    <a:gd name="connsiteX0" fmla="*/ 0 w 2571377"/>
+                    <a:gd name="connsiteY0" fmla="*/ 0 h 1489635"/>
+                    <a:gd name="connsiteX1" fmla="*/ 2571377 w 2571377"/>
+                    <a:gd name="connsiteY1" fmla="*/ 0 h 1489635"/>
+                    <a:gd name="connsiteX2" fmla="*/ 2571377 w 2571377"/>
+                    <a:gd name="connsiteY2" fmla="*/ 1489635 h 1489635"/>
+                    <a:gd name="connsiteX3" fmla="*/ 0 w 2571377"/>
+                    <a:gd name="connsiteY3" fmla="*/ 1489635 h 1489635"/>
+                    <a:gd name="connsiteX4" fmla="*/ 0 w 2571377"/>
+                    <a:gd name="connsiteY4" fmla="*/ 0 h 1489635"/>
+                    <a:gd name="connsiteX0" fmla="*/ 0 w 2571377"/>
+                    <a:gd name="connsiteY0" fmla="*/ 0 h 1489635"/>
+                    <a:gd name="connsiteX1" fmla="*/ 2571377 w 2571377"/>
+                    <a:gd name="connsiteY1" fmla="*/ 0 h 1489635"/>
+                    <a:gd name="connsiteX2" fmla="*/ 2571377 w 2571377"/>
+                    <a:gd name="connsiteY2" fmla="*/ 1489635 h 1489635"/>
+                    <a:gd name="connsiteX3" fmla="*/ 241300 w 2571377"/>
+                    <a:gd name="connsiteY3" fmla="*/ 511735 h 1489635"/>
+                    <a:gd name="connsiteX4" fmla="*/ 0 w 2571377"/>
+                    <a:gd name="connsiteY4" fmla="*/ 0 h 1489635"/>
+                    <a:gd name="connsiteX0" fmla="*/ 76200 w 2330077"/>
+                    <a:gd name="connsiteY0" fmla="*/ 190500 h 1489635"/>
+                    <a:gd name="connsiteX1" fmla="*/ 2330077 w 2330077"/>
+                    <a:gd name="connsiteY1" fmla="*/ 0 h 1489635"/>
+                    <a:gd name="connsiteX2" fmla="*/ 2330077 w 2330077"/>
+                    <a:gd name="connsiteY2" fmla="*/ 1489635 h 1489635"/>
+                    <a:gd name="connsiteX3" fmla="*/ 0 w 2330077"/>
+                    <a:gd name="connsiteY3" fmla="*/ 511735 h 1489635"/>
+                    <a:gd name="connsiteX4" fmla="*/ 76200 w 2330077"/>
+                    <a:gd name="connsiteY4" fmla="*/ 190500 h 1489635"/>
+                    <a:gd name="connsiteX0" fmla="*/ 25400 w 2279277"/>
+                    <a:gd name="connsiteY0" fmla="*/ 190500 h 1489635"/>
+                    <a:gd name="connsiteX1" fmla="*/ 2279277 w 2279277"/>
+                    <a:gd name="connsiteY1" fmla="*/ 0 h 1489635"/>
+                    <a:gd name="connsiteX2" fmla="*/ 2279277 w 2279277"/>
+                    <a:gd name="connsiteY2" fmla="*/ 1489635 h 1489635"/>
+                    <a:gd name="connsiteX3" fmla="*/ 0 w 2279277"/>
+                    <a:gd name="connsiteY3" fmla="*/ 549835 h 1489635"/>
+                    <a:gd name="connsiteX4" fmla="*/ 25400 w 2279277"/>
+                    <a:gd name="connsiteY4" fmla="*/ 190500 h 1489635"/>
+                  </a:gdLst>
+                  <a:ahLst/>
+                  <a:cxnLst>
+                    <a:cxn ang="0">
+                      <a:pos x="connsiteX0" y="connsiteY0"/>
+                    </a:cxn>
+                    <a:cxn ang="0">
+                      <a:pos x="connsiteX1" y="connsiteY1"/>
+                    </a:cxn>
+                    <a:cxn ang="0">
+                      <a:pos x="connsiteX2" y="connsiteY2"/>
+                    </a:cxn>
+                    <a:cxn ang="0">
+                      <a:pos x="connsiteX3" y="connsiteY3"/>
+                    </a:cxn>
+                    <a:cxn ang="0">
+                      <a:pos x="connsiteX4" y="connsiteY4"/>
+                    </a:cxn>
+                  </a:cxnLst>
+                  <a:rect l="l" t="t" r="r" b="b"/>
+                  <a:pathLst>
+                    <a:path w="2279277" h="1489635">
+                      <a:moveTo>
+                        <a:pt x="25400" y="190500"/>
+                      </a:moveTo>
+                      <a:lnTo>
+                        <a:pt x="2279277" y="0"/>
+                      </a:lnTo>
+                      <a:lnTo>
+                        <a:pt x="2279277" y="1489635"/>
+                      </a:lnTo>
+                      <a:lnTo>
+                        <a:pt x="0" y="549835"/>
+                      </a:lnTo>
+                      <a:lnTo>
+                        <a:pt x="25400" y="190500"/>
+                      </a:lnTo>
+                      <a:close/>
+                    </a:path>
+                  </a:pathLst>
+                </a:custGeom>
+                <a:solidFill>
+                  <a:schemeClr val="accent1">
+                    <a:lumMod val="75000"/>
+                  </a:schemeClr>
+                </a:solidFill>
+                <a:ln w="76200">
+                  <a:noFill/>
+                </a:ln>
+              </p:spPr>
+              <p:style>
+                <a:lnRef idx="3">
+                  <a:schemeClr val="lt1"/>
+                </a:lnRef>
+                <a:fillRef idx="1">
+                  <a:schemeClr val="accent2"/>
+                </a:fillRef>
+                <a:effectRef idx="1">
+                  <a:schemeClr val="accent2"/>
+                </a:effectRef>
+                <a:fontRef idx="minor">
+                  <a:schemeClr val="lt1"/>
+                </a:fontRef>
+              </p:style>
+              <p:txBody>
+                <a:bodyPr rtlCol="0" anchor="ctr"/>
+                <a:lstStyle/>
+                <a:p>
+                  <a:pPr algn="ctr"/>
+                  <a:endParaRPr lang="en-IN"/>
+                </a:p>
+              </p:txBody>
+            </p:sp>
+            <p:sp>
+              <p:nvSpPr>
+                <p:cNvPr id="24" name="Rectangle 23"/>
+                <p:cNvSpPr/>
+                <p:nvPr/>
+              </p:nvSpPr>
+              <p:spPr>
+                <a:xfrm rot="2336776">
+                  <a:off x="1078623" y="4164348"/>
+                  <a:ext cx="325402" cy="549835"/>
+                </a:xfrm>
+                <a:prstGeom prst="rect">
+                  <a:avLst/>
+                </a:prstGeom>
+                <a:solidFill>
+                  <a:schemeClr val="tx1">
+                    <a:lumMod val="85000"/>
+                    <a:lumOff val="15000"/>
+                  </a:schemeClr>
+                </a:solidFill>
+                <a:ln w="76200">
+                  <a:noFill/>
+                </a:ln>
+              </p:spPr>
+              <p:style>
+                <a:lnRef idx="3">
+                  <a:schemeClr val="lt1"/>
+                </a:lnRef>
+                <a:fillRef idx="1">
+                  <a:schemeClr val="accent2"/>
+                </a:fillRef>
+                <a:effectRef idx="1">
+                  <a:schemeClr val="accent2"/>
+                </a:effectRef>
+                <a:fontRef idx="minor">
+                  <a:schemeClr val="lt1"/>
+                </a:fontRef>
+              </p:style>
+              <p:txBody>
+                <a:bodyPr rtlCol="0" anchor="ctr"/>
+                <a:lstStyle/>
+                <a:p>
+                  <a:pPr algn="ctr"/>
+                  <a:endParaRPr lang="en-IN"/>
+                </a:p>
+              </p:txBody>
+            </p:sp>
+            <p:sp>
+              <p:nvSpPr>
+                <p:cNvPr id="25" name="Rectangle 44"/>
+                <p:cNvSpPr/>
+                <p:nvPr/>
+              </p:nvSpPr>
+              <p:spPr>
+                <a:xfrm>
+                  <a:off x="1270000" y="4034865"/>
+                  <a:ext cx="2279277" cy="1388035"/>
+                </a:xfrm>
+                <a:custGeom>
+                  <a:avLst/>
+                  <a:gdLst>
+                    <a:gd name="connsiteX0" fmla="*/ 0 w 2571377"/>
+                    <a:gd name="connsiteY0" fmla="*/ 0 h 1489635"/>
+                    <a:gd name="connsiteX1" fmla="*/ 2571377 w 2571377"/>
+                    <a:gd name="connsiteY1" fmla="*/ 0 h 1489635"/>
+                    <a:gd name="connsiteX2" fmla="*/ 2571377 w 2571377"/>
+                    <a:gd name="connsiteY2" fmla="*/ 1489635 h 1489635"/>
+                    <a:gd name="connsiteX3" fmla="*/ 0 w 2571377"/>
+                    <a:gd name="connsiteY3" fmla="*/ 1489635 h 1489635"/>
+                    <a:gd name="connsiteX4" fmla="*/ 0 w 2571377"/>
+                    <a:gd name="connsiteY4" fmla="*/ 0 h 1489635"/>
+                    <a:gd name="connsiteX0" fmla="*/ 0 w 2571377"/>
+                    <a:gd name="connsiteY0" fmla="*/ 0 h 1489635"/>
+                    <a:gd name="connsiteX1" fmla="*/ 2571377 w 2571377"/>
+                    <a:gd name="connsiteY1" fmla="*/ 0 h 1489635"/>
+                    <a:gd name="connsiteX2" fmla="*/ 2571377 w 2571377"/>
+                    <a:gd name="connsiteY2" fmla="*/ 1489635 h 1489635"/>
+                    <a:gd name="connsiteX3" fmla="*/ 241300 w 2571377"/>
+                    <a:gd name="connsiteY3" fmla="*/ 511735 h 1489635"/>
+                    <a:gd name="connsiteX4" fmla="*/ 0 w 2571377"/>
+                    <a:gd name="connsiteY4" fmla="*/ 0 h 1489635"/>
+                    <a:gd name="connsiteX0" fmla="*/ 76200 w 2330077"/>
+                    <a:gd name="connsiteY0" fmla="*/ 190500 h 1489635"/>
+                    <a:gd name="connsiteX1" fmla="*/ 2330077 w 2330077"/>
+                    <a:gd name="connsiteY1" fmla="*/ 0 h 1489635"/>
+                    <a:gd name="connsiteX2" fmla="*/ 2330077 w 2330077"/>
+                    <a:gd name="connsiteY2" fmla="*/ 1489635 h 1489635"/>
+                    <a:gd name="connsiteX3" fmla="*/ 0 w 2330077"/>
+                    <a:gd name="connsiteY3" fmla="*/ 511735 h 1489635"/>
+                    <a:gd name="connsiteX4" fmla="*/ 76200 w 2330077"/>
+                    <a:gd name="connsiteY4" fmla="*/ 190500 h 1489635"/>
+                    <a:gd name="connsiteX0" fmla="*/ 25400 w 2279277"/>
+                    <a:gd name="connsiteY0" fmla="*/ 190500 h 1489635"/>
+                    <a:gd name="connsiteX1" fmla="*/ 2279277 w 2279277"/>
+                    <a:gd name="connsiteY1" fmla="*/ 0 h 1489635"/>
+                    <a:gd name="connsiteX2" fmla="*/ 2279277 w 2279277"/>
+                    <a:gd name="connsiteY2" fmla="*/ 1489635 h 1489635"/>
+                    <a:gd name="connsiteX3" fmla="*/ 0 w 2279277"/>
+                    <a:gd name="connsiteY3" fmla="*/ 549835 h 1489635"/>
+                    <a:gd name="connsiteX4" fmla="*/ 25400 w 2279277"/>
+                    <a:gd name="connsiteY4" fmla="*/ 190500 h 1489635"/>
+                    <a:gd name="connsiteX0" fmla="*/ 25400 w 2279277"/>
+                    <a:gd name="connsiteY0" fmla="*/ 88900 h 1388035"/>
+                    <a:gd name="connsiteX1" fmla="*/ 2279277 w 2279277"/>
+                    <a:gd name="connsiteY1" fmla="*/ 0 h 1388035"/>
+                    <a:gd name="connsiteX2" fmla="*/ 2279277 w 2279277"/>
+                    <a:gd name="connsiteY2" fmla="*/ 1388035 h 1388035"/>
+                    <a:gd name="connsiteX3" fmla="*/ 0 w 2279277"/>
+                    <a:gd name="connsiteY3" fmla="*/ 448235 h 1388035"/>
+                    <a:gd name="connsiteX4" fmla="*/ 25400 w 2279277"/>
+                    <a:gd name="connsiteY4" fmla="*/ 88900 h 1388035"/>
+                  </a:gdLst>
+                  <a:ahLst/>
+                  <a:cxnLst>
+                    <a:cxn ang="0">
+                      <a:pos x="connsiteX0" y="connsiteY0"/>
+                    </a:cxn>
+                    <a:cxn ang="0">
+                      <a:pos x="connsiteX1" y="connsiteY1"/>
+                    </a:cxn>
+                    <a:cxn ang="0">
+                      <a:pos x="connsiteX2" y="connsiteY2"/>
+                    </a:cxn>
+                    <a:cxn ang="0">
+                      <a:pos x="connsiteX3" y="connsiteY3"/>
+                    </a:cxn>
+                    <a:cxn ang="0">
+                      <a:pos x="connsiteX4" y="connsiteY4"/>
+                    </a:cxn>
+                  </a:cxnLst>
+                  <a:rect l="l" t="t" r="r" b="b"/>
+                  <a:pathLst>
+                    <a:path w="2279277" h="1388035">
+                      <a:moveTo>
+                        <a:pt x="25400" y="88900"/>
+                      </a:moveTo>
+                      <a:lnTo>
+                        <a:pt x="2279277" y="0"/>
+                      </a:lnTo>
+                      <a:lnTo>
+                        <a:pt x="2279277" y="1388035"/>
+                      </a:lnTo>
+                      <a:lnTo>
+                        <a:pt x="0" y="448235"/>
+                      </a:lnTo>
+                      <a:lnTo>
+                        <a:pt x="25400" y="88900"/>
+                      </a:lnTo>
+                      <a:close/>
+                    </a:path>
+                  </a:pathLst>
+                </a:custGeom>
+                <a:solidFill>
+                  <a:schemeClr val="accent1">
+                    <a:lumMod val="75000"/>
+                  </a:schemeClr>
+                </a:solidFill>
+                <a:ln w="3175">
+                  <a:noFill/>
+                </a:ln>
+                <a:effectLst>
+                  <a:outerShdw blurRad="50800" dist="38100" dir="5400000" algn="t" rotWithShape="0">
+                    <a:prstClr val="black">
+                      <a:alpha val="40000"/>
+                    </a:prstClr>
+                  </a:outerShdw>
+                </a:effectLst>
+              </p:spPr>
+              <p:style>
+                <a:lnRef idx="3">
+                  <a:schemeClr val="lt1"/>
+                </a:lnRef>
+                <a:fillRef idx="1">
+                  <a:schemeClr val="accent2"/>
+                </a:fillRef>
+                <a:effectRef idx="1">
+                  <a:schemeClr val="accent2"/>
+                </a:effectRef>
+                <a:fontRef idx="minor">
+                  <a:schemeClr val="lt1"/>
+                </a:fontRef>
+              </p:style>
+              <p:txBody>
+                <a:bodyPr rtlCol="0" anchor="ctr"/>
+                <a:lstStyle/>
+                <a:p>
+                  <a:pPr algn="ctr"/>
+                  <a:endParaRPr lang="en-IN"/>
+                </a:p>
+              </p:txBody>
+            </p:sp>
+          </p:grpSp>
+          <p:grpSp>
+            <p:nvGrpSpPr>
+              <p:cNvPr id="10" name="Group 9"/>
+              <p:cNvGrpSpPr/>
+              <p:nvPr/>
+            </p:nvGrpSpPr>
+            <p:grpSpPr>
+              <a:xfrm>
+                <a:off x="4349332" y="3778250"/>
+                <a:ext cx="375067" cy="508000"/>
+                <a:chOff x="2654296" y="1409700"/>
+                <a:chExt cx="1003304" cy="1358900"/>
+              </a:xfrm>
+            </p:grpSpPr>
+            <p:sp>
+              <p:nvSpPr>
+                <p:cNvPr id="18" name="Rectangle 17"/>
+                <p:cNvSpPr/>
+                <p:nvPr/>
+              </p:nvSpPr>
+              <p:spPr>
+                <a:xfrm flipH="1">
+                  <a:off x="2654296" y="1409700"/>
+                  <a:ext cx="1003304" cy="1358900"/>
+                </a:xfrm>
+                <a:prstGeom prst="rect">
+                  <a:avLst/>
+                </a:prstGeom>
+                <a:solidFill>
+                  <a:schemeClr val="accent2">
+                    <a:lumMod val="75000"/>
+                  </a:schemeClr>
+                </a:solidFill>
+                <a:ln>
+                  <a:noFill/>
+                </a:ln>
+                <a:effectLst>
+                  <a:outerShdw blurRad="50800" dist="38100" dir="5400000" algn="t" rotWithShape="0">
+                    <a:prstClr val="black">
+                      <a:alpha val="40000"/>
+                    </a:prstClr>
+                  </a:outerShdw>
+                </a:effectLst>
+              </p:spPr>
+              <p:style>
+                <a:lnRef idx="3">
+                  <a:schemeClr val="lt1"/>
+                </a:lnRef>
+                <a:fillRef idx="1">
+                  <a:schemeClr val="accent2"/>
+                </a:fillRef>
+                <a:effectRef idx="1">
+                  <a:schemeClr val="accent2"/>
+                </a:effectRef>
+                <a:fontRef idx="minor">
+                  <a:schemeClr val="lt1"/>
+                </a:fontRef>
+              </p:style>
+              <p:txBody>
+                <a:bodyPr rtlCol="0" anchor="ctr"/>
+                <a:lstStyle/>
+                <a:p>
+                  <a:pPr algn="ctr"/>
+                  <a:endParaRPr lang="en-IN"/>
+                </a:p>
+              </p:txBody>
+            </p:sp>
+            <p:sp>
+              <p:nvSpPr>
+                <p:cNvPr id="19" name="Rectangle 18"/>
+                <p:cNvSpPr/>
+                <p:nvPr/>
+              </p:nvSpPr>
+              <p:spPr>
+                <a:xfrm flipH="1">
+                  <a:off x="2679696" y="1536700"/>
+                  <a:ext cx="635003" cy="203200"/>
+                </a:xfrm>
+                <a:prstGeom prst="rect">
+                  <a:avLst/>
+                </a:prstGeom>
+                <a:solidFill>
+                  <a:schemeClr val="accent2">
+                    <a:lumMod val="75000"/>
+                  </a:schemeClr>
+                </a:solidFill>
+                <a:ln>
+                  <a:noFill/>
+                </a:ln>
+                <a:effectLst>
+                  <a:outerShdw blurRad="50800" dist="38100" dir="8100000" algn="tr" rotWithShape="0">
+                    <a:prstClr val="black">
+                      <a:alpha val="40000"/>
+                    </a:prstClr>
+                  </a:outerShdw>
+                </a:effectLst>
+              </p:spPr>
+              <p:style>
+                <a:lnRef idx="3">
+                  <a:schemeClr val="lt1"/>
+                </a:lnRef>
+                <a:fillRef idx="1">
+                  <a:schemeClr val="accent2"/>
+                </a:fillRef>
+                <a:effectRef idx="1">
+                  <a:schemeClr val="accent2"/>
+                </a:effectRef>
+                <a:fontRef idx="minor">
+                  <a:schemeClr val="lt1"/>
+                </a:fontRef>
+              </p:style>
+              <p:txBody>
+                <a:bodyPr rtlCol="0" anchor="ctr"/>
+                <a:lstStyle/>
+                <a:p>
+                  <a:pPr algn="ctr"/>
+                  <a:endParaRPr lang="en-IN"/>
+                </a:p>
+              </p:txBody>
+            </p:sp>
+            <p:sp>
+              <p:nvSpPr>
+                <p:cNvPr id="20" name="Rectangle 19"/>
+                <p:cNvSpPr/>
+                <p:nvPr/>
+              </p:nvSpPr>
+              <p:spPr>
+                <a:xfrm flipH="1">
+                  <a:off x="2679696" y="1917700"/>
+                  <a:ext cx="635003" cy="203200"/>
+                </a:xfrm>
+                <a:prstGeom prst="rect">
+                  <a:avLst/>
+                </a:prstGeom>
+                <a:solidFill>
+                  <a:schemeClr val="accent2">
+                    <a:lumMod val="75000"/>
+                  </a:schemeClr>
+                </a:solidFill>
+                <a:ln>
+                  <a:noFill/>
+                </a:ln>
+                <a:effectLst>
+                  <a:outerShdw blurRad="50800" dist="38100" dir="8100000" algn="tr" rotWithShape="0">
+                    <a:prstClr val="black">
+                      <a:alpha val="40000"/>
+                    </a:prstClr>
+                  </a:outerShdw>
+                </a:effectLst>
+              </p:spPr>
+              <p:style>
+                <a:lnRef idx="3">
+                  <a:schemeClr val="lt1"/>
+                </a:lnRef>
+                <a:fillRef idx="1">
+                  <a:schemeClr val="accent2"/>
+                </a:fillRef>
+                <a:effectRef idx="1">
+                  <a:schemeClr val="accent2"/>
+                </a:effectRef>
+                <a:fontRef idx="minor">
+                  <a:schemeClr val="lt1"/>
+                </a:fontRef>
+              </p:style>
+              <p:txBody>
+                <a:bodyPr rtlCol="0" anchor="ctr"/>
+                <a:lstStyle/>
+                <a:p>
+                  <a:pPr algn="ctr"/>
+                  <a:endParaRPr lang="en-IN"/>
+                </a:p>
+              </p:txBody>
+            </p:sp>
+            <p:sp>
+              <p:nvSpPr>
+                <p:cNvPr id="21" name="Rectangle 20"/>
+                <p:cNvSpPr/>
+                <p:nvPr/>
+              </p:nvSpPr>
+              <p:spPr>
+                <a:xfrm flipH="1">
+                  <a:off x="2679696" y="2298700"/>
+                  <a:ext cx="635003" cy="203200"/>
+                </a:xfrm>
+                <a:prstGeom prst="rect">
+                  <a:avLst/>
+                </a:prstGeom>
+                <a:solidFill>
+                  <a:schemeClr val="accent2">
+                    <a:lumMod val="75000"/>
+                  </a:schemeClr>
+                </a:solidFill>
+                <a:ln>
+                  <a:noFill/>
+                </a:ln>
+                <a:effectLst>
+                  <a:outerShdw blurRad="50800" dist="38100" dir="8100000" algn="tr" rotWithShape="0">
+                    <a:prstClr val="black">
+                      <a:alpha val="40000"/>
+                    </a:prstClr>
+                  </a:outerShdw>
+                </a:effectLst>
+              </p:spPr>
+              <p:style>
+                <a:lnRef idx="3">
+                  <a:schemeClr val="lt1"/>
+                </a:lnRef>
+                <a:fillRef idx="1">
+                  <a:schemeClr val="accent2"/>
+                </a:fillRef>
+                <a:effectRef idx="1">
+                  <a:schemeClr val="accent2"/>
+                </a:effectRef>
+                <a:fontRef idx="minor">
+                  <a:schemeClr val="lt1"/>
+                </a:fontRef>
+              </p:style>
+              <p:txBody>
+                <a:bodyPr rtlCol="0" anchor="ctr"/>
+                <a:lstStyle/>
+                <a:p>
+                  <a:pPr algn="ctr"/>
+                  <a:endParaRPr lang="en-IN"/>
+                </a:p>
+              </p:txBody>
+            </p:sp>
+          </p:grpSp>
+        </p:grpSp>
+        <p:grpSp>
+          <p:nvGrpSpPr>
+            <p:cNvPr id="39" name="Group 38"/>
+            <p:cNvGrpSpPr/>
+            <p:nvPr/>
+          </p:nvGrpSpPr>
+          <p:grpSpPr>
+            <a:xfrm>
+              <a:off x="6609602" y="3564573"/>
+              <a:ext cx="981823" cy="360208"/>
+              <a:chOff x="6771527" y="3659822"/>
+              <a:chExt cx="1750173" cy="360208"/>
+            </a:xfrm>
+          </p:grpSpPr>
+          <p:sp>
+            <p:nvSpPr>
+              <p:cNvPr id="4" name="Rectangle 3"/>
+              <p:cNvSpPr/>
+              <p:nvPr/>
+            </p:nvSpPr>
+            <p:spPr>
+              <a:xfrm>
+                <a:off x="6771527" y="3663950"/>
+                <a:ext cx="873873" cy="342900"/>
+              </a:xfrm>
+              <a:prstGeom prst="rect">
+                <a:avLst/>
+              </a:prstGeom>
+              <a:solidFill>
+                <a:schemeClr val="accent1">
+                  <a:lumMod val="75000"/>
+                </a:schemeClr>
+              </a:solidFill>
+              <a:ln>
+                <a:noFill/>
+              </a:ln>
+            </p:spPr>
+            <p:style>
+              <a:lnRef idx="3">
+                <a:schemeClr val="lt1"/>
+              </a:lnRef>
+              <a:fillRef idx="1">
+                <a:schemeClr val="accent2"/>
+              </a:fillRef>
+              <a:effectRef idx="1">
+                <a:schemeClr val="accent2"/>
+              </a:effectRef>
+              <a:fontRef idx="minor">
+                <a:schemeClr val="lt1"/>
+              </a:fontRef>
+            </p:style>
+            <p:txBody>
+              <a:bodyPr rtlCol="0" anchor="ctr"/>
+              <a:lstStyle/>
+              <a:p>
+                <a:pPr algn="ctr"/>
+                <a:endParaRPr lang="en-IN"/>
+              </a:p>
+            </p:txBody>
+          </p:sp>
+          <p:grpSp>
+            <p:nvGrpSpPr>
+              <p:cNvPr id="11" name="Group 10"/>
+              <p:cNvGrpSpPr/>
+              <p:nvPr/>
+            </p:nvGrpSpPr>
+            <p:grpSpPr>
+              <a:xfrm>
+                <a:off x="7632746" y="3659822"/>
+                <a:ext cx="888954" cy="360208"/>
+                <a:chOff x="8509046" y="3402012"/>
+                <a:chExt cx="1406480" cy="569912"/>
+              </a:xfrm>
+            </p:grpSpPr>
+            <p:sp>
+              <p:nvSpPr>
+                <p:cNvPr id="12" name="Rectangle 41"/>
+                <p:cNvSpPr/>
+                <p:nvPr/>
+              </p:nvSpPr>
+              <p:spPr>
+                <a:xfrm>
+                  <a:off x="8509046" y="3403599"/>
+                  <a:ext cx="1267291" cy="546895"/>
+                </a:xfrm>
+                <a:custGeom>
+                  <a:avLst/>
+                  <a:gdLst>
+                    <a:gd name="connsiteX0" fmla="*/ 0 w 988173"/>
+                    <a:gd name="connsiteY0" fmla="*/ 0 h 558801"/>
+                    <a:gd name="connsiteX1" fmla="*/ 988173 w 988173"/>
+                    <a:gd name="connsiteY1" fmla="*/ 0 h 558801"/>
+                    <a:gd name="connsiteX2" fmla="*/ 988173 w 988173"/>
+                    <a:gd name="connsiteY2" fmla="*/ 558801 h 558801"/>
+                    <a:gd name="connsiteX3" fmla="*/ 0 w 988173"/>
+                    <a:gd name="connsiteY3" fmla="*/ 558801 h 558801"/>
+                    <a:gd name="connsiteX4" fmla="*/ 0 w 988173"/>
+                    <a:gd name="connsiteY4" fmla="*/ 0 h 558801"/>
+                    <a:gd name="connsiteX0" fmla="*/ 0 w 988173"/>
+                    <a:gd name="connsiteY0" fmla="*/ 0 h 558801"/>
+                    <a:gd name="connsiteX1" fmla="*/ 988173 w 988173"/>
+                    <a:gd name="connsiteY1" fmla="*/ 0 h 558801"/>
+                    <a:gd name="connsiteX2" fmla="*/ 897685 w 988173"/>
+                    <a:gd name="connsiteY2" fmla="*/ 456407 h 558801"/>
+                    <a:gd name="connsiteX3" fmla="*/ 0 w 988173"/>
+                    <a:gd name="connsiteY3" fmla="*/ 558801 h 558801"/>
+                    <a:gd name="connsiteX4" fmla="*/ 0 w 988173"/>
+                    <a:gd name="connsiteY4" fmla="*/ 0 h 558801"/>
+                    <a:gd name="connsiteX0" fmla="*/ 0 w 1162023"/>
+                    <a:gd name="connsiteY0" fmla="*/ 0 h 558801"/>
+                    <a:gd name="connsiteX1" fmla="*/ 988173 w 1162023"/>
+                    <a:gd name="connsiteY1" fmla="*/ 0 h 558801"/>
+                    <a:gd name="connsiteX2" fmla="*/ 897685 w 1162023"/>
+                    <a:gd name="connsiteY2" fmla="*/ 456407 h 558801"/>
+                    <a:gd name="connsiteX3" fmla="*/ 0 w 1162023"/>
+                    <a:gd name="connsiteY3" fmla="*/ 558801 h 558801"/>
+                    <a:gd name="connsiteX4" fmla="*/ 0 w 1162023"/>
+                    <a:gd name="connsiteY4" fmla="*/ 0 h 558801"/>
+                    <a:gd name="connsiteX0" fmla="*/ 0 w 1167039"/>
+                    <a:gd name="connsiteY0" fmla="*/ 0 h 558801"/>
+                    <a:gd name="connsiteX1" fmla="*/ 988173 w 1167039"/>
+                    <a:gd name="connsiteY1" fmla="*/ 0 h 558801"/>
+                    <a:gd name="connsiteX2" fmla="*/ 904829 w 1167039"/>
+                    <a:gd name="connsiteY2" fmla="*/ 356394 h 558801"/>
+                    <a:gd name="connsiteX3" fmla="*/ 0 w 1167039"/>
+                    <a:gd name="connsiteY3" fmla="*/ 558801 h 558801"/>
+                    <a:gd name="connsiteX4" fmla="*/ 0 w 1167039"/>
+                    <a:gd name="connsiteY4" fmla="*/ 0 h 558801"/>
+                    <a:gd name="connsiteX0" fmla="*/ 0 w 1240860"/>
+                    <a:gd name="connsiteY0" fmla="*/ 0 h 558801"/>
+                    <a:gd name="connsiteX1" fmla="*/ 988173 w 1240860"/>
+                    <a:gd name="connsiteY1" fmla="*/ 0 h 558801"/>
+                    <a:gd name="connsiteX2" fmla="*/ 904829 w 1240860"/>
+                    <a:gd name="connsiteY2" fmla="*/ 356394 h 558801"/>
+                    <a:gd name="connsiteX3" fmla="*/ 0 w 1240860"/>
+                    <a:gd name="connsiteY3" fmla="*/ 558801 h 558801"/>
+                    <a:gd name="connsiteX4" fmla="*/ 0 w 1240860"/>
+                    <a:gd name="connsiteY4" fmla="*/ 0 h 558801"/>
+                    <a:gd name="connsiteX0" fmla="*/ 0 w 1230715"/>
+                    <a:gd name="connsiteY0" fmla="*/ 0 h 558801"/>
+                    <a:gd name="connsiteX1" fmla="*/ 988173 w 1230715"/>
+                    <a:gd name="connsiteY1" fmla="*/ 0 h 558801"/>
+                    <a:gd name="connsiteX2" fmla="*/ 890542 w 1230715"/>
+                    <a:gd name="connsiteY2" fmla="*/ 280194 h 558801"/>
+                    <a:gd name="connsiteX3" fmla="*/ 0 w 1230715"/>
+                    <a:gd name="connsiteY3" fmla="*/ 558801 h 558801"/>
+                    <a:gd name="connsiteX4" fmla="*/ 0 w 1230715"/>
+                    <a:gd name="connsiteY4" fmla="*/ 0 h 558801"/>
+                    <a:gd name="connsiteX0" fmla="*/ 0 w 1230715"/>
+                    <a:gd name="connsiteY0" fmla="*/ 0 h 558801"/>
+                    <a:gd name="connsiteX1" fmla="*/ 988173 w 1230715"/>
+                    <a:gd name="connsiteY1" fmla="*/ 0 h 558801"/>
+                    <a:gd name="connsiteX2" fmla="*/ 890542 w 1230715"/>
+                    <a:gd name="connsiteY2" fmla="*/ 280194 h 558801"/>
+                    <a:gd name="connsiteX3" fmla="*/ 0 w 1230715"/>
+                    <a:gd name="connsiteY3" fmla="*/ 558801 h 558801"/>
+                    <a:gd name="connsiteX4" fmla="*/ 0 w 1230715"/>
+                    <a:gd name="connsiteY4" fmla="*/ 0 h 558801"/>
+                    <a:gd name="connsiteX0" fmla="*/ 0 w 1264910"/>
+                    <a:gd name="connsiteY0" fmla="*/ 0 h 558801"/>
+                    <a:gd name="connsiteX1" fmla="*/ 988173 w 1264910"/>
+                    <a:gd name="connsiteY1" fmla="*/ 0 h 558801"/>
+                    <a:gd name="connsiteX2" fmla="*/ 938167 w 1264910"/>
+                    <a:gd name="connsiteY2" fmla="*/ 292100 h 558801"/>
+                    <a:gd name="connsiteX3" fmla="*/ 0 w 1264910"/>
+                    <a:gd name="connsiteY3" fmla="*/ 558801 h 558801"/>
+                    <a:gd name="connsiteX4" fmla="*/ 0 w 1264910"/>
+                    <a:gd name="connsiteY4" fmla="*/ 0 h 558801"/>
+                    <a:gd name="connsiteX0" fmla="*/ 2381 w 1267291"/>
+                    <a:gd name="connsiteY0" fmla="*/ 0 h 546895"/>
+                    <a:gd name="connsiteX1" fmla="*/ 990554 w 1267291"/>
+                    <a:gd name="connsiteY1" fmla="*/ 0 h 546895"/>
+                    <a:gd name="connsiteX2" fmla="*/ 940548 w 1267291"/>
+                    <a:gd name="connsiteY2" fmla="*/ 292100 h 546895"/>
+                    <a:gd name="connsiteX3" fmla="*/ 0 w 1267291"/>
+                    <a:gd name="connsiteY3" fmla="*/ 546895 h 546895"/>
+                    <a:gd name="connsiteX4" fmla="*/ 2381 w 1267291"/>
+                    <a:gd name="connsiteY4" fmla="*/ 0 h 546895"/>
+                    <a:gd name="connsiteX0" fmla="*/ 2381 w 1267291"/>
+                    <a:gd name="connsiteY0" fmla="*/ 0 h 546895"/>
+                    <a:gd name="connsiteX1" fmla="*/ 990554 w 1267291"/>
+                    <a:gd name="connsiteY1" fmla="*/ 0 h 546895"/>
+                    <a:gd name="connsiteX2" fmla="*/ 940548 w 1267291"/>
+                    <a:gd name="connsiteY2" fmla="*/ 292100 h 546895"/>
+                    <a:gd name="connsiteX3" fmla="*/ 0 w 1267291"/>
+                    <a:gd name="connsiteY3" fmla="*/ 546895 h 546895"/>
+                    <a:gd name="connsiteX4" fmla="*/ 2381 w 1267291"/>
+                    <a:gd name="connsiteY4" fmla="*/ 0 h 546895"/>
+                  </a:gdLst>
+                  <a:ahLst/>
+                  <a:cxnLst>
+                    <a:cxn ang="0">
+                      <a:pos x="connsiteX0" y="connsiteY0"/>
+                    </a:cxn>
+                    <a:cxn ang="0">
+                      <a:pos x="connsiteX1" y="connsiteY1"/>
+                    </a:cxn>
+                    <a:cxn ang="0">
+                      <a:pos x="connsiteX2" y="connsiteY2"/>
+                    </a:cxn>
+                    <a:cxn ang="0">
+                      <a:pos x="connsiteX3" y="connsiteY3"/>
+                    </a:cxn>
+                    <a:cxn ang="0">
+                      <a:pos x="connsiteX4" y="connsiteY4"/>
+                    </a:cxn>
+                  </a:cxnLst>
+                  <a:rect l="l" t="t" r="r" b="b"/>
+                  <a:pathLst>
+                    <a:path w="1267291" h="546895">
+                      <a:moveTo>
+                        <a:pt x="2381" y="0"/>
+                      </a:moveTo>
+                      <a:lnTo>
+                        <a:pt x="990554" y="0"/>
+                      </a:lnTo>
+                      <a:cubicBezTo>
+                        <a:pt x="960391" y="152136"/>
+                        <a:pt x="1661273" y="59001"/>
+                        <a:pt x="940548" y="292100"/>
+                      </a:cubicBezTo>
+                      <a:cubicBezTo>
+                        <a:pt x="772289" y="599282"/>
+                        <a:pt x="313516" y="537370"/>
+                        <a:pt x="0" y="546895"/>
+                      </a:cubicBezTo>
+                      <a:cubicBezTo>
+                        <a:pt x="794" y="364597"/>
+                        <a:pt x="1587" y="182298"/>
+                        <a:pt x="2381" y="0"/>
+                      </a:cubicBezTo>
+                      <a:close/>
+                    </a:path>
+                  </a:pathLst>
+                </a:custGeom>
+                <a:solidFill>
+                  <a:schemeClr val="accent2">
+                    <a:lumMod val="75000"/>
+                  </a:schemeClr>
+                </a:solidFill>
+                <a:ln>
+                  <a:noFill/>
+                </a:ln>
+              </p:spPr>
+              <p:style>
+                <a:lnRef idx="3">
+                  <a:schemeClr val="lt1"/>
+                </a:lnRef>
+                <a:fillRef idx="1">
+                  <a:schemeClr val="accent2"/>
+                </a:fillRef>
+                <a:effectRef idx="1">
+                  <a:schemeClr val="accent2"/>
+                </a:effectRef>
+                <a:fontRef idx="minor">
+                  <a:schemeClr val="lt1"/>
+                </a:fontRef>
+              </p:style>
+              <p:txBody>
+                <a:bodyPr rtlCol="0" anchor="ctr"/>
+                <a:lstStyle/>
+                <a:p>
+                  <a:pPr algn="ctr"/>
+                  <a:endParaRPr lang="en-IN"/>
+                </a:p>
+              </p:txBody>
+            </p:sp>
+            <p:sp>
+              <p:nvSpPr>
+                <p:cNvPr id="13" name="Rectangle 12"/>
+                <p:cNvSpPr/>
+                <p:nvPr/>
+              </p:nvSpPr>
+              <p:spPr>
+                <a:xfrm>
+                  <a:off x="8633668" y="3667123"/>
+                  <a:ext cx="607173" cy="304801"/>
+                </a:xfrm>
+                <a:prstGeom prst="rect">
+                  <a:avLst/>
+                </a:prstGeom>
+                <a:solidFill>
+                  <a:schemeClr val="accent2">
+                    <a:lumMod val="75000"/>
+                  </a:schemeClr>
+                </a:solidFill>
+                <a:ln>
+                  <a:noFill/>
+                </a:ln>
+                <a:effectLst>
+                  <a:outerShdw blurRad="50800" dist="38100" dir="5400000" algn="t" rotWithShape="0">
+                    <a:prstClr val="black">
+                      <a:alpha val="40000"/>
+                    </a:prstClr>
+                  </a:outerShdw>
+                </a:effectLst>
+              </p:spPr>
+              <p:style>
+                <a:lnRef idx="3">
+                  <a:schemeClr val="lt1"/>
+                </a:lnRef>
+                <a:fillRef idx="1">
+                  <a:schemeClr val="accent2"/>
+                </a:fillRef>
+                <a:effectRef idx="1">
+                  <a:schemeClr val="accent2"/>
+                </a:effectRef>
+                <a:fontRef idx="minor">
+                  <a:schemeClr val="lt1"/>
+                </a:fontRef>
+              </p:style>
+              <p:txBody>
+                <a:bodyPr rtlCol="0" anchor="ctr"/>
+                <a:lstStyle/>
+                <a:p>
+                  <a:pPr algn="ctr"/>
+                  <a:endParaRPr lang="en-IN"/>
+                </a:p>
+              </p:txBody>
+            </p:sp>
+            <p:sp>
+              <p:nvSpPr>
+                <p:cNvPr id="14" name="Rectangle 13"/>
+                <p:cNvSpPr/>
+                <p:nvPr/>
+              </p:nvSpPr>
+              <p:spPr>
+                <a:xfrm>
+                  <a:off x="9232153" y="3402012"/>
+                  <a:ext cx="683373" cy="254001"/>
+                </a:xfrm>
+                <a:prstGeom prst="rect">
+                  <a:avLst/>
+                </a:prstGeom>
+                <a:solidFill>
+                  <a:schemeClr val="accent2">
+                    <a:lumMod val="75000"/>
+                  </a:schemeClr>
+                </a:solidFill>
+                <a:ln>
+                  <a:noFill/>
+                </a:ln>
+              </p:spPr>
+              <p:style>
+                <a:lnRef idx="3">
+                  <a:schemeClr val="lt1"/>
+                </a:lnRef>
+                <a:fillRef idx="1">
+                  <a:schemeClr val="accent2"/>
+                </a:fillRef>
+                <a:effectRef idx="1">
+                  <a:schemeClr val="accent2"/>
+                </a:effectRef>
+                <a:fontRef idx="minor">
+                  <a:schemeClr val="lt1"/>
+                </a:fontRef>
+              </p:style>
+              <p:txBody>
+                <a:bodyPr rtlCol="0" anchor="ctr"/>
+                <a:lstStyle/>
+                <a:p>
+                  <a:pPr algn="ctr"/>
+                  <a:endParaRPr lang="en-IN"/>
+                </a:p>
+              </p:txBody>
+            </p:sp>
+            <p:sp>
+              <p:nvSpPr>
+                <p:cNvPr id="15" name="Rectangle 14"/>
+                <p:cNvSpPr/>
+                <p:nvPr/>
+              </p:nvSpPr>
+              <p:spPr>
+                <a:xfrm>
+                  <a:off x="9283747" y="3455192"/>
+                  <a:ext cx="607173" cy="304801"/>
+                </a:xfrm>
+                <a:prstGeom prst="rect">
+                  <a:avLst/>
+                </a:prstGeom>
+                <a:solidFill>
+                  <a:schemeClr val="accent2">
+                    <a:lumMod val="75000"/>
+                  </a:schemeClr>
+                </a:solidFill>
+                <a:ln>
+                  <a:noFill/>
+                </a:ln>
+                <a:effectLst>
+                  <a:outerShdw blurRad="50800" dist="38100" dir="18900000" algn="bl" rotWithShape="0">
+                    <a:prstClr val="black">
+                      <a:alpha val="40000"/>
+                    </a:prstClr>
+                  </a:outerShdw>
+                </a:effectLst>
+              </p:spPr>
+              <p:style>
+                <a:lnRef idx="3">
+                  <a:schemeClr val="lt1"/>
+                </a:lnRef>
+                <a:fillRef idx="1">
+                  <a:schemeClr val="accent2"/>
+                </a:fillRef>
+                <a:effectRef idx="1">
+                  <a:schemeClr val="accent2"/>
+                </a:effectRef>
+                <a:fontRef idx="minor">
+                  <a:schemeClr val="lt1"/>
+                </a:fontRef>
+              </p:style>
+              <p:txBody>
+                <a:bodyPr rtlCol="0" anchor="ctr"/>
+                <a:lstStyle/>
+                <a:p>
+                  <a:pPr algn="ctr"/>
+                  <a:endParaRPr lang="en-IN"/>
+                </a:p>
+              </p:txBody>
+            </p:sp>
+            <p:sp>
+              <p:nvSpPr>
+                <p:cNvPr id="16" name="Rectangle 15"/>
+                <p:cNvSpPr/>
+                <p:nvPr/>
+              </p:nvSpPr>
+              <p:spPr>
+                <a:xfrm>
+                  <a:off x="9252790" y="3498055"/>
+                  <a:ext cx="607173" cy="304801"/>
+                </a:xfrm>
+                <a:prstGeom prst="rect">
+                  <a:avLst/>
+                </a:prstGeom>
+                <a:solidFill>
+                  <a:schemeClr val="accent2">
+                    <a:lumMod val="75000"/>
+                  </a:schemeClr>
+                </a:solidFill>
+                <a:ln>
+                  <a:noFill/>
+                </a:ln>
+                <a:effectLst>
+                  <a:outerShdw blurRad="50800" dist="38100" dir="18900000" algn="bl" rotWithShape="0">
+                    <a:prstClr val="black">
+                      <a:alpha val="40000"/>
+                    </a:prstClr>
+                  </a:outerShdw>
+                </a:effectLst>
+              </p:spPr>
+              <p:style>
+                <a:lnRef idx="3">
+                  <a:schemeClr val="lt1"/>
+                </a:lnRef>
+                <a:fillRef idx="1">
+                  <a:schemeClr val="accent2"/>
+                </a:fillRef>
+                <a:effectRef idx="1">
+                  <a:schemeClr val="accent2"/>
+                </a:effectRef>
+                <a:fontRef idx="minor">
+                  <a:schemeClr val="lt1"/>
+                </a:fontRef>
+              </p:style>
+              <p:txBody>
+                <a:bodyPr rtlCol="0" anchor="ctr"/>
+                <a:lstStyle/>
+                <a:p>
+                  <a:pPr algn="ctr"/>
+                  <a:endParaRPr lang="en-IN"/>
+                </a:p>
+              </p:txBody>
+            </p:sp>
+            <p:sp>
+              <p:nvSpPr>
+                <p:cNvPr id="17" name="Rectangle 16"/>
+                <p:cNvSpPr/>
+                <p:nvPr/>
+              </p:nvSpPr>
+              <p:spPr>
+                <a:xfrm>
+                  <a:off x="9226597" y="3531392"/>
+                  <a:ext cx="607173" cy="304801"/>
+                </a:xfrm>
+                <a:prstGeom prst="rect">
+                  <a:avLst/>
+                </a:prstGeom>
+                <a:solidFill>
+                  <a:schemeClr val="accent2">
+                    <a:lumMod val="75000"/>
+                  </a:schemeClr>
+                </a:solidFill>
+                <a:ln>
+                  <a:noFill/>
+                </a:ln>
+                <a:effectLst>
+                  <a:outerShdw blurRad="50800" dist="38100" dir="18900000" algn="bl" rotWithShape="0">
+                    <a:prstClr val="black">
+                      <a:alpha val="40000"/>
+                    </a:prstClr>
+                  </a:outerShdw>
+                </a:effectLst>
+              </p:spPr>
+              <p:style>
+                <a:lnRef idx="3">
+                  <a:schemeClr val="lt1"/>
+                </a:lnRef>
+                <a:fillRef idx="1">
+                  <a:schemeClr val="accent2"/>
+                </a:fillRef>
+                <a:effectRef idx="1">
+                  <a:schemeClr val="accent2"/>
+                </a:effectRef>
+                <a:fontRef idx="minor">
+                  <a:schemeClr val="lt1"/>
+                </a:fontRef>
+              </p:style>
+              <p:txBody>
+                <a:bodyPr rtlCol="0" anchor="ctr"/>
+                <a:lstStyle/>
+                <a:p>
+                  <a:pPr algn="ctr"/>
+                  <a:endParaRPr lang="en-IN"/>
+                </a:p>
+              </p:txBody>
+            </p:sp>
+          </p:grpSp>
+        </p:grpSp>
+        <p:grpSp>
+          <p:nvGrpSpPr>
+            <p:cNvPr id="6" name="Group 5"/>
+            <p:cNvGrpSpPr/>
+            <p:nvPr/>
+          </p:nvGrpSpPr>
+          <p:grpSpPr>
+            <a:xfrm>
+              <a:off x="4682564" y="2060575"/>
+              <a:ext cx="2362726" cy="2422124"/>
+              <a:chOff x="4609539" y="1293712"/>
+              <a:chExt cx="3747246" cy="3643012"/>
+            </a:xfrm>
+          </p:grpSpPr>
+          <p:sp>
+            <p:nvSpPr>
+              <p:cNvPr id="26" name="Rectangle 25"/>
+              <p:cNvSpPr/>
+              <p:nvPr/>
+            </p:nvSpPr>
+            <p:spPr>
+              <a:xfrm>
+                <a:off x="7787527" y="2240616"/>
+                <a:ext cx="569258" cy="909917"/>
+              </a:xfrm>
+              <a:prstGeom prst="rect">
+                <a:avLst/>
+              </a:prstGeom>
+              <a:solidFill>
+                <a:schemeClr val="accent2">
+                  <a:lumMod val="75000"/>
+                </a:schemeClr>
+              </a:solidFill>
+              <a:ln>
+                <a:noFill/>
+              </a:ln>
+            </p:spPr>
+            <p:style>
+              <a:lnRef idx="3">
+                <a:schemeClr val="lt1"/>
+              </a:lnRef>
+              <a:fillRef idx="1">
+                <a:schemeClr val="accent2"/>
+              </a:fillRef>
+              <a:effectRef idx="1">
+                <a:schemeClr val="accent2"/>
+              </a:effectRef>
+              <a:fontRef idx="minor">
+                <a:schemeClr val="lt1"/>
+              </a:fontRef>
+            </p:style>
+            <p:txBody>
+              <a:bodyPr rtlCol="0" anchor="ctr"/>
+              <a:lstStyle/>
+              <a:p>
+                <a:pPr algn="ctr"/>
+                <a:endParaRPr lang="en-IN"/>
+              </a:p>
+            </p:txBody>
+          </p:sp>
+          <p:sp>
+            <p:nvSpPr>
+              <p:cNvPr id="27" name="Rectangle 26"/>
+              <p:cNvSpPr/>
+              <p:nvPr/>
+            </p:nvSpPr>
+            <p:spPr>
+              <a:xfrm>
+                <a:off x="4609539" y="2289922"/>
+                <a:ext cx="569258" cy="909917"/>
+              </a:xfrm>
+              <a:prstGeom prst="rect">
+                <a:avLst/>
+              </a:prstGeom>
+              <a:solidFill>
+                <a:schemeClr val="accent2">
+                  <a:lumMod val="75000"/>
+                </a:schemeClr>
+              </a:solidFill>
+              <a:ln>
+                <a:noFill/>
+              </a:ln>
+            </p:spPr>
+            <p:style>
+              <a:lnRef idx="3">
+                <a:schemeClr val="lt1"/>
+              </a:lnRef>
+              <a:fillRef idx="1">
+                <a:schemeClr val="accent2"/>
+              </a:fillRef>
+              <a:effectRef idx="1">
+                <a:schemeClr val="accent2"/>
+              </a:effectRef>
+              <a:fontRef idx="minor">
+                <a:schemeClr val="lt1"/>
+              </a:fontRef>
+            </p:style>
+            <p:txBody>
+              <a:bodyPr rtlCol="0" anchor="ctr"/>
+              <a:lstStyle/>
+              <a:p>
+                <a:pPr algn="ctr"/>
+                <a:endParaRPr lang="en-IN"/>
+              </a:p>
+            </p:txBody>
+          </p:sp>
+          <p:sp>
+            <p:nvSpPr>
+              <p:cNvPr id="28" name="Rectangle 8"/>
+              <p:cNvSpPr/>
+              <p:nvPr/>
+            </p:nvSpPr>
+            <p:spPr>
+              <a:xfrm>
+                <a:off x="4703147" y="1293712"/>
+                <a:ext cx="3417164" cy="3643012"/>
+              </a:xfrm>
+              <a:custGeom>
+                <a:avLst/>
+                <a:gdLst>
+                  <a:gd name="connsiteX0" fmla="*/ 0 w 3267635"/>
+                  <a:gd name="connsiteY0" fmla="*/ 0 h 3509682"/>
+                  <a:gd name="connsiteX1" fmla="*/ 3267635 w 3267635"/>
+                  <a:gd name="connsiteY1" fmla="*/ 0 h 3509682"/>
+                  <a:gd name="connsiteX2" fmla="*/ 3267635 w 3267635"/>
+                  <a:gd name="connsiteY2" fmla="*/ 3509682 h 3509682"/>
+                  <a:gd name="connsiteX3" fmla="*/ 0 w 3267635"/>
+                  <a:gd name="connsiteY3" fmla="*/ 3509682 h 3509682"/>
+                  <a:gd name="connsiteX4" fmla="*/ 0 w 3267635"/>
+                  <a:gd name="connsiteY4" fmla="*/ 0 h 3509682"/>
+                  <a:gd name="connsiteX0" fmla="*/ 0 w 3267635"/>
+                  <a:gd name="connsiteY0" fmla="*/ 0 h 3509682"/>
+                  <a:gd name="connsiteX1" fmla="*/ 3267635 w 3267635"/>
+                  <a:gd name="connsiteY1" fmla="*/ 0 h 3509682"/>
+                  <a:gd name="connsiteX2" fmla="*/ 3267635 w 3267635"/>
+                  <a:gd name="connsiteY2" fmla="*/ 3509682 h 3509682"/>
+                  <a:gd name="connsiteX3" fmla="*/ 430306 w 3267635"/>
+                  <a:gd name="connsiteY3" fmla="*/ 3186952 h 3509682"/>
+                  <a:gd name="connsiteX4" fmla="*/ 0 w 3267635"/>
+                  <a:gd name="connsiteY4" fmla="*/ 0 h 3509682"/>
+                  <a:gd name="connsiteX0" fmla="*/ 17103 w 3284738"/>
+                  <a:gd name="connsiteY0" fmla="*/ 0 h 3509682"/>
+                  <a:gd name="connsiteX1" fmla="*/ 3284738 w 3284738"/>
+                  <a:gd name="connsiteY1" fmla="*/ 0 h 3509682"/>
+                  <a:gd name="connsiteX2" fmla="*/ 3284738 w 3284738"/>
+                  <a:gd name="connsiteY2" fmla="*/ 3509682 h 3509682"/>
+                  <a:gd name="connsiteX3" fmla="*/ 447409 w 3284738"/>
+                  <a:gd name="connsiteY3" fmla="*/ 3186952 h 3509682"/>
+                  <a:gd name="connsiteX4" fmla="*/ 17103 w 3284738"/>
+                  <a:gd name="connsiteY4" fmla="*/ 0 h 3509682"/>
+                  <a:gd name="connsiteX0" fmla="*/ 17103 w 3284738"/>
+                  <a:gd name="connsiteY0" fmla="*/ 0 h 3509682"/>
+                  <a:gd name="connsiteX1" fmla="*/ 3284738 w 3284738"/>
+                  <a:gd name="connsiteY1" fmla="*/ 0 h 3509682"/>
+                  <a:gd name="connsiteX2" fmla="*/ 3284738 w 3284738"/>
+                  <a:gd name="connsiteY2" fmla="*/ 3509682 h 3509682"/>
+                  <a:gd name="connsiteX3" fmla="*/ 447409 w 3284738"/>
+                  <a:gd name="connsiteY3" fmla="*/ 3186952 h 3509682"/>
+                  <a:gd name="connsiteX4" fmla="*/ 17103 w 3284738"/>
+                  <a:gd name="connsiteY4" fmla="*/ 0 h 3509682"/>
+                  <a:gd name="connsiteX0" fmla="*/ 17103 w 3284738"/>
+                  <a:gd name="connsiteY0" fmla="*/ 0 h 3509682"/>
+                  <a:gd name="connsiteX1" fmla="*/ 3284738 w 3284738"/>
+                  <a:gd name="connsiteY1" fmla="*/ 0 h 3509682"/>
+                  <a:gd name="connsiteX2" fmla="*/ 3284738 w 3284738"/>
+                  <a:gd name="connsiteY2" fmla="*/ 3509682 h 3509682"/>
+                  <a:gd name="connsiteX3" fmla="*/ 447409 w 3284738"/>
+                  <a:gd name="connsiteY3" fmla="*/ 3173505 h 3509682"/>
+                  <a:gd name="connsiteX4" fmla="*/ 17103 w 3284738"/>
+                  <a:gd name="connsiteY4" fmla="*/ 0 h 3509682"/>
+                  <a:gd name="connsiteX0" fmla="*/ 17103 w 3284738"/>
+                  <a:gd name="connsiteY0" fmla="*/ 0 h 3509682"/>
+                  <a:gd name="connsiteX1" fmla="*/ 3284738 w 3284738"/>
+                  <a:gd name="connsiteY1" fmla="*/ 0 h 3509682"/>
+                  <a:gd name="connsiteX2" fmla="*/ 3284738 w 3284738"/>
+                  <a:gd name="connsiteY2" fmla="*/ 3509682 h 3509682"/>
+                  <a:gd name="connsiteX3" fmla="*/ 447409 w 3284738"/>
+                  <a:gd name="connsiteY3" fmla="*/ 3173505 h 3509682"/>
+                  <a:gd name="connsiteX4" fmla="*/ 17103 w 3284738"/>
+                  <a:gd name="connsiteY4" fmla="*/ 0 h 3509682"/>
+                  <a:gd name="connsiteX0" fmla="*/ 0 w 3267635"/>
+                  <a:gd name="connsiteY0" fmla="*/ 0 h 3509682"/>
+                  <a:gd name="connsiteX1" fmla="*/ 3267635 w 3267635"/>
+                  <a:gd name="connsiteY1" fmla="*/ 0 h 3509682"/>
+                  <a:gd name="connsiteX2" fmla="*/ 3267635 w 3267635"/>
+                  <a:gd name="connsiteY2" fmla="*/ 3509682 h 3509682"/>
+                  <a:gd name="connsiteX3" fmla="*/ 430306 w 3267635"/>
+                  <a:gd name="connsiteY3" fmla="*/ 3173505 h 3509682"/>
+                  <a:gd name="connsiteX4" fmla="*/ 0 w 3267635"/>
+                  <a:gd name="connsiteY4" fmla="*/ 0 h 3509682"/>
+                  <a:gd name="connsiteX0" fmla="*/ 84667 w 3352302"/>
+                  <a:gd name="connsiteY0" fmla="*/ 0 h 3509682"/>
+                  <a:gd name="connsiteX1" fmla="*/ 3352302 w 3352302"/>
+                  <a:gd name="connsiteY1" fmla="*/ 0 h 3509682"/>
+                  <a:gd name="connsiteX2" fmla="*/ 3352302 w 3352302"/>
+                  <a:gd name="connsiteY2" fmla="*/ 3509682 h 3509682"/>
+                  <a:gd name="connsiteX3" fmla="*/ 326714 w 3352302"/>
+                  <a:gd name="connsiteY3" fmla="*/ 3213846 h 3509682"/>
+                  <a:gd name="connsiteX4" fmla="*/ 84667 w 3352302"/>
+                  <a:gd name="connsiteY4" fmla="*/ 0 h 3509682"/>
+                  <a:gd name="connsiteX0" fmla="*/ 26113 w 3293748"/>
+                  <a:gd name="connsiteY0" fmla="*/ 0 h 3509682"/>
+                  <a:gd name="connsiteX1" fmla="*/ 3293748 w 3293748"/>
+                  <a:gd name="connsiteY1" fmla="*/ 0 h 3509682"/>
+                  <a:gd name="connsiteX2" fmla="*/ 3293748 w 3293748"/>
+                  <a:gd name="connsiteY2" fmla="*/ 3509682 h 3509682"/>
+                  <a:gd name="connsiteX3" fmla="*/ 362289 w 3293748"/>
+                  <a:gd name="connsiteY3" fmla="*/ 3227293 h 3509682"/>
+                  <a:gd name="connsiteX4" fmla="*/ 26113 w 3293748"/>
+                  <a:gd name="connsiteY4" fmla="*/ 0 h 3509682"/>
+                  <a:gd name="connsiteX0" fmla="*/ 26113 w 3293748"/>
+                  <a:gd name="connsiteY0" fmla="*/ 0 h 3418791"/>
+                  <a:gd name="connsiteX1" fmla="*/ 3293748 w 3293748"/>
+                  <a:gd name="connsiteY1" fmla="*/ 0 h 3418791"/>
+                  <a:gd name="connsiteX2" fmla="*/ 2971019 w 3293748"/>
+                  <a:gd name="connsiteY2" fmla="*/ 3361765 h 3418791"/>
+                  <a:gd name="connsiteX3" fmla="*/ 362289 w 3293748"/>
+                  <a:gd name="connsiteY3" fmla="*/ 3227293 h 3418791"/>
+                  <a:gd name="connsiteX4" fmla="*/ 26113 w 3293748"/>
+                  <a:gd name="connsiteY4" fmla="*/ 0 h 3418791"/>
+                  <a:gd name="connsiteX0" fmla="*/ 26113 w 3293748"/>
+                  <a:gd name="connsiteY0" fmla="*/ 0 h 3418791"/>
+                  <a:gd name="connsiteX1" fmla="*/ 3293748 w 3293748"/>
+                  <a:gd name="connsiteY1" fmla="*/ 0 h 3418791"/>
+                  <a:gd name="connsiteX2" fmla="*/ 2971019 w 3293748"/>
+                  <a:gd name="connsiteY2" fmla="*/ 3361765 h 3418791"/>
+                  <a:gd name="connsiteX3" fmla="*/ 362289 w 3293748"/>
+                  <a:gd name="connsiteY3" fmla="*/ 3227293 h 3418791"/>
+                  <a:gd name="connsiteX4" fmla="*/ 26113 w 3293748"/>
+                  <a:gd name="connsiteY4" fmla="*/ 0 h 3418791"/>
+                  <a:gd name="connsiteX0" fmla="*/ 26113 w 3293748"/>
+                  <a:gd name="connsiteY0" fmla="*/ 0 h 3527488"/>
+                  <a:gd name="connsiteX1" fmla="*/ 3293748 w 3293748"/>
+                  <a:gd name="connsiteY1" fmla="*/ 0 h 3527488"/>
+                  <a:gd name="connsiteX2" fmla="*/ 2971019 w 3293748"/>
+                  <a:gd name="connsiteY2" fmla="*/ 3361765 h 3527488"/>
+                  <a:gd name="connsiteX3" fmla="*/ 362289 w 3293748"/>
+                  <a:gd name="connsiteY3" fmla="*/ 3227293 h 3527488"/>
+                  <a:gd name="connsiteX4" fmla="*/ 26113 w 3293748"/>
+                  <a:gd name="connsiteY4" fmla="*/ 0 h 3527488"/>
+                  <a:gd name="connsiteX0" fmla="*/ 26113 w 3293748"/>
+                  <a:gd name="connsiteY0" fmla="*/ 0 h 3440139"/>
+                  <a:gd name="connsiteX1" fmla="*/ 3293748 w 3293748"/>
+                  <a:gd name="connsiteY1" fmla="*/ 0 h 3440139"/>
+                  <a:gd name="connsiteX2" fmla="*/ 2944125 w 3293748"/>
+                  <a:gd name="connsiteY2" fmla="*/ 3160059 h 3440139"/>
+                  <a:gd name="connsiteX3" fmla="*/ 362289 w 3293748"/>
+                  <a:gd name="connsiteY3" fmla="*/ 3227293 h 3440139"/>
+                  <a:gd name="connsiteX4" fmla="*/ 26113 w 3293748"/>
+                  <a:gd name="connsiteY4" fmla="*/ 0 h 3440139"/>
+                  <a:gd name="connsiteX0" fmla="*/ 26113 w 3293748"/>
+                  <a:gd name="connsiteY0" fmla="*/ 0 h 3493760"/>
+                  <a:gd name="connsiteX1" fmla="*/ 3293748 w 3293748"/>
+                  <a:gd name="connsiteY1" fmla="*/ 0 h 3493760"/>
+                  <a:gd name="connsiteX2" fmla="*/ 2944125 w 3293748"/>
+                  <a:gd name="connsiteY2" fmla="*/ 3160059 h 3493760"/>
+                  <a:gd name="connsiteX3" fmla="*/ 362289 w 3293748"/>
+                  <a:gd name="connsiteY3" fmla="*/ 3227293 h 3493760"/>
+                  <a:gd name="connsiteX4" fmla="*/ 26113 w 3293748"/>
+                  <a:gd name="connsiteY4" fmla="*/ 0 h 3493760"/>
+                  <a:gd name="connsiteX0" fmla="*/ 26113 w 3314144"/>
+                  <a:gd name="connsiteY0" fmla="*/ 0 h 3499638"/>
+                  <a:gd name="connsiteX1" fmla="*/ 3293748 w 3314144"/>
+                  <a:gd name="connsiteY1" fmla="*/ 0 h 3499638"/>
+                  <a:gd name="connsiteX2" fmla="*/ 3038255 w 3314144"/>
+                  <a:gd name="connsiteY2" fmla="*/ 3173506 h 3499638"/>
+                  <a:gd name="connsiteX3" fmla="*/ 362289 w 3314144"/>
+                  <a:gd name="connsiteY3" fmla="*/ 3227293 h 3499638"/>
+                  <a:gd name="connsiteX4" fmla="*/ 26113 w 3314144"/>
+                  <a:gd name="connsiteY4" fmla="*/ 0 h 3499638"/>
+                  <a:gd name="connsiteX0" fmla="*/ 67164 w 3355195"/>
+                  <a:gd name="connsiteY0" fmla="*/ 0 h 3485002"/>
+                  <a:gd name="connsiteX1" fmla="*/ 3334799 w 3355195"/>
+                  <a:gd name="connsiteY1" fmla="*/ 0 h 3485002"/>
+                  <a:gd name="connsiteX2" fmla="*/ 3079306 w 3355195"/>
+                  <a:gd name="connsiteY2" fmla="*/ 3173506 h 3485002"/>
+                  <a:gd name="connsiteX3" fmla="*/ 336105 w 3355195"/>
+                  <a:gd name="connsiteY3" fmla="*/ 3200399 h 3485002"/>
+                  <a:gd name="connsiteX4" fmla="*/ 67164 w 3355195"/>
+                  <a:gd name="connsiteY4" fmla="*/ 0 h 3485002"/>
+                  <a:gd name="connsiteX0" fmla="*/ 49869 w 3337900"/>
+                  <a:gd name="connsiteY0" fmla="*/ 0 h 3485002"/>
+                  <a:gd name="connsiteX1" fmla="*/ 3317504 w 3337900"/>
+                  <a:gd name="connsiteY1" fmla="*/ 0 h 3485002"/>
+                  <a:gd name="connsiteX2" fmla="*/ 3062011 w 3337900"/>
+                  <a:gd name="connsiteY2" fmla="*/ 3173506 h 3485002"/>
+                  <a:gd name="connsiteX3" fmla="*/ 318810 w 3337900"/>
+                  <a:gd name="connsiteY3" fmla="*/ 3200399 h 3485002"/>
+                  <a:gd name="connsiteX4" fmla="*/ 49869 w 3337900"/>
+                  <a:gd name="connsiteY4" fmla="*/ 0 h 3485002"/>
+                  <a:gd name="connsiteX0" fmla="*/ 41470 w 3342948"/>
+                  <a:gd name="connsiteY0" fmla="*/ 13447 h 3485002"/>
+                  <a:gd name="connsiteX1" fmla="*/ 3322552 w 3342948"/>
+                  <a:gd name="connsiteY1" fmla="*/ 0 h 3485002"/>
+                  <a:gd name="connsiteX2" fmla="*/ 3067059 w 3342948"/>
+                  <a:gd name="connsiteY2" fmla="*/ 3173506 h 3485002"/>
+                  <a:gd name="connsiteX3" fmla="*/ 323858 w 3342948"/>
+                  <a:gd name="connsiteY3" fmla="*/ 3200399 h 3485002"/>
+                  <a:gd name="connsiteX4" fmla="*/ 41470 w 3342948"/>
+                  <a:gd name="connsiteY4" fmla="*/ 13447 h 3485002"/>
+                  <a:gd name="connsiteX0" fmla="*/ 158372 w 3459850"/>
+                  <a:gd name="connsiteY0" fmla="*/ 13447 h 3485002"/>
+                  <a:gd name="connsiteX1" fmla="*/ 3439454 w 3459850"/>
+                  <a:gd name="connsiteY1" fmla="*/ 0 h 3485002"/>
+                  <a:gd name="connsiteX2" fmla="*/ 3183961 w 3459850"/>
+                  <a:gd name="connsiteY2" fmla="*/ 3173506 h 3485002"/>
+                  <a:gd name="connsiteX3" fmla="*/ 440760 w 3459850"/>
+                  <a:gd name="connsiteY3" fmla="*/ 3200399 h 3485002"/>
+                  <a:gd name="connsiteX4" fmla="*/ 158372 w 3459850"/>
+                  <a:gd name="connsiteY4" fmla="*/ 13447 h 3485002"/>
+                  <a:gd name="connsiteX0" fmla="*/ 225761 w 3392769"/>
+                  <a:gd name="connsiteY0" fmla="*/ 0 h 3552237"/>
+                  <a:gd name="connsiteX1" fmla="*/ 3372373 w 3392769"/>
+                  <a:gd name="connsiteY1" fmla="*/ 67235 h 3552237"/>
+                  <a:gd name="connsiteX2" fmla="*/ 3116880 w 3392769"/>
+                  <a:gd name="connsiteY2" fmla="*/ 3240741 h 3552237"/>
+                  <a:gd name="connsiteX3" fmla="*/ 373679 w 3392769"/>
+                  <a:gd name="connsiteY3" fmla="*/ 3267634 h 3552237"/>
+                  <a:gd name="connsiteX4" fmla="*/ 225761 w 3392769"/>
+                  <a:gd name="connsiteY4" fmla="*/ 0 h 3552237"/>
+                  <a:gd name="connsiteX0" fmla="*/ 225761 w 3392769"/>
+                  <a:gd name="connsiteY0" fmla="*/ 110299 h 3662536"/>
+                  <a:gd name="connsiteX1" fmla="*/ 3372373 w 3392769"/>
+                  <a:gd name="connsiteY1" fmla="*/ 177534 h 3662536"/>
+                  <a:gd name="connsiteX2" fmla="*/ 3116880 w 3392769"/>
+                  <a:gd name="connsiteY2" fmla="*/ 3351040 h 3662536"/>
+                  <a:gd name="connsiteX3" fmla="*/ 373679 w 3392769"/>
+                  <a:gd name="connsiteY3" fmla="*/ 3377933 h 3662536"/>
+                  <a:gd name="connsiteX4" fmla="*/ 225761 w 3392769"/>
+                  <a:gd name="connsiteY4" fmla="*/ 110299 h 3662536"/>
+                  <a:gd name="connsiteX0" fmla="*/ 241181 w 3381295"/>
+                  <a:gd name="connsiteY0" fmla="*/ 148400 h 3566167"/>
+                  <a:gd name="connsiteX1" fmla="*/ 3360899 w 3381295"/>
+                  <a:gd name="connsiteY1" fmla="*/ 81165 h 3566167"/>
+                  <a:gd name="connsiteX2" fmla="*/ 3105406 w 3381295"/>
+                  <a:gd name="connsiteY2" fmla="*/ 3254671 h 3566167"/>
+                  <a:gd name="connsiteX3" fmla="*/ 362205 w 3381295"/>
+                  <a:gd name="connsiteY3" fmla="*/ 3281564 h 3566167"/>
+                  <a:gd name="connsiteX4" fmla="*/ 241181 w 3381295"/>
+                  <a:gd name="connsiteY4" fmla="*/ 148400 h 3566167"/>
+                  <a:gd name="connsiteX0" fmla="*/ 282910 w 3423024"/>
+                  <a:gd name="connsiteY0" fmla="*/ 148400 h 3566167"/>
+                  <a:gd name="connsiteX1" fmla="*/ 3402628 w 3423024"/>
+                  <a:gd name="connsiteY1" fmla="*/ 81165 h 3566167"/>
+                  <a:gd name="connsiteX2" fmla="*/ 3147135 w 3423024"/>
+                  <a:gd name="connsiteY2" fmla="*/ 3254671 h 3566167"/>
+                  <a:gd name="connsiteX3" fmla="*/ 403934 w 3423024"/>
+                  <a:gd name="connsiteY3" fmla="*/ 3281564 h 3566167"/>
+                  <a:gd name="connsiteX4" fmla="*/ 282910 w 3423024"/>
+                  <a:gd name="connsiteY4" fmla="*/ 148400 h 3566167"/>
+                  <a:gd name="connsiteX0" fmla="*/ 282910 w 3352183"/>
+                  <a:gd name="connsiteY0" fmla="*/ 113234 h 3531001"/>
+                  <a:gd name="connsiteX1" fmla="*/ 3174028 w 3352183"/>
+                  <a:gd name="connsiteY1" fmla="*/ 167023 h 3531001"/>
+                  <a:gd name="connsiteX2" fmla="*/ 3147135 w 3352183"/>
+                  <a:gd name="connsiteY2" fmla="*/ 3219505 h 3531001"/>
+                  <a:gd name="connsiteX3" fmla="*/ 403934 w 3352183"/>
+                  <a:gd name="connsiteY3" fmla="*/ 3246398 h 3531001"/>
+                  <a:gd name="connsiteX4" fmla="*/ 282910 w 3352183"/>
+                  <a:gd name="connsiteY4" fmla="*/ 113234 h 3531001"/>
+                  <a:gd name="connsiteX0" fmla="*/ 282910 w 3422032"/>
+                  <a:gd name="connsiteY0" fmla="*/ 113234 h 3531001"/>
+                  <a:gd name="connsiteX1" fmla="*/ 3174028 w 3422032"/>
+                  <a:gd name="connsiteY1" fmla="*/ 167023 h 3531001"/>
+                  <a:gd name="connsiteX2" fmla="*/ 3147135 w 3422032"/>
+                  <a:gd name="connsiteY2" fmla="*/ 3219505 h 3531001"/>
+                  <a:gd name="connsiteX3" fmla="*/ 403934 w 3422032"/>
+                  <a:gd name="connsiteY3" fmla="*/ 3246398 h 3531001"/>
+                  <a:gd name="connsiteX4" fmla="*/ 282910 w 3422032"/>
+                  <a:gd name="connsiteY4" fmla="*/ 113234 h 3531001"/>
+                  <a:gd name="connsiteX0" fmla="*/ 282910 w 3422032"/>
+                  <a:gd name="connsiteY0" fmla="*/ 339509 h 3757276"/>
+                  <a:gd name="connsiteX1" fmla="*/ 3174028 w 3422032"/>
+                  <a:gd name="connsiteY1" fmla="*/ 393298 h 3757276"/>
+                  <a:gd name="connsiteX2" fmla="*/ 3147135 w 3422032"/>
+                  <a:gd name="connsiteY2" fmla="*/ 3445780 h 3757276"/>
+                  <a:gd name="connsiteX3" fmla="*/ 403934 w 3422032"/>
+                  <a:gd name="connsiteY3" fmla="*/ 3472673 h 3757276"/>
+                  <a:gd name="connsiteX4" fmla="*/ 282910 w 3422032"/>
+                  <a:gd name="connsiteY4" fmla="*/ 339509 h 3757276"/>
+                  <a:gd name="connsiteX0" fmla="*/ 282910 w 3417164"/>
+                  <a:gd name="connsiteY0" fmla="*/ 225245 h 3643012"/>
+                  <a:gd name="connsiteX1" fmla="*/ 3160581 w 3417164"/>
+                  <a:gd name="connsiteY1" fmla="*/ 494186 h 3643012"/>
+                  <a:gd name="connsiteX2" fmla="*/ 3147135 w 3417164"/>
+                  <a:gd name="connsiteY2" fmla="*/ 3331516 h 3643012"/>
+                  <a:gd name="connsiteX3" fmla="*/ 403934 w 3417164"/>
+                  <a:gd name="connsiteY3" fmla="*/ 3358409 h 3643012"/>
+                  <a:gd name="connsiteX4" fmla="*/ 282910 w 3417164"/>
+                  <a:gd name="connsiteY4" fmla="*/ 225245 h 3643012"/>
+                </a:gdLst>
+                <a:ahLst/>
+                <a:cxnLst>
+                  <a:cxn ang="0">
+                    <a:pos x="connsiteX0" y="connsiteY0"/>
+                  </a:cxn>
+                  <a:cxn ang="0">
+                    <a:pos x="connsiteX1" y="connsiteY1"/>
+                  </a:cxn>
+                  <a:cxn ang="0">
+                    <a:pos x="connsiteX2" y="connsiteY2"/>
+                  </a:cxn>
+                  <a:cxn ang="0">
+                    <a:pos x="connsiteX3" y="connsiteY3"/>
+                  </a:cxn>
+                  <a:cxn ang="0">
+                    <a:pos x="connsiteX4" y="connsiteY4"/>
+                  </a:cxn>
+                </a:cxnLst>
+                <a:rect l="l" t="t" r="r" b="b"/>
+                <a:pathLst>
+                  <a:path w="3417164" h="3643012">
+                    <a:moveTo>
+                      <a:pt x="282910" y="225245"/>
+                    </a:moveTo>
+                    <a:cubicBezTo>
+                      <a:pt x="1439357" y="-48178"/>
+                      <a:pt x="3106793" y="-187131"/>
+                      <a:pt x="3160581" y="494186"/>
+                    </a:cubicBezTo>
+                    <a:cubicBezTo>
+                      <a:pt x="3335394" y="-39214"/>
+                      <a:pt x="3644676" y="3084987"/>
+                      <a:pt x="3147135" y="3331516"/>
+                    </a:cubicBezTo>
+                    <a:cubicBezTo>
+                      <a:pt x="2174465" y="3721481"/>
+                      <a:pt x="1416945" y="3761822"/>
+                      <a:pt x="403934" y="3358409"/>
+                    </a:cubicBezTo>
+                    <a:cubicBezTo>
+                      <a:pt x="-210148" y="2807081"/>
+                      <a:pt x="-17408" y="319374"/>
+                      <a:pt x="282910" y="225245"/>
+                    </a:cubicBezTo>
+                    <a:close/>
+                  </a:path>
+                </a:pathLst>
+              </a:custGeom>
+              <a:solidFill>
+                <a:schemeClr val="bg2">
+                  <a:lumMod val="90000"/>
+                </a:schemeClr>
+              </a:solidFill>
+              <a:ln w="76200">
+                <a:noFill/>
+              </a:ln>
+            </p:spPr>
+            <p:style>
+              <a:lnRef idx="3">
+                <a:schemeClr val="lt1"/>
+              </a:lnRef>
+              <a:fillRef idx="1">
+                <a:schemeClr val="accent2"/>
+              </a:fillRef>
+              <a:effectRef idx="1">
+                <a:schemeClr val="accent2"/>
+              </a:effectRef>
+              <a:fontRef idx="minor">
+                <a:schemeClr val="lt1"/>
+              </a:fontRef>
+            </p:style>
+            <p:txBody>
+              <a:bodyPr rtlCol="0" anchor="ctr"/>
+              <a:lstStyle/>
+              <a:p>
+                <a:pPr algn="ctr"/>
+                <a:endParaRPr lang="en-IN"/>
+              </a:p>
+            </p:txBody>
+          </p:sp>
+          <p:sp>
+            <p:nvSpPr>
+              <p:cNvPr id="29" name="Rectangle 1"/>
+              <p:cNvSpPr/>
+              <p:nvPr/>
+            </p:nvSpPr>
+            <p:spPr>
+              <a:xfrm>
+                <a:off x="4891928" y="1994562"/>
+                <a:ext cx="3119717" cy="2012101"/>
+              </a:xfrm>
+              <a:custGeom>
+                <a:avLst/>
+                <a:gdLst>
+                  <a:gd name="connsiteX0" fmla="*/ 0 w 3119717"/>
+                  <a:gd name="connsiteY0" fmla="*/ 0 h 1909482"/>
+                  <a:gd name="connsiteX1" fmla="*/ 3119717 w 3119717"/>
+                  <a:gd name="connsiteY1" fmla="*/ 0 h 1909482"/>
+                  <a:gd name="connsiteX2" fmla="*/ 3119717 w 3119717"/>
+                  <a:gd name="connsiteY2" fmla="*/ 1909482 h 1909482"/>
+                  <a:gd name="connsiteX3" fmla="*/ 0 w 3119717"/>
+                  <a:gd name="connsiteY3" fmla="*/ 1909482 h 1909482"/>
+                  <a:gd name="connsiteX4" fmla="*/ 0 w 3119717"/>
+                  <a:gd name="connsiteY4" fmla="*/ 0 h 1909482"/>
+                  <a:gd name="connsiteX0" fmla="*/ 161365 w 3119717"/>
+                  <a:gd name="connsiteY0" fmla="*/ 107576 h 1909482"/>
+                  <a:gd name="connsiteX1" fmla="*/ 3119717 w 3119717"/>
+                  <a:gd name="connsiteY1" fmla="*/ 0 h 1909482"/>
+                  <a:gd name="connsiteX2" fmla="*/ 3119717 w 3119717"/>
+                  <a:gd name="connsiteY2" fmla="*/ 1909482 h 1909482"/>
+                  <a:gd name="connsiteX3" fmla="*/ 0 w 3119717"/>
+                  <a:gd name="connsiteY3" fmla="*/ 1909482 h 1909482"/>
+                  <a:gd name="connsiteX4" fmla="*/ 161365 w 3119717"/>
+                  <a:gd name="connsiteY4" fmla="*/ 107576 h 1909482"/>
+                  <a:gd name="connsiteX0" fmla="*/ 161365 w 3119717"/>
+                  <a:gd name="connsiteY0" fmla="*/ 107576 h 1909482"/>
+                  <a:gd name="connsiteX1" fmla="*/ 3119717 w 3119717"/>
+                  <a:gd name="connsiteY1" fmla="*/ 0 h 1909482"/>
+                  <a:gd name="connsiteX2" fmla="*/ 3119717 w 3119717"/>
+                  <a:gd name="connsiteY2" fmla="*/ 1909482 h 1909482"/>
+                  <a:gd name="connsiteX3" fmla="*/ 0 w 3119717"/>
+                  <a:gd name="connsiteY3" fmla="*/ 1909482 h 1909482"/>
+                  <a:gd name="connsiteX4" fmla="*/ 161365 w 3119717"/>
+                  <a:gd name="connsiteY4" fmla="*/ 107576 h 1909482"/>
+                  <a:gd name="connsiteX0" fmla="*/ 161365 w 3119717"/>
+                  <a:gd name="connsiteY0" fmla="*/ 142085 h 1943991"/>
+                  <a:gd name="connsiteX1" fmla="*/ 3119717 w 3119717"/>
+                  <a:gd name="connsiteY1" fmla="*/ 34509 h 1943991"/>
+                  <a:gd name="connsiteX2" fmla="*/ 3119717 w 3119717"/>
+                  <a:gd name="connsiteY2" fmla="*/ 1943991 h 1943991"/>
+                  <a:gd name="connsiteX3" fmla="*/ 0 w 3119717"/>
+                  <a:gd name="connsiteY3" fmla="*/ 1943991 h 1943991"/>
+                  <a:gd name="connsiteX4" fmla="*/ 161365 w 3119717"/>
+                  <a:gd name="connsiteY4" fmla="*/ 142085 h 1943991"/>
+                  <a:gd name="connsiteX0" fmla="*/ 161365 w 3119717"/>
+                  <a:gd name="connsiteY0" fmla="*/ 137069 h 1938975"/>
+                  <a:gd name="connsiteX1" fmla="*/ 2971799 w 3119717"/>
+                  <a:gd name="connsiteY1" fmla="*/ 42940 h 1938975"/>
+                  <a:gd name="connsiteX2" fmla="*/ 3119717 w 3119717"/>
+                  <a:gd name="connsiteY2" fmla="*/ 1938975 h 1938975"/>
+                  <a:gd name="connsiteX3" fmla="*/ 0 w 3119717"/>
+                  <a:gd name="connsiteY3" fmla="*/ 1938975 h 1938975"/>
+                  <a:gd name="connsiteX4" fmla="*/ 161365 w 3119717"/>
+                  <a:gd name="connsiteY4" fmla="*/ 137069 h 1938975"/>
+                  <a:gd name="connsiteX0" fmla="*/ 161365 w 3119717"/>
+                  <a:gd name="connsiteY0" fmla="*/ 210195 h 2012101"/>
+                  <a:gd name="connsiteX1" fmla="*/ 2971799 w 3119717"/>
+                  <a:gd name="connsiteY1" fmla="*/ 116066 h 2012101"/>
+                  <a:gd name="connsiteX2" fmla="*/ 3119717 w 3119717"/>
+                  <a:gd name="connsiteY2" fmla="*/ 2012101 h 2012101"/>
+                  <a:gd name="connsiteX3" fmla="*/ 0 w 3119717"/>
+                  <a:gd name="connsiteY3" fmla="*/ 2012101 h 2012101"/>
+                  <a:gd name="connsiteX4" fmla="*/ 161365 w 3119717"/>
+                  <a:gd name="connsiteY4" fmla="*/ 210195 h 2012101"/>
+                  <a:gd name="connsiteX0" fmla="*/ 161365 w 3119717"/>
+                  <a:gd name="connsiteY0" fmla="*/ 210195 h 2012101"/>
+                  <a:gd name="connsiteX1" fmla="*/ 2971799 w 3119717"/>
+                  <a:gd name="connsiteY1" fmla="*/ 116066 h 2012101"/>
+                  <a:gd name="connsiteX2" fmla="*/ 3119717 w 3119717"/>
+                  <a:gd name="connsiteY2" fmla="*/ 2012101 h 2012101"/>
+                  <a:gd name="connsiteX3" fmla="*/ 0 w 3119717"/>
+                  <a:gd name="connsiteY3" fmla="*/ 2012101 h 2012101"/>
+                  <a:gd name="connsiteX4" fmla="*/ 161365 w 3119717"/>
+                  <a:gd name="connsiteY4" fmla="*/ 210195 h 2012101"/>
+                </a:gdLst>
+                <a:ahLst/>
+                <a:cxnLst>
+                  <a:cxn ang="0">
+                    <a:pos x="connsiteX0" y="connsiteY0"/>
+                  </a:cxn>
+                  <a:cxn ang="0">
+                    <a:pos x="connsiteX1" y="connsiteY1"/>
+                  </a:cxn>
+                  <a:cxn ang="0">
+                    <a:pos x="connsiteX2" y="connsiteY2"/>
+                  </a:cxn>
+                  <a:cxn ang="0">
+                    <a:pos x="connsiteX3" y="connsiteY3"/>
+                  </a:cxn>
+                  <a:cxn ang="0">
+                    <a:pos x="connsiteX4" y="connsiteY4"/>
+                  </a:cxn>
+                </a:cxnLst>
+                <a:rect l="l" t="t" r="r" b="b"/>
+                <a:pathLst>
+                  <a:path w="3119717" h="2012101">
+                    <a:moveTo>
+                      <a:pt x="161365" y="210195"/>
+                    </a:moveTo>
+                    <a:cubicBezTo>
+                      <a:pt x="434788" y="-54264"/>
+                      <a:pt x="2604246" y="-49781"/>
+                      <a:pt x="2971799" y="116066"/>
+                    </a:cubicBezTo>
+                    <a:cubicBezTo>
+                      <a:pt x="3169023" y="169854"/>
+                      <a:pt x="3070411" y="1380089"/>
+                      <a:pt x="3119717" y="2012101"/>
+                    </a:cubicBezTo>
+                    <a:lnTo>
+                      <a:pt x="0" y="2012101"/>
+                    </a:lnTo>
+                    <a:cubicBezTo>
+                      <a:pt x="53788" y="1411466"/>
+                      <a:pt x="-94129" y="367077"/>
+                      <a:pt x="161365" y="210195"/>
+                    </a:cubicBezTo>
+                    <a:close/>
+                  </a:path>
+                </a:pathLst>
+              </a:custGeom>
+              <a:solidFill>
+                <a:schemeClr val="accent2">
+                  <a:lumMod val="75000"/>
+                </a:schemeClr>
+              </a:solidFill>
+              <a:ln>
+                <a:noFill/>
+              </a:ln>
+            </p:spPr>
+            <p:style>
+              <a:lnRef idx="3">
+                <a:schemeClr val="lt1"/>
+              </a:lnRef>
+              <a:fillRef idx="1">
+                <a:schemeClr val="accent2"/>
+              </a:fillRef>
+              <a:effectRef idx="1">
+                <a:schemeClr val="accent2"/>
+              </a:effectRef>
+              <a:fontRef idx="minor">
+                <a:schemeClr val="lt1"/>
+              </a:fontRef>
+            </p:style>
+            <p:txBody>
+              <a:bodyPr rtlCol="0" anchor="ctr"/>
+              <a:lstStyle/>
+              <a:p>
+                <a:pPr algn="ctr"/>
+                <a:endParaRPr lang="en-IN"/>
+              </a:p>
+            </p:txBody>
+          </p:sp>
+          <p:sp>
+            <p:nvSpPr>
+              <p:cNvPr id="30" name="Rounded Rectangle 29"/>
+              <p:cNvSpPr/>
+              <p:nvPr/>
+            </p:nvSpPr>
+            <p:spPr>
+              <a:xfrm>
+                <a:off x="5353612" y="2635062"/>
+                <a:ext cx="627528" cy="632013"/>
+              </a:xfrm>
+              <a:prstGeom prst="roundRect">
+                <a:avLst/>
+              </a:prstGeom>
+              <a:solidFill>
+                <a:schemeClr val="bg1"/>
+              </a:solidFill>
+              <a:ln w="76200">
+                <a:solidFill>
+                  <a:schemeClr val="bg2">
+                    <a:lumMod val="90000"/>
+                  </a:schemeClr>
+                </a:solidFill>
+              </a:ln>
+            </p:spPr>
+            <p:style>
+              <a:lnRef idx="3">
+                <a:schemeClr val="lt1"/>
+              </a:lnRef>
+              <a:fillRef idx="1">
+                <a:schemeClr val="accent2"/>
+              </a:fillRef>
+              <a:effectRef idx="1">
+                <a:schemeClr val="accent2"/>
+              </a:effectRef>
+              <a:fontRef idx="minor">
+                <a:schemeClr val="lt1"/>
+              </a:fontRef>
+            </p:style>
+            <p:txBody>
+              <a:bodyPr rtlCol="0" anchor="ctr"/>
+              <a:lstStyle/>
+              <a:p>
+                <a:pPr algn="ctr"/>
+                <a:endParaRPr lang="en-IN"/>
+              </a:p>
+            </p:txBody>
+          </p:sp>
+          <p:sp>
+            <p:nvSpPr>
+              <p:cNvPr id="31" name="Rectangle 4"/>
+              <p:cNvSpPr/>
+              <p:nvPr/>
+            </p:nvSpPr>
+            <p:spPr>
+              <a:xfrm>
+                <a:off x="4891928" y="3500900"/>
+                <a:ext cx="3146612" cy="788152"/>
+              </a:xfrm>
+              <a:custGeom>
+                <a:avLst/>
+                <a:gdLst>
+                  <a:gd name="connsiteX0" fmla="*/ 0 w 3146612"/>
+                  <a:gd name="connsiteY0" fmla="*/ 0 h 1277472"/>
+                  <a:gd name="connsiteX1" fmla="*/ 3146612 w 3146612"/>
+                  <a:gd name="connsiteY1" fmla="*/ 0 h 1277472"/>
+                  <a:gd name="connsiteX2" fmla="*/ 3146612 w 3146612"/>
+                  <a:gd name="connsiteY2" fmla="*/ 1277472 h 1277472"/>
+                  <a:gd name="connsiteX3" fmla="*/ 0 w 3146612"/>
+                  <a:gd name="connsiteY3" fmla="*/ 1277472 h 1277472"/>
+                  <a:gd name="connsiteX4" fmla="*/ 0 w 3146612"/>
+                  <a:gd name="connsiteY4" fmla="*/ 0 h 1277472"/>
+                  <a:gd name="connsiteX0" fmla="*/ 0 w 3146612"/>
+                  <a:gd name="connsiteY0" fmla="*/ 62 h 1277534"/>
+                  <a:gd name="connsiteX1" fmla="*/ 389965 w 3146612"/>
+                  <a:gd name="connsiteY1" fmla="*/ 228662 h 1277534"/>
+                  <a:gd name="connsiteX2" fmla="*/ 3146612 w 3146612"/>
+                  <a:gd name="connsiteY2" fmla="*/ 62 h 1277534"/>
+                  <a:gd name="connsiteX3" fmla="*/ 3146612 w 3146612"/>
+                  <a:gd name="connsiteY3" fmla="*/ 1277534 h 1277534"/>
+                  <a:gd name="connsiteX4" fmla="*/ 0 w 3146612"/>
+                  <a:gd name="connsiteY4" fmla="*/ 1277534 h 1277534"/>
+                  <a:gd name="connsiteX5" fmla="*/ 0 w 3146612"/>
+                  <a:gd name="connsiteY5" fmla="*/ 62 h 1277534"/>
+                  <a:gd name="connsiteX0" fmla="*/ 0 w 3146612"/>
+                  <a:gd name="connsiteY0" fmla="*/ 62 h 1277534"/>
+                  <a:gd name="connsiteX1" fmla="*/ 389965 w 3146612"/>
+                  <a:gd name="connsiteY1" fmla="*/ 228662 h 1277534"/>
+                  <a:gd name="connsiteX2" fmla="*/ 3146612 w 3146612"/>
+                  <a:gd name="connsiteY2" fmla="*/ 62 h 1277534"/>
+                  <a:gd name="connsiteX3" fmla="*/ 3146612 w 3146612"/>
+                  <a:gd name="connsiteY3" fmla="*/ 1277534 h 1277534"/>
+                  <a:gd name="connsiteX4" fmla="*/ 0 w 3146612"/>
+                  <a:gd name="connsiteY4" fmla="*/ 1277534 h 1277534"/>
+                  <a:gd name="connsiteX5" fmla="*/ 0 w 3146612"/>
+                  <a:gd name="connsiteY5" fmla="*/ 62 h 1277534"/>
+                  <a:gd name="connsiteX0" fmla="*/ 0 w 3146612"/>
+                  <a:gd name="connsiteY0" fmla="*/ 86841 h 1364313"/>
+                  <a:gd name="connsiteX1" fmla="*/ 389965 w 3146612"/>
+                  <a:gd name="connsiteY1" fmla="*/ 315441 h 1364313"/>
+                  <a:gd name="connsiteX2" fmla="*/ 1492623 w 3146612"/>
+                  <a:gd name="connsiteY2" fmla="*/ 100288 h 1364313"/>
+                  <a:gd name="connsiteX3" fmla="*/ 3146612 w 3146612"/>
+                  <a:gd name="connsiteY3" fmla="*/ 86841 h 1364313"/>
+                  <a:gd name="connsiteX4" fmla="*/ 3146612 w 3146612"/>
+                  <a:gd name="connsiteY4" fmla="*/ 1364313 h 1364313"/>
+                  <a:gd name="connsiteX5" fmla="*/ 0 w 3146612"/>
+                  <a:gd name="connsiteY5" fmla="*/ 1364313 h 1364313"/>
+                  <a:gd name="connsiteX6" fmla="*/ 0 w 3146612"/>
+                  <a:gd name="connsiteY6" fmla="*/ 86841 h 1364313"/>
+                  <a:gd name="connsiteX0" fmla="*/ 0 w 3146612"/>
+                  <a:gd name="connsiteY0" fmla="*/ 77872 h 1355344"/>
+                  <a:gd name="connsiteX1" fmla="*/ 389965 w 3146612"/>
+                  <a:gd name="connsiteY1" fmla="*/ 306472 h 1355344"/>
+                  <a:gd name="connsiteX2" fmla="*/ 1492623 w 3146612"/>
+                  <a:gd name="connsiteY2" fmla="*/ 91319 h 1355344"/>
+                  <a:gd name="connsiteX3" fmla="*/ 3146612 w 3146612"/>
+                  <a:gd name="connsiteY3" fmla="*/ 77872 h 1355344"/>
+                  <a:gd name="connsiteX4" fmla="*/ 3146612 w 3146612"/>
+                  <a:gd name="connsiteY4" fmla="*/ 1355344 h 1355344"/>
+                  <a:gd name="connsiteX5" fmla="*/ 0 w 3146612"/>
+                  <a:gd name="connsiteY5" fmla="*/ 1355344 h 1355344"/>
+                  <a:gd name="connsiteX6" fmla="*/ 0 w 3146612"/>
+                  <a:gd name="connsiteY6" fmla="*/ 77872 h 1355344"/>
+                  <a:gd name="connsiteX0" fmla="*/ 0 w 3146612"/>
+                  <a:gd name="connsiteY0" fmla="*/ 62187 h 1339659"/>
+                  <a:gd name="connsiteX1" fmla="*/ 389965 w 3146612"/>
+                  <a:gd name="connsiteY1" fmla="*/ 290787 h 1339659"/>
+                  <a:gd name="connsiteX2" fmla="*/ 1492623 w 3146612"/>
+                  <a:gd name="connsiteY2" fmla="*/ 75634 h 1339659"/>
+                  <a:gd name="connsiteX3" fmla="*/ 2353235 w 3146612"/>
+                  <a:gd name="connsiteY3" fmla="*/ 277340 h 1339659"/>
+                  <a:gd name="connsiteX4" fmla="*/ 3146612 w 3146612"/>
+                  <a:gd name="connsiteY4" fmla="*/ 62187 h 1339659"/>
+                  <a:gd name="connsiteX5" fmla="*/ 3146612 w 3146612"/>
+                  <a:gd name="connsiteY5" fmla="*/ 1339659 h 1339659"/>
+                  <a:gd name="connsiteX6" fmla="*/ 0 w 3146612"/>
+                  <a:gd name="connsiteY6" fmla="*/ 1339659 h 1339659"/>
+                  <a:gd name="connsiteX7" fmla="*/ 0 w 3146612"/>
+                  <a:gd name="connsiteY7" fmla="*/ 62187 h 1339659"/>
+                  <a:gd name="connsiteX0" fmla="*/ 0 w 3146612"/>
+                  <a:gd name="connsiteY0" fmla="*/ 62187 h 1339659"/>
+                  <a:gd name="connsiteX1" fmla="*/ 470647 w 3146612"/>
+                  <a:gd name="connsiteY1" fmla="*/ 717684 h 1339659"/>
+                  <a:gd name="connsiteX2" fmla="*/ 1492623 w 3146612"/>
+                  <a:gd name="connsiteY2" fmla="*/ 75634 h 1339659"/>
+                  <a:gd name="connsiteX3" fmla="*/ 2353235 w 3146612"/>
+                  <a:gd name="connsiteY3" fmla="*/ 277340 h 1339659"/>
+                  <a:gd name="connsiteX4" fmla="*/ 3146612 w 3146612"/>
+                  <a:gd name="connsiteY4" fmla="*/ 62187 h 1339659"/>
+                  <a:gd name="connsiteX5" fmla="*/ 3146612 w 3146612"/>
+                  <a:gd name="connsiteY5" fmla="*/ 1339659 h 1339659"/>
+                  <a:gd name="connsiteX6" fmla="*/ 0 w 3146612"/>
+                  <a:gd name="connsiteY6" fmla="*/ 1339659 h 1339659"/>
+                  <a:gd name="connsiteX7" fmla="*/ 0 w 3146612"/>
+                  <a:gd name="connsiteY7" fmla="*/ 62187 h 1339659"/>
+                  <a:gd name="connsiteX0" fmla="*/ 0 w 3146612"/>
+                  <a:gd name="connsiteY0" fmla="*/ 39425 h 1316897"/>
+                  <a:gd name="connsiteX1" fmla="*/ 470647 w 3146612"/>
+                  <a:gd name="connsiteY1" fmla="*/ 694922 h 1316897"/>
+                  <a:gd name="connsiteX2" fmla="*/ 1492623 w 3146612"/>
+                  <a:gd name="connsiteY2" fmla="*/ 52872 h 1316897"/>
+                  <a:gd name="connsiteX3" fmla="*/ 2380129 w 3146612"/>
+                  <a:gd name="connsiteY3" fmla="*/ 591602 h 1316897"/>
+                  <a:gd name="connsiteX4" fmla="*/ 3146612 w 3146612"/>
+                  <a:gd name="connsiteY4" fmla="*/ 39425 h 1316897"/>
+                  <a:gd name="connsiteX5" fmla="*/ 3146612 w 3146612"/>
+                  <a:gd name="connsiteY5" fmla="*/ 1316897 h 1316897"/>
+                  <a:gd name="connsiteX6" fmla="*/ 0 w 3146612"/>
+                  <a:gd name="connsiteY6" fmla="*/ 1316897 h 1316897"/>
+                  <a:gd name="connsiteX7" fmla="*/ 0 w 3146612"/>
+                  <a:gd name="connsiteY7" fmla="*/ 39425 h 1316897"/>
+                </a:gdLst>
+                <a:ahLst/>
+                <a:cxnLst>
+                  <a:cxn ang="0">
+                    <a:pos x="connsiteX0" y="connsiteY0"/>
+                  </a:cxn>
+                  <a:cxn ang="0">
+                    <a:pos x="connsiteX1" y="connsiteY1"/>
+                  </a:cxn>
+                  <a:cxn ang="0">
+                    <a:pos x="connsiteX2" y="connsiteY2"/>
+                  </a:cxn>
+                  <a:cxn ang="0">
+                    <a:pos x="connsiteX3" y="connsiteY3"/>
+                  </a:cxn>
+                  <a:cxn ang="0">
+                    <a:pos x="connsiteX4" y="connsiteY4"/>
+                  </a:cxn>
+                  <a:cxn ang="0">
+                    <a:pos x="connsiteX5" y="connsiteY5"/>
+                  </a:cxn>
+                  <a:cxn ang="0">
+                    <a:pos x="connsiteX6" y="connsiteY6"/>
+                  </a:cxn>
+                  <a:cxn ang="0">
+                    <a:pos x="connsiteX7" y="connsiteY7"/>
+                  </a:cxn>
+                </a:cxnLst>
+                <a:rect l="l" t="t" r="r" b="b"/>
+                <a:pathLst>
+                  <a:path w="3146612" h="1316897">
+                    <a:moveTo>
+                      <a:pt x="0" y="39425"/>
+                    </a:moveTo>
+                    <a:cubicBezTo>
+                      <a:pt x="138953" y="34943"/>
+                      <a:pt x="331694" y="699404"/>
+                      <a:pt x="470647" y="694922"/>
+                    </a:cubicBezTo>
+                    <a:cubicBezTo>
+                      <a:pt x="703729" y="724057"/>
+                      <a:pt x="1033182" y="90972"/>
+                      <a:pt x="1492623" y="52872"/>
+                    </a:cubicBezTo>
+                    <a:cubicBezTo>
+                      <a:pt x="1828799" y="8049"/>
+                      <a:pt x="2104464" y="593843"/>
+                      <a:pt x="2380129" y="591602"/>
+                    </a:cubicBezTo>
+                    <a:cubicBezTo>
+                      <a:pt x="2655794" y="589361"/>
+                      <a:pt x="3023347" y="-180210"/>
+                      <a:pt x="3146612" y="39425"/>
+                    </a:cubicBezTo>
+                    <a:lnTo>
+                      <a:pt x="3146612" y="1316897"/>
+                    </a:lnTo>
+                    <a:lnTo>
+                      <a:pt x="0" y="1316897"/>
+                    </a:lnTo>
+                    <a:lnTo>
+                      <a:pt x="0" y="39425"/>
+                    </a:lnTo>
+                    <a:close/>
+                  </a:path>
+                </a:pathLst>
+              </a:custGeom>
+              <a:solidFill>
+                <a:schemeClr val="bg2">
+                  <a:lumMod val="90000"/>
+                </a:schemeClr>
+              </a:solidFill>
+              <a:ln w="76200">
+                <a:noFill/>
+              </a:ln>
+            </p:spPr>
+            <p:style>
+              <a:lnRef idx="3">
+                <a:schemeClr val="lt1"/>
+              </a:lnRef>
+              <a:fillRef idx="1">
+                <a:schemeClr val="accent2"/>
+              </a:fillRef>
+              <a:effectRef idx="1">
+                <a:schemeClr val="accent2"/>
+              </a:effectRef>
+              <a:fontRef idx="minor">
+                <a:schemeClr val="lt1"/>
+              </a:fontRef>
+            </p:style>
+            <p:txBody>
+              <a:bodyPr rtlCol="0" anchor="ctr"/>
+              <a:lstStyle/>
+              <a:p>
+                <a:pPr algn="ctr"/>
+                <a:endParaRPr lang="en-IN"/>
+              </a:p>
+            </p:txBody>
+          </p:sp>
+          <p:sp>
+            <p:nvSpPr>
+              <p:cNvPr id="32" name="Rectangle 31"/>
+              <p:cNvSpPr/>
+              <p:nvPr/>
+            </p:nvSpPr>
+            <p:spPr>
+              <a:xfrm rot="269885">
+                <a:off x="5295339" y="2343709"/>
+                <a:ext cx="739589" cy="143436"/>
+              </a:xfrm>
+              <a:prstGeom prst="rect">
+                <a:avLst/>
+              </a:prstGeom>
+              <a:solidFill>
+                <a:schemeClr val="bg1">
+                  <a:lumMod val="85000"/>
+                </a:schemeClr>
+              </a:solidFill>
+              <a:ln w="76200">
+                <a:noFill/>
+              </a:ln>
+            </p:spPr>
+            <p:style>
+              <a:lnRef idx="3">
+                <a:schemeClr val="lt1"/>
+              </a:lnRef>
+              <a:fillRef idx="1">
+                <a:schemeClr val="accent2"/>
+              </a:fillRef>
+              <a:effectRef idx="1">
+                <a:schemeClr val="accent2"/>
+              </a:effectRef>
+              <a:fontRef idx="minor">
+                <a:schemeClr val="lt1"/>
+              </a:fontRef>
+            </p:style>
+            <p:txBody>
+              <a:bodyPr rtlCol="0" anchor="ctr"/>
+              <a:lstStyle/>
+              <a:p>
+                <a:pPr algn="ctr"/>
+                <a:endParaRPr lang="en-IN"/>
+              </a:p>
+            </p:txBody>
+          </p:sp>
+          <p:sp>
+            <p:nvSpPr>
+              <p:cNvPr id="33" name="Oval 32"/>
+              <p:cNvSpPr/>
+              <p:nvPr/>
+            </p:nvSpPr>
+            <p:spPr>
+              <a:xfrm>
+                <a:off x="5514975" y="2765049"/>
+                <a:ext cx="331695" cy="327214"/>
+              </a:xfrm>
+              <a:prstGeom prst="ellipse">
+                <a:avLst/>
+              </a:prstGeom>
+              <a:solidFill>
+                <a:schemeClr val="tx1"/>
+              </a:solidFill>
+              <a:ln w="76200">
+                <a:noFill/>
+              </a:ln>
+            </p:spPr>
+            <p:style>
+              <a:lnRef idx="3">
+                <a:schemeClr val="lt1"/>
+              </a:lnRef>
+              <a:fillRef idx="1">
+                <a:schemeClr val="accent2"/>
+              </a:fillRef>
+              <a:effectRef idx="1">
+                <a:schemeClr val="accent2"/>
+              </a:effectRef>
+              <a:fontRef idx="minor">
+                <a:schemeClr val="lt1"/>
+              </a:fontRef>
+            </p:style>
+            <p:txBody>
+              <a:bodyPr rtlCol="0" anchor="ctr"/>
+              <a:lstStyle/>
+              <a:p>
+                <a:pPr algn="ctr"/>
+                <a:endParaRPr lang="en-IN"/>
+              </a:p>
+            </p:txBody>
+          </p:sp>
+          <p:sp>
+            <p:nvSpPr>
+              <p:cNvPr id="34" name="Rounded Rectangle 33"/>
+              <p:cNvSpPr/>
+              <p:nvPr/>
+            </p:nvSpPr>
+            <p:spPr>
+              <a:xfrm>
+                <a:off x="5671857" y="3848661"/>
+                <a:ext cx="1371599" cy="361389"/>
+              </a:xfrm>
+              <a:prstGeom prst="roundRect">
+                <a:avLst>
+                  <a:gd name="adj" fmla="val 50000"/>
+                </a:avLst>
+              </a:prstGeom>
+              <a:solidFill>
+                <a:schemeClr val="accent2">
+                  <a:lumMod val="75000"/>
+                </a:schemeClr>
+              </a:solidFill>
+              <a:ln>
+                <a:noFill/>
+              </a:ln>
+            </p:spPr>
+            <p:style>
+              <a:lnRef idx="3">
+                <a:schemeClr val="lt1"/>
+              </a:lnRef>
+              <a:fillRef idx="1">
+                <a:schemeClr val="accent2"/>
+              </a:fillRef>
+              <a:effectRef idx="1">
+                <a:schemeClr val="accent2"/>
+              </a:effectRef>
+              <a:fontRef idx="minor">
+                <a:schemeClr val="lt1"/>
+              </a:fontRef>
+            </p:style>
+            <p:txBody>
+              <a:bodyPr rtlCol="0" anchor="ctr"/>
+              <a:lstStyle/>
+              <a:p>
+                <a:pPr algn="ctr"/>
+                <a:endParaRPr lang="en-IN"/>
+              </a:p>
+            </p:txBody>
+          </p:sp>
+          <p:sp>
+            <p:nvSpPr>
+              <p:cNvPr id="35" name="Rounded Rectangle 34"/>
+              <p:cNvSpPr/>
+              <p:nvPr/>
+            </p:nvSpPr>
+            <p:spPr>
+              <a:xfrm>
+                <a:off x="6783483" y="2612650"/>
+                <a:ext cx="627528" cy="632013"/>
+              </a:xfrm>
+              <a:prstGeom prst="roundRect">
+                <a:avLst/>
+              </a:prstGeom>
+              <a:solidFill>
+                <a:schemeClr val="bg1"/>
+              </a:solidFill>
+              <a:ln w="76200">
+                <a:solidFill>
+                  <a:schemeClr val="bg2">
+                    <a:lumMod val="90000"/>
+                  </a:schemeClr>
+                </a:solidFill>
+              </a:ln>
+            </p:spPr>
+            <p:style>
+              <a:lnRef idx="3">
+                <a:schemeClr val="lt1"/>
+              </a:lnRef>
+              <a:fillRef idx="1">
+                <a:schemeClr val="accent2"/>
+              </a:fillRef>
+              <a:effectRef idx="1">
+                <a:schemeClr val="accent2"/>
+              </a:effectRef>
+              <a:fontRef idx="minor">
+                <a:schemeClr val="lt1"/>
+              </a:fontRef>
+            </p:style>
+            <p:txBody>
+              <a:bodyPr rtlCol="0" anchor="ctr"/>
+              <a:lstStyle/>
+              <a:p>
+                <a:pPr algn="ctr"/>
+                <a:endParaRPr lang="en-IN"/>
+              </a:p>
+            </p:txBody>
+          </p:sp>
+          <p:sp>
+            <p:nvSpPr>
+              <p:cNvPr id="36" name="Rectangle 35"/>
+              <p:cNvSpPr/>
+              <p:nvPr/>
+            </p:nvSpPr>
+            <p:spPr>
+              <a:xfrm rot="21342027">
+                <a:off x="6725210" y="2321297"/>
+                <a:ext cx="739589" cy="143436"/>
+              </a:xfrm>
+              <a:prstGeom prst="rect">
+                <a:avLst/>
+              </a:prstGeom>
+              <a:solidFill>
+                <a:schemeClr val="bg1">
+                  <a:lumMod val="85000"/>
+                </a:schemeClr>
+              </a:solidFill>
+              <a:ln w="76200">
+                <a:noFill/>
+              </a:ln>
+            </p:spPr>
+            <p:style>
+              <a:lnRef idx="3">
+                <a:schemeClr val="lt1"/>
+              </a:lnRef>
+              <a:fillRef idx="1">
+                <a:schemeClr val="accent2"/>
+              </a:fillRef>
+              <a:effectRef idx="1">
+                <a:schemeClr val="accent2"/>
+              </a:effectRef>
+              <a:fontRef idx="minor">
+                <a:schemeClr val="lt1"/>
+              </a:fontRef>
+            </p:style>
+            <p:txBody>
+              <a:bodyPr rtlCol="0" anchor="ctr"/>
+              <a:lstStyle/>
+              <a:p>
+                <a:pPr algn="ctr"/>
+                <a:endParaRPr lang="en-IN"/>
+              </a:p>
+            </p:txBody>
+          </p:sp>
+          <p:sp>
+            <p:nvSpPr>
+              <p:cNvPr id="37" name="Oval 36"/>
+              <p:cNvSpPr/>
+              <p:nvPr/>
+            </p:nvSpPr>
+            <p:spPr>
+              <a:xfrm>
+                <a:off x="6944846" y="2742637"/>
+                <a:ext cx="331695" cy="327214"/>
+              </a:xfrm>
+              <a:prstGeom prst="ellipse">
+                <a:avLst/>
+              </a:prstGeom>
+              <a:solidFill>
+                <a:schemeClr val="tx1"/>
+              </a:solidFill>
+              <a:ln w="76200">
+                <a:noFill/>
+              </a:ln>
+            </p:spPr>
+            <p:style>
+              <a:lnRef idx="3">
+                <a:schemeClr val="lt1"/>
+              </a:lnRef>
+              <a:fillRef idx="1">
+                <a:schemeClr val="accent2"/>
+              </a:fillRef>
+              <a:effectRef idx="1">
+                <a:schemeClr val="accent2"/>
+              </a:effectRef>
+              <a:fontRef idx="minor">
+                <a:schemeClr val="lt1"/>
+              </a:fontRef>
+            </p:style>
+            <p:txBody>
+              <a:bodyPr rtlCol="0" anchor="ctr"/>
+              <a:lstStyle/>
+              <a:p>
+                <a:pPr algn="ctr"/>
+                <a:endParaRPr lang="en-IN"/>
+              </a:p>
+            </p:txBody>
+          </p:sp>
+        </p:grpSp>
+      </p:grpSp>
     </p:spTree>
     <p:extLst>
       <p:ext uri="{BB962C8B-B14F-4D97-AF65-F5344CB8AC3E}">
         <p14:creationId xmlns:p14="http://schemas.microsoft.com/office/powerpoint/2010/main" val="4239961579"/>
+      </p:ext>
+    </p:extLst>
+  </p:cSld>
+  <p:clrMapOvr>
+    <a:masterClrMapping/>
+  </p:clrMapOvr>
+  <p:timing>
+    <p:tnLst>
+      <p:par>
+        <p:cTn id="1" dur="indefinite" restart="never" nodeType="tmRoot"/>
+      </p:par>
+    </p:tnLst>
+  </p:timing>
+</p:sld>
+</file>
+
+<file path=ppt/slides/slide7.xml><?xml version="1.0" encoding="utf-8"?>
+<p:sld xmlns:a="http://schemas.openxmlformats.org/drawingml/2006/main" xmlns:r="http://schemas.openxmlformats.org/officeDocument/2006/relationships" xmlns:p="http://schemas.openxmlformats.org/presentationml/2006/main">
+  <p:cSld>
+    <p:spTree>
+      <p:nvGrpSpPr>
+        <p:cNvPr id="1" name=""/>
+        <p:cNvGrpSpPr/>
+        <p:nvPr/>
+      </p:nvGrpSpPr>
+      <p:grpSpPr>
+        <a:xfrm>
+          <a:off x="0" y="0"/>
+          <a:ext cx="0" cy="0"/>
+          <a:chOff x="0" y="0"/>
+          <a:chExt cx="0" cy="0"/>
+        </a:xfrm>
+      </p:grpSpPr>
+      <p:grpSp>
+        <p:nvGrpSpPr>
+          <p:cNvPr id="9" name="Group 8"/>
+          <p:cNvGrpSpPr/>
+          <p:nvPr/>
+        </p:nvGrpSpPr>
+        <p:grpSpPr>
+          <a:xfrm>
+            <a:off x="2514151" y="409754"/>
+            <a:ext cx="6026250" cy="6179477"/>
+            <a:chOff x="2487495" y="-95330"/>
+            <a:chExt cx="7222562" cy="7406207"/>
+          </a:xfrm>
+        </p:grpSpPr>
+        <p:sp>
+          <p:nvSpPr>
+            <p:cNvPr id="7" name="Rounded Rectangle 6"/>
+            <p:cNvSpPr/>
+            <p:nvPr/>
+          </p:nvSpPr>
+          <p:spPr>
+            <a:xfrm>
+              <a:off x="2487495" y="-95330"/>
+              <a:ext cx="7222562" cy="7248864"/>
+            </a:xfrm>
+            <a:prstGeom prst="roundRect">
+              <a:avLst/>
+            </a:prstGeom>
+            <a:solidFill>
+              <a:schemeClr val="accent4"/>
+            </a:solidFill>
+          </p:spPr>
+          <p:style>
+            <a:lnRef idx="3">
+              <a:schemeClr val="lt1"/>
+            </a:lnRef>
+            <a:fillRef idx="1">
+              <a:schemeClr val="accent4"/>
+            </a:fillRef>
+            <a:effectRef idx="1">
+              <a:schemeClr val="accent4"/>
+            </a:effectRef>
+            <a:fontRef idx="minor">
+              <a:schemeClr val="lt1"/>
+            </a:fontRef>
+          </p:style>
+          <p:txBody>
+            <a:bodyPr rtlCol="0" anchor="ctr"/>
+            <a:lstStyle/>
+            <a:p>
+              <a:pPr algn="ctr"/>
+              <a:endParaRPr lang="en-IN" dirty="0"/>
+            </a:p>
+          </p:txBody>
+        </p:sp>
+        <p:sp>
+          <p:nvSpPr>
+            <p:cNvPr id="8" name="TextBox 7"/>
+            <p:cNvSpPr txBox="1"/>
+            <p:nvPr/>
+          </p:nvSpPr>
+          <p:spPr>
+            <a:xfrm>
+              <a:off x="3132738" y="210026"/>
+              <a:ext cx="5779034" cy="7100851"/>
+            </a:xfrm>
+            <a:prstGeom prst="rect">
+              <a:avLst/>
+            </a:prstGeom>
+            <a:noFill/>
+          </p:spPr>
+          <p:txBody>
+            <a:bodyPr wrap="square" rtlCol="0">
+              <a:spAutoFit/>
+            </a:bodyPr>
+            <a:lstStyle/>
+            <a:p>
+              <a:pPr algn="ctr"/>
+              <a:r>
+                <a:rPr lang="en-IN" sz="8800" b="1" dirty="0" smtClean="0">
+                  <a:solidFill>
+                    <a:schemeClr val="bg1"/>
+                  </a:solidFill>
+                  <a:effectLst>
+                    <a:outerShdw blurRad="50800" dist="38100" dir="2700000" algn="tl" rotWithShape="0">
+                      <a:schemeClr val="tx1"/>
+                    </a:outerShdw>
+                  </a:effectLst>
+                  <a:latin typeface="Cooper Black" panose="0208090404030B020404" pitchFamily="18" charset="0"/>
+                </a:rPr>
+                <a:t>Super</a:t>
+              </a:r>
+            </a:p>
+            <a:p>
+              <a:pPr algn="ctr"/>
+              <a:endParaRPr lang="en-IN" sz="8800" b="1" dirty="0" smtClean="0">
+                <a:solidFill>
+                  <a:schemeClr val="bg1"/>
+                </a:solidFill>
+                <a:effectLst>
+                  <a:outerShdw blurRad="50800" dist="38100" dir="2700000" algn="tl" rotWithShape="0">
+                    <a:schemeClr val="tx1"/>
+                  </a:outerShdw>
+                </a:effectLst>
+                <a:latin typeface="Cooper Black" panose="0208090404030B020404" pitchFamily="18" charset="0"/>
+              </a:endParaRPr>
+            </a:p>
+            <a:p>
+              <a:pPr algn="ctr"/>
+              <a:endParaRPr lang="en-IN" sz="8800" b="1" dirty="0" smtClean="0">
+                <a:solidFill>
+                  <a:schemeClr val="bg1"/>
+                </a:solidFill>
+                <a:effectLst>
+                  <a:outerShdw blurRad="50800" dist="38100" dir="2700000" algn="tl" rotWithShape="0">
+                    <a:schemeClr val="tx1"/>
+                  </a:outerShdw>
+                </a:effectLst>
+                <a:latin typeface="Cooper Black" panose="0208090404030B020404" pitchFamily="18" charset="0"/>
+              </a:endParaRPr>
+            </a:p>
+            <a:p>
+              <a:pPr algn="ctr"/>
+              <a:r>
+                <a:rPr lang="en-IN" sz="11500" b="1" dirty="0" err="1" smtClean="0">
+                  <a:solidFill>
+                    <a:schemeClr val="bg1"/>
+                  </a:solidFill>
+                  <a:effectLst>
+                    <a:outerShdw blurRad="50800" dist="38100" dir="2700000" algn="tl" rotWithShape="0">
+                      <a:schemeClr val="tx1"/>
+                    </a:outerShdw>
+                  </a:effectLst>
+                  <a:latin typeface="Cooper Black" panose="0208090404030B020404" pitchFamily="18" charset="0"/>
+                </a:rPr>
+                <a:t>Modi</a:t>
+              </a:r>
+              <a:endParaRPr lang="en-IN" sz="9600" b="1" dirty="0" smtClean="0">
+                <a:solidFill>
+                  <a:schemeClr val="bg1"/>
+                </a:solidFill>
+                <a:effectLst>
+                  <a:outerShdw blurRad="50800" dist="38100" dir="2700000" algn="tl" rotWithShape="0">
+                    <a:schemeClr val="tx1"/>
+                  </a:outerShdw>
+                </a:effectLst>
+                <a:latin typeface="Cooper Black" panose="0208090404030B020404" pitchFamily="18" charset="0"/>
+              </a:endParaRPr>
+            </a:p>
+          </p:txBody>
+        </p:sp>
+      </p:grpSp>
+      <p:pic>
+        <p:nvPicPr>
+          <p:cNvPr id="6" name="Content Placeholder 5"/>
+          <p:cNvPicPr>
+            <a:picLocks noGrp="1" noChangeAspect="1"/>
+          </p:cNvPicPr>
+          <p:nvPr>
+            <p:ph idx="1"/>
+          </p:nvPr>
+        </p:nvPicPr>
+        <p:blipFill>
+          <a:blip r:embed="rId2">
+            <a:extLst>
+              <a:ext uri="{28A0092B-C50C-407E-A947-70E740481C1C}">
+                <a14:useLocalDpi xmlns:a14="http://schemas.microsoft.com/office/drawing/2010/main" val="0"/>
+              </a:ext>
+            </a:extLst>
+          </a:blip>
+          <a:stretch>
+            <a:fillRect/>
+          </a:stretch>
+        </p:blipFill>
+        <p:spPr>
+          <a:xfrm>
+            <a:off x="4282552" y="2147558"/>
+            <a:ext cx="2632598" cy="3457402"/>
+          </a:xfrm>
+        </p:spPr>
+      </p:pic>
+    </p:spTree>
+    <p:extLst>
+      <p:ext uri="{BB962C8B-B14F-4D97-AF65-F5344CB8AC3E}">
+        <p14:creationId xmlns:p14="http://schemas.microsoft.com/office/powerpoint/2010/main" val="1569683275"/>
+      </p:ext>
+    </p:extLst>
+  </p:cSld>
+  <p:clrMapOvr>
+    <a:masterClrMapping/>
+  </p:clrMapOvr>
+  <p:timing>
+    <p:tnLst>
+      <p:par>
+        <p:cTn id="1" dur="indefinite" restart="never" nodeType="tmRoot"/>
+      </p:par>
+    </p:tnLst>
+  </p:timing>
+</p:sld>
+</file>
+
+<file path=ppt/slides/slide8.xml><?xml version="1.0" encoding="utf-8"?>
+<p:sld xmlns:a="http://schemas.openxmlformats.org/drawingml/2006/main" xmlns:r="http://schemas.openxmlformats.org/officeDocument/2006/relationships" xmlns:p="http://schemas.openxmlformats.org/presentationml/2006/main">
+  <p:cSld>
+    <p:spTree>
+      <p:nvGrpSpPr>
+        <p:cNvPr id="1" name=""/>
+        <p:cNvGrpSpPr/>
+        <p:nvPr/>
+      </p:nvGrpSpPr>
+      <p:grpSpPr>
+        <a:xfrm>
+          <a:off x="0" y="0"/>
+          <a:ext cx="0" cy="0"/>
+          <a:chOff x="0" y="0"/>
+          <a:chExt cx="0" cy="0"/>
+        </a:xfrm>
+      </p:grpSpPr>
+      <p:pic>
+        <p:nvPicPr>
+          <p:cNvPr id="6" name="Content Placeholder 5"/>
+          <p:cNvPicPr>
+            <a:picLocks noChangeAspect="1"/>
+          </p:cNvPicPr>
+          <p:nvPr/>
+        </p:nvPicPr>
+        <p:blipFill>
+          <a:blip r:embed="rId2">
+            <a:extLst>
+              <a:ext uri="{28A0092B-C50C-407E-A947-70E740481C1C}">
+                <a14:useLocalDpi xmlns:a14="http://schemas.microsoft.com/office/drawing/2010/main" val="0"/>
+              </a:ext>
+            </a:extLst>
+          </a:blip>
+          <a:stretch>
+            <a:fillRect/>
+          </a:stretch>
+        </p:blipFill>
+        <p:spPr>
+          <a:xfrm>
+            <a:off x="5829230" y="-29029"/>
+            <a:ext cx="2734198" cy="3590834"/>
+          </a:xfrm>
+          <a:prstGeom prst="rect">
+            <a:avLst/>
+          </a:prstGeom>
+        </p:spPr>
+      </p:pic>
+      <p:sp>
+        <p:nvSpPr>
+          <p:cNvPr id="5" name="TextBox 4"/>
+          <p:cNvSpPr txBox="1"/>
+          <p:nvPr/>
+        </p:nvSpPr>
+        <p:spPr>
+          <a:xfrm>
+            <a:off x="2929538" y="1458255"/>
+            <a:ext cx="5779033" cy="3693319"/>
+          </a:xfrm>
+          <a:prstGeom prst="rect">
+            <a:avLst/>
+          </a:prstGeom>
+          <a:noFill/>
+        </p:spPr>
+        <p:txBody>
+          <a:bodyPr wrap="square" rtlCol="0">
+            <a:spAutoFit/>
+          </a:bodyPr>
+          <a:lstStyle/>
+          <a:p>
+            <a:r>
+              <a:rPr lang="en-IN" sz="9600" b="1" dirty="0" smtClean="0">
+                <a:solidFill>
+                  <a:schemeClr val="bg1">
+                    <a:lumMod val="85000"/>
+                  </a:schemeClr>
+                </a:solidFill>
+                <a:effectLst>
+                  <a:outerShdw blurRad="50800" dist="38100" dir="2700000" algn="tl" rotWithShape="0">
+                    <a:schemeClr val="tx1"/>
+                  </a:outerShdw>
+                </a:effectLst>
+                <a:latin typeface="Cooper Black" panose="0208090404030B020404" pitchFamily="18" charset="0"/>
+              </a:rPr>
+              <a:t>Super</a:t>
+            </a:r>
+          </a:p>
+          <a:p>
+            <a:r>
+              <a:rPr lang="en-IN" sz="13800" b="1" dirty="0" err="1" smtClean="0">
+                <a:solidFill>
+                  <a:schemeClr val="bg1">
+                    <a:lumMod val="85000"/>
+                  </a:schemeClr>
+                </a:solidFill>
+                <a:effectLst>
+                  <a:outerShdw blurRad="50800" dist="38100" dir="2700000" algn="tl" rotWithShape="0">
+                    <a:schemeClr val="tx1"/>
+                  </a:outerShdw>
+                </a:effectLst>
+                <a:latin typeface="Cooper Black" panose="0208090404030B020404" pitchFamily="18" charset="0"/>
+              </a:rPr>
+              <a:t>Modi</a:t>
+            </a:r>
+            <a:endParaRPr lang="en-IN" sz="11500" b="1" dirty="0" smtClean="0">
+              <a:solidFill>
+                <a:schemeClr val="bg1">
+                  <a:lumMod val="85000"/>
+                </a:schemeClr>
+              </a:solidFill>
+              <a:effectLst>
+                <a:outerShdw blurRad="50800" dist="38100" dir="2700000" algn="tl" rotWithShape="0">
+                  <a:schemeClr val="tx1"/>
+                </a:outerShdw>
+              </a:effectLst>
+              <a:latin typeface="Cooper Black" panose="0208090404030B020404" pitchFamily="18" charset="0"/>
+            </a:endParaRPr>
+          </a:p>
+        </p:txBody>
+      </p:sp>
+      <p:pic>
+        <p:nvPicPr>
+          <p:cNvPr id="7" name="Content Placeholder 5"/>
+          <p:cNvPicPr>
+            <a:picLocks noChangeAspect="1"/>
+          </p:cNvPicPr>
+          <p:nvPr/>
+        </p:nvPicPr>
+        <p:blipFill>
+          <a:blip r:embed="rId2">
+            <a:extLst>
+              <a:ext uri="{28A0092B-C50C-407E-A947-70E740481C1C}">
+                <a14:useLocalDpi xmlns:a14="http://schemas.microsoft.com/office/drawing/2010/main" val="0"/>
+              </a:ext>
+            </a:extLst>
+          </a:blip>
+          <a:stretch>
+            <a:fillRect/>
+          </a:stretch>
+        </p:blipFill>
+        <p:spPr>
+          <a:xfrm>
+            <a:off x="5829230" y="0"/>
+            <a:ext cx="2734198" cy="3590834"/>
+          </a:xfrm>
+          <a:prstGeom prst="rect">
+            <a:avLst/>
+          </a:prstGeom>
+        </p:spPr>
+      </p:pic>
+      <p:sp>
+        <p:nvSpPr>
+          <p:cNvPr id="8" name="TextBox 7"/>
+          <p:cNvSpPr txBox="1"/>
+          <p:nvPr/>
+        </p:nvSpPr>
+        <p:spPr>
+          <a:xfrm>
+            <a:off x="2929538" y="1487284"/>
+            <a:ext cx="5779033" cy="3693319"/>
+          </a:xfrm>
+          <a:prstGeom prst="rect">
+            <a:avLst/>
+          </a:prstGeom>
+          <a:noFill/>
+        </p:spPr>
+        <p:txBody>
+          <a:bodyPr wrap="square" rtlCol="0">
+            <a:spAutoFit/>
+          </a:bodyPr>
+          <a:lstStyle/>
+          <a:p>
+            <a:r>
+              <a:rPr lang="en-IN" sz="9600" b="1" dirty="0" smtClean="0">
+                <a:solidFill>
+                  <a:schemeClr val="bg1">
+                    <a:lumMod val="85000"/>
+                  </a:schemeClr>
+                </a:solidFill>
+                <a:effectLst>
+                  <a:outerShdw blurRad="50800" dist="38100" dir="2700000" algn="tl" rotWithShape="0">
+                    <a:schemeClr val="tx1"/>
+                  </a:outerShdw>
+                </a:effectLst>
+                <a:latin typeface="Cooper Black" panose="0208090404030B020404" pitchFamily="18" charset="0"/>
+              </a:rPr>
+              <a:t>Super</a:t>
+            </a:r>
+          </a:p>
+          <a:p>
+            <a:r>
+              <a:rPr lang="en-IN" sz="13800" b="1" dirty="0" err="1" smtClean="0">
+                <a:solidFill>
+                  <a:schemeClr val="bg1">
+                    <a:lumMod val="85000"/>
+                  </a:schemeClr>
+                </a:solidFill>
+                <a:effectLst>
+                  <a:outerShdw blurRad="50800" dist="38100" dir="2700000" algn="tl" rotWithShape="0">
+                    <a:schemeClr val="tx1"/>
+                  </a:outerShdw>
+                </a:effectLst>
+                <a:latin typeface="Cooper Black" panose="0208090404030B020404" pitchFamily="18" charset="0"/>
+              </a:rPr>
+              <a:t>Modi</a:t>
+            </a:r>
+            <a:endParaRPr lang="en-IN" sz="11500" b="1" dirty="0" smtClean="0">
+              <a:solidFill>
+                <a:schemeClr val="bg1">
+                  <a:lumMod val="85000"/>
+                </a:schemeClr>
+              </a:solidFill>
+              <a:effectLst>
+                <a:outerShdw blurRad="50800" dist="38100" dir="2700000" algn="tl" rotWithShape="0">
+                  <a:schemeClr val="tx1"/>
+                </a:outerShdw>
+              </a:effectLst>
+              <a:latin typeface="Cooper Black" panose="0208090404030B020404" pitchFamily="18" charset="0"/>
+            </a:endParaRPr>
+          </a:p>
+        </p:txBody>
+      </p:sp>
+    </p:spTree>
+    <p:extLst>
+      <p:ext uri="{BB962C8B-B14F-4D97-AF65-F5344CB8AC3E}">
+        <p14:creationId xmlns:p14="http://schemas.microsoft.com/office/powerpoint/2010/main" val="3250228905"/>
+      </p:ext>
+    </p:extLst>
+  </p:cSld>
+  <p:clrMapOvr>
+    <a:masterClrMapping/>
+  </p:clrMapOvr>
+  <p:timing>
+    <p:tnLst>
+      <p:par>
+        <p:cTn id="1" dur="indefinite" restart="never" nodeType="tmRoot"/>
+      </p:par>
+    </p:tnLst>
+  </p:timing>
+</p:sld>
+</file>
+
+<file path=ppt/slides/slide9.xml><?xml version="1.0" encoding="utf-8"?>
+<p:sld xmlns:a="http://schemas.openxmlformats.org/drawingml/2006/main" xmlns:r="http://schemas.openxmlformats.org/officeDocument/2006/relationships" xmlns:p="http://schemas.openxmlformats.org/presentationml/2006/main">
+  <p:cSld>
+    <p:spTree>
+      <p:nvGrpSpPr>
+        <p:cNvPr id="1" name=""/>
+        <p:cNvGrpSpPr/>
+        <p:nvPr/>
+      </p:nvGrpSpPr>
+      <p:grpSpPr>
+        <a:xfrm>
+          <a:off x="0" y="0"/>
+          <a:ext cx="0" cy="0"/>
+          <a:chOff x="0" y="0"/>
+          <a:chExt cx="0" cy="0"/>
+        </a:xfrm>
+      </p:grpSpPr>
+      <p:pic>
+        <p:nvPicPr>
+          <p:cNvPr id="4" name="Content Placeholder 5"/>
+          <p:cNvPicPr>
+            <a:picLocks noChangeAspect="1"/>
+          </p:cNvPicPr>
+          <p:nvPr/>
+        </p:nvPicPr>
+        <p:blipFill>
+          <a:blip r:embed="rId2">
+            <a:extLst>
+              <a:ext uri="{BEBA8EAE-BF5A-486C-A8C5-ECC9F3942E4B}">
+                <a14:imgProps xmlns:a14="http://schemas.microsoft.com/office/drawing/2010/main">
+                  <a14:imgLayer r:embed="rId3">
+                    <a14:imgEffect>
+                      <a14:colorTemperature colorTemp="11500"/>
+                    </a14:imgEffect>
+                    <a14:imgEffect>
+                      <a14:saturation sat="160000"/>
+                    </a14:imgEffect>
+                  </a14:imgLayer>
+                </a14:imgProps>
+              </a:ext>
+              <a:ext uri="{28A0092B-C50C-407E-A947-70E740481C1C}">
+                <a14:useLocalDpi xmlns:a14="http://schemas.microsoft.com/office/drawing/2010/main" val="0"/>
+              </a:ext>
+            </a:extLst>
+          </a:blip>
+          <a:stretch>
+            <a:fillRect/>
+          </a:stretch>
+        </p:blipFill>
+        <p:spPr>
+          <a:xfrm>
+            <a:off x="4508431" y="858388"/>
+            <a:ext cx="3126083" cy="4105499"/>
+          </a:xfrm>
+          <a:prstGeom prst="rect">
+            <a:avLst/>
+          </a:prstGeom>
+        </p:spPr>
+      </p:pic>
+    </p:spTree>
+    <p:extLst>
+      <p:ext uri="{BB962C8B-B14F-4D97-AF65-F5344CB8AC3E}">
+        <p14:creationId xmlns:p14="http://schemas.microsoft.com/office/powerpoint/2010/main" val="2758203064"/>
       </p:ext>
     </p:extLst>
   </p:cSld>

--- a/Assets/Modi Flappy Bird.pptx
+++ b/Assets/Modi Flappy Bird.pptx
@@ -14,6 +14,9 @@
     <p:sldId id="262" r:id="rId8"/>
     <p:sldId id="264" r:id="rId9"/>
     <p:sldId id="263" r:id="rId10"/>
+    <p:sldId id="265" r:id="rId11"/>
+    <p:sldId id="266" r:id="rId12"/>
+    <p:sldId id="267" r:id="rId13"/>
   </p:sldIdLst>
   <p:sldSz cx="12192000" cy="6858000"/>
   <p:notesSz cx="6858000" cy="9144000"/>
@@ -120,7 +123,7 @@
             <a:srgbClr val="A4A3A4"/>
           </p15:clr>
         </p15:guide>
-        <p15:guide id="2" pos="3840" userDrawn="1">
+        <p15:guide id="2" pos="3812" userDrawn="1">
           <p15:clr>
             <a:srgbClr val="A4A3A4"/>
           </p15:clr>
@@ -262,7 +265,7 @@
           <a:p>
             <a:fld id="{5EDA0A71-86D3-4786-A507-7E9C05790A64}" type="datetimeFigureOut">
               <a:rPr lang="en-IN" smtClean="0"/>
-              <a:t>29-10-2014</a:t>
+              <a:t>22-02-2015</a:t>
             </a:fld>
             <a:endParaRPr lang="en-IN"/>
           </a:p>
@@ -432,7 +435,7 @@
           <a:p>
             <a:fld id="{5EDA0A71-86D3-4786-A507-7E9C05790A64}" type="datetimeFigureOut">
               <a:rPr lang="en-IN" smtClean="0"/>
-              <a:t>29-10-2014</a:t>
+              <a:t>22-02-2015</a:t>
             </a:fld>
             <a:endParaRPr lang="en-IN"/>
           </a:p>
@@ -612,7 +615,7 @@
           <a:p>
             <a:fld id="{5EDA0A71-86D3-4786-A507-7E9C05790A64}" type="datetimeFigureOut">
               <a:rPr lang="en-IN" smtClean="0"/>
-              <a:t>29-10-2014</a:t>
+              <a:t>22-02-2015</a:t>
             </a:fld>
             <a:endParaRPr lang="en-IN"/>
           </a:p>
@@ -782,7 +785,7 @@
           <a:p>
             <a:fld id="{5EDA0A71-86D3-4786-A507-7E9C05790A64}" type="datetimeFigureOut">
               <a:rPr lang="en-IN" smtClean="0"/>
-              <a:t>29-10-2014</a:t>
+              <a:t>22-02-2015</a:t>
             </a:fld>
             <a:endParaRPr lang="en-IN"/>
           </a:p>
@@ -1028,7 +1031,7 @@
           <a:p>
             <a:fld id="{5EDA0A71-86D3-4786-A507-7E9C05790A64}" type="datetimeFigureOut">
               <a:rPr lang="en-IN" smtClean="0"/>
-              <a:t>29-10-2014</a:t>
+              <a:t>22-02-2015</a:t>
             </a:fld>
             <a:endParaRPr lang="en-IN"/>
           </a:p>
@@ -1260,7 +1263,7 @@
           <a:p>
             <a:fld id="{5EDA0A71-86D3-4786-A507-7E9C05790A64}" type="datetimeFigureOut">
               <a:rPr lang="en-IN" smtClean="0"/>
-              <a:t>29-10-2014</a:t>
+              <a:t>22-02-2015</a:t>
             </a:fld>
             <a:endParaRPr lang="en-IN"/>
           </a:p>
@@ -1627,7 +1630,7 @@
           <a:p>
             <a:fld id="{5EDA0A71-86D3-4786-A507-7E9C05790A64}" type="datetimeFigureOut">
               <a:rPr lang="en-IN" smtClean="0"/>
-              <a:t>29-10-2014</a:t>
+              <a:t>22-02-2015</a:t>
             </a:fld>
             <a:endParaRPr lang="en-IN"/>
           </a:p>
@@ -1745,7 +1748,7 @@
           <a:p>
             <a:fld id="{5EDA0A71-86D3-4786-A507-7E9C05790A64}" type="datetimeFigureOut">
               <a:rPr lang="en-IN" smtClean="0"/>
-              <a:t>29-10-2014</a:t>
+              <a:t>22-02-2015</a:t>
             </a:fld>
             <a:endParaRPr lang="en-IN"/>
           </a:p>
@@ -1840,7 +1843,7 @@
           <a:p>
             <a:fld id="{5EDA0A71-86D3-4786-A507-7E9C05790A64}" type="datetimeFigureOut">
               <a:rPr lang="en-IN" smtClean="0"/>
-              <a:t>29-10-2014</a:t>
+              <a:t>22-02-2015</a:t>
             </a:fld>
             <a:endParaRPr lang="en-IN"/>
           </a:p>
@@ -2117,7 +2120,7 @@
           <a:p>
             <a:fld id="{5EDA0A71-86D3-4786-A507-7E9C05790A64}" type="datetimeFigureOut">
               <a:rPr lang="en-IN" smtClean="0"/>
-              <a:t>29-10-2014</a:t>
+              <a:t>22-02-2015</a:t>
             </a:fld>
             <a:endParaRPr lang="en-IN"/>
           </a:p>
@@ -2370,7 +2373,7 @@
           <a:p>
             <a:fld id="{5EDA0A71-86D3-4786-A507-7E9C05790A64}" type="datetimeFigureOut">
               <a:rPr lang="en-IN" smtClean="0"/>
-              <a:t>29-10-2014</a:t>
+              <a:t>22-02-2015</a:t>
             </a:fld>
             <a:endParaRPr lang="en-IN"/>
           </a:p>
@@ -2583,7 +2586,7 @@
           <a:p>
             <a:fld id="{5EDA0A71-86D3-4786-A507-7E9C05790A64}" type="datetimeFigureOut">
               <a:rPr lang="en-IN" smtClean="0"/>
-              <a:t>29-10-2014</a:t>
+              <a:t>22-02-2015</a:t>
             </a:fld>
             <a:endParaRPr lang="en-IN"/>
           </a:p>
@@ -3038,6 +3041,3488 @@
     <p:extLst>
       <p:ext uri="{BB962C8B-B14F-4D97-AF65-F5344CB8AC3E}">
         <p14:creationId xmlns:p14="http://schemas.microsoft.com/office/powerpoint/2010/main" val="791554801"/>
+      </p:ext>
+    </p:extLst>
+  </p:cSld>
+  <p:clrMapOvr>
+    <a:masterClrMapping/>
+  </p:clrMapOvr>
+  <p:timing>
+    <p:tnLst>
+      <p:par>
+        <p:cTn id="1" dur="indefinite" restart="never" nodeType="tmRoot"/>
+      </p:par>
+    </p:tnLst>
+  </p:timing>
+</p:sld>
+</file>
+
+<file path=ppt/slides/slide10.xml><?xml version="1.0" encoding="utf-8"?>
+<p:sld xmlns:a="http://schemas.openxmlformats.org/drawingml/2006/main" xmlns:r="http://schemas.openxmlformats.org/officeDocument/2006/relationships" xmlns:p="http://schemas.openxmlformats.org/presentationml/2006/main">
+  <p:cSld>
+    <p:spTree>
+      <p:nvGrpSpPr>
+        <p:cNvPr id="1" name=""/>
+        <p:cNvGrpSpPr/>
+        <p:nvPr/>
+      </p:nvGrpSpPr>
+      <p:grpSpPr>
+        <a:xfrm>
+          <a:off x="0" y="0"/>
+          <a:ext cx="0" cy="0"/>
+          <a:chOff x="0" y="0"/>
+          <a:chExt cx="0" cy="0"/>
+        </a:xfrm>
+      </p:grpSpPr>
+      <p:sp>
+        <p:nvSpPr>
+          <p:cNvPr id="5" name="Rounded Rectangle 4"/>
+          <p:cNvSpPr/>
+          <p:nvPr/>
+        </p:nvSpPr>
+        <p:spPr>
+          <a:xfrm>
+            <a:off x="1757353" y="762001"/>
+            <a:ext cx="7603837" cy="4653163"/>
+          </a:xfrm>
+          <a:prstGeom prst="roundRect">
+            <a:avLst/>
+          </a:prstGeom>
+          <a:noFill/>
+          <a:ln>
+            <a:noFill/>
+          </a:ln>
+          <a:effectLst>
+            <a:outerShdw dist="63500" dir="2700000" algn="tl" rotWithShape="0">
+              <a:schemeClr val="accent6"/>
+            </a:outerShdw>
+          </a:effectLst>
+        </p:spPr>
+        <p:style>
+          <a:lnRef idx="3">
+            <a:schemeClr val="lt1"/>
+          </a:lnRef>
+          <a:fillRef idx="1">
+            <a:schemeClr val="accent4"/>
+          </a:fillRef>
+          <a:effectRef idx="1">
+            <a:schemeClr val="accent4"/>
+          </a:effectRef>
+          <a:fontRef idx="minor">
+            <a:schemeClr val="lt1"/>
+          </a:fontRef>
+        </p:style>
+        <p:txBody>
+          <a:bodyPr rtlCol="0" anchor="ctr"/>
+          <a:lstStyle/>
+          <a:p>
+            <a:pPr algn="ctr"/>
+            <a:r>
+              <a:rPr lang="en-IN" sz="13800" dirty="0" smtClean="0">
+                <a:solidFill>
+                  <a:schemeClr val="bg1">
+                    <a:lumMod val="95000"/>
+                  </a:schemeClr>
+                </a:solidFill>
+                <a:effectLst>
+                  <a:outerShdw blurRad="50800" dist="38100" dir="2700000" algn="tl" rotWithShape="0">
+                    <a:prstClr val="black">
+                      <a:alpha val="40000"/>
+                    </a:prstClr>
+                  </a:outerShdw>
+                </a:effectLst>
+                <a:latin typeface="Arial Rounded MT Bold" panose="020F0704030504030204" pitchFamily="34" charset="0"/>
+              </a:rPr>
+              <a:t>Flappy</a:t>
+            </a:r>
+          </a:p>
+          <a:p>
+            <a:pPr algn="ctr"/>
+            <a:r>
+              <a:rPr lang="en-IN" sz="13800" dirty="0" smtClean="0">
+                <a:solidFill>
+                  <a:schemeClr val="bg1">
+                    <a:lumMod val="95000"/>
+                  </a:schemeClr>
+                </a:solidFill>
+                <a:effectLst>
+                  <a:outerShdw blurRad="50800" dist="38100" dir="2700000" algn="tl" rotWithShape="0">
+                    <a:prstClr val="black">
+                      <a:alpha val="40000"/>
+                    </a:prstClr>
+                  </a:outerShdw>
+                </a:effectLst>
+                <a:latin typeface="Arial Rounded MT Bold" panose="020F0704030504030204" pitchFamily="34" charset="0"/>
+              </a:rPr>
+              <a:t>Modi</a:t>
+            </a:r>
+            <a:endParaRPr lang="en-IN" sz="13800" dirty="0">
+              <a:solidFill>
+                <a:schemeClr val="bg1">
+                  <a:lumMod val="95000"/>
+                </a:schemeClr>
+              </a:solidFill>
+              <a:effectLst>
+                <a:outerShdw blurRad="50800" dist="38100" dir="2700000" algn="tl" rotWithShape="0">
+                  <a:prstClr val="black">
+                    <a:alpha val="40000"/>
+                  </a:prstClr>
+                </a:outerShdw>
+              </a:effectLst>
+              <a:latin typeface="Arial Rounded MT Bold" panose="020F0704030504030204" pitchFamily="34" charset="0"/>
+            </a:endParaRPr>
+          </a:p>
+        </p:txBody>
+      </p:sp>
+    </p:spTree>
+    <p:extLst>
+      <p:ext uri="{BB962C8B-B14F-4D97-AF65-F5344CB8AC3E}">
+        <p14:creationId xmlns:p14="http://schemas.microsoft.com/office/powerpoint/2010/main" val="1427549942"/>
+      </p:ext>
+    </p:extLst>
+  </p:cSld>
+  <p:clrMapOvr>
+    <a:masterClrMapping/>
+  </p:clrMapOvr>
+  <p:timing>
+    <p:tnLst>
+      <p:par>
+        <p:cTn id="1" dur="indefinite" restart="never" nodeType="tmRoot"/>
+      </p:par>
+    </p:tnLst>
+  </p:timing>
+</p:sld>
+</file>
+
+<file path=ppt/slides/slide11.xml><?xml version="1.0" encoding="utf-8"?>
+<p:sld xmlns:a="http://schemas.openxmlformats.org/drawingml/2006/main" xmlns:r="http://schemas.openxmlformats.org/officeDocument/2006/relationships" xmlns:p="http://schemas.openxmlformats.org/presentationml/2006/main">
+  <p:cSld>
+    <p:spTree>
+      <p:nvGrpSpPr>
+        <p:cNvPr id="1" name=""/>
+        <p:cNvGrpSpPr/>
+        <p:nvPr/>
+      </p:nvGrpSpPr>
+      <p:grpSpPr>
+        <a:xfrm>
+          <a:off x="0" y="0"/>
+          <a:ext cx="0" cy="0"/>
+          <a:chOff x="0" y="0"/>
+          <a:chExt cx="0" cy="0"/>
+        </a:xfrm>
+      </p:grpSpPr>
+      <p:grpSp>
+        <p:nvGrpSpPr>
+          <p:cNvPr id="74" name="Group 73"/>
+          <p:cNvGrpSpPr/>
+          <p:nvPr/>
+        </p:nvGrpSpPr>
+        <p:grpSpPr>
+          <a:xfrm>
+            <a:off x="426000" y="375303"/>
+            <a:ext cx="8326697" cy="4547291"/>
+            <a:chOff x="381000" y="349168"/>
+            <a:chExt cx="8326697" cy="4547291"/>
+          </a:xfrm>
+          <a:effectLst/>
+        </p:grpSpPr>
+        <p:sp>
+          <p:nvSpPr>
+            <p:cNvPr id="7" name="Rectangle 6"/>
+            <p:cNvSpPr/>
+            <p:nvPr/>
+          </p:nvSpPr>
+          <p:spPr>
+            <a:xfrm>
+              <a:off x="6084467" y="2293094"/>
+              <a:ext cx="720000" cy="2594329"/>
+            </a:xfrm>
+            <a:prstGeom prst="rect">
+              <a:avLst/>
+            </a:prstGeom>
+            <a:solidFill>
+              <a:srgbClr val="FF9933"/>
+            </a:solidFill>
+            <a:ln>
+              <a:noFill/>
+            </a:ln>
+          </p:spPr>
+          <p:style>
+            <a:lnRef idx="2">
+              <a:schemeClr val="accent1">
+                <a:shade val="50000"/>
+              </a:schemeClr>
+            </a:lnRef>
+            <a:fillRef idx="1">
+              <a:schemeClr val="accent1"/>
+            </a:fillRef>
+            <a:effectRef idx="0">
+              <a:schemeClr val="accent1"/>
+            </a:effectRef>
+            <a:fontRef idx="minor">
+              <a:schemeClr val="lt1"/>
+            </a:fontRef>
+          </p:style>
+          <p:txBody>
+            <a:bodyPr rtlCol="0" anchor="ctr"/>
+            <a:lstStyle/>
+            <a:p>
+              <a:pPr algn="r"/>
+              <a:endParaRPr lang="en-IN"/>
+            </a:p>
+          </p:txBody>
+        </p:sp>
+        <p:grpSp>
+          <p:nvGrpSpPr>
+            <p:cNvPr id="15" name="Group 14"/>
+            <p:cNvGrpSpPr/>
+            <p:nvPr/>
+          </p:nvGrpSpPr>
+          <p:grpSpPr>
+            <a:xfrm>
+              <a:off x="6798701" y="1189863"/>
+              <a:ext cx="1184858" cy="3697560"/>
+              <a:chOff x="3936000" y="2446334"/>
+              <a:chExt cx="1080000" cy="2422666"/>
+            </a:xfrm>
+          </p:grpSpPr>
+          <p:sp>
+            <p:nvSpPr>
+              <p:cNvPr id="5" name="Rectangle 4"/>
+              <p:cNvSpPr/>
+              <p:nvPr/>
+            </p:nvSpPr>
+            <p:spPr>
+              <a:xfrm>
+                <a:off x="3936000" y="2979000"/>
+                <a:ext cx="1080000" cy="1890000"/>
+              </a:xfrm>
+              <a:prstGeom prst="rect">
+                <a:avLst/>
+              </a:prstGeom>
+              <a:solidFill>
+                <a:srgbClr val="FF9933"/>
+              </a:solidFill>
+              <a:ln>
+                <a:noFill/>
+              </a:ln>
+            </p:spPr>
+            <p:style>
+              <a:lnRef idx="2">
+                <a:schemeClr val="accent1">
+                  <a:shade val="50000"/>
+                </a:schemeClr>
+              </a:lnRef>
+              <a:fillRef idx="1">
+                <a:schemeClr val="accent1"/>
+              </a:fillRef>
+              <a:effectRef idx="0">
+                <a:schemeClr val="accent1"/>
+              </a:effectRef>
+              <a:fontRef idx="minor">
+                <a:schemeClr val="lt1"/>
+              </a:fontRef>
+            </p:style>
+            <p:txBody>
+              <a:bodyPr rtlCol="0" anchor="ctr"/>
+              <a:lstStyle/>
+              <a:p>
+                <a:pPr algn="r"/>
+                <a:endParaRPr lang="en-IN"/>
+              </a:p>
+            </p:txBody>
+          </p:sp>
+          <p:sp>
+            <p:nvSpPr>
+              <p:cNvPr id="11" name="Isosceles Triangle 10"/>
+              <p:cNvSpPr/>
+              <p:nvPr/>
+            </p:nvSpPr>
+            <p:spPr>
+              <a:xfrm>
+                <a:off x="4074829" y="2446334"/>
+                <a:ext cx="802342" cy="545475"/>
+              </a:xfrm>
+              <a:prstGeom prst="triangle">
+                <a:avLst/>
+              </a:prstGeom>
+              <a:solidFill>
+                <a:srgbClr val="FF9933"/>
+              </a:solidFill>
+              <a:ln>
+                <a:noFill/>
+              </a:ln>
+            </p:spPr>
+            <p:style>
+              <a:lnRef idx="2">
+                <a:schemeClr val="accent1">
+                  <a:shade val="50000"/>
+                </a:schemeClr>
+              </a:lnRef>
+              <a:fillRef idx="1">
+                <a:schemeClr val="accent1"/>
+              </a:fillRef>
+              <a:effectRef idx="0">
+                <a:schemeClr val="accent1"/>
+              </a:effectRef>
+              <a:fontRef idx="minor">
+                <a:schemeClr val="lt1"/>
+              </a:fontRef>
+            </p:style>
+            <p:txBody>
+              <a:bodyPr rtlCol="0" anchor="ctr"/>
+              <a:lstStyle/>
+              <a:p>
+                <a:pPr algn="r"/>
+                <a:endParaRPr lang="en-IN"/>
+              </a:p>
+            </p:txBody>
+          </p:sp>
+        </p:grpSp>
+        <p:grpSp>
+          <p:nvGrpSpPr>
+            <p:cNvPr id="16" name="Group 15"/>
+            <p:cNvGrpSpPr/>
+            <p:nvPr/>
+          </p:nvGrpSpPr>
+          <p:grpSpPr>
+            <a:xfrm>
+              <a:off x="2496000" y="583509"/>
+              <a:ext cx="1215000" cy="4303914"/>
+              <a:chOff x="2496000" y="583509"/>
+              <a:chExt cx="720000" cy="4303914"/>
+            </a:xfrm>
+          </p:grpSpPr>
+          <p:sp>
+            <p:nvSpPr>
+              <p:cNvPr id="4" name="Rectangle 3"/>
+              <p:cNvSpPr/>
+              <p:nvPr/>
+            </p:nvSpPr>
+            <p:spPr>
+              <a:xfrm>
+                <a:off x="2496000" y="1269000"/>
+                <a:ext cx="720000" cy="3618423"/>
+              </a:xfrm>
+              <a:prstGeom prst="rect">
+                <a:avLst/>
+              </a:prstGeom>
+              <a:solidFill>
+                <a:srgbClr val="FF9933"/>
+              </a:solidFill>
+              <a:ln>
+                <a:noFill/>
+              </a:ln>
+            </p:spPr>
+            <p:style>
+              <a:lnRef idx="2">
+                <a:schemeClr val="accent1">
+                  <a:shade val="50000"/>
+                </a:schemeClr>
+              </a:lnRef>
+              <a:fillRef idx="1">
+                <a:schemeClr val="accent1"/>
+              </a:fillRef>
+              <a:effectRef idx="0">
+                <a:schemeClr val="accent1"/>
+              </a:effectRef>
+              <a:fontRef idx="minor">
+                <a:schemeClr val="lt1"/>
+              </a:fontRef>
+            </p:style>
+            <p:txBody>
+              <a:bodyPr rtlCol="0" anchor="ctr"/>
+              <a:lstStyle/>
+              <a:p>
+                <a:pPr algn="r"/>
+                <a:endParaRPr lang="en-IN"/>
+              </a:p>
+            </p:txBody>
+          </p:sp>
+          <p:sp>
+            <p:nvSpPr>
+              <p:cNvPr id="12" name="Rectangle 11"/>
+              <p:cNvSpPr/>
+              <p:nvPr/>
+            </p:nvSpPr>
+            <p:spPr>
+              <a:xfrm flipV="1">
+                <a:off x="2631000" y="583509"/>
+                <a:ext cx="27093" cy="792891"/>
+              </a:xfrm>
+              <a:prstGeom prst="rect">
+                <a:avLst/>
+              </a:prstGeom>
+              <a:solidFill>
+                <a:srgbClr val="FF9933"/>
+              </a:solidFill>
+              <a:ln>
+                <a:noFill/>
+              </a:ln>
+            </p:spPr>
+            <p:style>
+              <a:lnRef idx="2">
+                <a:schemeClr val="accent1">
+                  <a:shade val="50000"/>
+                </a:schemeClr>
+              </a:lnRef>
+              <a:fillRef idx="1">
+                <a:schemeClr val="accent1"/>
+              </a:fillRef>
+              <a:effectRef idx="0">
+                <a:schemeClr val="accent1"/>
+              </a:effectRef>
+              <a:fontRef idx="minor">
+                <a:schemeClr val="lt1"/>
+              </a:fontRef>
+            </p:style>
+            <p:txBody>
+              <a:bodyPr rtlCol="0" anchor="ctr"/>
+              <a:lstStyle/>
+              <a:p>
+                <a:pPr algn="r"/>
+                <a:endParaRPr lang="en-IN"/>
+              </a:p>
+            </p:txBody>
+          </p:sp>
+        </p:grpSp>
+        <p:grpSp>
+          <p:nvGrpSpPr>
+            <p:cNvPr id="27" name="Group 26"/>
+            <p:cNvGrpSpPr/>
+            <p:nvPr/>
+          </p:nvGrpSpPr>
+          <p:grpSpPr>
+            <a:xfrm>
+              <a:off x="1778909" y="1562294"/>
+              <a:ext cx="720000" cy="3325129"/>
+              <a:chOff x="1056000" y="1584000"/>
+              <a:chExt cx="720000" cy="3325129"/>
+            </a:xfrm>
+          </p:grpSpPr>
+          <p:sp>
+            <p:nvSpPr>
+              <p:cNvPr id="8" name="Rectangle 7"/>
+              <p:cNvSpPr/>
+              <p:nvPr/>
+            </p:nvSpPr>
+            <p:spPr>
+              <a:xfrm>
+                <a:off x="1056000" y="2529000"/>
+                <a:ext cx="720000" cy="2380129"/>
+              </a:xfrm>
+              <a:prstGeom prst="rect">
+                <a:avLst/>
+              </a:prstGeom>
+              <a:solidFill>
+                <a:srgbClr val="FF9933"/>
+              </a:solidFill>
+              <a:ln>
+                <a:noFill/>
+              </a:ln>
+            </p:spPr>
+            <p:style>
+              <a:lnRef idx="2">
+                <a:schemeClr val="accent1">
+                  <a:shade val="50000"/>
+                </a:schemeClr>
+              </a:lnRef>
+              <a:fillRef idx="1">
+                <a:schemeClr val="accent1"/>
+              </a:fillRef>
+              <a:effectRef idx="0">
+                <a:schemeClr val="accent1"/>
+              </a:effectRef>
+              <a:fontRef idx="minor">
+                <a:schemeClr val="lt1"/>
+              </a:fontRef>
+            </p:style>
+            <p:txBody>
+              <a:bodyPr rtlCol="0" anchor="ctr"/>
+              <a:lstStyle/>
+              <a:p>
+                <a:pPr algn="r"/>
+                <a:endParaRPr lang="en-IN"/>
+              </a:p>
+            </p:txBody>
+          </p:sp>
+          <p:sp>
+            <p:nvSpPr>
+              <p:cNvPr id="10" name="Isosceles Triangle 9"/>
+              <p:cNvSpPr/>
+              <p:nvPr/>
+            </p:nvSpPr>
+            <p:spPr>
+              <a:xfrm>
+                <a:off x="1056000" y="1944000"/>
+                <a:ext cx="720000" cy="596153"/>
+              </a:xfrm>
+              <a:prstGeom prst="triangle">
+                <a:avLst/>
+              </a:prstGeom>
+              <a:solidFill>
+                <a:srgbClr val="FF9933"/>
+              </a:solidFill>
+              <a:ln>
+                <a:noFill/>
+              </a:ln>
+            </p:spPr>
+            <p:style>
+              <a:lnRef idx="2">
+                <a:schemeClr val="accent1">
+                  <a:shade val="50000"/>
+                </a:schemeClr>
+              </a:lnRef>
+              <a:fillRef idx="1">
+                <a:schemeClr val="accent1"/>
+              </a:fillRef>
+              <a:effectRef idx="0">
+                <a:schemeClr val="accent1"/>
+              </a:effectRef>
+              <a:fontRef idx="minor">
+                <a:schemeClr val="lt1"/>
+              </a:fontRef>
+            </p:style>
+            <p:txBody>
+              <a:bodyPr rtlCol="0" anchor="ctr"/>
+              <a:lstStyle/>
+              <a:p>
+                <a:pPr algn="r"/>
+                <a:endParaRPr lang="en-IN"/>
+              </a:p>
+            </p:txBody>
+          </p:sp>
+          <p:sp>
+            <p:nvSpPr>
+              <p:cNvPr id="13" name="Rectangle 12"/>
+              <p:cNvSpPr/>
+              <p:nvPr/>
+            </p:nvSpPr>
+            <p:spPr>
+              <a:xfrm flipV="1">
+                <a:off x="1393500" y="1584000"/>
+                <a:ext cx="45720" cy="467400"/>
+              </a:xfrm>
+              <a:prstGeom prst="rect">
+                <a:avLst/>
+              </a:prstGeom>
+              <a:solidFill>
+                <a:srgbClr val="FF9933"/>
+              </a:solidFill>
+              <a:ln>
+                <a:noFill/>
+              </a:ln>
+            </p:spPr>
+            <p:style>
+              <a:lnRef idx="2">
+                <a:schemeClr val="accent1">
+                  <a:shade val="50000"/>
+                </a:schemeClr>
+              </a:lnRef>
+              <a:fillRef idx="1">
+                <a:schemeClr val="accent1"/>
+              </a:fillRef>
+              <a:effectRef idx="0">
+                <a:schemeClr val="accent1"/>
+              </a:effectRef>
+              <a:fontRef idx="minor">
+                <a:schemeClr val="lt1"/>
+              </a:fontRef>
+            </p:style>
+            <p:txBody>
+              <a:bodyPr rtlCol="0" anchor="ctr"/>
+              <a:lstStyle/>
+              <a:p>
+                <a:pPr algn="r"/>
+                <a:endParaRPr lang="en-IN"/>
+              </a:p>
+            </p:txBody>
+          </p:sp>
+        </p:grpSp>
+        <p:grpSp>
+          <p:nvGrpSpPr>
+            <p:cNvPr id="26" name="Group 25"/>
+            <p:cNvGrpSpPr/>
+            <p:nvPr/>
+          </p:nvGrpSpPr>
+          <p:grpSpPr>
+            <a:xfrm>
+              <a:off x="4366884" y="1632449"/>
+              <a:ext cx="757016" cy="3254974"/>
+              <a:chOff x="8938685" y="1618958"/>
+              <a:chExt cx="757016" cy="3241483"/>
+            </a:xfrm>
+          </p:grpSpPr>
+          <p:sp>
+            <p:nvSpPr>
+              <p:cNvPr id="20" name="Trapezoid 19"/>
+              <p:cNvSpPr/>
+              <p:nvPr/>
+            </p:nvSpPr>
+            <p:spPr>
+              <a:xfrm>
+                <a:off x="8938685" y="2110796"/>
+                <a:ext cx="720000" cy="168807"/>
+              </a:xfrm>
+              <a:prstGeom prst="trapezoid">
+                <a:avLst>
+                  <a:gd name="adj" fmla="val 95532"/>
+                </a:avLst>
+              </a:prstGeom>
+              <a:solidFill>
+                <a:srgbClr val="FF9933"/>
+              </a:solidFill>
+              <a:ln>
+                <a:noFill/>
+              </a:ln>
+            </p:spPr>
+            <p:style>
+              <a:lnRef idx="2">
+                <a:schemeClr val="accent1">
+                  <a:shade val="50000"/>
+                </a:schemeClr>
+              </a:lnRef>
+              <a:fillRef idx="1">
+                <a:schemeClr val="accent1"/>
+              </a:fillRef>
+              <a:effectRef idx="0">
+                <a:schemeClr val="accent1"/>
+              </a:effectRef>
+              <a:fontRef idx="minor">
+                <a:schemeClr val="lt1"/>
+              </a:fontRef>
+            </p:style>
+            <p:txBody>
+              <a:bodyPr rtlCol="0" anchor="ctr"/>
+              <a:lstStyle/>
+              <a:p>
+                <a:pPr algn="r"/>
+                <a:endParaRPr lang="en-IN"/>
+              </a:p>
+            </p:txBody>
+          </p:sp>
+          <p:sp>
+            <p:nvSpPr>
+              <p:cNvPr id="21" name="Rectangle 20"/>
+              <p:cNvSpPr/>
+              <p:nvPr/>
+            </p:nvSpPr>
+            <p:spPr>
+              <a:xfrm>
+                <a:off x="8975701" y="1618958"/>
+                <a:ext cx="720000" cy="3241483"/>
+              </a:xfrm>
+              <a:prstGeom prst="rect">
+                <a:avLst/>
+              </a:prstGeom>
+              <a:solidFill>
+                <a:srgbClr val="FF9933"/>
+              </a:solidFill>
+              <a:ln>
+                <a:noFill/>
+              </a:ln>
+            </p:spPr>
+            <p:style>
+              <a:lnRef idx="2">
+                <a:schemeClr val="accent1">
+                  <a:shade val="50000"/>
+                </a:schemeClr>
+              </a:lnRef>
+              <a:fillRef idx="1">
+                <a:schemeClr val="accent1"/>
+              </a:fillRef>
+              <a:effectRef idx="0">
+                <a:schemeClr val="accent1"/>
+              </a:effectRef>
+              <a:fontRef idx="minor">
+                <a:schemeClr val="lt1"/>
+              </a:fontRef>
+            </p:style>
+            <p:txBody>
+              <a:bodyPr rtlCol="0" anchor="ctr"/>
+              <a:lstStyle/>
+              <a:p>
+                <a:pPr algn="r"/>
+                <a:endParaRPr lang="en-IN"/>
+              </a:p>
+            </p:txBody>
+          </p:sp>
+          <p:sp>
+            <p:nvSpPr>
+              <p:cNvPr id="22" name="Trapezoid 21"/>
+              <p:cNvSpPr/>
+              <p:nvPr/>
+            </p:nvSpPr>
+            <p:spPr>
+              <a:xfrm>
+                <a:off x="9178746" y="1941989"/>
+                <a:ext cx="239877" cy="168807"/>
+              </a:xfrm>
+              <a:prstGeom prst="trapezoid">
+                <a:avLst>
+                  <a:gd name="adj" fmla="val 95532"/>
+                </a:avLst>
+              </a:prstGeom>
+              <a:solidFill>
+                <a:srgbClr val="FF9933"/>
+              </a:solidFill>
+              <a:ln>
+                <a:noFill/>
+              </a:ln>
+            </p:spPr>
+            <p:style>
+              <a:lnRef idx="2">
+                <a:schemeClr val="accent1">
+                  <a:shade val="50000"/>
+                </a:schemeClr>
+              </a:lnRef>
+              <a:fillRef idx="1">
+                <a:schemeClr val="accent1"/>
+              </a:fillRef>
+              <a:effectRef idx="0">
+                <a:schemeClr val="accent1"/>
+              </a:effectRef>
+              <a:fontRef idx="minor">
+                <a:schemeClr val="lt1"/>
+              </a:fontRef>
+            </p:style>
+            <p:txBody>
+              <a:bodyPr rtlCol="0" anchor="ctr"/>
+              <a:lstStyle/>
+              <a:p>
+                <a:pPr algn="r"/>
+                <a:endParaRPr lang="en-IN"/>
+              </a:p>
+            </p:txBody>
+          </p:sp>
+        </p:grpSp>
+        <p:grpSp>
+          <p:nvGrpSpPr>
+            <p:cNvPr id="25" name="Group 24"/>
+            <p:cNvGrpSpPr/>
+            <p:nvPr/>
+          </p:nvGrpSpPr>
+          <p:grpSpPr>
+            <a:xfrm>
+              <a:off x="5112368" y="349168"/>
+              <a:ext cx="983631" cy="4538255"/>
+              <a:chOff x="7571082" y="1539001"/>
+              <a:chExt cx="720000" cy="4538255"/>
+            </a:xfrm>
+          </p:grpSpPr>
+          <p:sp>
+            <p:nvSpPr>
+              <p:cNvPr id="17" name="Trapezoid 16"/>
+              <p:cNvSpPr/>
+              <p:nvPr/>
+            </p:nvSpPr>
+            <p:spPr>
+              <a:xfrm>
+                <a:off x="7611122" y="2110796"/>
+                <a:ext cx="639918" cy="168807"/>
+              </a:xfrm>
+              <a:prstGeom prst="trapezoid">
+                <a:avLst>
+                  <a:gd name="adj" fmla="val 37696"/>
+                </a:avLst>
+              </a:prstGeom>
+              <a:solidFill>
+                <a:srgbClr val="FF9933"/>
+              </a:solidFill>
+              <a:ln>
+                <a:noFill/>
+              </a:ln>
+            </p:spPr>
+            <p:style>
+              <a:lnRef idx="2">
+                <a:schemeClr val="accent1">
+                  <a:shade val="50000"/>
+                </a:schemeClr>
+              </a:lnRef>
+              <a:fillRef idx="1">
+                <a:schemeClr val="accent1"/>
+              </a:fillRef>
+              <a:effectRef idx="0">
+                <a:schemeClr val="accent1"/>
+              </a:effectRef>
+              <a:fontRef idx="minor">
+                <a:schemeClr val="lt1"/>
+              </a:fontRef>
+            </p:style>
+            <p:txBody>
+              <a:bodyPr rtlCol="0" anchor="ctr"/>
+              <a:lstStyle/>
+              <a:p>
+                <a:pPr algn="r"/>
+                <a:endParaRPr lang="en-IN"/>
+              </a:p>
+            </p:txBody>
+          </p:sp>
+          <p:sp>
+            <p:nvSpPr>
+              <p:cNvPr id="18" name="Rectangle 17"/>
+              <p:cNvSpPr/>
+              <p:nvPr/>
+            </p:nvSpPr>
+            <p:spPr>
+              <a:xfrm>
+                <a:off x="7571082" y="2279603"/>
+                <a:ext cx="720000" cy="3797653"/>
+              </a:xfrm>
+              <a:prstGeom prst="rect">
+                <a:avLst/>
+              </a:prstGeom>
+              <a:solidFill>
+                <a:srgbClr val="FF9933"/>
+              </a:solidFill>
+              <a:ln>
+                <a:noFill/>
+              </a:ln>
+            </p:spPr>
+            <p:style>
+              <a:lnRef idx="2">
+                <a:schemeClr val="accent1">
+                  <a:shade val="50000"/>
+                </a:schemeClr>
+              </a:lnRef>
+              <a:fillRef idx="1">
+                <a:schemeClr val="accent1"/>
+              </a:fillRef>
+              <a:effectRef idx="0">
+                <a:schemeClr val="accent1"/>
+              </a:effectRef>
+              <a:fontRef idx="minor">
+                <a:schemeClr val="lt1"/>
+              </a:fontRef>
+            </p:style>
+            <p:txBody>
+              <a:bodyPr rtlCol="0" anchor="ctr"/>
+              <a:lstStyle/>
+              <a:p>
+                <a:pPr algn="r"/>
+                <a:endParaRPr lang="en-IN"/>
+              </a:p>
+            </p:txBody>
+          </p:sp>
+          <p:sp>
+            <p:nvSpPr>
+              <p:cNvPr id="19" name="Trapezoid 18"/>
+              <p:cNvSpPr/>
+              <p:nvPr/>
+            </p:nvSpPr>
+            <p:spPr>
+              <a:xfrm>
+                <a:off x="7740264" y="1941989"/>
+                <a:ext cx="380736" cy="168807"/>
+              </a:xfrm>
+              <a:prstGeom prst="trapezoid">
+                <a:avLst>
+                  <a:gd name="adj" fmla="val 32053"/>
+                </a:avLst>
+              </a:prstGeom>
+              <a:solidFill>
+                <a:srgbClr val="FF9933"/>
+              </a:solidFill>
+              <a:ln>
+                <a:noFill/>
+              </a:ln>
+            </p:spPr>
+            <p:style>
+              <a:lnRef idx="2">
+                <a:schemeClr val="accent1">
+                  <a:shade val="50000"/>
+                </a:schemeClr>
+              </a:lnRef>
+              <a:fillRef idx="1">
+                <a:schemeClr val="accent1"/>
+              </a:fillRef>
+              <a:effectRef idx="0">
+                <a:schemeClr val="accent1"/>
+              </a:effectRef>
+              <a:fontRef idx="minor">
+                <a:schemeClr val="lt1"/>
+              </a:fontRef>
+            </p:style>
+            <p:txBody>
+              <a:bodyPr rtlCol="0" anchor="ctr"/>
+              <a:lstStyle/>
+              <a:p>
+                <a:pPr algn="r"/>
+                <a:endParaRPr lang="en-IN"/>
+              </a:p>
+            </p:txBody>
+          </p:sp>
+          <p:sp>
+            <p:nvSpPr>
+              <p:cNvPr id="23" name="Trapezoid 22"/>
+              <p:cNvSpPr/>
+              <p:nvPr/>
+            </p:nvSpPr>
+            <p:spPr>
+              <a:xfrm>
+                <a:off x="7842638" y="1780007"/>
+                <a:ext cx="188362" cy="168807"/>
+              </a:xfrm>
+              <a:prstGeom prst="trapezoid">
+                <a:avLst>
+                  <a:gd name="adj" fmla="val 30642"/>
+                </a:avLst>
+              </a:prstGeom>
+              <a:solidFill>
+                <a:srgbClr val="FF9933"/>
+              </a:solidFill>
+              <a:ln>
+                <a:noFill/>
+              </a:ln>
+            </p:spPr>
+            <p:style>
+              <a:lnRef idx="2">
+                <a:schemeClr val="accent1">
+                  <a:shade val="50000"/>
+                </a:schemeClr>
+              </a:lnRef>
+              <a:fillRef idx="1">
+                <a:schemeClr val="accent1"/>
+              </a:fillRef>
+              <a:effectRef idx="0">
+                <a:schemeClr val="accent1"/>
+              </a:effectRef>
+              <a:fontRef idx="minor">
+                <a:schemeClr val="lt1"/>
+              </a:fontRef>
+            </p:style>
+            <p:txBody>
+              <a:bodyPr rtlCol="0" anchor="ctr"/>
+              <a:lstStyle/>
+              <a:p>
+                <a:pPr algn="r"/>
+                <a:endParaRPr lang="en-IN"/>
+              </a:p>
+            </p:txBody>
+          </p:sp>
+          <p:sp>
+            <p:nvSpPr>
+              <p:cNvPr id="24" name="Trapezoid 23"/>
+              <p:cNvSpPr/>
+              <p:nvPr/>
+            </p:nvSpPr>
+            <p:spPr>
+              <a:xfrm flipH="1">
+                <a:off x="7913959" y="1539001"/>
+                <a:ext cx="45719" cy="247832"/>
+              </a:xfrm>
+              <a:prstGeom prst="trapezoid">
+                <a:avLst>
+                  <a:gd name="adj" fmla="val 30642"/>
+                </a:avLst>
+              </a:prstGeom>
+              <a:solidFill>
+                <a:srgbClr val="FF9933"/>
+              </a:solidFill>
+              <a:ln>
+                <a:noFill/>
+              </a:ln>
+            </p:spPr>
+            <p:style>
+              <a:lnRef idx="2">
+                <a:schemeClr val="accent1">
+                  <a:shade val="50000"/>
+                </a:schemeClr>
+              </a:lnRef>
+              <a:fillRef idx="1">
+                <a:schemeClr val="accent1"/>
+              </a:fillRef>
+              <a:effectRef idx="0">
+                <a:schemeClr val="accent1"/>
+              </a:effectRef>
+              <a:fontRef idx="minor">
+                <a:schemeClr val="lt1"/>
+              </a:fontRef>
+            </p:style>
+            <p:txBody>
+              <a:bodyPr rtlCol="0" anchor="ctr"/>
+              <a:lstStyle/>
+              <a:p>
+                <a:pPr algn="r"/>
+                <a:endParaRPr lang="en-IN"/>
+              </a:p>
+            </p:txBody>
+          </p:sp>
+        </p:grpSp>
+        <p:grpSp>
+          <p:nvGrpSpPr>
+            <p:cNvPr id="30" name="Group 29"/>
+            <p:cNvGrpSpPr/>
+            <p:nvPr/>
+          </p:nvGrpSpPr>
+          <p:grpSpPr>
+            <a:xfrm>
+              <a:off x="3666363" y="1808999"/>
+              <a:ext cx="757016" cy="3082323"/>
+              <a:chOff x="8938685" y="1618958"/>
+              <a:chExt cx="757016" cy="3241483"/>
+            </a:xfrm>
+          </p:grpSpPr>
+          <p:sp>
+            <p:nvSpPr>
+              <p:cNvPr id="31" name="Trapezoid 30"/>
+              <p:cNvSpPr/>
+              <p:nvPr/>
+            </p:nvSpPr>
+            <p:spPr>
+              <a:xfrm>
+                <a:off x="8938685" y="2110796"/>
+                <a:ext cx="720000" cy="168807"/>
+              </a:xfrm>
+              <a:prstGeom prst="trapezoid">
+                <a:avLst>
+                  <a:gd name="adj" fmla="val 95532"/>
+                </a:avLst>
+              </a:prstGeom>
+              <a:solidFill>
+                <a:srgbClr val="FF9933"/>
+              </a:solidFill>
+              <a:ln>
+                <a:noFill/>
+              </a:ln>
+            </p:spPr>
+            <p:style>
+              <a:lnRef idx="2">
+                <a:schemeClr val="accent1">
+                  <a:shade val="50000"/>
+                </a:schemeClr>
+              </a:lnRef>
+              <a:fillRef idx="1">
+                <a:schemeClr val="accent1"/>
+              </a:fillRef>
+              <a:effectRef idx="0">
+                <a:schemeClr val="accent1"/>
+              </a:effectRef>
+              <a:fontRef idx="minor">
+                <a:schemeClr val="lt1"/>
+              </a:fontRef>
+            </p:style>
+            <p:txBody>
+              <a:bodyPr rtlCol="0" anchor="ctr"/>
+              <a:lstStyle/>
+              <a:p>
+                <a:pPr algn="r"/>
+                <a:endParaRPr lang="en-IN"/>
+              </a:p>
+            </p:txBody>
+          </p:sp>
+          <p:sp>
+            <p:nvSpPr>
+              <p:cNvPr id="32" name="Rectangle 31"/>
+              <p:cNvSpPr/>
+              <p:nvPr/>
+            </p:nvSpPr>
+            <p:spPr>
+              <a:xfrm>
+                <a:off x="8975701" y="1618958"/>
+                <a:ext cx="720000" cy="3241483"/>
+              </a:xfrm>
+              <a:prstGeom prst="rect">
+                <a:avLst/>
+              </a:prstGeom>
+              <a:solidFill>
+                <a:srgbClr val="FF9933"/>
+              </a:solidFill>
+              <a:ln>
+                <a:noFill/>
+              </a:ln>
+            </p:spPr>
+            <p:style>
+              <a:lnRef idx="2">
+                <a:schemeClr val="accent1">
+                  <a:shade val="50000"/>
+                </a:schemeClr>
+              </a:lnRef>
+              <a:fillRef idx="1">
+                <a:schemeClr val="accent1"/>
+              </a:fillRef>
+              <a:effectRef idx="0">
+                <a:schemeClr val="accent1"/>
+              </a:effectRef>
+              <a:fontRef idx="minor">
+                <a:schemeClr val="lt1"/>
+              </a:fontRef>
+            </p:style>
+            <p:txBody>
+              <a:bodyPr rtlCol="0" anchor="ctr"/>
+              <a:lstStyle/>
+              <a:p>
+                <a:pPr algn="r"/>
+                <a:endParaRPr lang="en-IN"/>
+              </a:p>
+            </p:txBody>
+          </p:sp>
+          <p:sp>
+            <p:nvSpPr>
+              <p:cNvPr id="33" name="Trapezoid 32"/>
+              <p:cNvSpPr/>
+              <p:nvPr/>
+            </p:nvSpPr>
+            <p:spPr>
+              <a:xfrm>
+                <a:off x="9178746" y="1941989"/>
+                <a:ext cx="239877" cy="168807"/>
+              </a:xfrm>
+              <a:prstGeom prst="trapezoid">
+                <a:avLst>
+                  <a:gd name="adj" fmla="val 95532"/>
+                </a:avLst>
+              </a:prstGeom>
+              <a:solidFill>
+                <a:srgbClr val="FF9933"/>
+              </a:solidFill>
+              <a:ln>
+                <a:noFill/>
+              </a:ln>
+            </p:spPr>
+            <p:style>
+              <a:lnRef idx="2">
+                <a:schemeClr val="accent1">
+                  <a:shade val="50000"/>
+                </a:schemeClr>
+              </a:lnRef>
+              <a:fillRef idx="1">
+                <a:schemeClr val="accent1"/>
+              </a:fillRef>
+              <a:effectRef idx="0">
+                <a:schemeClr val="accent1"/>
+              </a:effectRef>
+              <a:fontRef idx="minor">
+                <a:schemeClr val="lt1"/>
+              </a:fontRef>
+            </p:style>
+            <p:txBody>
+              <a:bodyPr rtlCol="0" anchor="ctr"/>
+              <a:lstStyle/>
+              <a:p>
+                <a:pPr algn="r"/>
+                <a:endParaRPr lang="en-IN"/>
+              </a:p>
+            </p:txBody>
+          </p:sp>
+        </p:grpSp>
+        <p:grpSp>
+          <p:nvGrpSpPr>
+            <p:cNvPr id="34" name="Group 33"/>
+            <p:cNvGrpSpPr/>
+            <p:nvPr/>
+          </p:nvGrpSpPr>
+          <p:grpSpPr>
+            <a:xfrm>
+              <a:off x="1049092" y="1808999"/>
+              <a:ext cx="757016" cy="3082323"/>
+              <a:chOff x="8938685" y="1618958"/>
+              <a:chExt cx="757016" cy="3241483"/>
+            </a:xfrm>
+          </p:grpSpPr>
+          <p:sp>
+            <p:nvSpPr>
+              <p:cNvPr id="35" name="Trapezoid 34"/>
+              <p:cNvSpPr/>
+              <p:nvPr/>
+            </p:nvSpPr>
+            <p:spPr>
+              <a:xfrm>
+                <a:off x="8938685" y="2110796"/>
+                <a:ext cx="720000" cy="168807"/>
+              </a:xfrm>
+              <a:prstGeom prst="trapezoid">
+                <a:avLst>
+                  <a:gd name="adj" fmla="val 95532"/>
+                </a:avLst>
+              </a:prstGeom>
+              <a:solidFill>
+                <a:srgbClr val="FF9933"/>
+              </a:solidFill>
+              <a:ln>
+                <a:noFill/>
+              </a:ln>
+            </p:spPr>
+            <p:style>
+              <a:lnRef idx="2">
+                <a:schemeClr val="accent1">
+                  <a:shade val="50000"/>
+                </a:schemeClr>
+              </a:lnRef>
+              <a:fillRef idx="1">
+                <a:schemeClr val="accent1"/>
+              </a:fillRef>
+              <a:effectRef idx="0">
+                <a:schemeClr val="accent1"/>
+              </a:effectRef>
+              <a:fontRef idx="minor">
+                <a:schemeClr val="lt1"/>
+              </a:fontRef>
+            </p:style>
+            <p:txBody>
+              <a:bodyPr rtlCol="0" anchor="ctr"/>
+              <a:lstStyle/>
+              <a:p>
+                <a:pPr algn="r"/>
+                <a:endParaRPr lang="en-IN"/>
+              </a:p>
+            </p:txBody>
+          </p:sp>
+          <p:sp>
+            <p:nvSpPr>
+              <p:cNvPr id="36" name="Rectangle 35"/>
+              <p:cNvSpPr/>
+              <p:nvPr/>
+            </p:nvSpPr>
+            <p:spPr>
+              <a:xfrm>
+                <a:off x="8975701" y="1618958"/>
+                <a:ext cx="720000" cy="3241483"/>
+              </a:xfrm>
+              <a:prstGeom prst="rect">
+                <a:avLst/>
+              </a:prstGeom>
+              <a:solidFill>
+                <a:srgbClr val="FF9933"/>
+              </a:solidFill>
+              <a:ln>
+                <a:noFill/>
+              </a:ln>
+            </p:spPr>
+            <p:style>
+              <a:lnRef idx="2">
+                <a:schemeClr val="accent1">
+                  <a:shade val="50000"/>
+                </a:schemeClr>
+              </a:lnRef>
+              <a:fillRef idx="1">
+                <a:schemeClr val="accent1"/>
+              </a:fillRef>
+              <a:effectRef idx="0">
+                <a:schemeClr val="accent1"/>
+              </a:effectRef>
+              <a:fontRef idx="minor">
+                <a:schemeClr val="lt1"/>
+              </a:fontRef>
+            </p:style>
+            <p:txBody>
+              <a:bodyPr rtlCol="0" anchor="ctr"/>
+              <a:lstStyle/>
+              <a:p>
+                <a:pPr algn="r"/>
+                <a:endParaRPr lang="en-IN"/>
+              </a:p>
+            </p:txBody>
+          </p:sp>
+          <p:sp>
+            <p:nvSpPr>
+              <p:cNvPr id="37" name="Trapezoid 36"/>
+              <p:cNvSpPr/>
+              <p:nvPr/>
+            </p:nvSpPr>
+            <p:spPr>
+              <a:xfrm>
+                <a:off x="9178746" y="1941989"/>
+                <a:ext cx="239877" cy="168807"/>
+              </a:xfrm>
+              <a:prstGeom prst="trapezoid">
+                <a:avLst>
+                  <a:gd name="adj" fmla="val 95532"/>
+                </a:avLst>
+              </a:prstGeom>
+              <a:solidFill>
+                <a:srgbClr val="FF9933"/>
+              </a:solidFill>
+              <a:ln>
+                <a:noFill/>
+              </a:ln>
+            </p:spPr>
+            <p:style>
+              <a:lnRef idx="2">
+                <a:schemeClr val="accent1">
+                  <a:shade val="50000"/>
+                </a:schemeClr>
+              </a:lnRef>
+              <a:fillRef idx="1">
+                <a:schemeClr val="accent1"/>
+              </a:fillRef>
+              <a:effectRef idx="0">
+                <a:schemeClr val="accent1"/>
+              </a:effectRef>
+              <a:fontRef idx="minor">
+                <a:schemeClr val="lt1"/>
+              </a:fontRef>
+            </p:style>
+            <p:txBody>
+              <a:bodyPr rtlCol="0" anchor="ctr"/>
+              <a:lstStyle/>
+              <a:p>
+                <a:pPr algn="r"/>
+                <a:endParaRPr lang="en-IN"/>
+              </a:p>
+            </p:txBody>
+          </p:sp>
+        </p:grpSp>
+        <p:grpSp>
+          <p:nvGrpSpPr>
+            <p:cNvPr id="46" name="Group 45"/>
+            <p:cNvGrpSpPr/>
+            <p:nvPr/>
+          </p:nvGrpSpPr>
+          <p:grpSpPr>
+            <a:xfrm>
+              <a:off x="381000" y="544973"/>
+              <a:ext cx="720000" cy="4351486"/>
+              <a:chOff x="9291000" y="747438"/>
+              <a:chExt cx="720000" cy="4351486"/>
+            </a:xfrm>
+          </p:grpSpPr>
+          <p:sp>
+            <p:nvSpPr>
+              <p:cNvPr id="39" name="Trapezoid 38"/>
+              <p:cNvSpPr/>
+              <p:nvPr/>
+            </p:nvSpPr>
+            <p:spPr>
+              <a:xfrm>
+                <a:off x="9291000" y="925902"/>
+                <a:ext cx="720000" cy="206562"/>
+              </a:xfrm>
+              <a:prstGeom prst="trapezoid">
+                <a:avLst>
+                  <a:gd name="adj" fmla="val 95532"/>
+                </a:avLst>
+              </a:prstGeom>
+              <a:solidFill>
+                <a:srgbClr val="FF9933"/>
+              </a:solidFill>
+              <a:ln>
+                <a:noFill/>
+              </a:ln>
+            </p:spPr>
+            <p:style>
+              <a:lnRef idx="2">
+                <a:schemeClr val="accent1">
+                  <a:shade val="50000"/>
+                </a:schemeClr>
+              </a:lnRef>
+              <a:fillRef idx="1">
+                <a:schemeClr val="accent1"/>
+              </a:fillRef>
+              <a:effectRef idx="0">
+                <a:schemeClr val="accent1"/>
+              </a:effectRef>
+              <a:fontRef idx="minor">
+                <a:schemeClr val="lt1"/>
+              </a:fontRef>
+            </p:style>
+            <p:txBody>
+              <a:bodyPr rtlCol="0" anchor="ctr"/>
+              <a:lstStyle/>
+              <a:p>
+                <a:pPr algn="r"/>
+                <a:endParaRPr lang="en-IN"/>
+              </a:p>
+            </p:txBody>
+          </p:sp>
+          <p:sp>
+            <p:nvSpPr>
+              <p:cNvPr id="40" name="Rectangle 39"/>
+              <p:cNvSpPr/>
+              <p:nvPr/>
+            </p:nvSpPr>
+            <p:spPr>
+              <a:xfrm>
+                <a:off x="9291000" y="1132464"/>
+                <a:ext cx="720000" cy="3966460"/>
+              </a:xfrm>
+              <a:prstGeom prst="rect">
+                <a:avLst/>
+              </a:prstGeom>
+              <a:solidFill>
+                <a:srgbClr val="FF9933"/>
+              </a:solidFill>
+              <a:ln>
+                <a:noFill/>
+              </a:ln>
+            </p:spPr>
+            <p:style>
+              <a:lnRef idx="2">
+                <a:schemeClr val="accent1">
+                  <a:shade val="50000"/>
+                </a:schemeClr>
+              </a:lnRef>
+              <a:fillRef idx="1">
+                <a:schemeClr val="accent1"/>
+              </a:fillRef>
+              <a:effectRef idx="0">
+                <a:schemeClr val="accent1"/>
+              </a:effectRef>
+              <a:fontRef idx="minor">
+                <a:schemeClr val="lt1"/>
+              </a:fontRef>
+            </p:style>
+            <p:txBody>
+              <a:bodyPr rtlCol="0" anchor="ctr"/>
+              <a:lstStyle/>
+              <a:p>
+                <a:pPr algn="r"/>
+                <a:endParaRPr lang="en-IN"/>
+              </a:p>
+            </p:txBody>
+          </p:sp>
+          <p:sp>
+            <p:nvSpPr>
+              <p:cNvPr id="41" name="Trapezoid 40"/>
+              <p:cNvSpPr/>
+              <p:nvPr/>
+            </p:nvSpPr>
+            <p:spPr>
+              <a:xfrm>
+                <a:off x="9531061" y="747438"/>
+                <a:ext cx="239877" cy="206562"/>
+              </a:xfrm>
+              <a:prstGeom prst="trapezoid">
+                <a:avLst>
+                  <a:gd name="adj" fmla="val 95532"/>
+                </a:avLst>
+              </a:prstGeom>
+              <a:solidFill>
+                <a:srgbClr val="FF9933"/>
+              </a:solidFill>
+              <a:ln>
+                <a:noFill/>
+              </a:ln>
+            </p:spPr>
+            <p:style>
+              <a:lnRef idx="2">
+                <a:schemeClr val="accent1">
+                  <a:shade val="50000"/>
+                </a:schemeClr>
+              </a:lnRef>
+              <a:fillRef idx="1">
+                <a:schemeClr val="accent1"/>
+              </a:fillRef>
+              <a:effectRef idx="0">
+                <a:schemeClr val="accent1"/>
+              </a:effectRef>
+              <a:fontRef idx="minor">
+                <a:schemeClr val="lt1"/>
+              </a:fontRef>
+            </p:style>
+            <p:txBody>
+              <a:bodyPr rtlCol="0" anchor="ctr"/>
+              <a:lstStyle/>
+              <a:p>
+                <a:pPr algn="r"/>
+                <a:endParaRPr lang="en-IN"/>
+              </a:p>
+            </p:txBody>
+          </p:sp>
+        </p:grpSp>
+        <p:grpSp>
+          <p:nvGrpSpPr>
+            <p:cNvPr id="52" name="Group 51"/>
+            <p:cNvGrpSpPr/>
+            <p:nvPr/>
+          </p:nvGrpSpPr>
+          <p:grpSpPr>
+            <a:xfrm>
+              <a:off x="7983559" y="619992"/>
+              <a:ext cx="724138" cy="4267431"/>
+              <a:chOff x="7983559" y="619992"/>
+              <a:chExt cx="724138" cy="4267431"/>
+            </a:xfrm>
+          </p:grpSpPr>
+          <p:sp>
+            <p:nvSpPr>
+              <p:cNvPr id="47" name="Rectangle 46"/>
+              <p:cNvSpPr/>
+              <p:nvPr/>
+            </p:nvSpPr>
+            <p:spPr>
+              <a:xfrm>
+                <a:off x="7987697" y="920963"/>
+                <a:ext cx="720000" cy="3966460"/>
+              </a:xfrm>
+              <a:prstGeom prst="rect">
+                <a:avLst/>
+              </a:prstGeom>
+              <a:solidFill>
+                <a:srgbClr val="FF9933"/>
+              </a:solidFill>
+              <a:ln>
+                <a:noFill/>
+              </a:ln>
+            </p:spPr>
+            <p:style>
+              <a:lnRef idx="2">
+                <a:schemeClr val="accent1">
+                  <a:shade val="50000"/>
+                </a:schemeClr>
+              </a:lnRef>
+              <a:fillRef idx="1">
+                <a:schemeClr val="accent1"/>
+              </a:fillRef>
+              <a:effectRef idx="0">
+                <a:schemeClr val="accent1"/>
+              </a:effectRef>
+              <a:fontRef idx="minor">
+                <a:schemeClr val="lt1"/>
+              </a:fontRef>
+            </p:style>
+            <p:txBody>
+              <a:bodyPr rtlCol="0" anchor="ctr"/>
+              <a:lstStyle/>
+              <a:p>
+                <a:pPr algn="r"/>
+                <a:endParaRPr lang="en-IN"/>
+              </a:p>
+            </p:txBody>
+          </p:sp>
+          <p:sp>
+            <p:nvSpPr>
+              <p:cNvPr id="48" name="Rectangle 43"/>
+              <p:cNvSpPr/>
+              <p:nvPr/>
+            </p:nvSpPr>
+            <p:spPr>
+              <a:xfrm>
+                <a:off x="7983559" y="619992"/>
+                <a:ext cx="710300" cy="314300"/>
+              </a:xfrm>
+              <a:prstGeom prst="rtTriangle">
+                <a:avLst/>
+              </a:prstGeom>
+              <a:solidFill>
+                <a:srgbClr val="FF9933"/>
+              </a:solidFill>
+              <a:ln>
+                <a:noFill/>
+              </a:ln>
+            </p:spPr>
+            <p:style>
+              <a:lnRef idx="2">
+                <a:schemeClr val="accent1">
+                  <a:shade val="50000"/>
+                </a:schemeClr>
+              </a:lnRef>
+              <a:fillRef idx="1">
+                <a:schemeClr val="accent1"/>
+              </a:fillRef>
+              <a:effectRef idx="0">
+                <a:schemeClr val="accent1"/>
+              </a:effectRef>
+              <a:fontRef idx="minor">
+                <a:schemeClr val="lt1"/>
+              </a:fontRef>
+            </p:style>
+            <p:txBody>
+              <a:bodyPr rtlCol="0" anchor="ctr"/>
+              <a:lstStyle/>
+              <a:p>
+                <a:pPr algn="r"/>
+                <a:endParaRPr lang="en-IN"/>
+              </a:p>
+            </p:txBody>
+          </p:sp>
+        </p:grpSp>
+      </p:grpSp>
+      <p:grpSp>
+        <p:nvGrpSpPr>
+          <p:cNvPr id="106" name="Group 105"/>
+          <p:cNvGrpSpPr/>
+          <p:nvPr/>
+        </p:nvGrpSpPr>
+        <p:grpSpPr>
+          <a:xfrm>
+            <a:off x="891138" y="4238790"/>
+            <a:ext cx="9716233" cy="3445701"/>
+            <a:chOff x="1419767" y="1449000"/>
+            <a:chExt cx="9716233" cy="3445701"/>
+          </a:xfrm>
+          <a:solidFill>
+            <a:schemeClr val="bg2"/>
+          </a:solidFill>
+          <a:effectLst>
+            <a:outerShdw blurRad="50800" dist="38100" dir="2700000" algn="tl" rotWithShape="0">
+              <a:prstClr val="black">
+                <a:alpha val="40000"/>
+              </a:prstClr>
+            </a:outerShdw>
+          </a:effectLst>
+        </p:grpSpPr>
+        <p:sp>
+          <p:nvSpPr>
+            <p:cNvPr id="107" name="Rectangle 106"/>
+            <p:cNvSpPr/>
+            <p:nvPr/>
+          </p:nvSpPr>
+          <p:spPr>
+            <a:xfrm>
+              <a:off x="6825678" y="3107763"/>
+              <a:ext cx="3095322" cy="1779660"/>
+            </a:xfrm>
+            <a:prstGeom prst="rect">
+              <a:avLst/>
+            </a:prstGeom>
+            <a:grpFill/>
+            <a:ln>
+              <a:noFill/>
+            </a:ln>
+            <a:effectLst/>
+          </p:spPr>
+          <p:style>
+            <a:lnRef idx="2">
+              <a:schemeClr val="accent1">
+                <a:shade val="50000"/>
+              </a:schemeClr>
+            </a:lnRef>
+            <a:fillRef idx="1">
+              <a:schemeClr val="accent1"/>
+            </a:fillRef>
+            <a:effectRef idx="0">
+              <a:schemeClr val="accent1"/>
+            </a:effectRef>
+            <a:fontRef idx="minor">
+              <a:schemeClr val="lt1"/>
+            </a:fontRef>
+          </p:style>
+          <p:txBody>
+            <a:bodyPr rtlCol="0" anchor="ctr"/>
+            <a:lstStyle/>
+            <a:p>
+              <a:pPr algn="ctr"/>
+              <a:endParaRPr lang="en-IN"/>
+            </a:p>
+          </p:txBody>
+        </p:sp>
+        <p:sp>
+          <p:nvSpPr>
+            <p:cNvPr id="108" name="Rectangle 107"/>
+            <p:cNvSpPr/>
+            <p:nvPr/>
+          </p:nvSpPr>
+          <p:spPr>
+            <a:xfrm>
+              <a:off x="4068647" y="3564000"/>
+              <a:ext cx="900905" cy="1323423"/>
+            </a:xfrm>
+            <a:prstGeom prst="rect">
+              <a:avLst/>
+            </a:prstGeom>
+            <a:grpFill/>
+            <a:ln>
+              <a:noFill/>
+            </a:ln>
+            <a:effectLst/>
+          </p:spPr>
+          <p:style>
+            <a:lnRef idx="2">
+              <a:schemeClr val="accent1">
+                <a:shade val="50000"/>
+              </a:schemeClr>
+            </a:lnRef>
+            <a:fillRef idx="1">
+              <a:schemeClr val="accent1"/>
+            </a:fillRef>
+            <a:effectRef idx="0">
+              <a:schemeClr val="accent1"/>
+            </a:effectRef>
+            <a:fontRef idx="minor">
+              <a:schemeClr val="lt1"/>
+            </a:fontRef>
+          </p:style>
+          <p:txBody>
+            <a:bodyPr rtlCol="0" anchor="ctr"/>
+            <a:lstStyle/>
+            <a:p>
+              <a:pPr algn="ctr"/>
+              <a:endParaRPr lang="en-IN"/>
+            </a:p>
+          </p:txBody>
+        </p:sp>
+        <p:grpSp>
+          <p:nvGrpSpPr>
+            <p:cNvPr id="109" name="Group 108"/>
+            <p:cNvGrpSpPr/>
+            <p:nvPr/>
+          </p:nvGrpSpPr>
+          <p:grpSpPr>
+            <a:xfrm>
+              <a:off x="4961749" y="1449000"/>
+              <a:ext cx="686152" cy="3438423"/>
+              <a:chOff x="2496000" y="583509"/>
+              <a:chExt cx="720000" cy="4303914"/>
+            </a:xfrm>
+            <a:grpFill/>
+            <a:effectLst/>
+          </p:grpSpPr>
+          <p:sp>
+            <p:nvSpPr>
+              <p:cNvPr id="127" name="Rectangle 126"/>
+              <p:cNvSpPr/>
+              <p:nvPr/>
+            </p:nvSpPr>
+            <p:spPr>
+              <a:xfrm>
+                <a:off x="2496000" y="1269000"/>
+                <a:ext cx="720000" cy="3618423"/>
+              </a:xfrm>
+              <a:prstGeom prst="rect">
+                <a:avLst/>
+              </a:prstGeom>
+              <a:grpFill/>
+              <a:ln>
+                <a:noFill/>
+              </a:ln>
+            </p:spPr>
+            <p:style>
+              <a:lnRef idx="2">
+                <a:schemeClr val="accent1">
+                  <a:shade val="50000"/>
+                </a:schemeClr>
+              </a:lnRef>
+              <a:fillRef idx="1">
+                <a:schemeClr val="accent1"/>
+              </a:fillRef>
+              <a:effectRef idx="0">
+                <a:schemeClr val="accent1"/>
+              </a:effectRef>
+              <a:fontRef idx="minor">
+                <a:schemeClr val="lt1"/>
+              </a:fontRef>
+            </p:style>
+            <p:txBody>
+              <a:bodyPr rtlCol="0" anchor="ctr"/>
+              <a:lstStyle/>
+              <a:p>
+                <a:pPr algn="ctr"/>
+                <a:endParaRPr lang="en-IN"/>
+              </a:p>
+            </p:txBody>
+          </p:sp>
+          <p:sp>
+            <p:nvSpPr>
+              <p:cNvPr id="128" name="Rectangle 127"/>
+              <p:cNvSpPr/>
+              <p:nvPr/>
+            </p:nvSpPr>
+            <p:spPr>
+              <a:xfrm flipV="1">
+                <a:off x="2631000" y="583509"/>
+                <a:ext cx="27093" cy="792891"/>
+              </a:xfrm>
+              <a:prstGeom prst="rect">
+                <a:avLst/>
+              </a:prstGeom>
+              <a:grpFill/>
+              <a:ln>
+                <a:noFill/>
+              </a:ln>
+            </p:spPr>
+            <p:style>
+              <a:lnRef idx="2">
+                <a:schemeClr val="accent1">
+                  <a:shade val="50000"/>
+                </a:schemeClr>
+              </a:lnRef>
+              <a:fillRef idx="1">
+                <a:schemeClr val="accent1"/>
+              </a:fillRef>
+              <a:effectRef idx="0">
+                <a:schemeClr val="accent1"/>
+              </a:effectRef>
+              <a:fontRef idx="minor">
+                <a:schemeClr val="lt1"/>
+              </a:fontRef>
+            </p:style>
+            <p:txBody>
+              <a:bodyPr rtlCol="0" anchor="ctr"/>
+              <a:lstStyle/>
+              <a:p>
+                <a:pPr algn="ctr"/>
+                <a:endParaRPr lang="en-IN"/>
+              </a:p>
+            </p:txBody>
+          </p:sp>
+        </p:grpSp>
+        <p:grpSp>
+          <p:nvGrpSpPr>
+            <p:cNvPr id="110" name="Group 109"/>
+            <p:cNvGrpSpPr/>
+            <p:nvPr/>
+          </p:nvGrpSpPr>
+          <p:grpSpPr>
+            <a:xfrm>
+              <a:off x="3100455" y="2286276"/>
+              <a:ext cx="965161" cy="2599245"/>
+              <a:chOff x="1056000" y="1584000"/>
+              <a:chExt cx="720000" cy="3325129"/>
+            </a:xfrm>
+            <a:grpFill/>
+            <a:effectLst/>
+          </p:grpSpPr>
+          <p:sp>
+            <p:nvSpPr>
+              <p:cNvPr id="124" name="Rectangle 123"/>
+              <p:cNvSpPr/>
+              <p:nvPr/>
+            </p:nvSpPr>
+            <p:spPr>
+              <a:xfrm>
+                <a:off x="1056000" y="2529000"/>
+                <a:ext cx="720000" cy="2380129"/>
+              </a:xfrm>
+              <a:prstGeom prst="rect">
+                <a:avLst/>
+              </a:prstGeom>
+              <a:grpFill/>
+              <a:ln>
+                <a:noFill/>
+              </a:ln>
+            </p:spPr>
+            <p:style>
+              <a:lnRef idx="2">
+                <a:schemeClr val="accent1">
+                  <a:shade val="50000"/>
+                </a:schemeClr>
+              </a:lnRef>
+              <a:fillRef idx="1">
+                <a:schemeClr val="accent1"/>
+              </a:fillRef>
+              <a:effectRef idx="0">
+                <a:schemeClr val="accent1"/>
+              </a:effectRef>
+              <a:fontRef idx="minor">
+                <a:schemeClr val="lt1"/>
+              </a:fontRef>
+            </p:style>
+            <p:txBody>
+              <a:bodyPr rtlCol="0" anchor="ctr"/>
+              <a:lstStyle/>
+              <a:p>
+                <a:pPr algn="ctr"/>
+                <a:endParaRPr lang="en-IN" u="sng" dirty="0"/>
+              </a:p>
+            </p:txBody>
+          </p:sp>
+          <p:sp>
+            <p:nvSpPr>
+              <p:cNvPr id="125" name="Isosceles Triangle 124"/>
+              <p:cNvSpPr/>
+              <p:nvPr/>
+            </p:nvSpPr>
+            <p:spPr>
+              <a:xfrm>
+                <a:off x="1056000" y="1944000"/>
+                <a:ext cx="720000" cy="596153"/>
+              </a:xfrm>
+              <a:prstGeom prst="triangle">
+                <a:avLst/>
+              </a:prstGeom>
+              <a:grpFill/>
+              <a:ln>
+                <a:noFill/>
+              </a:ln>
+            </p:spPr>
+            <p:style>
+              <a:lnRef idx="2">
+                <a:schemeClr val="accent1">
+                  <a:shade val="50000"/>
+                </a:schemeClr>
+              </a:lnRef>
+              <a:fillRef idx="1">
+                <a:schemeClr val="accent1"/>
+              </a:fillRef>
+              <a:effectRef idx="0">
+                <a:schemeClr val="accent1"/>
+              </a:effectRef>
+              <a:fontRef idx="minor">
+                <a:schemeClr val="lt1"/>
+              </a:fontRef>
+            </p:style>
+            <p:txBody>
+              <a:bodyPr rtlCol="0" anchor="ctr"/>
+              <a:lstStyle/>
+              <a:p>
+                <a:pPr algn="ctr"/>
+                <a:endParaRPr lang="en-IN"/>
+              </a:p>
+            </p:txBody>
+          </p:sp>
+          <p:sp>
+            <p:nvSpPr>
+              <p:cNvPr id="126" name="Rectangle 125"/>
+              <p:cNvSpPr/>
+              <p:nvPr/>
+            </p:nvSpPr>
+            <p:spPr>
+              <a:xfrm flipV="1">
+                <a:off x="1393500" y="1584000"/>
+                <a:ext cx="45720" cy="467400"/>
+              </a:xfrm>
+              <a:prstGeom prst="rect">
+                <a:avLst/>
+              </a:prstGeom>
+              <a:grpFill/>
+              <a:ln>
+                <a:noFill/>
+              </a:ln>
+            </p:spPr>
+            <p:style>
+              <a:lnRef idx="2">
+                <a:schemeClr val="accent1">
+                  <a:shade val="50000"/>
+                </a:schemeClr>
+              </a:lnRef>
+              <a:fillRef idx="1">
+                <a:schemeClr val="accent1"/>
+              </a:fillRef>
+              <a:effectRef idx="0">
+                <a:schemeClr val="accent1"/>
+              </a:effectRef>
+              <a:fontRef idx="minor">
+                <a:schemeClr val="lt1"/>
+              </a:fontRef>
+            </p:style>
+            <p:txBody>
+              <a:bodyPr rtlCol="0" anchor="ctr"/>
+              <a:lstStyle/>
+              <a:p>
+                <a:pPr algn="ctr"/>
+                <a:endParaRPr lang="en-IN"/>
+              </a:p>
+            </p:txBody>
+          </p:sp>
+        </p:grpSp>
+        <p:grpSp>
+          <p:nvGrpSpPr>
+            <p:cNvPr id="111" name="Group 110"/>
+            <p:cNvGrpSpPr/>
+            <p:nvPr/>
+          </p:nvGrpSpPr>
+          <p:grpSpPr>
+            <a:xfrm>
+              <a:off x="5653963" y="1577762"/>
+              <a:ext cx="1184858" cy="3309661"/>
+              <a:chOff x="3936000" y="2446334"/>
+              <a:chExt cx="1080000" cy="2422666"/>
+            </a:xfrm>
+            <a:grpFill/>
+            <a:effectLst/>
+          </p:grpSpPr>
+          <p:sp>
+            <p:nvSpPr>
+              <p:cNvPr id="122" name="Rectangle 121"/>
+              <p:cNvSpPr/>
+              <p:nvPr/>
+            </p:nvSpPr>
+            <p:spPr>
+              <a:xfrm>
+                <a:off x="3936000" y="2979000"/>
+                <a:ext cx="1080000" cy="1890000"/>
+              </a:xfrm>
+              <a:prstGeom prst="rect">
+                <a:avLst/>
+              </a:prstGeom>
+              <a:grpFill/>
+              <a:ln>
+                <a:noFill/>
+              </a:ln>
+            </p:spPr>
+            <p:style>
+              <a:lnRef idx="2">
+                <a:schemeClr val="accent1">
+                  <a:shade val="50000"/>
+                </a:schemeClr>
+              </a:lnRef>
+              <a:fillRef idx="1">
+                <a:schemeClr val="accent1"/>
+              </a:fillRef>
+              <a:effectRef idx="0">
+                <a:schemeClr val="accent1"/>
+              </a:effectRef>
+              <a:fontRef idx="minor">
+                <a:schemeClr val="lt1"/>
+              </a:fontRef>
+            </p:style>
+            <p:txBody>
+              <a:bodyPr rtlCol="0" anchor="ctr"/>
+              <a:lstStyle/>
+              <a:p>
+                <a:pPr algn="ctr"/>
+                <a:endParaRPr lang="en-IN"/>
+              </a:p>
+            </p:txBody>
+          </p:sp>
+          <p:sp>
+            <p:nvSpPr>
+              <p:cNvPr id="123" name="Isosceles Triangle 122"/>
+              <p:cNvSpPr/>
+              <p:nvPr/>
+            </p:nvSpPr>
+            <p:spPr>
+              <a:xfrm>
+                <a:off x="4074829" y="2446334"/>
+                <a:ext cx="802342" cy="545475"/>
+              </a:xfrm>
+              <a:prstGeom prst="triangle">
+                <a:avLst/>
+              </a:prstGeom>
+              <a:grpFill/>
+              <a:ln>
+                <a:noFill/>
+              </a:ln>
+            </p:spPr>
+            <p:style>
+              <a:lnRef idx="2">
+                <a:schemeClr val="accent1">
+                  <a:shade val="50000"/>
+                </a:schemeClr>
+              </a:lnRef>
+              <a:fillRef idx="1">
+                <a:schemeClr val="accent1"/>
+              </a:fillRef>
+              <a:effectRef idx="0">
+                <a:schemeClr val="accent1"/>
+              </a:effectRef>
+              <a:fontRef idx="minor">
+                <a:schemeClr val="lt1"/>
+              </a:fontRef>
+            </p:style>
+            <p:txBody>
+              <a:bodyPr rtlCol="0" anchor="ctr"/>
+              <a:lstStyle/>
+              <a:p>
+                <a:pPr algn="ctr"/>
+                <a:endParaRPr lang="en-IN"/>
+              </a:p>
+            </p:txBody>
+          </p:sp>
+        </p:grpSp>
+        <p:grpSp>
+          <p:nvGrpSpPr>
+            <p:cNvPr id="112" name="Group 111"/>
+            <p:cNvGrpSpPr/>
+            <p:nvPr/>
+          </p:nvGrpSpPr>
+          <p:grpSpPr>
+            <a:xfrm>
+              <a:off x="2393428" y="2807669"/>
+              <a:ext cx="757016" cy="2077852"/>
+              <a:chOff x="8938685" y="1618958"/>
+              <a:chExt cx="757016" cy="3241483"/>
+            </a:xfrm>
+            <a:grpFill/>
+            <a:effectLst/>
+          </p:grpSpPr>
+          <p:sp>
+            <p:nvSpPr>
+              <p:cNvPr id="119" name="Trapezoid 118"/>
+              <p:cNvSpPr/>
+              <p:nvPr/>
+            </p:nvSpPr>
+            <p:spPr>
+              <a:xfrm>
+                <a:off x="8938685" y="2110796"/>
+                <a:ext cx="720000" cy="168807"/>
+              </a:xfrm>
+              <a:prstGeom prst="trapezoid">
+                <a:avLst>
+                  <a:gd name="adj" fmla="val 95532"/>
+                </a:avLst>
+              </a:prstGeom>
+              <a:grpFill/>
+              <a:ln>
+                <a:noFill/>
+              </a:ln>
+            </p:spPr>
+            <p:style>
+              <a:lnRef idx="2">
+                <a:schemeClr val="accent1">
+                  <a:shade val="50000"/>
+                </a:schemeClr>
+              </a:lnRef>
+              <a:fillRef idx="1">
+                <a:schemeClr val="accent1"/>
+              </a:fillRef>
+              <a:effectRef idx="0">
+                <a:schemeClr val="accent1"/>
+              </a:effectRef>
+              <a:fontRef idx="minor">
+                <a:schemeClr val="lt1"/>
+              </a:fontRef>
+            </p:style>
+            <p:txBody>
+              <a:bodyPr rtlCol="0" anchor="ctr"/>
+              <a:lstStyle/>
+              <a:p>
+                <a:pPr algn="ctr"/>
+                <a:endParaRPr lang="en-IN"/>
+              </a:p>
+            </p:txBody>
+          </p:sp>
+          <p:sp>
+            <p:nvSpPr>
+              <p:cNvPr id="120" name="Rectangle 119"/>
+              <p:cNvSpPr/>
+              <p:nvPr/>
+            </p:nvSpPr>
+            <p:spPr>
+              <a:xfrm>
+                <a:off x="8975701" y="1618958"/>
+                <a:ext cx="720000" cy="3241483"/>
+              </a:xfrm>
+              <a:prstGeom prst="rect">
+                <a:avLst/>
+              </a:prstGeom>
+              <a:grpFill/>
+              <a:ln>
+                <a:noFill/>
+              </a:ln>
+            </p:spPr>
+            <p:style>
+              <a:lnRef idx="2">
+                <a:schemeClr val="accent1">
+                  <a:shade val="50000"/>
+                </a:schemeClr>
+              </a:lnRef>
+              <a:fillRef idx="1">
+                <a:schemeClr val="accent1"/>
+              </a:fillRef>
+              <a:effectRef idx="0">
+                <a:schemeClr val="accent1"/>
+              </a:effectRef>
+              <a:fontRef idx="minor">
+                <a:schemeClr val="lt1"/>
+              </a:fontRef>
+            </p:style>
+            <p:txBody>
+              <a:bodyPr rtlCol="0" anchor="ctr"/>
+              <a:lstStyle/>
+              <a:p>
+                <a:pPr algn="ctr"/>
+                <a:endParaRPr lang="en-IN"/>
+              </a:p>
+            </p:txBody>
+          </p:sp>
+          <p:sp>
+            <p:nvSpPr>
+              <p:cNvPr id="121" name="Trapezoid 120"/>
+              <p:cNvSpPr/>
+              <p:nvPr/>
+            </p:nvSpPr>
+            <p:spPr>
+              <a:xfrm>
+                <a:off x="9178746" y="1941989"/>
+                <a:ext cx="239877" cy="168807"/>
+              </a:xfrm>
+              <a:prstGeom prst="trapezoid">
+                <a:avLst>
+                  <a:gd name="adj" fmla="val 95532"/>
+                </a:avLst>
+              </a:prstGeom>
+              <a:grpFill/>
+              <a:ln>
+                <a:noFill/>
+              </a:ln>
+            </p:spPr>
+            <p:style>
+              <a:lnRef idx="2">
+                <a:schemeClr val="accent1">
+                  <a:shade val="50000"/>
+                </a:schemeClr>
+              </a:lnRef>
+              <a:fillRef idx="1">
+                <a:schemeClr val="accent1"/>
+              </a:fillRef>
+              <a:effectRef idx="0">
+                <a:schemeClr val="accent1"/>
+              </a:effectRef>
+              <a:fontRef idx="minor">
+                <a:schemeClr val="lt1"/>
+              </a:fontRef>
+            </p:style>
+            <p:txBody>
+              <a:bodyPr rtlCol="0" anchor="ctr"/>
+              <a:lstStyle/>
+              <a:p>
+                <a:pPr algn="ctr"/>
+                <a:endParaRPr lang="en-IN"/>
+              </a:p>
+            </p:txBody>
+          </p:sp>
+        </p:grpSp>
+        <p:grpSp>
+          <p:nvGrpSpPr>
+            <p:cNvPr id="113" name="Group 112"/>
+            <p:cNvGrpSpPr/>
+            <p:nvPr/>
+          </p:nvGrpSpPr>
+          <p:grpSpPr>
+            <a:xfrm>
+              <a:off x="9921000" y="1616703"/>
+              <a:ext cx="1215000" cy="3271020"/>
+              <a:chOff x="2496000" y="583509"/>
+              <a:chExt cx="720000" cy="4303914"/>
+            </a:xfrm>
+            <a:grpFill/>
+            <a:effectLst/>
+          </p:grpSpPr>
+          <p:sp>
+            <p:nvSpPr>
+              <p:cNvPr id="117" name="Rectangle 116"/>
+              <p:cNvSpPr/>
+              <p:nvPr/>
+            </p:nvSpPr>
+            <p:spPr>
+              <a:xfrm>
+                <a:off x="2496000" y="1269000"/>
+                <a:ext cx="720000" cy="3618423"/>
+              </a:xfrm>
+              <a:prstGeom prst="rect">
+                <a:avLst/>
+              </a:prstGeom>
+              <a:grpFill/>
+              <a:ln>
+                <a:noFill/>
+              </a:ln>
+            </p:spPr>
+            <p:style>
+              <a:lnRef idx="2">
+                <a:schemeClr val="accent1">
+                  <a:shade val="50000"/>
+                </a:schemeClr>
+              </a:lnRef>
+              <a:fillRef idx="1">
+                <a:schemeClr val="accent1"/>
+              </a:fillRef>
+              <a:effectRef idx="0">
+                <a:schemeClr val="accent1"/>
+              </a:effectRef>
+              <a:fontRef idx="minor">
+                <a:schemeClr val="lt1"/>
+              </a:fontRef>
+            </p:style>
+            <p:txBody>
+              <a:bodyPr rtlCol="0" anchor="ctr"/>
+              <a:lstStyle/>
+              <a:p>
+                <a:pPr algn="ctr"/>
+                <a:endParaRPr lang="en-IN"/>
+              </a:p>
+            </p:txBody>
+          </p:sp>
+          <p:sp>
+            <p:nvSpPr>
+              <p:cNvPr id="118" name="Rectangle 117"/>
+              <p:cNvSpPr/>
+              <p:nvPr/>
+            </p:nvSpPr>
+            <p:spPr>
+              <a:xfrm flipV="1">
+                <a:off x="2631000" y="583509"/>
+                <a:ext cx="27093" cy="792891"/>
+              </a:xfrm>
+              <a:prstGeom prst="rect">
+                <a:avLst/>
+              </a:prstGeom>
+              <a:grpFill/>
+              <a:ln>
+                <a:noFill/>
+              </a:ln>
+            </p:spPr>
+            <p:style>
+              <a:lnRef idx="2">
+                <a:schemeClr val="accent1">
+                  <a:shade val="50000"/>
+                </a:schemeClr>
+              </a:lnRef>
+              <a:fillRef idx="1">
+                <a:schemeClr val="accent1"/>
+              </a:fillRef>
+              <a:effectRef idx="0">
+                <a:schemeClr val="accent1"/>
+              </a:effectRef>
+              <a:fontRef idx="minor">
+                <a:schemeClr val="lt1"/>
+              </a:fontRef>
+            </p:style>
+            <p:txBody>
+              <a:bodyPr rtlCol="0" anchor="ctr"/>
+              <a:lstStyle/>
+              <a:p>
+                <a:pPr algn="ctr"/>
+                <a:endParaRPr lang="en-IN"/>
+              </a:p>
+            </p:txBody>
+          </p:sp>
+        </p:grpSp>
+        <p:grpSp>
+          <p:nvGrpSpPr>
+            <p:cNvPr id="114" name="Group 113"/>
+            <p:cNvGrpSpPr/>
+            <p:nvPr/>
+          </p:nvGrpSpPr>
+          <p:grpSpPr>
+            <a:xfrm>
+              <a:off x="1419767" y="2233298"/>
+              <a:ext cx="1032791" cy="2661403"/>
+              <a:chOff x="7960340" y="597000"/>
+              <a:chExt cx="720000" cy="4280760"/>
+            </a:xfrm>
+            <a:grpFill/>
+            <a:effectLst/>
+          </p:grpSpPr>
+          <p:sp>
+            <p:nvSpPr>
+              <p:cNvPr id="115" name="Rectangle 114"/>
+              <p:cNvSpPr/>
+              <p:nvPr/>
+            </p:nvSpPr>
+            <p:spPr>
+              <a:xfrm>
+                <a:off x="7960340" y="911300"/>
+                <a:ext cx="720000" cy="3966460"/>
+              </a:xfrm>
+              <a:prstGeom prst="rect">
+                <a:avLst/>
+              </a:prstGeom>
+              <a:grpFill/>
+              <a:ln>
+                <a:noFill/>
+              </a:ln>
+            </p:spPr>
+            <p:style>
+              <a:lnRef idx="2">
+                <a:schemeClr val="accent1">
+                  <a:shade val="50000"/>
+                </a:schemeClr>
+              </a:lnRef>
+              <a:fillRef idx="1">
+                <a:schemeClr val="accent1"/>
+              </a:fillRef>
+              <a:effectRef idx="0">
+                <a:schemeClr val="accent1"/>
+              </a:effectRef>
+              <a:fontRef idx="minor">
+                <a:schemeClr val="lt1"/>
+              </a:fontRef>
+            </p:style>
+            <p:txBody>
+              <a:bodyPr rtlCol="0" anchor="ctr"/>
+              <a:lstStyle/>
+              <a:p>
+                <a:pPr algn="ctr"/>
+                <a:endParaRPr lang="en-IN"/>
+              </a:p>
+            </p:txBody>
+          </p:sp>
+          <p:sp>
+            <p:nvSpPr>
+              <p:cNvPr id="116" name="Rectangle 43"/>
+              <p:cNvSpPr/>
+              <p:nvPr/>
+            </p:nvSpPr>
+            <p:spPr>
+              <a:xfrm>
+                <a:off x="7964600" y="597000"/>
+                <a:ext cx="710300" cy="314300"/>
+              </a:xfrm>
+              <a:prstGeom prst="rtTriangle">
+                <a:avLst/>
+              </a:prstGeom>
+              <a:grpFill/>
+              <a:ln>
+                <a:noFill/>
+              </a:ln>
+            </p:spPr>
+            <p:style>
+              <a:lnRef idx="2">
+                <a:schemeClr val="accent1">
+                  <a:shade val="50000"/>
+                </a:schemeClr>
+              </a:lnRef>
+              <a:fillRef idx="1">
+                <a:schemeClr val="accent1"/>
+              </a:fillRef>
+              <a:effectRef idx="0">
+                <a:schemeClr val="accent1"/>
+              </a:effectRef>
+              <a:fontRef idx="minor">
+                <a:schemeClr val="lt1"/>
+              </a:fontRef>
+            </p:style>
+            <p:txBody>
+              <a:bodyPr rtlCol="0" anchor="ctr"/>
+              <a:lstStyle/>
+              <a:p>
+                <a:pPr algn="ctr"/>
+                <a:endParaRPr lang="en-IN"/>
+              </a:p>
+            </p:txBody>
+          </p:sp>
+        </p:grpSp>
+      </p:grpSp>
+      <p:grpSp>
+        <p:nvGrpSpPr>
+          <p:cNvPr id="105" name="Group 104"/>
+          <p:cNvGrpSpPr/>
+          <p:nvPr/>
+        </p:nvGrpSpPr>
+        <p:grpSpPr>
+          <a:xfrm>
+            <a:off x="292401" y="2764398"/>
+            <a:ext cx="8735589" cy="2126747"/>
+            <a:chOff x="611658" y="3445130"/>
+            <a:chExt cx="8735589" cy="2126747"/>
+          </a:xfrm>
+        </p:grpSpPr>
+        <p:sp>
+          <p:nvSpPr>
+            <p:cNvPr id="76" name="Rectangle 75"/>
+            <p:cNvSpPr/>
+            <p:nvPr/>
+          </p:nvSpPr>
+          <p:spPr>
+            <a:xfrm>
+              <a:off x="5531259" y="4186802"/>
+              <a:ext cx="1583085" cy="1380900"/>
+            </a:xfrm>
+            <a:prstGeom prst="rect">
+              <a:avLst/>
+            </a:prstGeom>
+            <a:solidFill>
+              <a:srgbClr val="138808"/>
+            </a:solidFill>
+            <a:ln>
+              <a:noFill/>
+            </a:ln>
+            <a:effectLst/>
+          </p:spPr>
+          <p:style>
+            <a:lnRef idx="2">
+              <a:schemeClr val="accent1">
+                <a:shade val="50000"/>
+              </a:schemeClr>
+            </a:lnRef>
+            <a:fillRef idx="1">
+              <a:schemeClr val="accent1"/>
+            </a:fillRef>
+            <a:effectRef idx="0">
+              <a:schemeClr val="accent1"/>
+            </a:effectRef>
+            <a:fontRef idx="minor">
+              <a:schemeClr val="lt1"/>
+            </a:fontRef>
+          </p:style>
+          <p:txBody>
+            <a:bodyPr rtlCol="0" anchor="ctr"/>
+            <a:lstStyle/>
+            <a:p>
+              <a:pPr algn="ctr"/>
+              <a:endParaRPr lang="en-IN"/>
+            </a:p>
+          </p:txBody>
+        </p:sp>
+        <p:sp>
+          <p:nvSpPr>
+            <p:cNvPr id="77" name="Rectangle 76"/>
+            <p:cNvSpPr/>
+            <p:nvPr/>
+          </p:nvSpPr>
+          <p:spPr>
+            <a:xfrm>
+              <a:off x="2991405" y="4710610"/>
+              <a:ext cx="900905" cy="860461"/>
+            </a:xfrm>
+            <a:prstGeom prst="rect">
+              <a:avLst/>
+            </a:prstGeom>
+            <a:solidFill>
+              <a:srgbClr val="138808"/>
+            </a:solidFill>
+            <a:ln>
+              <a:noFill/>
+            </a:ln>
+            <a:effectLst/>
+          </p:spPr>
+          <p:style>
+            <a:lnRef idx="2">
+              <a:schemeClr val="accent1">
+                <a:shade val="50000"/>
+              </a:schemeClr>
+            </a:lnRef>
+            <a:fillRef idx="1">
+              <a:schemeClr val="accent1"/>
+            </a:fillRef>
+            <a:effectRef idx="0">
+              <a:schemeClr val="accent1"/>
+            </a:effectRef>
+            <a:fontRef idx="minor">
+              <a:schemeClr val="lt1"/>
+            </a:fontRef>
+          </p:style>
+          <p:txBody>
+            <a:bodyPr rtlCol="0" anchor="ctr"/>
+            <a:lstStyle/>
+            <a:p>
+              <a:pPr algn="ctr"/>
+              <a:endParaRPr lang="en-IN"/>
+            </a:p>
+          </p:txBody>
+        </p:sp>
+        <p:sp>
+          <p:nvSpPr>
+            <p:cNvPr id="96" name="Rectangle 95"/>
+            <p:cNvSpPr/>
+            <p:nvPr/>
+          </p:nvSpPr>
+          <p:spPr>
+            <a:xfrm>
+              <a:off x="3882286" y="4359287"/>
+              <a:ext cx="686152" cy="1211784"/>
+            </a:xfrm>
+            <a:prstGeom prst="rect">
+              <a:avLst/>
+            </a:prstGeom>
+            <a:solidFill>
+              <a:srgbClr val="138808"/>
+            </a:solidFill>
+            <a:ln>
+              <a:noFill/>
+            </a:ln>
+            <a:effectLst/>
+          </p:spPr>
+          <p:style>
+            <a:lnRef idx="2">
+              <a:schemeClr val="accent1">
+                <a:shade val="50000"/>
+              </a:schemeClr>
+            </a:lnRef>
+            <a:fillRef idx="1">
+              <a:schemeClr val="accent1"/>
+            </a:fillRef>
+            <a:effectRef idx="0">
+              <a:schemeClr val="accent1"/>
+            </a:effectRef>
+            <a:fontRef idx="minor">
+              <a:schemeClr val="lt1"/>
+            </a:fontRef>
+          </p:style>
+          <p:txBody>
+            <a:bodyPr rtlCol="0" anchor="ctr"/>
+            <a:lstStyle/>
+            <a:p>
+              <a:pPr algn="ctr"/>
+              <a:endParaRPr lang="en-IN"/>
+            </a:p>
+          </p:txBody>
+        </p:sp>
+        <p:grpSp>
+          <p:nvGrpSpPr>
+            <p:cNvPr id="79" name="Group 78"/>
+            <p:cNvGrpSpPr/>
+            <p:nvPr/>
+          </p:nvGrpSpPr>
+          <p:grpSpPr>
+            <a:xfrm>
+              <a:off x="2059457" y="4064065"/>
+              <a:ext cx="965161" cy="1507006"/>
+              <a:chOff x="1056000" y="1944000"/>
+              <a:chExt cx="720000" cy="2965129"/>
+            </a:xfrm>
+            <a:solidFill>
+              <a:srgbClr val="138808"/>
+            </a:solidFill>
+            <a:effectLst/>
+          </p:grpSpPr>
+          <p:sp>
+            <p:nvSpPr>
+              <p:cNvPr id="93" name="Rectangle 92"/>
+              <p:cNvSpPr/>
+              <p:nvPr/>
+            </p:nvSpPr>
+            <p:spPr>
+              <a:xfrm>
+                <a:off x="1056000" y="2529000"/>
+                <a:ext cx="720000" cy="2380129"/>
+              </a:xfrm>
+              <a:prstGeom prst="rect">
+                <a:avLst/>
+              </a:prstGeom>
+              <a:grpFill/>
+              <a:ln>
+                <a:noFill/>
+              </a:ln>
+            </p:spPr>
+            <p:style>
+              <a:lnRef idx="2">
+                <a:schemeClr val="accent1">
+                  <a:shade val="50000"/>
+                </a:schemeClr>
+              </a:lnRef>
+              <a:fillRef idx="1">
+                <a:schemeClr val="accent1"/>
+              </a:fillRef>
+              <a:effectRef idx="0">
+                <a:schemeClr val="accent1"/>
+              </a:effectRef>
+              <a:fontRef idx="minor">
+                <a:schemeClr val="lt1"/>
+              </a:fontRef>
+            </p:style>
+            <p:txBody>
+              <a:bodyPr rtlCol="0" anchor="ctr"/>
+              <a:lstStyle/>
+              <a:p>
+                <a:pPr algn="ctr"/>
+                <a:endParaRPr lang="en-IN"/>
+              </a:p>
+            </p:txBody>
+          </p:sp>
+          <p:sp>
+            <p:nvSpPr>
+              <p:cNvPr id="94" name="Isosceles Triangle 93"/>
+              <p:cNvSpPr/>
+              <p:nvPr/>
+            </p:nvSpPr>
+            <p:spPr>
+              <a:xfrm>
+                <a:off x="1056000" y="1944000"/>
+                <a:ext cx="720000" cy="596153"/>
+              </a:xfrm>
+              <a:prstGeom prst="triangle">
+                <a:avLst/>
+              </a:prstGeom>
+              <a:grpFill/>
+              <a:ln>
+                <a:noFill/>
+              </a:ln>
+            </p:spPr>
+            <p:style>
+              <a:lnRef idx="2">
+                <a:schemeClr val="accent1">
+                  <a:shade val="50000"/>
+                </a:schemeClr>
+              </a:lnRef>
+              <a:fillRef idx="1">
+                <a:schemeClr val="accent1"/>
+              </a:fillRef>
+              <a:effectRef idx="0">
+                <a:schemeClr val="accent1"/>
+              </a:effectRef>
+              <a:fontRef idx="minor">
+                <a:schemeClr val="lt1"/>
+              </a:fontRef>
+            </p:style>
+            <p:txBody>
+              <a:bodyPr rtlCol="0" anchor="ctr"/>
+              <a:lstStyle/>
+              <a:p>
+                <a:pPr algn="ctr"/>
+                <a:endParaRPr lang="en-IN"/>
+              </a:p>
+            </p:txBody>
+          </p:sp>
+        </p:grpSp>
+        <p:grpSp>
+          <p:nvGrpSpPr>
+            <p:cNvPr id="81" name="Group 80"/>
+            <p:cNvGrpSpPr/>
+            <p:nvPr/>
+          </p:nvGrpSpPr>
+          <p:grpSpPr>
+            <a:xfrm>
+              <a:off x="1295932" y="4220096"/>
+              <a:ext cx="757016" cy="1350975"/>
+              <a:chOff x="8938685" y="1618958"/>
+              <a:chExt cx="757016" cy="3241483"/>
+            </a:xfrm>
+            <a:solidFill>
+              <a:srgbClr val="138808"/>
+            </a:solidFill>
+            <a:effectLst/>
+          </p:grpSpPr>
+          <p:sp>
+            <p:nvSpPr>
+              <p:cNvPr id="88" name="Trapezoid 87"/>
+              <p:cNvSpPr/>
+              <p:nvPr/>
+            </p:nvSpPr>
+            <p:spPr>
+              <a:xfrm>
+                <a:off x="8938685" y="2110796"/>
+                <a:ext cx="720000" cy="168807"/>
+              </a:xfrm>
+              <a:prstGeom prst="trapezoid">
+                <a:avLst>
+                  <a:gd name="adj" fmla="val 95532"/>
+                </a:avLst>
+              </a:prstGeom>
+              <a:grpFill/>
+              <a:ln>
+                <a:noFill/>
+              </a:ln>
+            </p:spPr>
+            <p:style>
+              <a:lnRef idx="2">
+                <a:schemeClr val="accent1">
+                  <a:shade val="50000"/>
+                </a:schemeClr>
+              </a:lnRef>
+              <a:fillRef idx="1">
+                <a:schemeClr val="accent1"/>
+              </a:fillRef>
+              <a:effectRef idx="0">
+                <a:schemeClr val="accent1"/>
+              </a:effectRef>
+              <a:fontRef idx="minor">
+                <a:schemeClr val="lt1"/>
+              </a:fontRef>
+            </p:style>
+            <p:txBody>
+              <a:bodyPr rtlCol="0" anchor="ctr"/>
+              <a:lstStyle/>
+              <a:p>
+                <a:pPr algn="ctr"/>
+                <a:endParaRPr lang="en-IN"/>
+              </a:p>
+            </p:txBody>
+          </p:sp>
+          <p:sp>
+            <p:nvSpPr>
+              <p:cNvPr id="89" name="Rectangle 88"/>
+              <p:cNvSpPr/>
+              <p:nvPr/>
+            </p:nvSpPr>
+            <p:spPr>
+              <a:xfrm>
+                <a:off x="8975701" y="1618958"/>
+                <a:ext cx="720000" cy="3241483"/>
+              </a:xfrm>
+              <a:prstGeom prst="rect">
+                <a:avLst/>
+              </a:prstGeom>
+              <a:grpFill/>
+              <a:ln>
+                <a:noFill/>
+              </a:ln>
+            </p:spPr>
+            <p:style>
+              <a:lnRef idx="2">
+                <a:schemeClr val="accent1">
+                  <a:shade val="50000"/>
+                </a:schemeClr>
+              </a:lnRef>
+              <a:fillRef idx="1">
+                <a:schemeClr val="accent1"/>
+              </a:fillRef>
+              <a:effectRef idx="0">
+                <a:schemeClr val="accent1"/>
+              </a:effectRef>
+              <a:fontRef idx="minor">
+                <a:schemeClr val="lt1"/>
+              </a:fontRef>
+            </p:style>
+            <p:txBody>
+              <a:bodyPr rtlCol="0" anchor="ctr"/>
+              <a:lstStyle/>
+              <a:p>
+                <a:pPr algn="ctr"/>
+                <a:endParaRPr lang="en-IN"/>
+              </a:p>
+            </p:txBody>
+          </p:sp>
+          <p:sp>
+            <p:nvSpPr>
+              <p:cNvPr id="90" name="Trapezoid 89"/>
+              <p:cNvSpPr/>
+              <p:nvPr/>
+            </p:nvSpPr>
+            <p:spPr>
+              <a:xfrm>
+                <a:off x="9178746" y="1941989"/>
+                <a:ext cx="239877" cy="168807"/>
+              </a:xfrm>
+              <a:prstGeom prst="trapezoid">
+                <a:avLst>
+                  <a:gd name="adj" fmla="val 95532"/>
+                </a:avLst>
+              </a:prstGeom>
+              <a:grpFill/>
+              <a:ln>
+                <a:noFill/>
+              </a:ln>
+            </p:spPr>
+            <p:style>
+              <a:lnRef idx="2">
+                <a:schemeClr val="accent1">
+                  <a:shade val="50000"/>
+                </a:schemeClr>
+              </a:lnRef>
+              <a:fillRef idx="1">
+                <a:schemeClr val="accent1"/>
+              </a:fillRef>
+              <a:effectRef idx="0">
+                <a:schemeClr val="accent1"/>
+              </a:effectRef>
+              <a:fontRef idx="minor">
+                <a:schemeClr val="lt1"/>
+              </a:fontRef>
+            </p:style>
+            <p:txBody>
+              <a:bodyPr rtlCol="0" anchor="ctr"/>
+              <a:lstStyle/>
+              <a:p>
+                <a:pPr algn="ctr"/>
+                <a:endParaRPr lang="en-IN"/>
+              </a:p>
+            </p:txBody>
+          </p:sp>
+        </p:grpSp>
+        <p:grpSp>
+          <p:nvGrpSpPr>
+            <p:cNvPr id="82" name="Group 81"/>
+            <p:cNvGrpSpPr/>
+            <p:nvPr/>
+          </p:nvGrpSpPr>
+          <p:grpSpPr>
+            <a:xfrm>
+              <a:off x="7102719" y="3445130"/>
+              <a:ext cx="1215000" cy="2126747"/>
+              <a:chOff x="2496000" y="583509"/>
+              <a:chExt cx="720000" cy="4303914"/>
+            </a:xfrm>
+            <a:solidFill>
+              <a:srgbClr val="138808"/>
+            </a:solidFill>
+            <a:effectLst/>
+          </p:grpSpPr>
+          <p:sp>
+            <p:nvSpPr>
+              <p:cNvPr id="86" name="Rectangle 85"/>
+              <p:cNvSpPr/>
+              <p:nvPr/>
+            </p:nvSpPr>
+            <p:spPr>
+              <a:xfrm>
+                <a:off x="2496000" y="1269000"/>
+                <a:ext cx="720000" cy="3618423"/>
+              </a:xfrm>
+              <a:prstGeom prst="rect">
+                <a:avLst/>
+              </a:prstGeom>
+              <a:grpFill/>
+              <a:ln>
+                <a:noFill/>
+              </a:ln>
+            </p:spPr>
+            <p:style>
+              <a:lnRef idx="2">
+                <a:schemeClr val="accent1">
+                  <a:shade val="50000"/>
+                </a:schemeClr>
+              </a:lnRef>
+              <a:fillRef idx="1">
+                <a:schemeClr val="accent1"/>
+              </a:fillRef>
+              <a:effectRef idx="0">
+                <a:schemeClr val="accent1"/>
+              </a:effectRef>
+              <a:fontRef idx="minor">
+                <a:schemeClr val="lt1"/>
+              </a:fontRef>
+            </p:style>
+            <p:txBody>
+              <a:bodyPr rtlCol="0" anchor="ctr"/>
+              <a:lstStyle/>
+              <a:p>
+                <a:pPr algn="ctr"/>
+                <a:endParaRPr lang="en-IN"/>
+              </a:p>
+            </p:txBody>
+          </p:sp>
+          <p:sp>
+            <p:nvSpPr>
+              <p:cNvPr id="87" name="Rectangle 86"/>
+              <p:cNvSpPr/>
+              <p:nvPr/>
+            </p:nvSpPr>
+            <p:spPr>
+              <a:xfrm flipV="1">
+                <a:off x="2631000" y="583509"/>
+                <a:ext cx="27093" cy="792891"/>
+              </a:xfrm>
+              <a:prstGeom prst="rect">
+                <a:avLst/>
+              </a:prstGeom>
+              <a:grpFill/>
+              <a:ln>
+                <a:noFill/>
+              </a:ln>
+            </p:spPr>
+            <p:style>
+              <a:lnRef idx="2">
+                <a:schemeClr val="accent1">
+                  <a:shade val="50000"/>
+                </a:schemeClr>
+              </a:lnRef>
+              <a:fillRef idx="1">
+                <a:schemeClr val="accent1"/>
+              </a:fillRef>
+              <a:effectRef idx="0">
+                <a:schemeClr val="accent1"/>
+              </a:effectRef>
+              <a:fontRef idx="minor">
+                <a:schemeClr val="lt1"/>
+              </a:fontRef>
+            </p:style>
+            <p:txBody>
+              <a:bodyPr rtlCol="0" anchor="ctr"/>
+              <a:lstStyle/>
+              <a:p>
+                <a:pPr algn="ctr"/>
+                <a:endParaRPr lang="en-IN"/>
+              </a:p>
+            </p:txBody>
+          </p:sp>
+        </p:grpSp>
+        <p:grpSp>
+          <p:nvGrpSpPr>
+            <p:cNvPr id="83" name="Group 82"/>
+            <p:cNvGrpSpPr/>
+            <p:nvPr/>
+          </p:nvGrpSpPr>
+          <p:grpSpPr>
+            <a:xfrm>
+              <a:off x="4503035" y="3848342"/>
+              <a:ext cx="1037777" cy="1717431"/>
+              <a:chOff x="7949980" y="595842"/>
+              <a:chExt cx="723476" cy="4248708"/>
+            </a:xfrm>
+            <a:solidFill>
+              <a:srgbClr val="138808"/>
+            </a:solidFill>
+            <a:effectLst/>
+          </p:grpSpPr>
+          <p:sp>
+            <p:nvSpPr>
+              <p:cNvPr id="84" name="Rectangle 83"/>
+              <p:cNvSpPr/>
+              <p:nvPr/>
+            </p:nvSpPr>
+            <p:spPr>
+              <a:xfrm>
+                <a:off x="7953456" y="878091"/>
+                <a:ext cx="720000" cy="3966459"/>
+              </a:xfrm>
+              <a:prstGeom prst="rect">
+                <a:avLst/>
+              </a:prstGeom>
+              <a:grpFill/>
+              <a:ln>
+                <a:noFill/>
+              </a:ln>
+            </p:spPr>
+            <p:style>
+              <a:lnRef idx="2">
+                <a:schemeClr val="accent1">
+                  <a:shade val="50000"/>
+                </a:schemeClr>
+              </a:lnRef>
+              <a:fillRef idx="1">
+                <a:schemeClr val="accent1"/>
+              </a:fillRef>
+              <a:effectRef idx="0">
+                <a:schemeClr val="accent1"/>
+              </a:effectRef>
+              <a:fontRef idx="minor">
+                <a:schemeClr val="lt1"/>
+              </a:fontRef>
+            </p:style>
+            <p:txBody>
+              <a:bodyPr rtlCol="0" anchor="ctr"/>
+              <a:lstStyle/>
+              <a:p>
+                <a:pPr algn="ctr"/>
+                <a:endParaRPr lang="en-IN"/>
+              </a:p>
+            </p:txBody>
+          </p:sp>
+          <p:sp>
+            <p:nvSpPr>
+              <p:cNvPr id="85" name="Rectangle 43"/>
+              <p:cNvSpPr/>
+              <p:nvPr/>
+            </p:nvSpPr>
+            <p:spPr>
+              <a:xfrm>
+                <a:off x="7949980" y="595842"/>
+                <a:ext cx="710300" cy="314301"/>
+              </a:xfrm>
+              <a:prstGeom prst="rtTriangle">
+                <a:avLst/>
+              </a:prstGeom>
+              <a:grpFill/>
+              <a:ln>
+                <a:noFill/>
+              </a:ln>
+            </p:spPr>
+            <p:style>
+              <a:lnRef idx="2">
+                <a:schemeClr val="accent1">
+                  <a:shade val="50000"/>
+                </a:schemeClr>
+              </a:lnRef>
+              <a:fillRef idx="1">
+                <a:schemeClr val="accent1"/>
+              </a:fillRef>
+              <a:effectRef idx="0">
+                <a:schemeClr val="accent1"/>
+              </a:effectRef>
+              <a:fontRef idx="minor">
+                <a:schemeClr val="lt1"/>
+              </a:fontRef>
+            </p:style>
+            <p:txBody>
+              <a:bodyPr rtlCol="0" anchor="ctr"/>
+              <a:lstStyle/>
+              <a:p>
+                <a:pPr algn="ctr"/>
+                <a:endParaRPr lang="en-IN"/>
+              </a:p>
+            </p:txBody>
+          </p:sp>
+        </p:grpSp>
+        <p:grpSp>
+          <p:nvGrpSpPr>
+            <p:cNvPr id="98" name="Group 97"/>
+            <p:cNvGrpSpPr/>
+            <p:nvPr/>
+          </p:nvGrpSpPr>
+          <p:grpSpPr>
+            <a:xfrm>
+              <a:off x="8314456" y="4064065"/>
+              <a:ext cx="1032791" cy="1501708"/>
+              <a:chOff x="7959750" y="597000"/>
+              <a:chExt cx="720000" cy="4242833"/>
+            </a:xfrm>
+            <a:solidFill>
+              <a:srgbClr val="138808"/>
+            </a:solidFill>
+            <a:effectLst/>
+          </p:grpSpPr>
+          <p:sp>
+            <p:nvSpPr>
+              <p:cNvPr id="99" name="Rectangle 98"/>
+              <p:cNvSpPr/>
+              <p:nvPr/>
+            </p:nvSpPr>
+            <p:spPr>
+              <a:xfrm>
+                <a:off x="7959750" y="873372"/>
+                <a:ext cx="720000" cy="3966461"/>
+              </a:xfrm>
+              <a:prstGeom prst="rect">
+                <a:avLst/>
+              </a:prstGeom>
+              <a:grpFill/>
+              <a:ln>
+                <a:noFill/>
+              </a:ln>
+            </p:spPr>
+            <p:style>
+              <a:lnRef idx="2">
+                <a:schemeClr val="accent1">
+                  <a:shade val="50000"/>
+                </a:schemeClr>
+              </a:lnRef>
+              <a:fillRef idx="1">
+                <a:schemeClr val="accent1"/>
+              </a:fillRef>
+              <a:effectRef idx="0">
+                <a:schemeClr val="accent1"/>
+              </a:effectRef>
+              <a:fontRef idx="minor">
+                <a:schemeClr val="lt1"/>
+              </a:fontRef>
+            </p:style>
+            <p:txBody>
+              <a:bodyPr rtlCol="0" anchor="ctr"/>
+              <a:lstStyle/>
+              <a:p>
+                <a:pPr algn="ctr"/>
+                <a:endParaRPr lang="en-IN"/>
+              </a:p>
+            </p:txBody>
+          </p:sp>
+          <p:sp>
+            <p:nvSpPr>
+              <p:cNvPr id="100" name="Rectangle 43"/>
+              <p:cNvSpPr/>
+              <p:nvPr/>
+            </p:nvSpPr>
+            <p:spPr>
+              <a:xfrm>
+                <a:off x="7964600" y="597000"/>
+                <a:ext cx="710300" cy="314300"/>
+              </a:xfrm>
+              <a:prstGeom prst="rtTriangle">
+                <a:avLst/>
+              </a:prstGeom>
+              <a:grpFill/>
+              <a:ln>
+                <a:noFill/>
+              </a:ln>
+            </p:spPr>
+            <p:style>
+              <a:lnRef idx="2">
+                <a:schemeClr val="accent1">
+                  <a:shade val="50000"/>
+                </a:schemeClr>
+              </a:lnRef>
+              <a:fillRef idx="1">
+                <a:schemeClr val="accent1"/>
+              </a:fillRef>
+              <a:effectRef idx="0">
+                <a:schemeClr val="accent1"/>
+              </a:effectRef>
+              <a:fontRef idx="minor">
+                <a:schemeClr val="lt1"/>
+              </a:fontRef>
+            </p:style>
+            <p:txBody>
+              <a:bodyPr rtlCol="0" anchor="ctr"/>
+              <a:lstStyle/>
+              <a:p>
+                <a:pPr algn="ctr"/>
+                <a:endParaRPr lang="en-IN"/>
+              </a:p>
+            </p:txBody>
+          </p:sp>
+        </p:grpSp>
+        <p:grpSp>
+          <p:nvGrpSpPr>
+            <p:cNvPr id="104" name="Group 103"/>
+            <p:cNvGrpSpPr/>
+            <p:nvPr/>
+          </p:nvGrpSpPr>
+          <p:grpSpPr>
+            <a:xfrm>
+              <a:off x="611658" y="4569984"/>
+              <a:ext cx="720000" cy="995789"/>
+              <a:chOff x="9895543" y="1369899"/>
+              <a:chExt cx="720000" cy="995789"/>
+            </a:xfrm>
+            <a:solidFill>
+              <a:srgbClr val="138808"/>
+            </a:solidFill>
+          </p:grpSpPr>
+          <p:sp>
+            <p:nvSpPr>
+              <p:cNvPr id="101" name="Trapezoid 100"/>
+              <p:cNvSpPr/>
+              <p:nvPr/>
+            </p:nvSpPr>
+            <p:spPr>
+              <a:xfrm>
+                <a:off x="9895543" y="1548363"/>
+                <a:ext cx="720000" cy="206562"/>
+              </a:xfrm>
+              <a:prstGeom prst="trapezoid">
+                <a:avLst>
+                  <a:gd name="adj" fmla="val 95532"/>
+                </a:avLst>
+              </a:prstGeom>
+              <a:grpFill/>
+              <a:ln>
+                <a:noFill/>
+              </a:ln>
+            </p:spPr>
+            <p:style>
+              <a:lnRef idx="2">
+                <a:schemeClr val="accent1">
+                  <a:shade val="50000"/>
+                </a:schemeClr>
+              </a:lnRef>
+              <a:fillRef idx="1">
+                <a:schemeClr val="accent1"/>
+              </a:fillRef>
+              <a:effectRef idx="0">
+                <a:schemeClr val="accent1"/>
+              </a:effectRef>
+              <a:fontRef idx="minor">
+                <a:schemeClr val="lt1"/>
+              </a:fontRef>
+            </p:style>
+            <p:txBody>
+              <a:bodyPr rtlCol="0" anchor="ctr"/>
+              <a:lstStyle/>
+              <a:p>
+                <a:pPr algn="r"/>
+                <a:endParaRPr lang="en-IN"/>
+              </a:p>
+            </p:txBody>
+          </p:sp>
+          <p:sp>
+            <p:nvSpPr>
+              <p:cNvPr id="102" name="Rectangle 101"/>
+              <p:cNvSpPr/>
+              <p:nvPr/>
+            </p:nvSpPr>
+            <p:spPr>
+              <a:xfrm>
+                <a:off x="9895543" y="1754925"/>
+                <a:ext cx="720000" cy="610763"/>
+              </a:xfrm>
+              <a:prstGeom prst="rect">
+                <a:avLst/>
+              </a:prstGeom>
+              <a:grpFill/>
+              <a:ln>
+                <a:noFill/>
+              </a:ln>
+            </p:spPr>
+            <p:style>
+              <a:lnRef idx="2">
+                <a:schemeClr val="accent1">
+                  <a:shade val="50000"/>
+                </a:schemeClr>
+              </a:lnRef>
+              <a:fillRef idx="1">
+                <a:schemeClr val="accent1"/>
+              </a:fillRef>
+              <a:effectRef idx="0">
+                <a:schemeClr val="accent1"/>
+              </a:effectRef>
+              <a:fontRef idx="minor">
+                <a:schemeClr val="lt1"/>
+              </a:fontRef>
+            </p:style>
+            <p:txBody>
+              <a:bodyPr rtlCol="0" anchor="ctr"/>
+              <a:lstStyle/>
+              <a:p>
+                <a:pPr algn="r"/>
+                <a:endParaRPr lang="en-IN"/>
+              </a:p>
+            </p:txBody>
+          </p:sp>
+          <p:sp>
+            <p:nvSpPr>
+              <p:cNvPr id="103" name="Trapezoid 102"/>
+              <p:cNvSpPr/>
+              <p:nvPr/>
+            </p:nvSpPr>
+            <p:spPr>
+              <a:xfrm>
+                <a:off x="10135604" y="1369899"/>
+                <a:ext cx="239877" cy="206562"/>
+              </a:xfrm>
+              <a:prstGeom prst="trapezoid">
+                <a:avLst>
+                  <a:gd name="adj" fmla="val 95532"/>
+                </a:avLst>
+              </a:prstGeom>
+              <a:grpFill/>
+              <a:ln>
+                <a:noFill/>
+              </a:ln>
+            </p:spPr>
+            <p:style>
+              <a:lnRef idx="2">
+                <a:schemeClr val="accent1">
+                  <a:shade val="50000"/>
+                </a:schemeClr>
+              </a:lnRef>
+              <a:fillRef idx="1">
+                <a:schemeClr val="accent1"/>
+              </a:fillRef>
+              <a:effectRef idx="0">
+                <a:schemeClr val="accent1"/>
+              </a:effectRef>
+              <a:fontRef idx="minor">
+                <a:schemeClr val="lt1"/>
+              </a:fontRef>
+            </p:style>
+            <p:txBody>
+              <a:bodyPr rtlCol="0" anchor="ctr"/>
+              <a:lstStyle/>
+              <a:p>
+                <a:pPr algn="r"/>
+                <a:endParaRPr lang="en-IN"/>
+              </a:p>
+            </p:txBody>
+          </p:sp>
+        </p:grpSp>
+      </p:grpSp>
+      <p:pic>
+        <p:nvPicPr>
+          <p:cNvPr id="129" name="Picture 128"/>
+          <p:cNvPicPr>
+            <a:picLocks noChangeAspect="1"/>
+          </p:cNvPicPr>
+          <p:nvPr/>
+        </p:nvPicPr>
+        <p:blipFill>
+          <a:blip r:embed="rId2">
+            <a:extLst>
+              <a:ext uri="{28A0092B-C50C-407E-A947-70E740481C1C}">
+                <a14:useLocalDpi xmlns:a14="http://schemas.microsoft.com/office/drawing/2010/main" val="0"/>
+              </a:ext>
+            </a:extLst>
+          </a:blip>
+          <a:stretch>
+            <a:fillRect/>
+          </a:stretch>
+        </p:blipFill>
+        <p:spPr>
+          <a:xfrm>
+            <a:off x="587406" y="704432"/>
+            <a:ext cx="3149134" cy="4135773"/>
+          </a:xfrm>
+          <a:prstGeom prst="rect">
+            <a:avLst/>
+          </a:prstGeom>
+        </p:spPr>
+      </p:pic>
+      <p:sp>
+        <p:nvSpPr>
+          <p:cNvPr id="130" name="Rounded Rectangle 129"/>
+          <p:cNvSpPr/>
+          <p:nvPr/>
+        </p:nvSpPr>
+        <p:spPr>
+          <a:xfrm>
+            <a:off x="2801993" y="1484617"/>
+            <a:ext cx="5835497" cy="3611999"/>
+          </a:xfrm>
+          <a:prstGeom prst="roundRect">
+            <a:avLst/>
+          </a:prstGeom>
+          <a:noFill/>
+          <a:ln>
+            <a:noFill/>
+          </a:ln>
+          <a:effectLst>
+            <a:outerShdw dist="63500" dir="2700000" algn="tl" rotWithShape="0">
+              <a:schemeClr val="accent6"/>
+            </a:outerShdw>
+          </a:effectLst>
+        </p:spPr>
+        <p:style>
+          <a:lnRef idx="3">
+            <a:schemeClr val="lt1"/>
+          </a:lnRef>
+          <a:fillRef idx="1">
+            <a:schemeClr val="accent4"/>
+          </a:fillRef>
+          <a:effectRef idx="1">
+            <a:schemeClr val="accent4"/>
+          </a:effectRef>
+          <a:fontRef idx="minor">
+            <a:schemeClr val="lt1"/>
+          </a:fontRef>
+        </p:style>
+        <p:txBody>
+          <a:bodyPr rtlCol="0" anchor="ctr"/>
+          <a:lstStyle/>
+          <a:p>
+            <a:pPr algn="ctr"/>
+            <a:r>
+              <a:rPr lang="en-IN" sz="9600" dirty="0" smtClean="0">
+                <a:solidFill>
+                  <a:schemeClr val="bg1"/>
+                </a:solidFill>
+                <a:effectLst>
+                  <a:outerShdw blurRad="50800" dist="38100" dir="2700000" algn="tl" rotWithShape="0">
+                    <a:prstClr val="black">
+                      <a:alpha val="40000"/>
+                    </a:prstClr>
+                  </a:outerShdw>
+                </a:effectLst>
+                <a:latin typeface="Arial Rounded MT Bold" panose="020F0704030504030204" pitchFamily="34" charset="0"/>
+              </a:rPr>
+              <a:t>Flappy</a:t>
+            </a:r>
+          </a:p>
+          <a:p>
+            <a:pPr algn="ctr"/>
+            <a:r>
+              <a:rPr lang="en-IN" sz="13800" dirty="0" smtClean="0">
+                <a:solidFill>
+                  <a:schemeClr val="bg1"/>
+                </a:solidFill>
+                <a:effectLst>
+                  <a:outerShdw blurRad="50800" dist="38100" dir="2700000" algn="tl" rotWithShape="0">
+                    <a:prstClr val="black">
+                      <a:alpha val="40000"/>
+                    </a:prstClr>
+                  </a:outerShdw>
+                </a:effectLst>
+                <a:latin typeface="Arial Rounded MT Bold" panose="020F0704030504030204" pitchFamily="34" charset="0"/>
+              </a:rPr>
+              <a:t>Modi</a:t>
+            </a:r>
+            <a:endParaRPr lang="en-IN" sz="9600" dirty="0">
+              <a:solidFill>
+                <a:schemeClr val="bg1"/>
+              </a:solidFill>
+              <a:effectLst>
+                <a:outerShdw blurRad="50800" dist="38100" dir="2700000" algn="tl" rotWithShape="0">
+                  <a:prstClr val="black">
+                    <a:alpha val="40000"/>
+                  </a:prstClr>
+                </a:outerShdw>
+              </a:effectLst>
+              <a:latin typeface="Arial Rounded MT Bold" panose="020F0704030504030204" pitchFamily="34" charset="0"/>
+            </a:endParaRPr>
+          </a:p>
+        </p:txBody>
+      </p:sp>
+    </p:spTree>
+    <p:extLst>
+      <p:ext uri="{BB962C8B-B14F-4D97-AF65-F5344CB8AC3E}">
+        <p14:creationId xmlns:p14="http://schemas.microsoft.com/office/powerpoint/2010/main" val="2516581496"/>
+      </p:ext>
+    </p:extLst>
+  </p:cSld>
+  <p:clrMapOvr>
+    <a:masterClrMapping/>
+  </p:clrMapOvr>
+  <p:timing>
+    <p:tnLst>
+      <p:par>
+        <p:cTn id="1" dur="indefinite" restart="never" nodeType="tmRoot"/>
+      </p:par>
+    </p:tnLst>
+  </p:timing>
+</p:sld>
+</file>
+
+<file path=ppt/slides/slide12.xml><?xml version="1.0" encoding="utf-8"?>
+<p:sld xmlns:a="http://schemas.openxmlformats.org/drawingml/2006/main" xmlns:r="http://schemas.openxmlformats.org/officeDocument/2006/relationships" xmlns:p="http://schemas.openxmlformats.org/presentationml/2006/main">
+  <p:cSld>
+    <p:spTree>
+      <p:nvGrpSpPr>
+        <p:cNvPr id="1" name=""/>
+        <p:cNvGrpSpPr/>
+        <p:nvPr/>
+      </p:nvGrpSpPr>
+      <p:grpSpPr>
+        <a:xfrm>
+          <a:off x="0" y="0"/>
+          <a:ext cx="0" cy="0"/>
+          <a:chOff x="0" y="0"/>
+          <a:chExt cx="0" cy="0"/>
+        </a:xfrm>
+      </p:grpSpPr>
+    </p:spTree>
+    <p:extLst>
+      <p:ext uri="{BB962C8B-B14F-4D97-AF65-F5344CB8AC3E}">
+        <p14:creationId xmlns:p14="http://schemas.microsoft.com/office/powerpoint/2010/main" val="2985002888"/>
       </p:ext>
     </p:extLst>
   </p:cSld>
@@ -9755,8 +13240,98 @@
         </p:blipFill>
         <p:spPr>
           <a:xfrm>
-            <a:off x="4508431" y="858388"/>
+            <a:off x="312948" y="777706"/>
             <a:ext cx="3126083" cy="4105499"/>
+          </a:xfrm>
+          <a:prstGeom prst="rect">
+            <a:avLst/>
+          </a:prstGeom>
+        </p:spPr>
+      </p:pic>
+      <p:sp>
+        <p:nvSpPr>
+          <p:cNvPr id="3" name="Rounded Rectangle 2"/>
+          <p:cNvSpPr/>
+          <p:nvPr/>
+        </p:nvSpPr>
+        <p:spPr>
+          <a:xfrm>
+            <a:off x="4464424" y="443753"/>
+            <a:ext cx="4437529" cy="4424082"/>
+          </a:xfrm>
+          <a:prstGeom prst="roundRect">
+            <a:avLst/>
+          </a:prstGeom>
+          <a:pattFill prst="wdDnDiag">
+            <a:fgClr>
+              <a:schemeClr val="bg1"/>
+            </a:fgClr>
+            <a:bgClr>
+              <a:schemeClr val="accent2">
+                <a:lumMod val="75000"/>
+              </a:schemeClr>
+            </a:bgClr>
+          </a:pattFill>
+          <a:ln>
+            <a:noFill/>
+          </a:ln>
+          <a:effectLst>
+            <a:outerShdw dist="88900" dir="2760000" algn="tl" rotWithShape="0">
+              <a:prstClr val="black">
+                <a:alpha val="40000"/>
+              </a:prstClr>
+            </a:outerShdw>
+          </a:effectLst>
+        </p:spPr>
+        <p:style>
+          <a:lnRef idx="2">
+            <a:schemeClr val="accent1">
+              <a:shade val="50000"/>
+            </a:schemeClr>
+          </a:lnRef>
+          <a:fillRef idx="1">
+            <a:schemeClr val="accent1"/>
+          </a:fillRef>
+          <a:effectRef idx="0">
+            <a:schemeClr val="accent1"/>
+          </a:effectRef>
+          <a:fontRef idx="minor">
+            <a:schemeClr val="lt1"/>
+          </a:fontRef>
+        </p:style>
+        <p:txBody>
+          <a:bodyPr rtlCol="0" anchor="ctr"/>
+          <a:lstStyle/>
+          <a:p>
+            <a:pPr algn="ctr"/>
+            <a:endParaRPr lang="en-IN"/>
+          </a:p>
+        </p:txBody>
+      </p:sp>
+      <p:pic>
+        <p:nvPicPr>
+          <p:cNvPr id="2" name="Picture 1"/>
+          <p:cNvPicPr>
+            <a:picLocks noChangeAspect="1"/>
+          </p:cNvPicPr>
+          <p:nvPr/>
+        </p:nvPicPr>
+        <p:blipFill>
+          <a:blip r:embed="rId4">
+            <a:extLst>
+              <a:ext uri="{28A0092B-C50C-407E-A947-70E740481C1C}">
+                <a14:useLocalDpi xmlns:a14="http://schemas.microsoft.com/office/drawing/2010/main" val="0"/>
+              </a:ext>
+            </a:extLst>
+          </a:blip>
+          <a:stretch>
+            <a:fillRect/>
+          </a:stretch>
+        </p:blipFill>
+        <p:spPr>
+          <a:xfrm>
+            <a:off x="5147702" y="629529"/>
+            <a:ext cx="3149134" cy="4135773"/>
           </a:xfrm>
           <a:prstGeom prst="rect">
             <a:avLst/>

--- a/Assets/Modi Flappy Bird.pptx
+++ b/Assets/Modi Flappy Bird.pptx
@@ -16,7 +16,9 @@
     <p:sldId id="263" r:id="rId10"/>
     <p:sldId id="265" r:id="rId11"/>
     <p:sldId id="266" r:id="rId12"/>
-    <p:sldId id="267" r:id="rId13"/>
+    <p:sldId id="269" r:id="rId13"/>
+    <p:sldId id="267" r:id="rId14"/>
+    <p:sldId id="268" r:id="rId15"/>
   </p:sldIdLst>
   <p:sldSz cx="12192000" cy="6858000"/>
   <p:notesSz cx="6858000" cy="9144000"/>
@@ -265,7 +267,7 @@
           <a:p>
             <a:fld id="{5EDA0A71-86D3-4786-A507-7E9C05790A64}" type="datetimeFigureOut">
               <a:rPr lang="en-IN" smtClean="0"/>
-              <a:t>22-02-2015</a:t>
+              <a:t>26-02-2015</a:t>
             </a:fld>
             <a:endParaRPr lang="en-IN"/>
           </a:p>
@@ -435,7 +437,7 @@
           <a:p>
             <a:fld id="{5EDA0A71-86D3-4786-A507-7E9C05790A64}" type="datetimeFigureOut">
               <a:rPr lang="en-IN" smtClean="0"/>
-              <a:t>22-02-2015</a:t>
+              <a:t>26-02-2015</a:t>
             </a:fld>
             <a:endParaRPr lang="en-IN"/>
           </a:p>
@@ -615,7 +617,7 @@
           <a:p>
             <a:fld id="{5EDA0A71-86D3-4786-A507-7E9C05790A64}" type="datetimeFigureOut">
               <a:rPr lang="en-IN" smtClean="0"/>
-              <a:t>22-02-2015</a:t>
+              <a:t>26-02-2015</a:t>
             </a:fld>
             <a:endParaRPr lang="en-IN"/>
           </a:p>
@@ -785,7 +787,7 @@
           <a:p>
             <a:fld id="{5EDA0A71-86D3-4786-A507-7E9C05790A64}" type="datetimeFigureOut">
               <a:rPr lang="en-IN" smtClean="0"/>
-              <a:t>22-02-2015</a:t>
+              <a:t>26-02-2015</a:t>
             </a:fld>
             <a:endParaRPr lang="en-IN"/>
           </a:p>
@@ -1031,7 +1033,7 @@
           <a:p>
             <a:fld id="{5EDA0A71-86D3-4786-A507-7E9C05790A64}" type="datetimeFigureOut">
               <a:rPr lang="en-IN" smtClean="0"/>
-              <a:t>22-02-2015</a:t>
+              <a:t>26-02-2015</a:t>
             </a:fld>
             <a:endParaRPr lang="en-IN"/>
           </a:p>
@@ -1263,7 +1265,7 @@
           <a:p>
             <a:fld id="{5EDA0A71-86D3-4786-A507-7E9C05790A64}" type="datetimeFigureOut">
               <a:rPr lang="en-IN" smtClean="0"/>
-              <a:t>22-02-2015</a:t>
+              <a:t>26-02-2015</a:t>
             </a:fld>
             <a:endParaRPr lang="en-IN"/>
           </a:p>
@@ -1630,7 +1632,7 @@
           <a:p>
             <a:fld id="{5EDA0A71-86D3-4786-A507-7E9C05790A64}" type="datetimeFigureOut">
               <a:rPr lang="en-IN" smtClean="0"/>
-              <a:t>22-02-2015</a:t>
+              <a:t>26-02-2015</a:t>
             </a:fld>
             <a:endParaRPr lang="en-IN"/>
           </a:p>
@@ -1748,7 +1750,7 @@
           <a:p>
             <a:fld id="{5EDA0A71-86D3-4786-A507-7E9C05790A64}" type="datetimeFigureOut">
               <a:rPr lang="en-IN" smtClean="0"/>
-              <a:t>22-02-2015</a:t>
+              <a:t>26-02-2015</a:t>
             </a:fld>
             <a:endParaRPr lang="en-IN"/>
           </a:p>
@@ -1843,7 +1845,7 @@
           <a:p>
             <a:fld id="{5EDA0A71-86D3-4786-A507-7E9C05790A64}" type="datetimeFigureOut">
               <a:rPr lang="en-IN" smtClean="0"/>
-              <a:t>22-02-2015</a:t>
+              <a:t>26-02-2015</a:t>
             </a:fld>
             <a:endParaRPr lang="en-IN"/>
           </a:p>
@@ -2120,7 +2122,7 @@
           <a:p>
             <a:fld id="{5EDA0A71-86D3-4786-A507-7E9C05790A64}" type="datetimeFigureOut">
               <a:rPr lang="en-IN" smtClean="0"/>
-              <a:t>22-02-2015</a:t>
+              <a:t>26-02-2015</a:t>
             </a:fld>
             <a:endParaRPr lang="en-IN"/>
           </a:p>
@@ -2373,7 +2375,7 @@
           <a:p>
             <a:fld id="{5EDA0A71-86D3-4786-A507-7E9C05790A64}" type="datetimeFigureOut">
               <a:rPr lang="en-IN" smtClean="0"/>
-              <a:t>22-02-2015</a:t>
+              <a:t>26-02-2015</a:t>
             </a:fld>
             <a:endParaRPr lang="en-IN"/>
           </a:p>
@@ -2586,7 +2588,7 @@
           <a:p>
             <a:fld id="{5EDA0A71-86D3-4786-A507-7E9C05790A64}" type="datetimeFigureOut">
               <a:rPr lang="en-IN" smtClean="0"/>
-              <a:t>22-02-2015</a:t>
+              <a:t>26-02-2015</a:t>
             </a:fld>
             <a:endParaRPr lang="en-IN"/>
           </a:p>
@@ -6519,10 +6521,3094 @@
           <a:chExt cx="0" cy="0"/>
         </a:xfrm>
       </p:grpSpPr>
+      <p:grpSp>
+        <p:nvGrpSpPr>
+          <p:cNvPr id="28" name="Group 27"/>
+          <p:cNvGrpSpPr/>
+          <p:nvPr/>
+        </p:nvGrpSpPr>
+        <p:grpSpPr>
+          <a:xfrm>
+            <a:off x="1759945" y="2758294"/>
+            <a:ext cx="10265462" cy="2131604"/>
+            <a:chOff x="1759945" y="2758294"/>
+            <a:chExt cx="10265462" cy="2131604"/>
+          </a:xfrm>
+        </p:grpSpPr>
+        <p:sp>
+          <p:nvSpPr>
+            <p:cNvPr id="5" name="Rectangle 4"/>
+            <p:cNvSpPr/>
+            <p:nvPr/>
+          </p:nvSpPr>
+          <p:spPr>
+            <a:xfrm>
+              <a:off x="7842083" y="3504141"/>
+              <a:ext cx="1583085" cy="1380900"/>
+            </a:xfrm>
+            <a:prstGeom prst="rect">
+              <a:avLst/>
+            </a:prstGeom>
+            <a:solidFill>
+              <a:srgbClr val="138808"/>
+            </a:solidFill>
+            <a:ln>
+              <a:noFill/>
+            </a:ln>
+            <a:effectLst/>
+          </p:spPr>
+          <p:style>
+            <a:lnRef idx="2">
+              <a:schemeClr val="accent1">
+                <a:shade val="50000"/>
+              </a:schemeClr>
+            </a:lnRef>
+            <a:fillRef idx="1">
+              <a:schemeClr val="accent1"/>
+            </a:fillRef>
+            <a:effectRef idx="0">
+              <a:schemeClr val="accent1"/>
+            </a:effectRef>
+            <a:fontRef idx="minor">
+              <a:schemeClr val="lt1"/>
+            </a:fontRef>
+          </p:style>
+          <p:txBody>
+            <a:bodyPr rtlCol="0" anchor="ctr"/>
+            <a:lstStyle/>
+            <a:p>
+              <a:pPr algn="ctr"/>
+              <a:endParaRPr lang="en-IN"/>
+            </a:p>
+          </p:txBody>
+        </p:sp>
+        <p:sp>
+          <p:nvSpPr>
+            <p:cNvPr id="6" name="Rectangle 5"/>
+            <p:cNvSpPr/>
+            <p:nvPr/>
+          </p:nvSpPr>
+          <p:spPr>
+            <a:xfrm>
+              <a:off x="4556939" y="4027956"/>
+              <a:ext cx="900905" cy="860461"/>
+            </a:xfrm>
+            <a:prstGeom prst="rect">
+              <a:avLst/>
+            </a:prstGeom>
+            <a:solidFill>
+              <a:srgbClr val="138808"/>
+            </a:solidFill>
+            <a:ln>
+              <a:noFill/>
+            </a:ln>
+            <a:effectLst/>
+          </p:spPr>
+          <p:style>
+            <a:lnRef idx="2">
+              <a:schemeClr val="accent1">
+                <a:shade val="50000"/>
+              </a:schemeClr>
+            </a:lnRef>
+            <a:fillRef idx="1">
+              <a:schemeClr val="accent1"/>
+            </a:fillRef>
+            <a:effectRef idx="0">
+              <a:schemeClr val="accent1"/>
+            </a:effectRef>
+            <a:fontRef idx="minor">
+              <a:schemeClr val="lt1"/>
+            </a:fontRef>
+          </p:style>
+          <p:txBody>
+            <a:bodyPr rtlCol="0" anchor="ctr"/>
+            <a:lstStyle/>
+            <a:p>
+              <a:pPr algn="ctr"/>
+              <a:endParaRPr lang="en-IN"/>
+            </a:p>
+          </p:txBody>
+        </p:sp>
+        <p:sp>
+          <p:nvSpPr>
+            <p:cNvPr id="7" name="Rectangle 6"/>
+            <p:cNvSpPr/>
+            <p:nvPr/>
+          </p:nvSpPr>
+          <p:spPr>
+            <a:xfrm>
+              <a:off x="5654057" y="3663198"/>
+              <a:ext cx="686152" cy="1211784"/>
+            </a:xfrm>
+            <a:prstGeom prst="rect">
+              <a:avLst/>
+            </a:prstGeom>
+            <a:solidFill>
+              <a:srgbClr val="138808"/>
+            </a:solidFill>
+            <a:ln>
+              <a:noFill/>
+            </a:ln>
+            <a:effectLst/>
+          </p:spPr>
+          <p:style>
+            <a:lnRef idx="2">
+              <a:schemeClr val="accent1">
+                <a:shade val="50000"/>
+              </a:schemeClr>
+            </a:lnRef>
+            <a:fillRef idx="1">
+              <a:schemeClr val="accent1"/>
+            </a:fillRef>
+            <a:effectRef idx="0">
+              <a:schemeClr val="accent1"/>
+            </a:effectRef>
+            <a:fontRef idx="minor">
+              <a:schemeClr val="lt1"/>
+            </a:fontRef>
+          </p:style>
+          <p:txBody>
+            <a:bodyPr rtlCol="0" anchor="ctr"/>
+            <a:lstStyle/>
+            <a:p>
+              <a:pPr algn="ctr"/>
+              <a:endParaRPr lang="en-IN"/>
+            </a:p>
+          </p:txBody>
+        </p:sp>
+        <p:grpSp>
+          <p:nvGrpSpPr>
+            <p:cNvPr id="8" name="Group 7"/>
+            <p:cNvGrpSpPr/>
+            <p:nvPr/>
+          </p:nvGrpSpPr>
+          <p:grpSpPr>
+            <a:xfrm>
+              <a:off x="3456262" y="3382892"/>
+              <a:ext cx="965161" cy="1507006"/>
+              <a:chOff x="1056000" y="1944000"/>
+              <a:chExt cx="720000" cy="2965129"/>
+            </a:xfrm>
+            <a:solidFill>
+              <a:srgbClr val="138808"/>
+            </a:solidFill>
+            <a:effectLst/>
+          </p:grpSpPr>
+          <p:sp>
+            <p:nvSpPr>
+              <p:cNvPr id="26" name="Rectangle 25"/>
+              <p:cNvSpPr/>
+              <p:nvPr/>
+            </p:nvSpPr>
+            <p:spPr>
+              <a:xfrm>
+                <a:off x="1056000" y="2529000"/>
+                <a:ext cx="720000" cy="2380129"/>
+              </a:xfrm>
+              <a:prstGeom prst="rect">
+                <a:avLst/>
+              </a:prstGeom>
+              <a:grpFill/>
+              <a:ln>
+                <a:noFill/>
+              </a:ln>
+            </p:spPr>
+            <p:style>
+              <a:lnRef idx="2">
+                <a:schemeClr val="accent1">
+                  <a:shade val="50000"/>
+                </a:schemeClr>
+              </a:lnRef>
+              <a:fillRef idx="1">
+                <a:schemeClr val="accent1"/>
+              </a:fillRef>
+              <a:effectRef idx="0">
+                <a:schemeClr val="accent1"/>
+              </a:effectRef>
+              <a:fontRef idx="minor">
+                <a:schemeClr val="lt1"/>
+              </a:fontRef>
+            </p:style>
+            <p:txBody>
+              <a:bodyPr rtlCol="0" anchor="ctr"/>
+              <a:lstStyle/>
+              <a:p>
+                <a:pPr algn="ctr"/>
+                <a:endParaRPr lang="en-IN"/>
+              </a:p>
+            </p:txBody>
+          </p:sp>
+          <p:sp>
+            <p:nvSpPr>
+              <p:cNvPr id="27" name="Isosceles Triangle 26"/>
+              <p:cNvSpPr/>
+              <p:nvPr/>
+            </p:nvSpPr>
+            <p:spPr>
+              <a:xfrm>
+                <a:off x="1056000" y="1944000"/>
+                <a:ext cx="720000" cy="596153"/>
+              </a:xfrm>
+              <a:prstGeom prst="triangle">
+                <a:avLst/>
+              </a:prstGeom>
+              <a:grpFill/>
+              <a:ln>
+                <a:noFill/>
+              </a:ln>
+            </p:spPr>
+            <p:style>
+              <a:lnRef idx="2">
+                <a:schemeClr val="accent1">
+                  <a:shade val="50000"/>
+                </a:schemeClr>
+              </a:lnRef>
+              <a:fillRef idx="1">
+                <a:schemeClr val="accent1"/>
+              </a:fillRef>
+              <a:effectRef idx="0">
+                <a:schemeClr val="accent1"/>
+              </a:effectRef>
+              <a:fontRef idx="minor">
+                <a:schemeClr val="lt1"/>
+              </a:fontRef>
+            </p:style>
+            <p:txBody>
+              <a:bodyPr rtlCol="0" anchor="ctr"/>
+              <a:lstStyle/>
+              <a:p>
+                <a:pPr algn="ctr"/>
+                <a:endParaRPr lang="en-IN"/>
+              </a:p>
+            </p:txBody>
+          </p:sp>
+        </p:grpSp>
+        <p:grpSp>
+          <p:nvGrpSpPr>
+            <p:cNvPr id="9" name="Group 8"/>
+            <p:cNvGrpSpPr/>
+            <p:nvPr/>
+          </p:nvGrpSpPr>
+          <p:grpSpPr>
+            <a:xfrm>
+              <a:off x="2592393" y="3534387"/>
+              <a:ext cx="720000" cy="1350975"/>
+              <a:chOff x="8975701" y="1618958"/>
+              <a:chExt cx="720000" cy="3241483"/>
+            </a:xfrm>
+            <a:solidFill>
+              <a:srgbClr val="138808"/>
+            </a:solidFill>
+            <a:effectLst/>
+          </p:grpSpPr>
+          <p:sp>
+            <p:nvSpPr>
+              <p:cNvPr id="24" name="Rectangle 23"/>
+              <p:cNvSpPr/>
+              <p:nvPr/>
+            </p:nvSpPr>
+            <p:spPr>
+              <a:xfrm>
+                <a:off x="8975701" y="1618958"/>
+                <a:ext cx="720000" cy="3241483"/>
+              </a:xfrm>
+              <a:prstGeom prst="rect">
+                <a:avLst/>
+              </a:prstGeom>
+              <a:grpFill/>
+              <a:ln>
+                <a:noFill/>
+              </a:ln>
+            </p:spPr>
+            <p:style>
+              <a:lnRef idx="2">
+                <a:schemeClr val="accent1">
+                  <a:shade val="50000"/>
+                </a:schemeClr>
+              </a:lnRef>
+              <a:fillRef idx="1">
+                <a:schemeClr val="accent1"/>
+              </a:fillRef>
+              <a:effectRef idx="0">
+                <a:schemeClr val="accent1"/>
+              </a:effectRef>
+              <a:fontRef idx="minor">
+                <a:schemeClr val="lt1"/>
+              </a:fontRef>
+            </p:style>
+            <p:txBody>
+              <a:bodyPr rtlCol="0" anchor="ctr"/>
+              <a:lstStyle/>
+              <a:p>
+                <a:pPr algn="ctr"/>
+                <a:endParaRPr lang="en-IN"/>
+              </a:p>
+            </p:txBody>
+          </p:sp>
+          <p:sp>
+            <p:nvSpPr>
+              <p:cNvPr id="25" name="Trapezoid 24"/>
+              <p:cNvSpPr/>
+              <p:nvPr/>
+            </p:nvSpPr>
+            <p:spPr>
+              <a:xfrm>
+                <a:off x="9178746" y="1941989"/>
+                <a:ext cx="239877" cy="168807"/>
+              </a:xfrm>
+              <a:prstGeom prst="trapezoid">
+                <a:avLst>
+                  <a:gd name="adj" fmla="val 95532"/>
+                </a:avLst>
+              </a:prstGeom>
+              <a:grpFill/>
+              <a:ln>
+                <a:noFill/>
+              </a:ln>
+            </p:spPr>
+            <p:style>
+              <a:lnRef idx="2">
+                <a:schemeClr val="accent1">
+                  <a:shade val="50000"/>
+                </a:schemeClr>
+              </a:lnRef>
+              <a:fillRef idx="1">
+                <a:schemeClr val="accent1"/>
+              </a:fillRef>
+              <a:effectRef idx="0">
+                <a:schemeClr val="accent1"/>
+              </a:effectRef>
+              <a:fontRef idx="minor">
+                <a:schemeClr val="lt1"/>
+              </a:fontRef>
+            </p:style>
+            <p:txBody>
+              <a:bodyPr rtlCol="0" anchor="ctr"/>
+              <a:lstStyle/>
+              <a:p>
+                <a:pPr algn="ctr"/>
+                <a:endParaRPr lang="en-IN"/>
+              </a:p>
+            </p:txBody>
+          </p:sp>
+        </p:grpSp>
+        <p:grpSp>
+          <p:nvGrpSpPr>
+            <p:cNvPr id="10" name="Group 9"/>
+            <p:cNvGrpSpPr/>
+            <p:nvPr/>
+          </p:nvGrpSpPr>
+          <p:grpSpPr>
+            <a:xfrm>
+              <a:off x="9606000" y="2758294"/>
+              <a:ext cx="1215000" cy="2126747"/>
+              <a:chOff x="2496000" y="583509"/>
+              <a:chExt cx="720000" cy="4303914"/>
+            </a:xfrm>
+            <a:solidFill>
+              <a:srgbClr val="138808"/>
+            </a:solidFill>
+            <a:effectLst/>
+          </p:grpSpPr>
+          <p:sp>
+            <p:nvSpPr>
+              <p:cNvPr id="21" name="Rectangle 20"/>
+              <p:cNvSpPr/>
+              <p:nvPr/>
+            </p:nvSpPr>
+            <p:spPr>
+              <a:xfrm>
+                <a:off x="2496000" y="1269000"/>
+                <a:ext cx="720000" cy="3618423"/>
+              </a:xfrm>
+              <a:prstGeom prst="rect">
+                <a:avLst/>
+              </a:prstGeom>
+              <a:grpFill/>
+              <a:ln>
+                <a:noFill/>
+              </a:ln>
+            </p:spPr>
+            <p:style>
+              <a:lnRef idx="2">
+                <a:schemeClr val="accent1">
+                  <a:shade val="50000"/>
+                </a:schemeClr>
+              </a:lnRef>
+              <a:fillRef idx="1">
+                <a:schemeClr val="accent1"/>
+              </a:fillRef>
+              <a:effectRef idx="0">
+                <a:schemeClr val="accent1"/>
+              </a:effectRef>
+              <a:fontRef idx="minor">
+                <a:schemeClr val="lt1"/>
+              </a:fontRef>
+            </p:style>
+            <p:txBody>
+              <a:bodyPr rtlCol="0" anchor="ctr"/>
+              <a:lstStyle/>
+              <a:p>
+                <a:pPr algn="ctr"/>
+                <a:endParaRPr lang="en-IN"/>
+              </a:p>
+            </p:txBody>
+          </p:sp>
+          <p:sp>
+            <p:nvSpPr>
+              <p:cNvPr id="22" name="Rectangle 21"/>
+              <p:cNvSpPr/>
+              <p:nvPr/>
+            </p:nvSpPr>
+            <p:spPr>
+              <a:xfrm flipV="1">
+                <a:off x="2631000" y="583509"/>
+                <a:ext cx="27093" cy="792891"/>
+              </a:xfrm>
+              <a:prstGeom prst="rect">
+                <a:avLst/>
+              </a:prstGeom>
+              <a:grpFill/>
+              <a:ln>
+                <a:noFill/>
+              </a:ln>
+            </p:spPr>
+            <p:style>
+              <a:lnRef idx="2">
+                <a:schemeClr val="accent1">
+                  <a:shade val="50000"/>
+                </a:schemeClr>
+              </a:lnRef>
+              <a:fillRef idx="1">
+                <a:schemeClr val="accent1"/>
+              </a:fillRef>
+              <a:effectRef idx="0">
+                <a:schemeClr val="accent1"/>
+              </a:effectRef>
+              <a:fontRef idx="minor">
+                <a:schemeClr val="lt1"/>
+              </a:fontRef>
+            </p:style>
+            <p:txBody>
+              <a:bodyPr rtlCol="0" anchor="ctr"/>
+              <a:lstStyle/>
+              <a:p>
+                <a:pPr algn="ctr"/>
+                <a:endParaRPr lang="en-IN"/>
+              </a:p>
+            </p:txBody>
+          </p:sp>
+        </p:grpSp>
+        <p:grpSp>
+          <p:nvGrpSpPr>
+            <p:cNvPr id="11" name="Group 10"/>
+            <p:cNvGrpSpPr/>
+            <p:nvPr/>
+          </p:nvGrpSpPr>
+          <p:grpSpPr>
+            <a:xfrm>
+              <a:off x="6502600" y="3167610"/>
+              <a:ext cx="1032791" cy="1717431"/>
+              <a:chOff x="7953456" y="595842"/>
+              <a:chExt cx="720000" cy="4248708"/>
+            </a:xfrm>
+            <a:solidFill>
+              <a:srgbClr val="138808"/>
+            </a:solidFill>
+            <a:effectLst/>
+          </p:grpSpPr>
+          <p:sp>
+            <p:nvSpPr>
+              <p:cNvPr id="19" name="Rectangle 18"/>
+              <p:cNvSpPr/>
+              <p:nvPr/>
+            </p:nvSpPr>
+            <p:spPr>
+              <a:xfrm>
+                <a:off x="7953456" y="878091"/>
+                <a:ext cx="720000" cy="3966459"/>
+              </a:xfrm>
+              <a:prstGeom prst="rect">
+                <a:avLst/>
+              </a:prstGeom>
+              <a:grpFill/>
+              <a:ln>
+                <a:noFill/>
+              </a:ln>
+            </p:spPr>
+            <p:style>
+              <a:lnRef idx="2">
+                <a:schemeClr val="accent1">
+                  <a:shade val="50000"/>
+                </a:schemeClr>
+              </a:lnRef>
+              <a:fillRef idx="1">
+                <a:schemeClr val="accent1"/>
+              </a:fillRef>
+              <a:effectRef idx="0">
+                <a:schemeClr val="accent1"/>
+              </a:effectRef>
+              <a:fontRef idx="minor">
+                <a:schemeClr val="lt1"/>
+              </a:fontRef>
+            </p:style>
+            <p:txBody>
+              <a:bodyPr rtlCol="0" anchor="ctr"/>
+              <a:lstStyle/>
+              <a:p>
+                <a:pPr algn="ctr"/>
+                <a:endParaRPr lang="en-IN"/>
+              </a:p>
+            </p:txBody>
+          </p:sp>
+          <p:sp>
+            <p:nvSpPr>
+              <p:cNvPr id="20" name="Rectangle 43"/>
+              <p:cNvSpPr/>
+              <p:nvPr/>
+            </p:nvSpPr>
+            <p:spPr>
+              <a:xfrm>
+                <a:off x="7953456" y="595842"/>
+                <a:ext cx="706824" cy="314301"/>
+              </a:xfrm>
+              <a:prstGeom prst="rtTriangle">
+                <a:avLst/>
+              </a:prstGeom>
+              <a:grpFill/>
+              <a:ln>
+                <a:noFill/>
+              </a:ln>
+            </p:spPr>
+            <p:style>
+              <a:lnRef idx="2">
+                <a:schemeClr val="accent1">
+                  <a:shade val="50000"/>
+                </a:schemeClr>
+              </a:lnRef>
+              <a:fillRef idx="1">
+                <a:schemeClr val="accent1"/>
+              </a:fillRef>
+              <a:effectRef idx="0">
+                <a:schemeClr val="accent1"/>
+              </a:effectRef>
+              <a:fontRef idx="minor">
+                <a:schemeClr val="lt1"/>
+              </a:fontRef>
+            </p:style>
+            <p:txBody>
+              <a:bodyPr rtlCol="0" anchor="ctr"/>
+              <a:lstStyle/>
+              <a:p>
+                <a:pPr algn="ctr"/>
+                <a:endParaRPr lang="en-IN"/>
+              </a:p>
+            </p:txBody>
+          </p:sp>
+        </p:grpSp>
+        <p:grpSp>
+          <p:nvGrpSpPr>
+            <p:cNvPr id="12" name="Group 11"/>
+            <p:cNvGrpSpPr/>
+            <p:nvPr/>
+          </p:nvGrpSpPr>
+          <p:grpSpPr>
+            <a:xfrm>
+              <a:off x="10992616" y="3373378"/>
+              <a:ext cx="1032791" cy="1513211"/>
+              <a:chOff x="7959750" y="564500"/>
+              <a:chExt cx="720000" cy="4275333"/>
+            </a:xfrm>
+            <a:solidFill>
+              <a:srgbClr val="138808"/>
+            </a:solidFill>
+            <a:effectLst/>
+          </p:grpSpPr>
+          <p:sp>
+            <p:nvSpPr>
+              <p:cNvPr id="17" name="Rectangle 16"/>
+              <p:cNvSpPr/>
+              <p:nvPr/>
+            </p:nvSpPr>
+            <p:spPr>
+              <a:xfrm>
+                <a:off x="7959750" y="873372"/>
+                <a:ext cx="720000" cy="3966461"/>
+              </a:xfrm>
+              <a:prstGeom prst="rect">
+                <a:avLst/>
+              </a:prstGeom>
+              <a:grpFill/>
+              <a:ln>
+                <a:noFill/>
+              </a:ln>
+            </p:spPr>
+            <p:style>
+              <a:lnRef idx="2">
+                <a:schemeClr val="accent1">
+                  <a:shade val="50000"/>
+                </a:schemeClr>
+              </a:lnRef>
+              <a:fillRef idx="1">
+                <a:schemeClr val="accent1"/>
+              </a:fillRef>
+              <a:effectRef idx="0">
+                <a:schemeClr val="accent1"/>
+              </a:effectRef>
+              <a:fontRef idx="minor">
+                <a:schemeClr val="lt1"/>
+              </a:fontRef>
+            </p:style>
+            <p:txBody>
+              <a:bodyPr rtlCol="0" anchor="ctr"/>
+              <a:lstStyle/>
+              <a:p>
+                <a:pPr algn="ctr"/>
+                <a:endParaRPr lang="en-IN"/>
+              </a:p>
+            </p:txBody>
+          </p:sp>
+          <p:sp>
+            <p:nvSpPr>
+              <p:cNvPr id="18" name="Rectangle 43"/>
+              <p:cNvSpPr/>
+              <p:nvPr/>
+            </p:nvSpPr>
+            <p:spPr>
+              <a:xfrm>
+                <a:off x="7959750" y="564500"/>
+                <a:ext cx="710300" cy="314299"/>
+              </a:xfrm>
+              <a:prstGeom prst="rtTriangle">
+                <a:avLst/>
+              </a:prstGeom>
+              <a:grpFill/>
+              <a:ln>
+                <a:noFill/>
+              </a:ln>
+            </p:spPr>
+            <p:style>
+              <a:lnRef idx="2">
+                <a:schemeClr val="accent1">
+                  <a:shade val="50000"/>
+                </a:schemeClr>
+              </a:lnRef>
+              <a:fillRef idx="1">
+                <a:schemeClr val="accent1"/>
+              </a:fillRef>
+              <a:effectRef idx="0">
+                <a:schemeClr val="accent1"/>
+              </a:effectRef>
+              <a:fontRef idx="minor">
+                <a:schemeClr val="lt1"/>
+              </a:fontRef>
+            </p:style>
+            <p:txBody>
+              <a:bodyPr rtlCol="0" anchor="ctr"/>
+              <a:lstStyle/>
+              <a:p>
+                <a:pPr algn="ctr"/>
+                <a:endParaRPr lang="en-IN"/>
+              </a:p>
+            </p:txBody>
+          </p:sp>
+        </p:grpSp>
+        <p:grpSp>
+          <p:nvGrpSpPr>
+            <p:cNvPr id="13" name="Group 12"/>
+            <p:cNvGrpSpPr/>
+            <p:nvPr/>
+          </p:nvGrpSpPr>
+          <p:grpSpPr>
+            <a:xfrm>
+              <a:off x="1759945" y="3879193"/>
+              <a:ext cx="720000" cy="995789"/>
+              <a:chOff x="9895543" y="1369899"/>
+              <a:chExt cx="720000" cy="995789"/>
+            </a:xfrm>
+            <a:solidFill>
+              <a:srgbClr val="138808"/>
+            </a:solidFill>
+          </p:grpSpPr>
+          <p:sp>
+            <p:nvSpPr>
+              <p:cNvPr id="14" name="Trapezoid 13"/>
+              <p:cNvSpPr/>
+              <p:nvPr/>
+            </p:nvSpPr>
+            <p:spPr>
+              <a:xfrm>
+                <a:off x="9895543" y="1548363"/>
+                <a:ext cx="720000" cy="206562"/>
+              </a:xfrm>
+              <a:prstGeom prst="trapezoid">
+                <a:avLst>
+                  <a:gd name="adj" fmla="val 95532"/>
+                </a:avLst>
+              </a:prstGeom>
+              <a:grpFill/>
+              <a:ln>
+                <a:noFill/>
+              </a:ln>
+            </p:spPr>
+            <p:style>
+              <a:lnRef idx="2">
+                <a:schemeClr val="accent1">
+                  <a:shade val="50000"/>
+                </a:schemeClr>
+              </a:lnRef>
+              <a:fillRef idx="1">
+                <a:schemeClr val="accent1"/>
+              </a:fillRef>
+              <a:effectRef idx="0">
+                <a:schemeClr val="accent1"/>
+              </a:effectRef>
+              <a:fontRef idx="minor">
+                <a:schemeClr val="lt1"/>
+              </a:fontRef>
+            </p:style>
+            <p:txBody>
+              <a:bodyPr rtlCol="0" anchor="ctr"/>
+              <a:lstStyle/>
+              <a:p>
+                <a:pPr algn="r"/>
+                <a:endParaRPr lang="en-IN"/>
+              </a:p>
+            </p:txBody>
+          </p:sp>
+          <p:sp>
+            <p:nvSpPr>
+              <p:cNvPr id="15" name="Rectangle 14"/>
+              <p:cNvSpPr/>
+              <p:nvPr/>
+            </p:nvSpPr>
+            <p:spPr>
+              <a:xfrm>
+                <a:off x="9895543" y="1754925"/>
+                <a:ext cx="720000" cy="610763"/>
+              </a:xfrm>
+              <a:prstGeom prst="rect">
+                <a:avLst/>
+              </a:prstGeom>
+              <a:grpFill/>
+              <a:ln>
+                <a:noFill/>
+              </a:ln>
+            </p:spPr>
+            <p:style>
+              <a:lnRef idx="2">
+                <a:schemeClr val="accent1">
+                  <a:shade val="50000"/>
+                </a:schemeClr>
+              </a:lnRef>
+              <a:fillRef idx="1">
+                <a:schemeClr val="accent1"/>
+              </a:fillRef>
+              <a:effectRef idx="0">
+                <a:schemeClr val="accent1"/>
+              </a:effectRef>
+              <a:fontRef idx="minor">
+                <a:schemeClr val="lt1"/>
+              </a:fontRef>
+            </p:style>
+            <p:txBody>
+              <a:bodyPr rtlCol="0" anchor="ctr"/>
+              <a:lstStyle/>
+              <a:p>
+                <a:pPr algn="r"/>
+                <a:endParaRPr lang="en-IN"/>
+              </a:p>
+            </p:txBody>
+          </p:sp>
+          <p:sp>
+            <p:nvSpPr>
+              <p:cNvPr id="16" name="Trapezoid 15"/>
+              <p:cNvSpPr/>
+              <p:nvPr/>
+            </p:nvSpPr>
+            <p:spPr>
+              <a:xfrm>
+                <a:off x="10135604" y="1369899"/>
+                <a:ext cx="239877" cy="206562"/>
+              </a:xfrm>
+              <a:prstGeom prst="trapezoid">
+                <a:avLst>
+                  <a:gd name="adj" fmla="val 95532"/>
+                </a:avLst>
+              </a:prstGeom>
+              <a:grpFill/>
+              <a:ln>
+                <a:noFill/>
+              </a:ln>
+            </p:spPr>
+            <p:style>
+              <a:lnRef idx="2">
+                <a:schemeClr val="accent1">
+                  <a:shade val="50000"/>
+                </a:schemeClr>
+              </a:lnRef>
+              <a:fillRef idx="1">
+                <a:schemeClr val="accent1"/>
+              </a:fillRef>
+              <a:effectRef idx="0">
+                <a:schemeClr val="accent1"/>
+              </a:effectRef>
+              <a:fontRef idx="minor">
+                <a:schemeClr val="lt1"/>
+              </a:fontRef>
+            </p:style>
+            <p:txBody>
+              <a:bodyPr rtlCol="0" anchor="ctr"/>
+              <a:lstStyle/>
+              <a:p>
+                <a:pPr algn="r"/>
+                <a:endParaRPr lang="en-IN"/>
+              </a:p>
+            </p:txBody>
+          </p:sp>
+        </p:grpSp>
+      </p:grpSp>
+    </p:spTree>
+    <p:extLst>
+      <p:ext uri="{BB962C8B-B14F-4D97-AF65-F5344CB8AC3E}">
+        <p14:creationId xmlns:p14="http://schemas.microsoft.com/office/powerpoint/2010/main" val="1168244640"/>
+      </p:ext>
+    </p:extLst>
+  </p:cSld>
+  <p:clrMapOvr>
+    <a:masterClrMapping/>
+  </p:clrMapOvr>
+  <p:timing>
+    <p:tnLst>
+      <p:par>
+        <p:cTn id="1" dur="indefinite" restart="never" nodeType="tmRoot"/>
+      </p:par>
+    </p:tnLst>
+  </p:timing>
+</p:sld>
+</file>
+
+<file path=ppt/slides/slide13.xml><?xml version="1.0" encoding="utf-8"?>
+<p:sld xmlns:a="http://schemas.openxmlformats.org/drawingml/2006/main" xmlns:r="http://schemas.openxmlformats.org/officeDocument/2006/relationships" xmlns:p="http://schemas.openxmlformats.org/presentationml/2006/main">
+  <p:cSld>
+    <p:spTree>
+      <p:nvGrpSpPr>
+        <p:cNvPr id="1" name=""/>
+        <p:cNvGrpSpPr/>
+        <p:nvPr/>
+      </p:nvGrpSpPr>
+      <p:grpSpPr>
+        <a:xfrm>
+          <a:off x="0" y="0"/>
+          <a:ext cx="0" cy="0"/>
+          <a:chOff x="0" y="0"/>
+          <a:chExt cx="0" cy="0"/>
+        </a:xfrm>
+      </p:grpSpPr>
+      <p:grpSp>
+        <p:nvGrpSpPr>
+          <p:cNvPr id="39" name="Group 38"/>
+          <p:cNvGrpSpPr/>
+          <p:nvPr/>
+        </p:nvGrpSpPr>
+        <p:grpSpPr>
+          <a:xfrm>
+            <a:off x="1811416" y="347037"/>
+            <a:ext cx="9732950" cy="4551197"/>
+            <a:chOff x="1811416" y="347037"/>
+            <a:chExt cx="9732950" cy="4551197"/>
+          </a:xfrm>
+        </p:grpSpPr>
+        <p:sp>
+          <p:nvSpPr>
+            <p:cNvPr id="3" name="Rectangle 2"/>
+            <p:cNvSpPr/>
+            <p:nvPr/>
+          </p:nvSpPr>
+          <p:spPr>
+            <a:xfrm>
+              <a:off x="8526000" y="2302822"/>
+              <a:ext cx="720000" cy="2594329"/>
+            </a:xfrm>
+            <a:prstGeom prst="rect">
+              <a:avLst/>
+            </a:prstGeom>
+            <a:solidFill>
+              <a:srgbClr val="FF9933"/>
+            </a:solidFill>
+            <a:ln>
+              <a:noFill/>
+            </a:ln>
+          </p:spPr>
+          <p:style>
+            <a:lnRef idx="2">
+              <a:schemeClr val="accent1">
+                <a:shade val="50000"/>
+              </a:schemeClr>
+            </a:lnRef>
+            <a:fillRef idx="1">
+              <a:schemeClr val="accent1"/>
+            </a:fillRef>
+            <a:effectRef idx="0">
+              <a:schemeClr val="accent1"/>
+            </a:effectRef>
+            <a:fontRef idx="minor">
+              <a:schemeClr val="lt1"/>
+            </a:fontRef>
+          </p:style>
+          <p:txBody>
+            <a:bodyPr rtlCol="0" anchor="ctr"/>
+            <a:lstStyle/>
+            <a:p>
+              <a:pPr algn="r"/>
+              <a:endParaRPr lang="en-IN"/>
+            </a:p>
+          </p:txBody>
+        </p:sp>
+        <p:grpSp>
+          <p:nvGrpSpPr>
+            <p:cNvPr id="4" name="Group 3"/>
+            <p:cNvGrpSpPr/>
+            <p:nvPr/>
+          </p:nvGrpSpPr>
+          <p:grpSpPr>
+            <a:xfrm>
+              <a:off x="9442754" y="1199591"/>
+              <a:ext cx="1184858" cy="3697560"/>
+              <a:chOff x="3936000" y="2446334"/>
+              <a:chExt cx="1080000" cy="2422666"/>
+            </a:xfrm>
+          </p:grpSpPr>
+          <p:sp>
+            <p:nvSpPr>
+              <p:cNvPr id="37" name="Rectangle 36"/>
+              <p:cNvSpPr/>
+              <p:nvPr/>
+            </p:nvSpPr>
+            <p:spPr>
+              <a:xfrm>
+                <a:off x="3936000" y="2979000"/>
+                <a:ext cx="1080000" cy="1890000"/>
+              </a:xfrm>
+              <a:prstGeom prst="rect">
+                <a:avLst/>
+              </a:prstGeom>
+              <a:solidFill>
+                <a:srgbClr val="FF9933"/>
+              </a:solidFill>
+              <a:ln>
+                <a:noFill/>
+              </a:ln>
+            </p:spPr>
+            <p:style>
+              <a:lnRef idx="2">
+                <a:schemeClr val="accent1">
+                  <a:shade val="50000"/>
+                </a:schemeClr>
+              </a:lnRef>
+              <a:fillRef idx="1">
+                <a:schemeClr val="accent1"/>
+              </a:fillRef>
+              <a:effectRef idx="0">
+                <a:schemeClr val="accent1"/>
+              </a:effectRef>
+              <a:fontRef idx="minor">
+                <a:schemeClr val="lt1"/>
+              </a:fontRef>
+            </p:style>
+            <p:txBody>
+              <a:bodyPr rtlCol="0" anchor="ctr"/>
+              <a:lstStyle/>
+              <a:p>
+                <a:pPr algn="r"/>
+                <a:endParaRPr lang="en-IN"/>
+              </a:p>
+            </p:txBody>
+          </p:sp>
+          <p:sp>
+            <p:nvSpPr>
+              <p:cNvPr id="38" name="Isosceles Triangle 37"/>
+              <p:cNvSpPr/>
+              <p:nvPr/>
+            </p:nvSpPr>
+            <p:spPr>
+              <a:xfrm>
+                <a:off x="4074829" y="2446334"/>
+                <a:ext cx="802342" cy="545475"/>
+              </a:xfrm>
+              <a:prstGeom prst="triangle">
+                <a:avLst/>
+              </a:prstGeom>
+              <a:solidFill>
+                <a:srgbClr val="FF9933"/>
+              </a:solidFill>
+              <a:ln>
+                <a:noFill/>
+              </a:ln>
+            </p:spPr>
+            <p:style>
+              <a:lnRef idx="2">
+                <a:schemeClr val="accent1">
+                  <a:shade val="50000"/>
+                </a:schemeClr>
+              </a:lnRef>
+              <a:fillRef idx="1">
+                <a:schemeClr val="accent1"/>
+              </a:fillRef>
+              <a:effectRef idx="0">
+                <a:schemeClr val="accent1"/>
+              </a:effectRef>
+              <a:fontRef idx="minor">
+                <a:schemeClr val="lt1"/>
+              </a:fontRef>
+            </p:style>
+            <p:txBody>
+              <a:bodyPr rtlCol="0" anchor="ctr"/>
+              <a:lstStyle/>
+              <a:p>
+                <a:pPr algn="r"/>
+                <a:endParaRPr lang="en-IN"/>
+              </a:p>
+            </p:txBody>
+          </p:sp>
+        </p:grpSp>
+        <p:grpSp>
+          <p:nvGrpSpPr>
+            <p:cNvPr id="5" name="Group 4"/>
+            <p:cNvGrpSpPr/>
+            <p:nvPr/>
+          </p:nvGrpSpPr>
+          <p:grpSpPr>
+            <a:xfrm>
+              <a:off x="4358584" y="569766"/>
+              <a:ext cx="1215000" cy="4303914"/>
+              <a:chOff x="2496000" y="583509"/>
+              <a:chExt cx="720000" cy="4303914"/>
+            </a:xfrm>
+          </p:grpSpPr>
+          <p:sp>
+            <p:nvSpPr>
+              <p:cNvPr id="35" name="Rectangle 34"/>
+              <p:cNvSpPr/>
+              <p:nvPr/>
+            </p:nvSpPr>
+            <p:spPr>
+              <a:xfrm>
+                <a:off x="2496000" y="1269000"/>
+                <a:ext cx="720000" cy="3618423"/>
+              </a:xfrm>
+              <a:prstGeom prst="rect">
+                <a:avLst/>
+              </a:prstGeom>
+              <a:solidFill>
+                <a:srgbClr val="FF9933"/>
+              </a:solidFill>
+              <a:ln>
+                <a:noFill/>
+              </a:ln>
+            </p:spPr>
+            <p:style>
+              <a:lnRef idx="2">
+                <a:schemeClr val="accent1">
+                  <a:shade val="50000"/>
+                </a:schemeClr>
+              </a:lnRef>
+              <a:fillRef idx="1">
+                <a:schemeClr val="accent1"/>
+              </a:fillRef>
+              <a:effectRef idx="0">
+                <a:schemeClr val="accent1"/>
+              </a:effectRef>
+              <a:fontRef idx="minor">
+                <a:schemeClr val="lt1"/>
+              </a:fontRef>
+            </p:style>
+            <p:txBody>
+              <a:bodyPr rtlCol="0" anchor="ctr"/>
+              <a:lstStyle/>
+              <a:p>
+                <a:pPr algn="r"/>
+                <a:endParaRPr lang="en-IN"/>
+              </a:p>
+            </p:txBody>
+          </p:sp>
+          <p:sp>
+            <p:nvSpPr>
+              <p:cNvPr id="36" name="Rectangle 35"/>
+              <p:cNvSpPr/>
+              <p:nvPr/>
+            </p:nvSpPr>
+            <p:spPr>
+              <a:xfrm flipV="1">
+                <a:off x="2631000" y="583509"/>
+                <a:ext cx="27093" cy="792891"/>
+              </a:xfrm>
+              <a:prstGeom prst="rect">
+                <a:avLst/>
+              </a:prstGeom>
+              <a:solidFill>
+                <a:srgbClr val="FF9933"/>
+              </a:solidFill>
+              <a:ln>
+                <a:noFill/>
+              </a:ln>
+            </p:spPr>
+            <p:style>
+              <a:lnRef idx="2">
+                <a:schemeClr val="accent1">
+                  <a:shade val="50000"/>
+                </a:schemeClr>
+              </a:lnRef>
+              <a:fillRef idx="1">
+                <a:schemeClr val="accent1"/>
+              </a:fillRef>
+              <a:effectRef idx="0">
+                <a:schemeClr val="accent1"/>
+              </a:effectRef>
+              <a:fontRef idx="minor">
+                <a:schemeClr val="lt1"/>
+              </a:fontRef>
+            </p:style>
+            <p:txBody>
+              <a:bodyPr rtlCol="0" anchor="ctr"/>
+              <a:lstStyle/>
+              <a:p>
+                <a:pPr algn="r"/>
+                <a:endParaRPr lang="en-IN"/>
+              </a:p>
+            </p:txBody>
+          </p:sp>
+        </p:grpSp>
+        <p:grpSp>
+          <p:nvGrpSpPr>
+            <p:cNvPr id="6" name="Group 5"/>
+            <p:cNvGrpSpPr/>
+            <p:nvPr/>
+          </p:nvGrpSpPr>
+          <p:grpSpPr>
+            <a:xfrm>
+              <a:off x="3496091" y="1548551"/>
+              <a:ext cx="720000" cy="3325129"/>
+              <a:chOff x="1056000" y="1584000"/>
+              <a:chExt cx="720000" cy="3325129"/>
+            </a:xfrm>
+          </p:grpSpPr>
+          <p:sp>
+            <p:nvSpPr>
+              <p:cNvPr id="32" name="Rectangle 31"/>
+              <p:cNvSpPr/>
+              <p:nvPr/>
+            </p:nvSpPr>
+            <p:spPr>
+              <a:xfrm>
+                <a:off x="1056000" y="2529000"/>
+                <a:ext cx="720000" cy="2380129"/>
+              </a:xfrm>
+              <a:prstGeom prst="rect">
+                <a:avLst/>
+              </a:prstGeom>
+              <a:solidFill>
+                <a:srgbClr val="FF9933"/>
+              </a:solidFill>
+              <a:ln>
+                <a:noFill/>
+              </a:ln>
+            </p:spPr>
+            <p:style>
+              <a:lnRef idx="2">
+                <a:schemeClr val="accent1">
+                  <a:shade val="50000"/>
+                </a:schemeClr>
+              </a:lnRef>
+              <a:fillRef idx="1">
+                <a:schemeClr val="accent1"/>
+              </a:fillRef>
+              <a:effectRef idx="0">
+                <a:schemeClr val="accent1"/>
+              </a:effectRef>
+              <a:fontRef idx="minor">
+                <a:schemeClr val="lt1"/>
+              </a:fontRef>
+            </p:style>
+            <p:txBody>
+              <a:bodyPr rtlCol="0" anchor="ctr"/>
+              <a:lstStyle/>
+              <a:p>
+                <a:pPr algn="r"/>
+                <a:endParaRPr lang="en-IN"/>
+              </a:p>
+            </p:txBody>
+          </p:sp>
+          <p:sp>
+            <p:nvSpPr>
+              <p:cNvPr id="33" name="Isosceles Triangle 32"/>
+              <p:cNvSpPr/>
+              <p:nvPr/>
+            </p:nvSpPr>
+            <p:spPr>
+              <a:xfrm>
+                <a:off x="1056000" y="1944000"/>
+                <a:ext cx="720000" cy="596153"/>
+              </a:xfrm>
+              <a:prstGeom prst="triangle">
+                <a:avLst/>
+              </a:prstGeom>
+              <a:solidFill>
+                <a:srgbClr val="FF9933"/>
+              </a:solidFill>
+              <a:ln>
+                <a:noFill/>
+              </a:ln>
+            </p:spPr>
+            <p:style>
+              <a:lnRef idx="2">
+                <a:schemeClr val="accent1">
+                  <a:shade val="50000"/>
+                </a:schemeClr>
+              </a:lnRef>
+              <a:fillRef idx="1">
+                <a:schemeClr val="accent1"/>
+              </a:fillRef>
+              <a:effectRef idx="0">
+                <a:schemeClr val="accent1"/>
+              </a:effectRef>
+              <a:fontRef idx="minor">
+                <a:schemeClr val="lt1"/>
+              </a:fontRef>
+            </p:style>
+            <p:txBody>
+              <a:bodyPr rtlCol="0" anchor="ctr"/>
+              <a:lstStyle/>
+              <a:p>
+                <a:pPr algn="r"/>
+                <a:endParaRPr lang="en-IN"/>
+              </a:p>
+            </p:txBody>
+          </p:sp>
+          <p:sp>
+            <p:nvSpPr>
+              <p:cNvPr id="34" name="Rectangle 33"/>
+              <p:cNvSpPr/>
+              <p:nvPr/>
+            </p:nvSpPr>
+            <p:spPr>
+              <a:xfrm flipV="1">
+                <a:off x="1393500" y="1584000"/>
+                <a:ext cx="45720" cy="467400"/>
+              </a:xfrm>
+              <a:prstGeom prst="rect">
+                <a:avLst/>
+              </a:prstGeom>
+              <a:solidFill>
+                <a:srgbClr val="FF9933"/>
+              </a:solidFill>
+              <a:ln>
+                <a:noFill/>
+              </a:ln>
+            </p:spPr>
+            <p:style>
+              <a:lnRef idx="2">
+                <a:schemeClr val="accent1">
+                  <a:shade val="50000"/>
+                </a:schemeClr>
+              </a:lnRef>
+              <a:fillRef idx="1">
+                <a:schemeClr val="accent1"/>
+              </a:fillRef>
+              <a:effectRef idx="0">
+                <a:schemeClr val="accent1"/>
+              </a:effectRef>
+              <a:fontRef idx="minor">
+                <a:schemeClr val="lt1"/>
+              </a:fontRef>
+            </p:style>
+            <p:txBody>
+              <a:bodyPr rtlCol="0" anchor="ctr"/>
+              <a:lstStyle/>
+              <a:p>
+                <a:pPr algn="r"/>
+                <a:endParaRPr lang="en-IN"/>
+              </a:p>
+            </p:txBody>
+          </p:sp>
+        </p:grpSp>
+        <p:grpSp>
+          <p:nvGrpSpPr>
+            <p:cNvPr id="7" name="Group 6"/>
+            <p:cNvGrpSpPr/>
+            <p:nvPr/>
+          </p:nvGrpSpPr>
+          <p:grpSpPr>
+            <a:xfrm>
+              <a:off x="6610659" y="1642177"/>
+              <a:ext cx="720000" cy="3254974"/>
+              <a:chOff x="8975701" y="1618958"/>
+              <a:chExt cx="720000" cy="3241483"/>
+            </a:xfrm>
+          </p:grpSpPr>
+          <p:sp>
+            <p:nvSpPr>
+              <p:cNvPr id="30" name="Rectangle 29"/>
+              <p:cNvSpPr/>
+              <p:nvPr/>
+            </p:nvSpPr>
+            <p:spPr>
+              <a:xfrm>
+                <a:off x="8975701" y="1618958"/>
+                <a:ext cx="720000" cy="3241483"/>
+              </a:xfrm>
+              <a:prstGeom prst="rect">
+                <a:avLst/>
+              </a:prstGeom>
+              <a:solidFill>
+                <a:srgbClr val="FF9933"/>
+              </a:solidFill>
+              <a:ln>
+                <a:noFill/>
+              </a:ln>
+            </p:spPr>
+            <p:style>
+              <a:lnRef idx="2">
+                <a:schemeClr val="accent1">
+                  <a:shade val="50000"/>
+                </a:schemeClr>
+              </a:lnRef>
+              <a:fillRef idx="1">
+                <a:schemeClr val="accent1"/>
+              </a:fillRef>
+              <a:effectRef idx="0">
+                <a:schemeClr val="accent1"/>
+              </a:effectRef>
+              <a:fontRef idx="minor">
+                <a:schemeClr val="lt1"/>
+              </a:fontRef>
+            </p:style>
+            <p:txBody>
+              <a:bodyPr rtlCol="0" anchor="ctr"/>
+              <a:lstStyle/>
+              <a:p>
+                <a:pPr algn="r"/>
+                <a:endParaRPr lang="en-IN"/>
+              </a:p>
+            </p:txBody>
+          </p:sp>
+          <p:sp>
+            <p:nvSpPr>
+              <p:cNvPr id="31" name="Trapezoid 30"/>
+              <p:cNvSpPr/>
+              <p:nvPr/>
+            </p:nvSpPr>
+            <p:spPr>
+              <a:xfrm>
+                <a:off x="9178746" y="1941989"/>
+                <a:ext cx="239877" cy="168807"/>
+              </a:xfrm>
+              <a:prstGeom prst="trapezoid">
+                <a:avLst>
+                  <a:gd name="adj" fmla="val 95532"/>
+                </a:avLst>
+              </a:prstGeom>
+              <a:solidFill>
+                <a:srgbClr val="FF9933"/>
+              </a:solidFill>
+              <a:ln>
+                <a:noFill/>
+              </a:ln>
+            </p:spPr>
+            <p:style>
+              <a:lnRef idx="2">
+                <a:schemeClr val="accent1">
+                  <a:shade val="50000"/>
+                </a:schemeClr>
+              </a:lnRef>
+              <a:fillRef idx="1">
+                <a:schemeClr val="accent1"/>
+              </a:fillRef>
+              <a:effectRef idx="0">
+                <a:schemeClr val="accent1"/>
+              </a:effectRef>
+              <a:fontRef idx="minor">
+                <a:schemeClr val="lt1"/>
+              </a:fontRef>
+            </p:style>
+            <p:txBody>
+              <a:bodyPr rtlCol="0" anchor="ctr"/>
+              <a:lstStyle/>
+              <a:p>
+                <a:pPr algn="r"/>
+                <a:endParaRPr lang="en-IN"/>
+              </a:p>
+            </p:txBody>
+          </p:sp>
+        </p:grpSp>
+        <p:grpSp>
+          <p:nvGrpSpPr>
+            <p:cNvPr id="8" name="Group 7"/>
+            <p:cNvGrpSpPr/>
+            <p:nvPr/>
+          </p:nvGrpSpPr>
+          <p:grpSpPr>
+            <a:xfrm>
+              <a:off x="7405697" y="347037"/>
+              <a:ext cx="983631" cy="4538255"/>
+              <a:chOff x="7571082" y="1539001"/>
+              <a:chExt cx="720000" cy="4538255"/>
+            </a:xfrm>
+          </p:grpSpPr>
+          <p:sp>
+            <p:nvSpPr>
+              <p:cNvPr id="24" name="Trapezoid 23"/>
+              <p:cNvSpPr/>
+              <p:nvPr/>
+            </p:nvSpPr>
+            <p:spPr>
+              <a:xfrm>
+                <a:off x="7611122" y="2110796"/>
+                <a:ext cx="639918" cy="168807"/>
+              </a:xfrm>
+              <a:prstGeom prst="trapezoid">
+                <a:avLst>
+                  <a:gd name="adj" fmla="val 37696"/>
+                </a:avLst>
+              </a:prstGeom>
+              <a:solidFill>
+                <a:srgbClr val="FF9933"/>
+              </a:solidFill>
+              <a:ln>
+                <a:noFill/>
+              </a:ln>
+            </p:spPr>
+            <p:style>
+              <a:lnRef idx="2">
+                <a:schemeClr val="accent1">
+                  <a:shade val="50000"/>
+                </a:schemeClr>
+              </a:lnRef>
+              <a:fillRef idx="1">
+                <a:schemeClr val="accent1"/>
+              </a:fillRef>
+              <a:effectRef idx="0">
+                <a:schemeClr val="accent1"/>
+              </a:effectRef>
+              <a:fontRef idx="minor">
+                <a:schemeClr val="lt1"/>
+              </a:fontRef>
+            </p:style>
+            <p:txBody>
+              <a:bodyPr rtlCol="0" anchor="ctr"/>
+              <a:lstStyle/>
+              <a:p>
+                <a:pPr algn="r"/>
+                <a:endParaRPr lang="en-IN"/>
+              </a:p>
+            </p:txBody>
+          </p:sp>
+          <p:sp>
+            <p:nvSpPr>
+              <p:cNvPr id="25" name="Rectangle 24"/>
+              <p:cNvSpPr/>
+              <p:nvPr/>
+            </p:nvSpPr>
+            <p:spPr>
+              <a:xfrm>
+                <a:off x="7571082" y="2279603"/>
+                <a:ext cx="720000" cy="3797653"/>
+              </a:xfrm>
+              <a:prstGeom prst="rect">
+                <a:avLst/>
+              </a:prstGeom>
+              <a:solidFill>
+                <a:srgbClr val="FF9933"/>
+              </a:solidFill>
+              <a:ln>
+                <a:noFill/>
+              </a:ln>
+            </p:spPr>
+            <p:style>
+              <a:lnRef idx="2">
+                <a:schemeClr val="accent1">
+                  <a:shade val="50000"/>
+                </a:schemeClr>
+              </a:lnRef>
+              <a:fillRef idx="1">
+                <a:schemeClr val="accent1"/>
+              </a:fillRef>
+              <a:effectRef idx="0">
+                <a:schemeClr val="accent1"/>
+              </a:effectRef>
+              <a:fontRef idx="minor">
+                <a:schemeClr val="lt1"/>
+              </a:fontRef>
+            </p:style>
+            <p:txBody>
+              <a:bodyPr rtlCol="0" anchor="ctr"/>
+              <a:lstStyle/>
+              <a:p>
+                <a:pPr algn="r"/>
+                <a:endParaRPr lang="en-IN"/>
+              </a:p>
+            </p:txBody>
+          </p:sp>
+          <p:sp>
+            <p:nvSpPr>
+              <p:cNvPr id="26" name="Trapezoid 25"/>
+              <p:cNvSpPr/>
+              <p:nvPr/>
+            </p:nvSpPr>
+            <p:spPr>
+              <a:xfrm>
+                <a:off x="7740264" y="1941989"/>
+                <a:ext cx="380736" cy="168807"/>
+              </a:xfrm>
+              <a:prstGeom prst="trapezoid">
+                <a:avLst>
+                  <a:gd name="adj" fmla="val 32053"/>
+                </a:avLst>
+              </a:prstGeom>
+              <a:solidFill>
+                <a:srgbClr val="FF9933"/>
+              </a:solidFill>
+              <a:ln>
+                <a:noFill/>
+              </a:ln>
+            </p:spPr>
+            <p:style>
+              <a:lnRef idx="2">
+                <a:schemeClr val="accent1">
+                  <a:shade val="50000"/>
+                </a:schemeClr>
+              </a:lnRef>
+              <a:fillRef idx="1">
+                <a:schemeClr val="accent1"/>
+              </a:fillRef>
+              <a:effectRef idx="0">
+                <a:schemeClr val="accent1"/>
+              </a:effectRef>
+              <a:fontRef idx="minor">
+                <a:schemeClr val="lt1"/>
+              </a:fontRef>
+            </p:style>
+            <p:txBody>
+              <a:bodyPr rtlCol="0" anchor="ctr"/>
+              <a:lstStyle/>
+              <a:p>
+                <a:pPr algn="r"/>
+                <a:endParaRPr lang="en-IN"/>
+              </a:p>
+            </p:txBody>
+          </p:sp>
+          <p:sp>
+            <p:nvSpPr>
+              <p:cNvPr id="27" name="Trapezoid 26"/>
+              <p:cNvSpPr/>
+              <p:nvPr/>
+            </p:nvSpPr>
+            <p:spPr>
+              <a:xfrm>
+                <a:off x="7842638" y="1780007"/>
+                <a:ext cx="188362" cy="168807"/>
+              </a:xfrm>
+              <a:prstGeom prst="trapezoid">
+                <a:avLst>
+                  <a:gd name="adj" fmla="val 30642"/>
+                </a:avLst>
+              </a:prstGeom>
+              <a:solidFill>
+                <a:srgbClr val="FF9933"/>
+              </a:solidFill>
+              <a:ln>
+                <a:noFill/>
+              </a:ln>
+            </p:spPr>
+            <p:style>
+              <a:lnRef idx="2">
+                <a:schemeClr val="accent1">
+                  <a:shade val="50000"/>
+                </a:schemeClr>
+              </a:lnRef>
+              <a:fillRef idx="1">
+                <a:schemeClr val="accent1"/>
+              </a:fillRef>
+              <a:effectRef idx="0">
+                <a:schemeClr val="accent1"/>
+              </a:effectRef>
+              <a:fontRef idx="minor">
+                <a:schemeClr val="lt1"/>
+              </a:fontRef>
+            </p:style>
+            <p:txBody>
+              <a:bodyPr rtlCol="0" anchor="ctr"/>
+              <a:lstStyle/>
+              <a:p>
+                <a:pPr algn="r"/>
+                <a:endParaRPr lang="en-IN"/>
+              </a:p>
+            </p:txBody>
+          </p:sp>
+          <p:sp>
+            <p:nvSpPr>
+              <p:cNvPr id="28" name="Trapezoid 27"/>
+              <p:cNvSpPr/>
+              <p:nvPr/>
+            </p:nvSpPr>
+            <p:spPr>
+              <a:xfrm flipH="1">
+                <a:off x="7913959" y="1539001"/>
+                <a:ext cx="45719" cy="247832"/>
+              </a:xfrm>
+              <a:prstGeom prst="trapezoid">
+                <a:avLst>
+                  <a:gd name="adj" fmla="val 30642"/>
+                </a:avLst>
+              </a:prstGeom>
+              <a:solidFill>
+                <a:srgbClr val="FF9933"/>
+              </a:solidFill>
+              <a:ln>
+                <a:noFill/>
+              </a:ln>
+            </p:spPr>
+            <p:style>
+              <a:lnRef idx="2">
+                <a:schemeClr val="accent1">
+                  <a:shade val="50000"/>
+                </a:schemeClr>
+              </a:lnRef>
+              <a:fillRef idx="1">
+                <a:schemeClr val="accent1"/>
+              </a:fillRef>
+              <a:effectRef idx="0">
+                <a:schemeClr val="accent1"/>
+              </a:effectRef>
+              <a:fontRef idx="minor">
+                <a:schemeClr val="lt1"/>
+              </a:fontRef>
+            </p:style>
+            <p:txBody>
+              <a:bodyPr rtlCol="0" anchor="ctr"/>
+              <a:lstStyle/>
+              <a:p>
+                <a:pPr algn="r"/>
+                <a:endParaRPr lang="en-IN"/>
+              </a:p>
+            </p:txBody>
+          </p:sp>
+        </p:grpSp>
+        <p:grpSp>
+          <p:nvGrpSpPr>
+            <p:cNvPr id="9" name="Group 8"/>
+            <p:cNvGrpSpPr/>
+            <p:nvPr/>
+          </p:nvGrpSpPr>
+          <p:grpSpPr>
+            <a:xfrm>
+              <a:off x="5712664" y="1802969"/>
+              <a:ext cx="720000" cy="3082323"/>
+              <a:chOff x="8975701" y="1618958"/>
+              <a:chExt cx="720000" cy="3241483"/>
+            </a:xfrm>
+          </p:grpSpPr>
+          <p:sp>
+            <p:nvSpPr>
+              <p:cNvPr id="22" name="Rectangle 21"/>
+              <p:cNvSpPr/>
+              <p:nvPr/>
+            </p:nvSpPr>
+            <p:spPr>
+              <a:xfrm>
+                <a:off x="8975701" y="1618958"/>
+                <a:ext cx="720000" cy="3241483"/>
+              </a:xfrm>
+              <a:prstGeom prst="rect">
+                <a:avLst/>
+              </a:prstGeom>
+              <a:solidFill>
+                <a:srgbClr val="FF9933"/>
+              </a:solidFill>
+              <a:ln>
+                <a:noFill/>
+              </a:ln>
+            </p:spPr>
+            <p:style>
+              <a:lnRef idx="2">
+                <a:schemeClr val="accent1">
+                  <a:shade val="50000"/>
+                </a:schemeClr>
+              </a:lnRef>
+              <a:fillRef idx="1">
+                <a:schemeClr val="accent1"/>
+              </a:fillRef>
+              <a:effectRef idx="0">
+                <a:schemeClr val="accent1"/>
+              </a:effectRef>
+              <a:fontRef idx="minor">
+                <a:schemeClr val="lt1"/>
+              </a:fontRef>
+            </p:style>
+            <p:txBody>
+              <a:bodyPr rtlCol="0" anchor="ctr"/>
+              <a:lstStyle/>
+              <a:p>
+                <a:pPr algn="r"/>
+                <a:endParaRPr lang="en-IN"/>
+              </a:p>
+            </p:txBody>
+          </p:sp>
+          <p:sp>
+            <p:nvSpPr>
+              <p:cNvPr id="23" name="Trapezoid 22"/>
+              <p:cNvSpPr/>
+              <p:nvPr/>
+            </p:nvSpPr>
+            <p:spPr>
+              <a:xfrm>
+                <a:off x="9178746" y="1941989"/>
+                <a:ext cx="239877" cy="168807"/>
+              </a:xfrm>
+              <a:prstGeom prst="trapezoid">
+                <a:avLst>
+                  <a:gd name="adj" fmla="val 95532"/>
+                </a:avLst>
+              </a:prstGeom>
+              <a:solidFill>
+                <a:srgbClr val="FF9933"/>
+              </a:solidFill>
+              <a:ln>
+                <a:noFill/>
+              </a:ln>
+            </p:spPr>
+            <p:style>
+              <a:lnRef idx="2">
+                <a:schemeClr val="accent1">
+                  <a:shade val="50000"/>
+                </a:schemeClr>
+              </a:lnRef>
+              <a:fillRef idx="1">
+                <a:schemeClr val="accent1"/>
+              </a:fillRef>
+              <a:effectRef idx="0">
+                <a:schemeClr val="accent1"/>
+              </a:effectRef>
+              <a:fontRef idx="minor">
+                <a:schemeClr val="lt1"/>
+              </a:fontRef>
+            </p:style>
+            <p:txBody>
+              <a:bodyPr rtlCol="0" anchor="ctr"/>
+              <a:lstStyle/>
+              <a:p>
+                <a:pPr algn="r"/>
+                <a:endParaRPr lang="en-IN"/>
+              </a:p>
+            </p:txBody>
+          </p:sp>
+        </p:grpSp>
+        <p:grpSp>
+          <p:nvGrpSpPr>
+            <p:cNvPr id="10" name="Group 9"/>
+            <p:cNvGrpSpPr/>
+            <p:nvPr/>
+          </p:nvGrpSpPr>
+          <p:grpSpPr>
+            <a:xfrm>
+              <a:off x="2626821" y="1815911"/>
+              <a:ext cx="757016" cy="3082323"/>
+              <a:chOff x="8938685" y="1618958"/>
+              <a:chExt cx="757016" cy="3241483"/>
+            </a:xfrm>
+          </p:grpSpPr>
+          <p:sp>
+            <p:nvSpPr>
+              <p:cNvPr id="18" name="Trapezoid 17"/>
+              <p:cNvSpPr/>
+              <p:nvPr/>
+            </p:nvSpPr>
+            <p:spPr>
+              <a:xfrm>
+                <a:off x="8938685" y="2110796"/>
+                <a:ext cx="720000" cy="168807"/>
+              </a:xfrm>
+              <a:prstGeom prst="trapezoid">
+                <a:avLst>
+                  <a:gd name="adj" fmla="val 95532"/>
+                </a:avLst>
+              </a:prstGeom>
+              <a:solidFill>
+                <a:srgbClr val="FF9933"/>
+              </a:solidFill>
+              <a:ln>
+                <a:noFill/>
+              </a:ln>
+            </p:spPr>
+            <p:style>
+              <a:lnRef idx="2">
+                <a:schemeClr val="accent1">
+                  <a:shade val="50000"/>
+                </a:schemeClr>
+              </a:lnRef>
+              <a:fillRef idx="1">
+                <a:schemeClr val="accent1"/>
+              </a:fillRef>
+              <a:effectRef idx="0">
+                <a:schemeClr val="accent1"/>
+              </a:effectRef>
+              <a:fontRef idx="minor">
+                <a:schemeClr val="lt1"/>
+              </a:fontRef>
+            </p:style>
+            <p:txBody>
+              <a:bodyPr rtlCol="0" anchor="ctr"/>
+              <a:lstStyle/>
+              <a:p>
+                <a:pPr algn="r"/>
+                <a:endParaRPr lang="en-IN"/>
+              </a:p>
+            </p:txBody>
+          </p:sp>
+          <p:sp>
+            <p:nvSpPr>
+              <p:cNvPr id="19" name="Rectangle 18"/>
+              <p:cNvSpPr/>
+              <p:nvPr/>
+            </p:nvSpPr>
+            <p:spPr>
+              <a:xfrm>
+                <a:off x="8975701" y="1618958"/>
+                <a:ext cx="720000" cy="3241483"/>
+              </a:xfrm>
+              <a:prstGeom prst="rect">
+                <a:avLst/>
+              </a:prstGeom>
+              <a:solidFill>
+                <a:srgbClr val="FF9933"/>
+              </a:solidFill>
+              <a:ln>
+                <a:noFill/>
+              </a:ln>
+            </p:spPr>
+            <p:style>
+              <a:lnRef idx="2">
+                <a:schemeClr val="accent1">
+                  <a:shade val="50000"/>
+                </a:schemeClr>
+              </a:lnRef>
+              <a:fillRef idx="1">
+                <a:schemeClr val="accent1"/>
+              </a:fillRef>
+              <a:effectRef idx="0">
+                <a:schemeClr val="accent1"/>
+              </a:effectRef>
+              <a:fontRef idx="minor">
+                <a:schemeClr val="lt1"/>
+              </a:fontRef>
+            </p:style>
+            <p:txBody>
+              <a:bodyPr rtlCol="0" anchor="ctr"/>
+              <a:lstStyle/>
+              <a:p>
+                <a:pPr algn="r"/>
+                <a:endParaRPr lang="en-IN"/>
+              </a:p>
+            </p:txBody>
+          </p:sp>
+          <p:sp>
+            <p:nvSpPr>
+              <p:cNvPr id="20" name="Trapezoid 19"/>
+              <p:cNvSpPr/>
+              <p:nvPr/>
+            </p:nvSpPr>
+            <p:spPr>
+              <a:xfrm>
+                <a:off x="9178746" y="1941989"/>
+                <a:ext cx="239877" cy="168807"/>
+              </a:xfrm>
+              <a:prstGeom prst="trapezoid">
+                <a:avLst>
+                  <a:gd name="adj" fmla="val 95532"/>
+                </a:avLst>
+              </a:prstGeom>
+              <a:solidFill>
+                <a:srgbClr val="FF9933"/>
+              </a:solidFill>
+              <a:ln>
+                <a:noFill/>
+              </a:ln>
+            </p:spPr>
+            <p:style>
+              <a:lnRef idx="2">
+                <a:schemeClr val="accent1">
+                  <a:shade val="50000"/>
+                </a:schemeClr>
+              </a:lnRef>
+              <a:fillRef idx="1">
+                <a:schemeClr val="accent1"/>
+              </a:fillRef>
+              <a:effectRef idx="0">
+                <a:schemeClr val="accent1"/>
+              </a:effectRef>
+              <a:fontRef idx="minor">
+                <a:schemeClr val="lt1"/>
+              </a:fontRef>
+            </p:style>
+            <p:txBody>
+              <a:bodyPr rtlCol="0" anchor="ctr"/>
+              <a:lstStyle/>
+              <a:p>
+                <a:pPr algn="r"/>
+                <a:endParaRPr lang="en-IN"/>
+              </a:p>
+            </p:txBody>
+          </p:sp>
+        </p:grpSp>
+        <p:grpSp>
+          <p:nvGrpSpPr>
+            <p:cNvPr id="11" name="Group 10"/>
+            <p:cNvGrpSpPr/>
+            <p:nvPr/>
+          </p:nvGrpSpPr>
+          <p:grpSpPr>
+            <a:xfrm>
+              <a:off x="1811416" y="522194"/>
+              <a:ext cx="720000" cy="4351486"/>
+              <a:chOff x="9291000" y="747438"/>
+              <a:chExt cx="720000" cy="4351486"/>
+            </a:xfrm>
+          </p:grpSpPr>
+          <p:sp>
+            <p:nvSpPr>
+              <p:cNvPr id="15" name="Trapezoid 14"/>
+              <p:cNvSpPr/>
+              <p:nvPr/>
+            </p:nvSpPr>
+            <p:spPr>
+              <a:xfrm>
+                <a:off x="9291000" y="925902"/>
+                <a:ext cx="720000" cy="206562"/>
+              </a:xfrm>
+              <a:prstGeom prst="trapezoid">
+                <a:avLst>
+                  <a:gd name="adj" fmla="val 95532"/>
+                </a:avLst>
+              </a:prstGeom>
+              <a:solidFill>
+                <a:srgbClr val="FF9933"/>
+              </a:solidFill>
+              <a:ln>
+                <a:noFill/>
+              </a:ln>
+            </p:spPr>
+            <p:style>
+              <a:lnRef idx="2">
+                <a:schemeClr val="accent1">
+                  <a:shade val="50000"/>
+                </a:schemeClr>
+              </a:lnRef>
+              <a:fillRef idx="1">
+                <a:schemeClr val="accent1"/>
+              </a:fillRef>
+              <a:effectRef idx="0">
+                <a:schemeClr val="accent1"/>
+              </a:effectRef>
+              <a:fontRef idx="minor">
+                <a:schemeClr val="lt1"/>
+              </a:fontRef>
+            </p:style>
+            <p:txBody>
+              <a:bodyPr rtlCol="0" anchor="ctr"/>
+              <a:lstStyle/>
+              <a:p>
+                <a:pPr algn="r"/>
+                <a:endParaRPr lang="en-IN"/>
+              </a:p>
+            </p:txBody>
+          </p:sp>
+          <p:sp>
+            <p:nvSpPr>
+              <p:cNvPr id="16" name="Rectangle 15"/>
+              <p:cNvSpPr/>
+              <p:nvPr/>
+            </p:nvSpPr>
+            <p:spPr>
+              <a:xfrm>
+                <a:off x="9291000" y="1132464"/>
+                <a:ext cx="720000" cy="3966460"/>
+              </a:xfrm>
+              <a:prstGeom prst="rect">
+                <a:avLst/>
+              </a:prstGeom>
+              <a:solidFill>
+                <a:srgbClr val="FF9933"/>
+              </a:solidFill>
+              <a:ln>
+                <a:noFill/>
+              </a:ln>
+            </p:spPr>
+            <p:style>
+              <a:lnRef idx="2">
+                <a:schemeClr val="accent1">
+                  <a:shade val="50000"/>
+                </a:schemeClr>
+              </a:lnRef>
+              <a:fillRef idx="1">
+                <a:schemeClr val="accent1"/>
+              </a:fillRef>
+              <a:effectRef idx="0">
+                <a:schemeClr val="accent1"/>
+              </a:effectRef>
+              <a:fontRef idx="minor">
+                <a:schemeClr val="lt1"/>
+              </a:fontRef>
+            </p:style>
+            <p:txBody>
+              <a:bodyPr rtlCol="0" anchor="ctr"/>
+              <a:lstStyle/>
+              <a:p>
+                <a:pPr algn="r"/>
+                <a:endParaRPr lang="en-IN"/>
+              </a:p>
+            </p:txBody>
+          </p:sp>
+          <p:sp>
+            <p:nvSpPr>
+              <p:cNvPr id="17" name="Trapezoid 16"/>
+              <p:cNvSpPr/>
+              <p:nvPr/>
+            </p:nvSpPr>
+            <p:spPr>
+              <a:xfrm>
+                <a:off x="9531061" y="747438"/>
+                <a:ext cx="239877" cy="206562"/>
+              </a:xfrm>
+              <a:prstGeom prst="trapezoid">
+                <a:avLst>
+                  <a:gd name="adj" fmla="val 95532"/>
+                </a:avLst>
+              </a:prstGeom>
+              <a:solidFill>
+                <a:srgbClr val="FF9933"/>
+              </a:solidFill>
+              <a:ln>
+                <a:noFill/>
+              </a:ln>
+            </p:spPr>
+            <p:style>
+              <a:lnRef idx="2">
+                <a:schemeClr val="accent1">
+                  <a:shade val="50000"/>
+                </a:schemeClr>
+              </a:lnRef>
+              <a:fillRef idx="1">
+                <a:schemeClr val="accent1"/>
+              </a:fillRef>
+              <a:effectRef idx="0">
+                <a:schemeClr val="accent1"/>
+              </a:effectRef>
+              <a:fontRef idx="minor">
+                <a:schemeClr val="lt1"/>
+              </a:fontRef>
+            </p:style>
+            <p:txBody>
+              <a:bodyPr rtlCol="0" anchor="ctr"/>
+              <a:lstStyle/>
+              <a:p>
+                <a:pPr algn="r"/>
+                <a:endParaRPr lang="en-IN"/>
+              </a:p>
+            </p:txBody>
+          </p:sp>
+        </p:grpSp>
+        <p:grpSp>
+          <p:nvGrpSpPr>
+            <p:cNvPr id="12" name="Group 11"/>
+            <p:cNvGrpSpPr/>
+            <p:nvPr/>
+          </p:nvGrpSpPr>
+          <p:grpSpPr>
+            <a:xfrm>
+              <a:off x="10820228" y="629720"/>
+              <a:ext cx="724138" cy="4267431"/>
+              <a:chOff x="7983559" y="619992"/>
+              <a:chExt cx="724138" cy="4267431"/>
+            </a:xfrm>
+          </p:grpSpPr>
+          <p:sp>
+            <p:nvSpPr>
+              <p:cNvPr id="13" name="Rectangle 12"/>
+              <p:cNvSpPr/>
+              <p:nvPr/>
+            </p:nvSpPr>
+            <p:spPr>
+              <a:xfrm>
+                <a:off x="7987697" y="920963"/>
+                <a:ext cx="720000" cy="3966460"/>
+              </a:xfrm>
+              <a:prstGeom prst="rect">
+                <a:avLst/>
+              </a:prstGeom>
+              <a:solidFill>
+                <a:srgbClr val="FF9933"/>
+              </a:solidFill>
+              <a:ln>
+                <a:noFill/>
+              </a:ln>
+            </p:spPr>
+            <p:style>
+              <a:lnRef idx="2">
+                <a:schemeClr val="accent1">
+                  <a:shade val="50000"/>
+                </a:schemeClr>
+              </a:lnRef>
+              <a:fillRef idx="1">
+                <a:schemeClr val="accent1"/>
+              </a:fillRef>
+              <a:effectRef idx="0">
+                <a:schemeClr val="accent1"/>
+              </a:effectRef>
+              <a:fontRef idx="minor">
+                <a:schemeClr val="lt1"/>
+              </a:fontRef>
+            </p:style>
+            <p:txBody>
+              <a:bodyPr rtlCol="0" anchor="ctr"/>
+              <a:lstStyle/>
+              <a:p>
+                <a:pPr algn="r"/>
+                <a:endParaRPr lang="en-IN"/>
+              </a:p>
+            </p:txBody>
+          </p:sp>
+          <p:sp>
+            <p:nvSpPr>
+              <p:cNvPr id="14" name="Rectangle 43"/>
+              <p:cNvSpPr/>
+              <p:nvPr/>
+            </p:nvSpPr>
+            <p:spPr>
+              <a:xfrm>
+                <a:off x="7983559" y="619992"/>
+                <a:ext cx="710300" cy="314300"/>
+              </a:xfrm>
+              <a:prstGeom prst="rtTriangle">
+                <a:avLst/>
+              </a:prstGeom>
+              <a:solidFill>
+                <a:srgbClr val="FF9933"/>
+              </a:solidFill>
+              <a:ln>
+                <a:noFill/>
+              </a:ln>
+            </p:spPr>
+            <p:style>
+              <a:lnRef idx="2">
+                <a:schemeClr val="accent1">
+                  <a:shade val="50000"/>
+                </a:schemeClr>
+              </a:lnRef>
+              <a:fillRef idx="1">
+                <a:schemeClr val="accent1"/>
+              </a:fillRef>
+              <a:effectRef idx="0">
+                <a:schemeClr val="accent1"/>
+              </a:effectRef>
+              <a:fontRef idx="minor">
+                <a:schemeClr val="lt1"/>
+              </a:fontRef>
+            </p:style>
+            <p:txBody>
+              <a:bodyPr rtlCol="0" anchor="ctr"/>
+              <a:lstStyle/>
+              <a:p>
+                <a:pPr algn="r"/>
+                <a:endParaRPr lang="en-IN"/>
+              </a:p>
+            </p:txBody>
+          </p:sp>
+        </p:grpSp>
+      </p:grpSp>
     </p:spTree>
     <p:extLst>
       <p:ext uri="{BB962C8B-B14F-4D97-AF65-F5344CB8AC3E}">
         <p14:creationId xmlns:p14="http://schemas.microsoft.com/office/powerpoint/2010/main" val="2985002888"/>
+      </p:ext>
+    </p:extLst>
+  </p:cSld>
+  <p:clrMapOvr>
+    <a:masterClrMapping/>
+  </p:clrMapOvr>
+  <p:timing>
+    <p:tnLst>
+      <p:par>
+        <p:cTn id="1" dur="indefinite" restart="never" nodeType="tmRoot"/>
+      </p:par>
+    </p:tnLst>
+  </p:timing>
+</p:sld>
+</file>
+
+<file path=ppt/slides/slide14.xml><?xml version="1.0" encoding="utf-8"?>
+<p:sld xmlns:a="http://schemas.openxmlformats.org/drawingml/2006/main" xmlns:r="http://schemas.openxmlformats.org/officeDocument/2006/relationships" xmlns:p="http://schemas.openxmlformats.org/presentationml/2006/main">
+  <p:cSld>
+    <p:spTree>
+      <p:nvGrpSpPr>
+        <p:cNvPr id="1" name=""/>
+        <p:cNvGrpSpPr/>
+        <p:nvPr/>
+      </p:nvGrpSpPr>
+      <p:grpSpPr>
+        <a:xfrm>
+          <a:off x="0" y="0"/>
+          <a:ext cx="0" cy="0"/>
+          <a:chOff x="0" y="0"/>
+          <a:chExt cx="0" cy="0"/>
+        </a:xfrm>
+      </p:grpSpPr>
+      <p:grpSp>
+        <p:nvGrpSpPr>
+          <p:cNvPr id="27" name="Group 26"/>
+          <p:cNvGrpSpPr/>
+          <p:nvPr/>
+        </p:nvGrpSpPr>
+        <p:grpSpPr>
+          <a:xfrm>
+            <a:off x="1157748" y="1430526"/>
+            <a:ext cx="10878252" cy="3467260"/>
+            <a:chOff x="1157748" y="1430526"/>
+            <a:chExt cx="10878252" cy="3467260"/>
+          </a:xfrm>
+        </p:grpSpPr>
+        <p:sp>
+          <p:nvSpPr>
+            <p:cNvPr id="5" name="Rectangle 4"/>
+            <p:cNvSpPr/>
+            <p:nvPr/>
+          </p:nvSpPr>
+          <p:spPr>
+            <a:xfrm>
+              <a:off x="7556378" y="3091765"/>
+              <a:ext cx="3095322" cy="1779660"/>
+            </a:xfrm>
+            <a:prstGeom prst="rect">
+              <a:avLst/>
+            </a:prstGeom>
+            <a:solidFill>
+              <a:schemeClr val="bg2"/>
+            </a:solidFill>
+            <a:ln>
+              <a:noFill/>
+            </a:ln>
+            <a:effectLst/>
+          </p:spPr>
+          <p:style>
+            <a:lnRef idx="2">
+              <a:schemeClr val="accent1">
+                <a:shade val="50000"/>
+              </a:schemeClr>
+            </a:lnRef>
+            <a:fillRef idx="1">
+              <a:schemeClr val="accent1"/>
+            </a:fillRef>
+            <a:effectRef idx="0">
+              <a:schemeClr val="accent1"/>
+            </a:effectRef>
+            <a:fontRef idx="minor">
+              <a:schemeClr val="lt1"/>
+            </a:fontRef>
+          </p:style>
+          <p:txBody>
+            <a:bodyPr rtlCol="0" anchor="ctr"/>
+            <a:lstStyle/>
+            <a:p>
+              <a:pPr algn="ctr"/>
+              <a:endParaRPr lang="en-IN"/>
+            </a:p>
+          </p:txBody>
+        </p:sp>
+        <p:sp>
+          <p:nvSpPr>
+            <p:cNvPr id="6" name="Rectangle 5"/>
+            <p:cNvSpPr/>
+            <p:nvPr/>
+          </p:nvSpPr>
+          <p:spPr>
+            <a:xfrm>
+              <a:off x="4252714" y="3545526"/>
+              <a:ext cx="900905" cy="1323423"/>
+            </a:xfrm>
+            <a:prstGeom prst="rect">
+              <a:avLst/>
+            </a:prstGeom>
+            <a:solidFill>
+              <a:schemeClr val="bg2"/>
+            </a:solidFill>
+            <a:ln>
+              <a:noFill/>
+            </a:ln>
+            <a:effectLst/>
+          </p:spPr>
+          <p:style>
+            <a:lnRef idx="2">
+              <a:schemeClr val="accent1">
+                <a:shade val="50000"/>
+              </a:schemeClr>
+            </a:lnRef>
+            <a:fillRef idx="1">
+              <a:schemeClr val="accent1"/>
+            </a:fillRef>
+            <a:effectRef idx="0">
+              <a:schemeClr val="accent1"/>
+            </a:effectRef>
+            <a:fontRef idx="minor">
+              <a:schemeClr val="lt1"/>
+            </a:fontRef>
+          </p:style>
+          <p:txBody>
+            <a:bodyPr rtlCol="0" anchor="ctr"/>
+            <a:lstStyle/>
+            <a:p>
+              <a:pPr algn="ctr"/>
+              <a:endParaRPr lang="en-IN"/>
+            </a:p>
+          </p:txBody>
+        </p:sp>
+        <p:grpSp>
+          <p:nvGrpSpPr>
+            <p:cNvPr id="7" name="Group 6"/>
+            <p:cNvGrpSpPr/>
+            <p:nvPr/>
+          </p:nvGrpSpPr>
+          <p:grpSpPr>
+            <a:xfrm>
+              <a:off x="5251634" y="1430526"/>
+              <a:ext cx="686152" cy="3438423"/>
+              <a:chOff x="2496000" y="583509"/>
+              <a:chExt cx="720000" cy="4303914"/>
+            </a:xfrm>
+            <a:solidFill>
+              <a:schemeClr val="bg2"/>
+            </a:solidFill>
+            <a:effectLst/>
+          </p:grpSpPr>
+          <p:sp>
+            <p:nvSpPr>
+              <p:cNvPr id="25" name="Rectangle 24"/>
+              <p:cNvSpPr/>
+              <p:nvPr/>
+            </p:nvSpPr>
+            <p:spPr>
+              <a:xfrm>
+                <a:off x="2496000" y="1269000"/>
+                <a:ext cx="720000" cy="3618423"/>
+              </a:xfrm>
+              <a:prstGeom prst="rect">
+                <a:avLst/>
+              </a:prstGeom>
+              <a:grpFill/>
+              <a:ln>
+                <a:noFill/>
+              </a:ln>
+            </p:spPr>
+            <p:style>
+              <a:lnRef idx="2">
+                <a:schemeClr val="accent1">
+                  <a:shade val="50000"/>
+                </a:schemeClr>
+              </a:lnRef>
+              <a:fillRef idx="1">
+                <a:schemeClr val="accent1"/>
+              </a:fillRef>
+              <a:effectRef idx="0">
+                <a:schemeClr val="accent1"/>
+              </a:effectRef>
+              <a:fontRef idx="minor">
+                <a:schemeClr val="lt1"/>
+              </a:fontRef>
+            </p:style>
+            <p:txBody>
+              <a:bodyPr rtlCol="0" anchor="ctr"/>
+              <a:lstStyle/>
+              <a:p>
+                <a:pPr algn="ctr"/>
+                <a:endParaRPr lang="en-IN"/>
+              </a:p>
+            </p:txBody>
+          </p:sp>
+          <p:sp>
+            <p:nvSpPr>
+              <p:cNvPr id="26" name="Rectangle 25"/>
+              <p:cNvSpPr/>
+              <p:nvPr/>
+            </p:nvSpPr>
+            <p:spPr>
+              <a:xfrm flipV="1">
+                <a:off x="2631000" y="583509"/>
+                <a:ext cx="27093" cy="792891"/>
+              </a:xfrm>
+              <a:prstGeom prst="rect">
+                <a:avLst/>
+              </a:prstGeom>
+              <a:grpFill/>
+              <a:ln>
+                <a:noFill/>
+              </a:ln>
+            </p:spPr>
+            <p:style>
+              <a:lnRef idx="2">
+                <a:schemeClr val="accent1">
+                  <a:shade val="50000"/>
+                </a:schemeClr>
+              </a:lnRef>
+              <a:fillRef idx="1">
+                <a:schemeClr val="accent1"/>
+              </a:fillRef>
+              <a:effectRef idx="0">
+                <a:schemeClr val="accent1"/>
+              </a:effectRef>
+              <a:fontRef idx="minor">
+                <a:schemeClr val="lt1"/>
+              </a:fontRef>
+            </p:style>
+            <p:txBody>
+              <a:bodyPr rtlCol="0" anchor="ctr"/>
+              <a:lstStyle/>
+              <a:p>
+                <a:pPr algn="ctr"/>
+                <a:endParaRPr lang="en-IN"/>
+              </a:p>
+            </p:txBody>
+          </p:sp>
+        </p:grpSp>
+        <p:grpSp>
+          <p:nvGrpSpPr>
+            <p:cNvPr id="8" name="Group 7"/>
+            <p:cNvGrpSpPr/>
+            <p:nvPr/>
+          </p:nvGrpSpPr>
+          <p:grpSpPr>
+            <a:xfrm>
+              <a:off x="3202903" y="2298541"/>
+              <a:ext cx="965161" cy="2599245"/>
+              <a:chOff x="1056000" y="1584000"/>
+              <a:chExt cx="720000" cy="3325129"/>
+            </a:xfrm>
+            <a:solidFill>
+              <a:schemeClr val="bg2"/>
+            </a:solidFill>
+            <a:effectLst/>
+          </p:grpSpPr>
+          <p:sp>
+            <p:nvSpPr>
+              <p:cNvPr id="22" name="Rectangle 21"/>
+              <p:cNvSpPr/>
+              <p:nvPr/>
+            </p:nvSpPr>
+            <p:spPr>
+              <a:xfrm>
+                <a:off x="1056000" y="2529000"/>
+                <a:ext cx="720000" cy="2380129"/>
+              </a:xfrm>
+              <a:prstGeom prst="rect">
+                <a:avLst/>
+              </a:prstGeom>
+              <a:grpFill/>
+              <a:ln>
+                <a:noFill/>
+              </a:ln>
+            </p:spPr>
+            <p:style>
+              <a:lnRef idx="2">
+                <a:schemeClr val="accent1">
+                  <a:shade val="50000"/>
+                </a:schemeClr>
+              </a:lnRef>
+              <a:fillRef idx="1">
+                <a:schemeClr val="accent1"/>
+              </a:fillRef>
+              <a:effectRef idx="0">
+                <a:schemeClr val="accent1"/>
+              </a:effectRef>
+              <a:fontRef idx="minor">
+                <a:schemeClr val="lt1"/>
+              </a:fontRef>
+            </p:style>
+            <p:txBody>
+              <a:bodyPr rtlCol="0" anchor="ctr"/>
+              <a:lstStyle/>
+              <a:p>
+                <a:pPr algn="ctr"/>
+                <a:endParaRPr lang="en-IN" u="sng" dirty="0"/>
+              </a:p>
+            </p:txBody>
+          </p:sp>
+          <p:sp>
+            <p:nvSpPr>
+              <p:cNvPr id="23" name="Isosceles Triangle 22"/>
+              <p:cNvSpPr/>
+              <p:nvPr/>
+            </p:nvSpPr>
+            <p:spPr>
+              <a:xfrm>
+                <a:off x="1056000" y="1944000"/>
+                <a:ext cx="720000" cy="596153"/>
+              </a:xfrm>
+              <a:prstGeom prst="triangle">
+                <a:avLst/>
+              </a:prstGeom>
+              <a:grpFill/>
+              <a:ln>
+                <a:noFill/>
+              </a:ln>
+            </p:spPr>
+            <p:style>
+              <a:lnRef idx="2">
+                <a:schemeClr val="accent1">
+                  <a:shade val="50000"/>
+                </a:schemeClr>
+              </a:lnRef>
+              <a:fillRef idx="1">
+                <a:schemeClr val="accent1"/>
+              </a:fillRef>
+              <a:effectRef idx="0">
+                <a:schemeClr val="accent1"/>
+              </a:effectRef>
+              <a:fontRef idx="minor">
+                <a:schemeClr val="lt1"/>
+              </a:fontRef>
+            </p:style>
+            <p:txBody>
+              <a:bodyPr rtlCol="0" anchor="ctr"/>
+              <a:lstStyle/>
+              <a:p>
+                <a:pPr algn="ctr"/>
+                <a:endParaRPr lang="en-IN"/>
+              </a:p>
+            </p:txBody>
+          </p:sp>
+          <p:sp>
+            <p:nvSpPr>
+              <p:cNvPr id="24" name="Rectangle 23"/>
+              <p:cNvSpPr/>
+              <p:nvPr/>
+            </p:nvSpPr>
+            <p:spPr>
+              <a:xfrm flipV="1">
+                <a:off x="1393500" y="1584000"/>
+                <a:ext cx="45720" cy="467400"/>
+              </a:xfrm>
+              <a:prstGeom prst="rect">
+                <a:avLst/>
+              </a:prstGeom>
+              <a:grpFill/>
+              <a:ln>
+                <a:noFill/>
+              </a:ln>
+            </p:spPr>
+            <p:style>
+              <a:lnRef idx="2">
+                <a:schemeClr val="accent1">
+                  <a:shade val="50000"/>
+                </a:schemeClr>
+              </a:lnRef>
+              <a:fillRef idx="1">
+                <a:schemeClr val="accent1"/>
+              </a:fillRef>
+              <a:effectRef idx="0">
+                <a:schemeClr val="accent1"/>
+              </a:effectRef>
+              <a:fontRef idx="minor">
+                <a:schemeClr val="lt1"/>
+              </a:fontRef>
+            </p:style>
+            <p:txBody>
+              <a:bodyPr rtlCol="0" anchor="ctr"/>
+              <a:lstStyle/>
+              <a:p>
+                <a:pPr algn="ctr"/>
+                <a:endParaRPr lang="en-IN"/>
+              </a:p>
+            </p:txBody>
+          </p:sp>
+        </p:grpSp>
+        <p:grpSp>
+          <p:nvGrpSpPr>
+            <p:cNvPr id="9" name="Group 8"/>
+            <p:cNvGrpSpPr/>
+            <p:nvPr/>
+          </p:nvGrpSpPr>
+          <p:grpSpPr>
+            <a:xfrm>
+              <a:off x="6166806" y="1568612"/>
+              <a:ext cx="1184858" cy="3309661"/>
+              <a:chOff x="3936000" y="2446334"/>
+              <a:chExt cx="1080000" cy="2422666"/>
+            </a:xfrm>
+            <a:solidFill>
+              <a:schemeClr val="bg2"/>
+            </a:solidFill>
+            <a:effectLst/>
+          </p:grpSpPr>
+          <p:sp>
+            <p:nvSpPr>
+              <p:cNvPr id="20" name="Rectangle 19"/>
+              <p:cNvSpPr/>
+              <p:nvPr/>
+            </p:nvSpPr>
+            <p:spPr>
+              <a:xfrm>
+                <a:off x="3936000" y="2979000"/>
+                <a:ext cx="1080000" cy="1890000"/>
+              </a:xfrm>
+              <a:prstGeom prst="rect">
+                <a:avLst/>
+              </a:prstGeom>
+              <a:grpFill/>
+              <a:ln>
+                <a:noFill/>
+              </a:ln>
+            </p:spPr>
+            <p:style>
+              <a:lnRef idx="2">
+                <a:schemeClr val="accent1">
+                  <a:shade val="50000"/>
+                </a:schemeClr>
+              </a:lnRef>
+              <a:fillRef idx="1">
+                <a:schemeClr val="accent1"/>
+              </a:fillRef>
+              <a:effectRef idx="0">
+                <a:schemeClr val="accent1"/>
+              </a:effectRef>
+              <a:fontRef idx="minor">
+                <a:schemeClr val="lt1"/>
+              </a:fontRef>
+            </p:style>
+            <p:txBody>
+              <a:bodyPr rtlCol="0" anchor="ctr"/>
+              <a:lstStyle/>
+              <a:p>
+                <a:pPr algn="ctr"/>
+                <a:endParaRPr lang="en-IN"/>
+              </a:p>
+            </p:txBody>
+          </p:sp>
+          <p:sp>
+            <p:nvSpPr>
+              <p:cNvPr id="21" name="Isosceles Triangle 20"/>
+              <p:cNvSpPr/>
+              <p:nvPr/>
+            </p:nvSpPr>
+            <p:spPr>
+              <a:xfrm>
+                <a:off x="4074829" y="2446334"/>
+                <a:ext cx="802342" cy="545475"/>
+              </a:xfrm>
+              <a:prstGeom prst="triangle">
+                <a:avLst/>
+              </a:prstGeom>
+              <a:grpFill/>
+              <a:ln>
+                <a:noFill/>
+              </a:ln>
+            </p:spPr>
+            <p:style>
+              <a:lnRef idx="2">
+                <a:schemeClr val="accent1">
+                  <a:shade val="50000"/>
+                </a:schemeClr>
+              </a:lnRef>
+              <a:fillRef idx="1">
+                <a:schemeClr val="accent1"/>
+              </a:fillRef>
+              <a:effectRef idx="0">
+                <a:schemeClr val="accent1"/>
+              </a:effectRef>
+              <a:fontRef idx="minor">
+                <a:schemeClr val="lt1"/>
+              </a:fontRef>
+            </p:style>
+            <p:txBody>
+              <a:bodyPr rtlCol="0" anchor="ctr"/>
+              <a:lstStyle/>
+              <a:p>
+                <a:pPr algn="ctr"/>
+                <a:endParaRPr lang="en-IN"/>
+              </a:p>
+            </p:txBody>
+          </p:sp>
+        </p:grpSp>
+        <p:grpSp>
+          <p:nvGrpSpPr>
+            <p:cNvPr id="10" name="Group 9"/>
+            <p:cNvGrpSpPr/>
+            <p:nvPr/>
+          </p:nvGrpSpPr>
+          <p:grpSpPr>
+            <a:xfrm>
+              <a:off x="2301837" y="2800421"/>
+              <a:ext cx="757016" cy="2077852"/>
+              <a:chOff x="8938685" y="1618958"/>
+              <a:chExt cx="757016" cy="3241483"/>
+            </a:xfrm>
+            <a:solidFill>
+              <a:schemeClr val="bg2"/>
+            </a:solidFill>
+            <a:effectLst/>
+          </p:grpSpPr>
+          <p:sp>
+            <p:nvSpPr>
+              <p:cNvPr id="17" name="Trapezoid 16"/>
+              <p:cNvSpPr/>
+              <p:nvPr/>
+            </p:nvSpPr>
+            <p:spPr>
+              <a:xfrm>
+                <a:off x="8938685" y="2110796"/>
+                <a:ext cx="720000" cy="168807"/>
+              </a:xfrm>
+              <a:prstGeom prst="trapezoid">
+                <a:avLst>
+                  <a:gd name="adj" fmla="val 95532"/>
+                </a:avLst>
+              </a:prstGeom>
+              <a:grpFill/>
+              <a:ln>
+                <a:noFill/>
+              </a:ln>
+            </p:spPr>
+            <p:style>
+              <a:lnRef idx="2">
+                <a:schemeClr val="accent1">
+                  <a:shade val="50000"/>
+                </a:schemeClr>
+              </a:lnRef>
+              <a:fillRef idx="1">
+                <a:schemeClr val="accent1"/>
+              </a:fillRef>
+              <a:effectRef idx="0">
+                <a:schemeClr val="accent1"/>
+              </a:effectRef>
+              <a:fontRef idx="minor">
+                <a:schemeClr val="lt1"/>
+              </a:fontRef>
+            </p:style>
+            <p:txBody>
+              <a:bodyPr rtlCol="0" anchor="ctr"/>
+              <a:lstStyle/>
+              <a:p>
+                <a:pPr algn="ctr"/>
+                <a:endParaRPr lang="en-IN"/>
+              </a:p>
+            </p:txBody>
+          </p:sp>
+          <p:sp>
+            <p:nvSpPr>
+              <p:cNvPr id="18" name="Rectangle 17"/>
+              <p:cNvSpPr/>
+              <p:nvPr/>
+            </p:nvSpPr>
+            <p:spPr>
+              <a:xfrm>
+                <a:off x="8975701" y="1618958"/>
+                <a:ext cx="720000" cy="3241483"/>
+              </a:xfrm>
+              <a:prstGeom prst="rect">
+                <a:avLst/>
+              </a:prstGeom>
+              <a:grpFill/>
+              <a:ln>
+                <a:noFill/>
+              </a:ln>
+            </p:spPr>
+            <p:style>
+              <a:lnRef idx="2">
+                <a:schemeClr val="accent1">
+                  <a:shade val="50000"/>
+                </a:schemeClr>
+              </a:lnRef>
+              <a:fillRef idx="1">
+                <a:schemeClr val="accent1"/>
+              </a:fillRef>
+              <a:effectRef idx="0">
+                <a:schemeClr val="accent1"/>
+              </a:effectRef>
+              <a:fontRef idx="minor">
+                <a:schemeClr val="lt1"/>
+              </a:fontRef>
+            </p:style>
+            <p:txBody>
+              <a:bodyPr rtlCol="0" anchor="ctr"/>
+              <a:lstStyle/>
+              <a:p>
+                <a:pPr algn="ctr"/>
+                <a:endParaRPr lang="en-IN"/>
+              </a:p>
+            </p:txBody>
+          </p:sp>
+          <p:sp>
+            <p:nvSpPr>
+              <p:cNvPr id="19" name="Trapezoid 18"/>
+              <p:cNvSpPr/>
+              <p:nvPr/>
+            </p:nvSpPr>
+            <p:spPr>
+              <a:xfrm>
+                <a:off x="9178746" y="1941989"/>
+                <a:ext cx="239877" cy="168807"/>
+              </a:xfrm>
+              <a:prstGeom prst="trapezoid">
+                <a:avLst>
+                  <a:gd name="adj" fmla="val 95532"/>
+                </a:avLst>
+              </a:prstGeom>
+              <a:grpFill/>
+              <a:ln>
+                <a:noFill/>
+              </a:ln>
+            </p:spPr>
+            <p:style>
+              <a:lnRef idx="2">
+                <a:schemeClr val="accent1">
+                  <a:shade val="50000"/>
+                </a:schemeClr>
+              </a:lnRef>
+              <a:fillRef idx="1">
+                <a:schemeClr val="accent1"/>
+              </a:fillRef>
+              <a:effectRef idx="0">
+                <a:schemeClr val="accent1"/>
+              </a:effectRef>
+              <a:fontRef idx="minor">
+                <a:schemeClr val="lt1"/>
+              </a:fontRef>
+            </p:style>
+            <p:txBody>
+              <a:bodyPr rtlCol="0" anchor="ctr"/>
+              <a:lstStyle/>
+              <a:p>
+                <a:pPr algn="ctr"/>
+                <a:endParaRPr lang="en-IN"/>
+              </a:p>
+            </p:txBody>
+          </p:sp>
+        </p:grpSp>
+        <p:grpSp>
+          <p:nvGrpSpPr>
+            <p:cNvPr id="11" name="Group 10"/>
+            <p:cNvGrpSpPr/>
+            <p:nvPr/>
+          </p:nvGrpSpPr>
+          <p:grpSpPr>
+            <a:xfrm>
+              <a:off x="10821000" y="1607253"/>
+              <a:ext cx="1215000" cy="3271020"/>
+              <a:chOff x="2496000" y="583509"/>
+              <a:chExt cx="720000" cy="4303914"/>
+            </a:xfrm>
+            <a:solidFill>
+              <a:schemeClr val="bg2"/>
+            </a:solidFill>
+            <a:effectLst/>
+          </p:grpSpPr>
+          <p:sp>
+            <p:nvSpPr>
+              <p:cNvPr id="15" name="Rectangle 14"/>
+              <p:cNvSpPr/>
+              <p:nvPr/>
+            </p:nvSpPr>
+            <p:spPr>
+              <a:xfrm>
+                <a:off x="2496000" y="1269000"/>
+                <a:ext cx="720000" cy="3618423"/>
+              </a:xfrm>
+              <a:prstGeom prst="rect">
+                <a:avLst/>
+              </a:prstGeom>
+              <a:grpFill/>
+              <a:ln>
+                <a:noFill/>
+              </a:ln>
+            </p:spPr>
+            <p:style>
+              <a:lnRef idx="2">
+                <a:schemeClr val="accent1">
+                  <a:shade val="50000"/>
+                </a:schemeClr>
+              </a:lnRef>
+              <a:fillRef idx="1">
+                <a:schemeClr val="accent1"/>
+              </a:fillRef>
+              <a:effectRef idx="0">
+                <a:schemeClr val="accent1"/>
+              </a:effectRef>
+              <a:fontRef idx="minor">
+                <a:schemeClr val="lt1"/>
+              </a:fontRef>
+            </p:style>
+            <p:txBody>
+              <a:bodyPr rtlCol="0" anchor="ctr"/>
+              <a:lstStyle/>
+              <a:p>
+                <a:pPr algn="ctr"/>
+                <a:endParaRPr lang="en-IN"/>
+              </a:p>
+            </p:txBody>
+          </p:sp>
+          <p:sp>
+            <p:nvSpPr>
+              <p:cNvPr id="16" name="Rectangle 15"/>
+              <p:cNvSpPr/>
+              <p:nvPr/>
+            </p:nvSpPr>
+            <p:spPr>
+              <a:xfrm flipV="1">
+                <a:off x="2631000" y="583509"/>
+                <a:ext cx="27093" cy="792891"/>
+              </a:xfrm>
+              <a:prstGeom prst="rect">
+                <a:avLst/>
+              </a:prstGeom>
+              <a:grpFill/>
+              <a:ln>
+                <a:noFill/>
+              </a:ln>
+            </p:spPr>
+            <p:style>
+              <a:lnRef idx="2">
+                <a:schemeClr val="accent1">
+                  <a:shade val="50000"/>
+                </a:schemeClr>
+              </a:lnRef>
+              <a:fillRef idx="1">
+                <a:schemeClr val="accent1"/>
+              </a:fillRef>
+              <a:effectRef idx="0">
+                <a:schemeClr val="accent1"/>
+              </a:effectRef>
+              <a:fontRef idx="minor">
+                <a:schemeClr val="lt1"/>
+              </a:fontRef>
+            </p:style>
+            <p:txBody>
+              <a:bodyPr rtlCol="0" anchor="ctr"/>
+              <a:lstStyle/>
+              <a:p>
+                <a:pPr algn="ctr"/>
+                <a:endParaRPr lang="en-IN"/>
+              </a:p>
+            </p:txBody>
+          </p:sp>
+        </p:grpSp>
+        <p:grpSp>
+          <p:nvGrpSpPr>
+            <p:cNvPr id="12" name="Group 11"/>
+            <p:cNvGrpSpPr/>
+            <p:nvPr/>
+          </p:nvGrpSpPr>
+          <p:grpSpPr>
+            <a:xfrm>
+              <a:off x="1157748" y="2207546"/>
+              <a:ext cx="1032791" cy="2661403"/>
+              <a:chOff x="7960340" y="597000"/>
+              <a:chExt cx="720000" cy="4280760"/>
+            </a:xfrm>
+            <a:solidFill>
+              <a:schemeClr val="bg2"/>
+            </a:solidFill>
+            <a:effectLst/>
+          </p:grpSpPr>
+          <p:sp>
+            <p:nvSpPr>
+              <p:cNvPr id="13" name="Rectangle 12"/>
+              <p:cNvSpPr/>
+              <p:nvPr/>
+            </p:nvSpPr>
+            <p:spPr>
+              <a:xfrm>
+                <a:off x="7960340" y="911300"/>
+                <a:ext cx="720000" cy="3966460"/>
+              </a:xfrm>
+              <a:prstGeom prst="rect">
+                <a:avLst/>
+              </a:prstGeom>
+              <a:grpFill/>
+              <a:ln>
+                <a:noFill/>
+              </a:ln>
+            </p:spPr>
+            <p:style>
+              <a:lnRef idx="2">
+                <a:schemeClr val="accent1">
+                  <a:shade val="50000"/>
+                </a:schemeClr>
+              </a:lnRef>
+              <a:fillRef idx="1">
+                <a:schemeClr val="accent1"/>
+              </a:fillRef>
+              <a:effectRef idx="0">
+                <a:schemeClr val="accent1"/>
+              </a:effectRef>
+              <a:fontRef idx="minor">
+                <a:schemeClr val="lt1"/>
+              </a:fontRef>
+            </p:style>
+            <p:txBody>
+              <a:bodyPr rtlCol="0" anchor="ctr"/>
+              <a:lstStyle/>
+              <a:p>
+                <a:pPr algn="ctr"/>
+                <a:endParaRPr lang="en-IN"/>
+              </a:p>
+            </p:txBody>
+          </p:sp>
+          <p:sp>
+            <p:nvSpPr>
+              <p:cNvPr id="14" name="Rectangle 43"/>
+              <p:cNvSpPr/>
+              <p:nvPr/>
+            </p:nvSpPr>
+            <p:spPr>
+              <a:xfrm>
+                <a:off x="7964600" y="597000"/>
+                <a:ext cx="710300" cy="314300"/>
+              </a:xfrm>
+              <a:prstGeom prst="rtTriangle">
+                <a:avLst/>
+              </a:prstGeom>
+              <a:grpFill/>
+              <a:ln>
+                <a:noFill/>
+              </a:ln>
+            </p:spPr>
+            <p:style>
+              <a:lnRef idx="2">
+                <a:schemeClr val="accent1">
+                  <a:shade val="50000"/>
+                </a:schemeClr>
+              </a:lnRef>
+              <a:fillRef idx="1">
+                <a:schemeClr val="accent1"/>
+              </a:fillRef>
+              <a:effectRef idx="0">
+                <a:schemeClr val="accent1"/>
+              </a:effectRef>
+              <a:fontRef idx="minor">
+                <a:schemeClr val="lt1"/>
+              </a:fontRef>
+            </p:style>
+            <p:txBody>
+              <a:bodyPr rtlCol="0" anchor="ctr"/>
+              <a:lstStyle/>
+              <a:p>
+                <a:pPr algn="ctr"/>
+                <a:endParaRPr lang="en-IN"/>
+              </a:p>
+            </p:txBody>
+          </p:sp>
+        </p:grpSp>
+      </p:grpSp>
+    </p:spTree>
+    <p:extLst>
+      <p:ext uri="{BB962C8B-B14F-4D97-AF65-F5344CB8AC3E}">
+        <p14:creationId xmlns:p14="http://schemas.microsoft.com/office/powerpoint/2010/main" val="3627404951"/>
       </p:ext>
     </p:extLst>
   </p:cSld>
